--- a/Carrot AND Stick.pptx
+++ b/Carrot AND Stick.pptx
@@ -5,12 +5,15 @@
     <p:sldMasterId id="2147483648" r:id="rId1"/>
   </p:sldMasterIdLst>
   <p:sldIdLst>
-    <p:sldId id="259" r:id="rId2"/>
-    <p:sldId id="262" r:id="rId3"/>
-    <p:sldId id="268" r:id="rId4"/>
-    <p:sldId id="264" r:id="rId5"/>
-    <p:sldId id="265" r:id="rId6"/>
-    <p:sldId id="267" r:id="rId7"/>
+    <p:sldId id="269" r:id="rId2"/>
+    <p:sldId id="259" r:id="rId3"/>
+    <p:sldId id="262" r:id="rId4"/>
+    <p:sldId id="268" r:id="rId5"/>
+    <p:sldId id="264" r:id="rId6"/>
+    <p:sldId id="265" r:id="rId7"/>
+    <p:sldId id="267" r:id="rId8"/>
+    <p:sldId id="271" r:id="rId9"/>
+    <p:sldId id="272" r:id="rId10"/>
   </p:sldIdLst>
   <p:sldSz cx="12192000" cy="6858000"/>
   <p:notesSz cx="6858000" cy="9144000"/>
@@ -112,7 +115,7 @@
   <p:extLst>
     <p:ext uri="{EFAFB233-063F-42B5-8137-9DF3F51BA10A}">
       <p15:sldGuideLst xmlns:p15="http://schemas.microsoft.com/office/powerpoint/2012/main">
-        <p15:guide id="1" orient="horz" pos="2205" userDrawn="1">
+        <p15:guide id="1" orient="horz" pos="2160" userDrawn="1">
           <p15:clr>
             <a:srgbClr val="A4A3A4"/>
           </p15:clr>
@@ -257,7 +260,7 @@
           <a:p>
             <a:fld id="{8B9F15C9-92B9-4E75-9419-66BA160F044F}" type="datetimeFigureOut">
               <a:rPr lang="ko-KR" altLang="en-US" smtClean="0"/>
-              <a:t>2016-11-14</a:t>
+              <a:t>2016-12-12</a:t>
             </a:fld>
             <a:endParaRPr lang="ko-KR" altLang="en-US"/>
           </a:p>
@@ -425,7 +428,7 @@
           <a:p>
             <a:fld id="{8B9F15C9-92B9-4E75-9419-66BA160F044F}" type="datetimeFigureOut">
               <a:rPr lang="ko-KR" altLang="en-US" smtClean="0"/>
-              <a:t>2016-11-14</a:t>
+              <a:t>2016-12-12</a:t>
             </a:fld>
             <a:endParaRPr lang="ko-KR" altLang="en-US"/>
           </a:p>
@@ -603,7 +606,7 @@
           <a:p>
             <a:fld id="{8B9F15C9-92B9-4E75-9419-66BA160F044F}" type="datetimeFigureOut">
               <a:rPr lang="ko-KR" altLang="en-US" smtClean="0"/>
-              <a:t>2016-11-14</a:t>
+              <a:t>2016-12-12</a:t>
             </a:fld>
             <a:endParaRPr lang="ko-KR" altLang="en-US"/>
           </a:p>
@@ -771,7 +774,7 @@
           <a:p>
             <a:fld id="{8B9F15C9-92B9-4E75-9419-66BA160F044F}" type="datetimeFigureOut">
               <a:rPr lang="ko-KR" altLang="en-US" smtClean="0"/>
-              <a:t>2016-11-14</a:t>
+              <a:t>2016-12-12</a:t>
             </a:fld>
             <a:endParaRPr lang="ko-KR" altLang="en-US"/>
           </a:p>
@@ -1016,7 +1019,7 @@
           <a:p>
             <a:fld id="{8B9F15C9-92B9-4E75-9419-66BA160F044F}" type="datetimeFigureOut">
               <a:rPr lang="ko-KR" altLang="en-US" smtClean="0"/>
-              <a:t>2016-11-14</a:t>
+              <a:t>2016-12-12</a:t>
             </a:fld>
             <a:endParaRPr lang="ko-KR" altLang="en-US"/>
           </a:p>
@@ -1245,7 +1248,7 @@
           <a:p>
             <a:fld id="{8B9F15C9-92B9-4E75-9419-66BA160F044F}" type="datetimeFigureOut">
               <a:rPr lang="ko-KR" altLang="en-US" smtClean="0"/>
-              <a:t>2016-11-14</a:t>
+              <a:t>2016-12-12</a:t>
             </a:fld>
             <a:endParaRPr lang="ko-KR" altLang="en-US"/>
           </a:p>
@@ -1609,7 +1612,7 @@
           <a:p>
             <a:fld id="{8B9F15C9-92B9-4E75-9419-66BA160F044F}" type="datetimeFigureOut">
               <a:rPr lang="ko-KR" altLang="en-US" smtClean="0"/>
-              <a:t>2016-11-14</a:t>
+              <a:t>2016-12-12</a:t>
             </a:fld>
             <a:endParaRPr lang="ko-KR" altLang="en-US"/>
           </a:p>
@@ -1726,7 +1729,7 @@
           <a:p>
             <a:fld id="{8B9F15C9-92B9-4E75-9419-66BA160F044F}" type="datetimeFigureOut">
               <a:rPr lang="ko-KR" altLang="en-US" smtClean="0"/>
-              <a:t>2016-11-14</a:t>
+              <a:t>2016-12-12</a:t>
             </a:fld>
             <a:endParaRPr lang="ko-KR" altLang="en-US"/>
           </a:p>
@@ -1821,7 +1824,7 @@
           <a:p>
             <a:fld id="{8B9F15C9-92B9-4E75-9419-66BA160F044F}" type="datetimeFigureOut">
               <a:rPr lang="ko-KR" altLang="en-US" smtClean="0"/>
-              <a:t>2016-11-14</a:t>
+              <a:t>2016-12-12</a:t>
             </a:fld>
             <a:endParaRPr lang="ko-KR" altLang="en-US"/>
           </a:p>
@@ -2096,7 +2099,7 @@
           <a:p>
             <a:fld id="{8B9F15C9-92B9-4E75-9419-66BA160F044F}" type="datetimeFigureOut">
               <a:rPr lang="ko-KR" altLang="en-US" smtClean="0"/>
-              <a:t>2016-11-14</a:t>
+              <a:t>2016-12-12</a:t>
             </a:fld>
             <a:endParaRPr lang="ko-KR" altLang="en-US"/>
           </a:p>
@@ -2348,7 +2351,7 @@
           <a:p>
             <a:fld id="{8B9F15C9-92B9-4E75-9419-66BA160F044F}" type="datetimeFigureOut">
               <a:rPr lang="ko-KR" altLang="en-US" smtClean="0"/>
-              <a:t>2016-11-14</a:t>
+              <a:t>2016-12-12</a:t>
             </a:fld>
             <a:endParaRPr lang="ko-KR" altLang="en-US"/>
           </a:p>
@@ -2559,7 +2562,7 @@
           <a:p>
             <a:fld id="{8B9F15C9-92B9-4E75-9419-66BA160F044F}" type="datetimeFigureOut">
               <a:rPr lang="ko-KR" altLang="en-US" smtClean="0"/>
-              <a:t>2016-11-14</a:t>
+              <a:t>2016-12-12</a:t>
             </a:fld>
             <a:endParaRPr lang="ko-KR" altLang="en-US"/>
           </a:p>
@@ -2966,6 +2969,192 @@
       </p:grpSpPr>
       <p:sp>
         <p:nvSpPr>
+          <p:cNvPr id="4" name="TextBox 52"/>
+          <p:cNvSpPr txBox="1"/>
+          <p:nvPr/>
+        </p:nvSpPr>
+        <p:spPr>
+          <a:xfrm>
+            <a:off x="5201414" y="3167390"/>
+            <a:ext cx="1789172" cy="523220"/>
+          </a:xfrm>
+          <a:prstGeom prst="rect">
+            <a:avLst/>
+          </a:prstGeom>
+          <a:noFill/>
+        </p:spPr>
+        <p:txBody>
+          <a:bodyPr wrap="square" rtlCol="0">
+            <a:spAutoFit/>
+          </a:bodyPr>
+          <a:lstStyle>
+            <a:defPPr>
+              <a:defRPr lang="ko-KR"/>
+            </a:defPPr>
+            <a:lvl1pPr marL="0" algn="l" defTabSz="914400" rtl="0" eaLnBrk="1" latinLnBrk="1" hangingPunct="1">
+              <a:defRPr sz="1800" kern="1200">
+                <a:solidFill>
+                  <a:schemeClr val="tx1"/>
+                </a:solidFill>
+                <a:latin typeface="+mn-lt"/>
+                <a:ea typeface="+mn-ea"/>
+                <a:cs typeface="+mn-cs"/>
+              </a:defRPr>
+            </a:lvl1pPr>
+            <a:lvl2pPr marL="457200" algn="l" defTabSz="914400" rtl="0" eaLnBrk="1" latinLnBrk="1" hangingPunct="1">
+              <a:defRPr sz="1800" kern="1200">
+                <a:solidFill>
+                  <a:schemeClr val="tx1"/>
+                </a:solidFill>
+                <a:latin typeface="+mn-lt"/>
+                <a:ea typeface="+mn-ea"/>
+                <a:cs typeface="+mn-cs"/>
+              </a:defRPr>
+            </a:lvl2pPr>
+            <a:lvl3pPr marL="914400" algn="l" defTabSz="914400" rtl="0" eaLnBrk="1" latinLnBrk="1" hangingPunct="1">
+              <a:defRPr sz="1800" kern="1200">
+                <a:solidFill>
+                  <a:schemeClr val="tx1"/>
+                </a:solidFill>
+                <a:latin typeface="+mn-lt"/>
+                <a:ea typeface="+mn-ea"/>
+                <a:cs typeface="+mn-cs"/>
+              </a:defRPr>
+            </a:lvl3pPr>
+            <a:lvl4pPr marL="1371600" algn="l" defTabSz="914400" rtl="0" eaLnBrk="1" latinLnBrk="1" hangingPunct="1">
+              <a:defRPr sz="1800" kern="1200">
+                <a:solidFill>
+                  <a:schemeClr val="tx1"/>
+                </a:solidFill>
+                <a:latin typeface="+mn-lt"/>
+                <a:ea typeface="+mn-ea"/>
+                <a:cs typeface="+mn-cs"/>
+              </a:defRPr>
+            </a:lvl4pPr>
+            <a:lvl5pPr marL="1828800" algn="l" defTabSz="914400" rtl="0" eaLnBrk="1" latinLnBrk="1" hangingPunct="1">
+              <a:defRPr sz="1800" kern="1200">
+                <a:solidFill>
+                  <a:schemeClr val="tx1"/>
+                </a:solidFill>
+                <a:latin typeface="+mn-lt"/>
+                <a:ea typeface="+mn-ea"/>
+                <a:cs typeface="+mn-cs"/>
+              </a:defRPr>
+            </a:lvl5pPr>
+            <a:lvl6pPr marL="2286000" algn="l" defTabSz="914400" rtl="0" eaLnBrk="1" latinLnBrk="1" hangingPunct="1">
+              <a:defRPr sz="1800" kern="1200">
+                <a:solidFill>
+                  <a:schemeClr val="tx1"/>
+                </a:solidFill>
+                <a:latin typeface="+mn-lt"/>
+                <a:ea typeface="+mn-ea"/>
+                <a:cs typeface="+mn-cs"/>
+              </a:defRPr>
+            </a:lvl6pPr>
+            <a:lvl7pPr marL="2743200" algn="l" defTabSz="914400" rtl="0" eaLnBrk="1" latinLnBrk="1" hangingPunct="1">
+              <a:defRPr sz="1800" kern="1200">
+                <a:solidFill>
+                  <a:schemeClr val="tx1"/>
+                </a:solidFill>
+                <a:latin typeface="+mn-lt"/>
+                <a:ea typeface="+mn-ea"/>
+                <a:cs typeface="+mn-cs"/>
+              </a:defRPr>
+            </a:lvl7pPr>
+            <a:lvl8pPr marL="3200400" algn="l" defTabSz="914400" rtl="0" eaLnBrk="1" latinLnBrk="1" hangingPunct="1">
+              <a:defRPr sz="1800" kern="1200">
+                <a:solidFill>
+                  <a:schemeClr val="tx1"/>
+                </a:solidFill>
+                <a:latin typeface="+mn-lt"/>
+                <a:ea typeface="+mn-ea"/>
+                <a:cs typeface="+mn-cs"/>
+              </a:defRPr>
+            </a:lvl8pPr>
+            <a:lvl9pPr marL="3657600" algn="l" defTabSz="914400" rtl="0" eaLnBrk="1" latinLnBrk="1" hangingPunct="1">
+              <a:defRPr sz="1800" kern="1200">
+                <a:solidFill>
+                  <a:schemeClr val="tx1"/>
+                </a:solidFill>
+                <a:latin typeface="+mn-lt"/>
+                <a:ea typeface="+mn-ea"/>
+                <a:cs typeface="+mn-cs"/>
+              </a:defRPr>
+            </a:lvl9pPr>
+          </a:lstStyle>
+          <a:p>
+            <a:pPr marL="177800" indent="-177800" algn="ctr"/>
+            <a:r>
+              <a:rPr lang="ko-KR" altLang="en-US" sz="2800" b="1" spc="-20" dirty="0">
+                <a:solidFill>
+                  <a:schemeClr val="tx1">
+                    <a:lumMod val="65000"/>
+                    <a:lumOff val="35000"/>
+                  </a:schemeClr>
+                </a:solidFill>
+                <a:latin typeface="나눔고딕" pitchFamily="50" charset="-127"/>
+                <a:ea typeface="나눔고딕" pitchFamily="50" charset="-127"/>
+              </a:rPr>
+              <a:t>개선</a:t>
+            </a:r>
+            <a:r>
+              <a:rPr lang="en-US" altLang="ko-KR" sz="2800" b="1" spc="-20" dirty="0">
+                <a:solidFill>
+                  <a:schemeClr val="tx1">
+                    <a:lumMod val="65000"/>
+                    <a:lumOff val="35000"/>
+                  </a:schemeClr>
+                </a:solidFill>
+                <a:latin typeface="나눔고딕" pitchFamily="50" charset="-127"/>
+                <a:ea typeface="나눔고딕" pitchFamily="50" charset="-127"/>
+              </a:rPr>
+              <a:t>!</a:t>
+            </a:r>
+            <a:endParaRPr lang="en-US" altLang="ko-KR" sz="2800" spc="-20" dirty="0">
+              <a:solidFill>
+                <a:schemeClr val="tx1">
+                  <a:lumMod val="65000"/>
+                  <a:lumOff val="35000"/>
+                </a:schemeClr>
+              </a:solidFill>
+              <a:latin typeface="나눔고딕" pitchFamily="50" charset="-127"/>
+              <a:ea typeface="나눔고딕" pitchFamily="50" charset="-127"/>
+            </a:endParaRPr>
+          </a:p>
+        </p:txBody>
+      </p:sp>
+    </p:spTree>
+    <p:extLst>
+      <p:ext uri="{BB962C8B-B14F-4D97-AF65-F5344CB8AC3E}">
+        <p14:creationId xmlns:p14="http://schemas.microsoft.com/office/powerpoint/2010/main" val="60591036"/>
+      </p:ext>
+    </p:extLst>
+  </p:cSld>
+  <p:clrMapOvr>
+    <a:masterClrMapping/>
+  </p:clrMapOvr>
+</p:sld>
+</file>
+
+<file path=ppt/slides/slide2.xml><?xml version="1.0" encoding="utf-8"?>
+<p:sld xmlns:a="http://schemas.openxmlformats.org/drawingml/2006/main" xmlns:r="http://schemas.openxmlformats.org/officeDocument/2006/relationships" xmlns:p="http://schemas.openxmlformats.org/presentationml/2006/main">
+  <p:cSld>
+    <p:spTree>
+      <p:nvGrpSpPr>
+        <p:cNvPr id="1" name=""/>
+        <p:cNvGrpSpPr/>
+        <p:nvPr/>
+      </p:nvGrpSpPr>
+      <p:grpSpPr>
+        <a:xfrm>
+          <a:off x="0" y="0"/>
+          <a:ext cx="0" cy="0"/>
+          <a:chOff x="0" y="0"/>
+          <a:chExt cx="0" cy="0"/>
+        </a:xfrm>
+      </p:grpSpPr>
+      <p:sp>
+        <p:nvSpPr>
           <p:cNvPr id="7" name="직사각형 6"/>
           <p:cNvSpPr/>
           <p:nvPr/>
@@ -6245,7 +6434,7 @@
                 </a:lnSpc>
               </a:pPr>
               <a:r>
-                <a:rPr lang="en-US" altLang="ko-KR" sz="1400" b="1" spc="-20" dirty="0" err="1">
+                <a:rPr lang="en-US" altLang="ko-KR" sz="1400" b="1" spc="-20" dirty="0">
                   <a:solidFill>
                     <a:schemeClr val="tx1">
                       <a:lumMod val="65000"/>
@@ -6609,7 +6798,7 @@
 </p:sld>
 </file>
 
-<file path=ppt/slides/slide2.xml><?xml version="1.0" encoding="utf-8"?>
+<file path=ppt/slides/slide3.xml><?xml version="1.0" encoding="utf-8"?>
 <p:sld xmlns:a="http://schemas.openxmlformats.org/drawingml/2006/main" xmlns:r="http://schemas.openxmlformats.org/officeDocument/2006/relationships" xmlns:p="http://schemas.openxmlformats.org/presentationml/2006/main">
   <p:cSld>
     <p:spTree>
@@ -10215,7 +10404,7 @@
                 </a:lnSpc>
               </a:pPr>
               <a:r>
-                <a:rPr lang="en-US" altLang="ko-KR" sz="1400" b="1" spc="-20" dirty="0" err="1">
+                <a:rPr lang="en-US" altLang="ko-KR" sz="1400" b="1" spc="-20" dirty="0">
                   <a:solidFill>
                     <a:schemeClr val="tx1">
                       <a:lumMod val="65000"/>
@@ -10321,7 +10510,7 @@
 </p:sld>
 </file>
 
-<file path=ppt/slides/slide3.xml><?xml version="1.0" encoding="utf-8"?>
+<file path=ppt/slides/slide4.xml><?xml version="1.0" encoding="utf-8"?>
 <p:sld xmlns:a="http://schemas.openxmlformats.org/drawingml/2006/main" xmlns:r="http://schemas.openxmlformats.org/officeDocument/2006/relationships" xmlns:p="http://schemas.openxmlformats.org/presentationml/2006/main">
   <p:cSld>
     <p:spTree>
@@ -13669,7 +13858,7 @@
                 </a:lnSpc>
               </a:pPr>
               <a:r>
-                <a:rPr lang="en-US" altLang="ko-KR" sz="1400" b="1" spc="-20" dirty="0" err="1">
+                <a:rPr lang="en-US" altLang="ko-KR" sz="1400" b="1" spc="-20" dirty="0">
                   <a:solidFill>
                     <a:schemeClr val="tx1">
                       <a:lumMod val="65000"/>
@@ -15070,7 +15259,7 @@
 </p:sld>
 </file>
 
-<file path=ppt/slides/slide4.xml><?xml version="1.0" encoding="utf-8"?>
+<file path=ppt/slides/slide5.xml><?xml version="1.0" encoding="utf-8"?>
 <p:sld xmlns:a="http://schemas.openxmlformats.org/drawingml/2006/main" xmlns:r="http://schemas.openxmlformats.org/officeDocument/2006/relationships" xmlns:p="http://schemas.openxmlformats.org/presentationml/2006/main">
   <p:cSld>
     <p:spTree>
@@ -18404,7 +18593,7 @@
               </a:lnSpc>
             </a:pPr>
             <a:r>
-              <a:rPr lang="en-US" altLang="ko-KR" sz="1400" b="1" spc="-20" dirty="0" err="1">
+              <a:rPr lang="en-US" altLang="ko-KR" sz="1400" b="1" spc="-20" dirty="0">
                 <a:solidFill>
                   <a:schemeClr val="tx1">
                     <a:lumMod val="65000"/>
@@ -19448,7 +19637,7 @@
 </p:sld>
 </file>
 
-<file path=ppt/slides/slide5.xml><?xml version="1.0" encoding="utf-8"?>
+<file path=ppt/slides/slide6.xml><?xml version="1.0" encoding="utf-8"?>
 <p:sld xmlns:a="http://schemas.openxmlformats.org/drawingml/2006/main" xmlns:r="http://schemas.openxmlformats.org/officeDocument/2006/relationships" xmlns:p="http://schemas.openxmlformats.org/presentationml/2006/main">
   <p:cSld>
     <p:spTree>
@@ -22746,7 +22935,7 @@
                 </a:lnSpc>
               </a:pPr>
               <a:r>
-                <a:rPr lang="en-US" altLang="ko-KR" sz="1400" b="1" spc="-20" dirty="0" err="1">
+                <a:rPr lang="en-US" altLang="ko-KR" sz="1400" b="1" spc="-20" dirty="0">
                   <a:solidFill>
                     <a:schemeClr val="tx1">
                       <a:lumMod val="65000"/>
@@ -23110,7 +23299,7 @@
 </p:sld>
 </file>
 
-<file path=ppt/slides/slide6.xml><?xml version="1.0" encoding="utf-8"?>
+<file path=ppt/slides/slide7.xml><?xml version="1.0" encoding="utf-8"?>
 <p:sld xmlns:a="http://schemas.openxmlformats.org/drawingml/2006/main" xmlns:r="http://schemas.openxmlformats.org/officeDocument/2006/relationships" xmlns:p="http://schemas.openxmlformats.org/presentationml/2006/main">
   <p:cSld>
     <p:spTree>
@@ -25973,7 +26162,7 @@
                 </a:lnSpc>
               </a:pPr>
               <a:r>
-                <a:rPr lang="en-US" altLang="ko-KR" sz="1400" b="1" spc="-20" dirty="0" err="1">
+                <a:rPr lang="en-US" altLang="ko-KR" sz="1400" b="1" spc="-20" dirty="0">
                   <a:solidFill>
                     <a:schemeClr val="tx1">
                       <a:lumMod val="65000"/>
@@ -28166,6 +28355,8078 @@
 </p:sld>
 </file>
 
+<file path=ppt/slides/slide8.xml><?xml version="1.0" encoding="utf-8"?>
+<p:sld xmlns:a="http://schemas.openxmlformats.org/drawingml/2006/main" xmlns:r="http://schemas.openxmlformats.org/officeDocument/2006/relationships" xmlns:p="http://schemas.openxmlformats.org/presentationml/2006/main">
+  <p:cSld>
+    <p:spTree>
+      <p:nvGrpSpPr>
+        <p:cNvPr id="1" name=""/>
+        <p:cNvGrpSpPr/>
+        <p:nvPr/>
+      </p:nvGrpSpPr>
+      <p:grpSpPr>
+        <a:xfrm>
+          <a:off x="0" y="0"/>
+          <a:ext cx="0" cy="0"/>
+          <a:chOff x="0" y="0"/>
+          <a:chExt cx="0" cy="0"/>
+        </a:xfrm>
+      </p:grpSpPr>
+      <p:sp>
+        <p:nvSpPr>
+          <p:cNvPr id="4" name="TextBox 52"/>
+          <p:cNvSpPr txBox="1"/>
+          <p:nvPr/>
+        </p:nvSpPr>
+        <p:spPr>
+          <a:xfrm>
+            <a:off x="5201414" y="3167390"/>
+            <a:ext cx="1789172" cy="523220"/>
+          </a:xfrm>
+          <a:prstGeom prst="rect">
+            <a:avLst/>
+          </a:prstGeom>
+          <a:noFill/>
+        </p:spPr>
+        <p:txBody>
+          <a:bodyPr wrap="square" rtlCol="0">
+            <a:spAutoFit/>
+          </a:bodyPr>
+          <a:lstStyle>
+            <a:defPPr>
+              <a:defRPr lang="ko-KR"/>
+            </a:defPPr>
+            <a:lvl1pPr marL="0" algn="l" defTabSz="914400" rtl="0" eaLnBrk="1" latinLnBrk="1" hangingPunct="1">
+              <a:defRPr sz="1800" kern="1200">
+                <a:solidFill>
+                  <a:schemeClr val="tx1"/>
+                </a:solidFill>
+                <a:latin typeface="+mn-lt"/>
+                <a:ea typeface="+mn-ea"/>
+                <a:cs typeface="+mn-cs"/>
+              </a:defRPr>
+            </a:lvl1pPr>
+            <a:lvl2pPr marL="457200" algn="l" defTabSz="914400" rtl="0" eaLnBrk="1" latinLnBrk="1" hangingPunct="1">
+              <a:defRPr sz="1800" kern="1200">
+                <a:solidFill>
+                  <a:schemeClr val="tx1"/>
+                </a:solidFill>
+                <a:latin typeface="+mn-lt"/>
+                <a:ea typeface="+mn-ea"/>
+                <a:cs typeface="+mn-cs"/>
+              </a:defRPr>
+            </a:lvl2pPr>
+            <a:lvl3pPr marL="914400" algn="l" defTabSz="914400" rtl="0" eaLnBrk="1" latinLnBrk="1" hangingPunct="1">
+              <a:defRPr sz="1800" kern="1200">
+                <a:solidFill>
+                  <a:schemeClr val="tx1"/>
+                </a:solidFill>
+                <a:latin typeface="+mn-lt"/>
+                <a:ea typeface="+mn-ea"/>
+                <a:cs typeface="+mn-cs"/>
+              </a:defRPr>
+            </a:lvl3pPr>
+            <a:lvl4pPr marL="1371600" algn="l" defTabSz="914400" rtl="0" eaLnBrk="1" latinLnBrk="1" hangingPunct="1">
+              <a:defRPr sz="1800" kern="1200">
+                <a:solidFill>
+                  <a:schemeClr val="tx1"/>
+                </a:solidFill>
+                <a:latin typeface="+mn-lt"/>
+                <a:ea typeface="+mn-ea"/>
+                <a:cs typeface="+mn-cs"/>
+              </a:defRPr>
+            </a:lvl4pPr>
+            <a:lvl5pPr marL="1828800" algn="l" defTabSz="914400" rtl="0" eaLnBrk="1" latinLnBrk="1" hangingPunct="1">
+              <a:defRPr sz="1800" kern="1200">
+                <a:solidFill>
+                  <a:schemeClr val="tx1"/>
+                </a:solidFill>
+                <a:latin typeface="+mn-lt"/>
+                <a:ea typeface="+mn-ea"/>
+                <a:cs typeface="+mn-cs"/>
+              </a:defRPr>
+            </a:lvl5pPr>
+            <a:lvl6pPr marL="2286000" algn="l" defTabSz="914400" rtl="0" eaLnBrk="1" latinLnBrk="1" hangingPunct="1">
+              <a:defRPr sz="1800" kern="1200">
+                <a:solidFill>
+                  <a:schemeClr val="tx1"/>
+                </a:solidFill>
+                <a:latin typeface="+mn-lt"/>
+                <a:ea typeface="+mn-ea"/>
+                <a:cs typeface="+mn-cs"/>
+              </a:defRPr>
+            </a:lvl6pPr>
+            <a:lvl7pPr marL="2743200" algn="l" defTabSz="914400" rtl="0" eaLnBrk="1" latinLnBrk="1" hangingPunct="1">
+              <a:defRPr sz="1800" kern="1200">
+                <a:solidFill>
+                  <a:schemeClr val="tx1"/>
+                </a:solidFill>
+                <a:latin typeface="+mn-lt"/>
+                <a:ea typeface="+mn-ea"/>
+                <a:cs typeface="+mn-cs"/>
+              </a:defRPr>
+            </a:lvl7pPr>
+            <a:lvl8pPr marL="3200400" algn="l" defTabSz="914400" rtl="0" eaLnBrk="1" latinLnBrk="1" hangingPunct="1">
+              <a:defRPr sz="1800" kern="1200">
+                <a:solidFill>
+                  <a:schemeClr val="tx1"/>
+                </a:solidFill>
+                <a:latin typeface="+mn-lt"/>
+                <a:ea typeface="+mn-ea"/>
+                <a:cs typeface="+mn-cs"/>
+              </a:defRPr>
+            </a:lvl8pPr>
+            <a:lvl9pPr marL="3657600" algn="l" defTabSz="914400" rtl="0" eaLnBrk="1" latinLnBrk="1" hangingPunct="1">
+              <a:defRPr sz="1800" kern="1200">
+                <a:solidFill>
+                  <a:schemeClr val="tx1"/>
+                </a:solidFill>
+                <a:latin typeface="+mn-lt"/>
+                <a:ea typeface="+mn-ea"/>
+                <a:cs typeface="+mn-cs"/>
+              </a:defRPr>
+            </a:lvl9pPr>
+          </a:lstStyle>
+          <a:p>
+            <a:pPr marL="177800" indent="-177800" algn="ctr"/>
+            <a:r>
+              <a:rPr lang="en-US" altLang="ko-KR" sz="2800" b="1" spc="-20" dirty="0">
+                <a:solidFill>
+                  <a:schemeClr val="tx1">
+                    <a:lumMod val="65000"/>
+                    <a:lumOff val="35000"/>
+                  </a:schemeClr>
+                </a:solidFill>
+                <a:latin typeface="나눔고딕" pitchFamily="50" charset="-127"/>
+                <a:ea typeface="나눔고딕" pitchFamily="50" charset="-127"/>
+              </a:rPr>
+              <a:t>Message</a:t>
+            </a:r>
+            <a:endParaRPr lang="en-US" altLang="ko-KR" sz="2800" spc="-20" dirty="0">
+              <a:solidFill>
+                <a:schemeClr val="tx1">
+                  <a:lumMod val="65000"/>
+                  <a:lumOff val="35000"/>
+                </a:schemeClr>
+              </a:solidFill>
+              <a:latin typeface="나눔고딕" pitchFamily="50" charset="-127"/>
+              <a:ea typeface="나눔고딕" pitchFamily="50" charset="-127"/>
+            </a:endParaRPr>
+          </a:p>
+        </p:txBody>
+      </p:sp>
+    </p:spTree>
+    <p:extLst>
+      <p:ext uri="{BB962C8B-B14F-4D97-AF65-F5344CB8AC3E}">
+        <p14:creationId xmlns:p14="http://schemas.microsoft.com/office/powerpoint/2010/main" val="16271182"/>
+      </p:ext>
+    </p:extLst>
+  </p:cSld>
+  <p:clrMapOvr>
+    <a:masterClrMapping/>
+  </p:clrMapOvr>
+</p:sld>
+</file>
+
+<file path=ppt/slides/slide9.xml><?xml version="1.0" encoding="utf-8"?>
+<p:sld xmlns:a="http://schemas.openxmlformats.org/drawingml/2006/main" xmlns:r="http://schemas.openxmlformats.org/officeDocument/2006/relationships" xmlns:p="http://schemas.openxmlformats.org/presentationml/2006/main">
+  <p:cSld>
+    <p:spTree>
+      <p:nvGrpSpPr>
+        <p:cNvPr id="1" name=""/>
+        <p:cNvGrpSpPr/>
+        <p:nvPr/>
+      </p:nvGrpSpPr>
+      <p:grpSpPr>
+        <a:xfrm>
+          <a:off x="0" y="0"/>
+          <a:ext cx="0" cy="0"/>
+          <a:chOff x="0" y="0"/>
+          <a:chExt cx="0" cy="0"/>
+        </a:xfrm>
+      </p:grpSpPr>
+      <p:sp>
+        <p:nvSpPr>
+          <p:cNvPr id="4" name="직사각형 3"/>
+          <p:cNvSpPr/>
+          <p:nvPr/>
+        </p:nvSpPr>
+        <p:spPr>
+          <a:xfrm>
+            <a:off x="3609090" y="487831"/>
+            <a:ext cx="4973822" cy="1832878"/>
+          </a:xfrm>
+          <a:prstGeom prst="rect">
+            <a:avLst/>
+          </a:prstGeom>
+          <a:gradFill>
+            <a:gsLst>
+              <a:gs pos="100000">
+                <a:srgbClr val="489127"/>
+              </a:gs>
+              <a:gs pos="15000">
+                <a:srgbClr val="80DB4D"/>
+              </a:gs>
+            </a:gsLst>
+            <a:lin ang="5400000" scaled="0"/>
+          </a:gradFill>
+          <a:ln w="63500">
+            <a:noFill/>
+          </a:ln>
+          <a:effectLst>
+            <a:outerShdw blurRad="127000" dist="76200" dir="5400000" algn="t" rotWithShape="0">
+              <a:prstClr val="black">
+                <a:alpha val="40000"/>
+              </a:prstClr>
+            </a:outerShdw>
+            <a:reflection blurRad="6350" stA="50000" endA="300" endPos="38500" dist="50800" dir="5400000" sy="-100000" algn="bl" rotWithShape="0"/>
+          </a:effectLst>
+          <a:scene3d>
+            <a:camera prst="orthographicFront"/>
+            <a:lightRig rig="threePt" dir="t"/>
+          </a:scene3d>
+          <a:sp3d>
+            <a:bevelT w="50800" h="38100"/>
+          </a:sp3d>
+        </p:spPr>
+        <p:style>
+          <a:lnRef idx="2">
+            <a:schemeClr val="accent1">
+              <a:shade val="50000"/>
+            </a:schemeClr>
+          </a:lnRef>
+          <a:fillRef idx="1">
+            <a:schemeClr val="accent1"/>
+          </a:fillRef>
+          <a:effectRef idx="0">
+            <a:schemeClr val="accent1"/>
+          </a:effectRef>
+          <a:fontRef idx="minor">
+            <a:schemeClr val="lt1"/>
+          </a:fontRef>
+        </p:style>
+        <p:txBody>
+          <a:bodyPr rtlCol="0" anchor="ctr"/>
+          <a:lstStyle>
+            <a:defPPr>
+              <a:defRPr lang="ko-KR"/>
+            </a:defPPr>
+            <a:lvl1pPr marL="0" algn="l" defTabSz="914400" rtl="0" eaLnBrk="1" latinLnBrk="1" hangingPunct="1">
+              <a:defRPr sz="1800" kern="1200">
+                <a:solidFill>
+                  <a:schemeClr val="lt1"/>
+                </a:solidFill>
+                <a:latin typeface="+mn-lt"/>
+                <a:ea typeface="+mn-ea"/>
+                <a:cs typeface="+mn-cs"/>
+              </a:defRPr>
+            </a:lvl1pPr>
+            <a:lvl2pPr marL="457200" algn="l" defTabSz="914400" rtl="0" eaLnBrk="1" latinLnBrk="1" hangingPunct="1">
+              <a:defRPr sz="1800" kern="1200">
+                <a:solidFill>
+                  <a:schemeClr val="lt1"/>
+                </a:solidFill>
+                <a:latin typeface="+mn-lt"/>
+                <a:ea typeface="+mn-ea"/>
+                <a:cs typeface="+mn-cs"/>
+              </a:defRPr>
+            </a:lvl2pPr>
+            <a:lvl3pPr marL="914400" algn="l" defTabSz="914400" rtl="0" eaLnBrk="1" latinLnBrk="1" hangingPunct="1">
+              <a:defRPr sz="1800" kern="1200">
+                <a:solidFill>
+                  <a:schemeClr val="lt1"/>
+                </a:solidFill>
+                <a:latin typeface="+mn-lt"/>
+                <a:ea typeface="+mn-ea"/>
+                <a:cs typeface="+mn-cs"/>
+              </a:defRPr>
+            </a:lvl3pPr>
+            <a:lvl4pPr marL="1371600" algn="l" defTabSz="914400" rtl="0" eaLnBrk="1" latinLnBrk="1" hangingPunct="1">
+              <a:defRPr sz="1800" kern="1200">
+                <a:solidFill>
+                  <a:schemeClr val="lt1"/>
+                </a:solidFill>
+                <a:latin typeface="+mn-lt"/>
+                <a:ea typeface="+mn-ea"/>
+                <a:cs typeface="+mn-cs"/>
+              </a:defRPr>
+            </a:lvl4pPr>
+            <a:lvl5pPr marL="1828800" algn="l" defTabSz="914400" rtl="0" eaLnBrk="1" latinLnBrk="1" hangingPunct="1">
+              <a:defRPr sz="1800" kern="1200">
+                <a:solidFill>
+                  <a:schemeClr val="lt1"/>
+                </a:solidFill>
+                <a:latin typeface="+mn-lt"/>
+                <a:ea typeface="+mn-ea"/>
+                <a:cs typeface="+mn-cs"/>
+              </a:defRPr>
+            </a:lvl5pPr>
+            <a:lvl6pPr marL="2286000" algn="l" defTabSz="914400" rtl="0" eaLnBrk="1" latinLnBrk="1" hangingPunct="1">
+              <a:defRPr sz="1800" kern="1200">
+                <a:solidFill>
+                  <a:schemeClr val="lt1"/>
+                </a:solidFill>
+                <a:latin typeface="+mn-lt"/>
+                <a:ea typeface="+mn-ea"/>
+                <a:cs typeface="+mn-cs"/>
+              </a:defRPr>
+            </a:lvl6pPr>
+            <a:lvl7pPr marL="2743200" algn="l" defTabSz="914400" rtl="0" eaLnBrk="1" latinLnBrk="1" hangingPunct="1">
+              <a:defRPr sz="1800" kern="1200">
+                <a:solidFill>
+                  <a:schemeClr val="lt1"/>
+                </a:solidFill>
+                <a:latin typeface="+mn-lt"/>
+                <a:ea typeface="+mn-ea"/>
+                <a:cs typeface="+mn-cs"/>
+              </a:defRPr>
+            </a:lvl7pPr>
+            <a:lvl8pPr marL="3200400" algn="l" defTabSz="914400" rtl="0" eaLnBrk="1" latinLnBrk="1" hangingPunct="1">
+              <a:defRPr sz="1800" kern="1200">
+                <a:solidFill>
+                  <a:schemeClr val="lt1"/>
+                </a:solidFill>
+                <a:latin typeface="+mn-lt"/>
+                <a:ea typeface="+mn-ea"/>
+                <a:cs typeface="+mn-cs"/>
+              </a:defRPr>
+            </a:lvl8pPr>
+            <a:lvl9pPr marL="3657600" algn="l" defTabSz="914400" rtl="0" eaLnBrk="1" latinLnBrk="1" hangingPunct="1">
+              <a:defRPr sz="1800" kern="1200">
+                <a:solidFill>
+                  <a:schemeClr val="lt1"/>
+                </a:solidFill>
+                <a:latin typeface="+mn-lt"/>
+                <a:ea typeface="+mn-ea"/>
+                <a:cs typeface="+mn-cs"/>
+              </a:defRPr>
+            </a:lvl9pPr>
+          </a:lstStyle>
+          <a:p>
+            <a:pPr algn="ctr"/>
+            <a:endParaRPr lang="ko-KR" altLang="en-US" dirty="0"/>
+          </a:p>
+        </p:txBody>
+      </p:sp>
+      <p:sp>
+        <p:nvSpPr>
+          <p:cNvPr id="10" name="TextBox 52"/>
+          <p:cNvSpPr txBox="1"/>
+          <p:nvPr/>
+        </p:nvSpPr>
+        <p:spPr>
+          <a:xfrm>
+            <a:off x="4695644" y="612577"/>
+            <a:ext cx="2800712" cy="338554"/>
+          </a:xfrm>
+          <a:prstGeom prst="rect">
+            <a:avLst/>
+          </a:prstGeom>
+          <a:noFill/>
+        </p:spPr>
+        <p:txBody>
+          <a:bodyPr wrap="square" rtlCol="0">
+            <a:spAutoFit/>
+          </a:bodyPr>
+          <a:lstStyle>
+            <a:defPPr>
+              <a:defRPr lang="ko-KR"/>
+            </a:defPPr>
+            <a:lvl1pPr marL="0" algn="l" defTabSz="914400" rtl="0" eaLnBrk="1" latinLnBrk="1" hangingPunct="1">
+              <a:defRPr sz="1800" kern="1200">
+                <a:solidFill>
+                  <a:schemeClr val="tx1"/>
+                </a:solidFill>
+                <a:latin typeface="+mn-lt"/>
+                <a:ea typeface="+mn-ea"/>
+                <a:cs typeface="+mn-cs"/>
+              </a:defRPr>
+            </a:lvl1pPr>
+            <a:lvl2pPr marL="457200" algn="l" defTabSz="914400" rtl="0" eaLnBrk="1" latinLnBrk="1" hangingPunct="1">
+              <a:defRPr sz="1800" kern="1200">
+                <a:solidFill>
+                  <a:schemeClr val="tx1"/>
+                </a:solidFill>
+                <a:latin typeface="+mn-lt"/>
+                <a:ea typeface="+mn-ea"/>
+                <a:cs typeface="+mn-cs"/>
+              </a:defRPr>
+            </a:lvl2pPr>
+            <a:lvl3pPr marL="914400" algn="l" defTabSz="914400" rtl="0" eaLnBrk="1" latinLnBrk="1" hangingPunct="1">
+              <a:defRPr sz="1800" kern="1200">
+                <a:solidFill>
+                  <a:schemeClr val="tx1"/>
+                </a:solidFill>
+                <a:latin typeface="+mn-lt"/>
+                <a:ea typeface="+mn-ea"/>
+                <a:cs typeface="+mn-cs"/>
+              </a:defRPr>
+            </a:lvl3pPr>
+            <a:lvl4pPr marL="1371600" algn="l" defTabSz="914400" rtl="0" eaLnBrk="1" latinLnBrk="1" hangingPunct="1">
+              <a:defRPr sz="1800" kern="1200">
+                <a:solidFill>
+                  <a:schemeClr val="tx1"/>
+                </a:solidFill>
+                <a:latin typeface="+mn-lt"/>
+                <a:ea typeface="+mn-ea"/>
+                <a:cs typeface="+mn-cs"/>
+              </a:defRPr>
+            </a:lvl4pPr>
+            <a:lvl5pPr marL="1828800" algn="l" defTabSz="914400" rtl="0" eaLnBrk="1" latinLnBrk="1" hangingPunct="1">
+              <a:defRPr sz="1800" kern="1200">
+                <a:solidFill>
+                  <a:schemeClr val="tx1"/>
+                </a:solidFill>
+                <a:latin typeface="+mn-lt"/>
+                <a:ea typeface="+mn-ea"/>
+                <a:cs typeface="+mn-cs"/>
+              </a:defRPr>
+            </a:lvl5pPr>
+            <a:lvl6pPr marL="2286000" algn="l" defTabSz="914400" rtl="0" eaLnBrk="1" latinLnBrk="1" hangingPunct="1">
+              <a:defRPr sz="1800" kern="1200">
+                <a:solidFill>
+                  <a:schemeClr val="tx1"/>
+                </a:solidFill>
+                <a:latin typeface="+mn-lt"/>
+                <a:ea typeface="+mn-ea"/>
+                <a:cs typeface="+mn-cs"/>
+              </a:defRPr>
+            </a:lvl6pPr>
+            <a:lvl7pPr marL="2743200" algn="l" defTabSz="914400" rtl="0" eaLnBrk="1" latinLnBrk="1" hangingPunct="1">
+              <a:defRPr sz="1800" kern="1200">
+                <a:solidFill>
+                  <a:schemeClr val="tx1"/>
+                </a:solidFill>
+                <a:latin typeface="+mn-lt"/>
+                <a:ea typeface="+mn-ea"/>
+                <a:cs typeface="+mn-cs"/>
+              </a:defRPr>
+            </a:lvl7pPr>
+            <a:lvl8pPr marL="3200400" algn="l" defTabSz="914400" rtl="0" eaLnBrk="1" latinLnBrk="1" hangingPunct="1">
+              <a:defRPr sz="1800" kern="1200">
+                <a:solidFill>
+                  <a:schemeClr val="tx1"/>
+                </a:solidFill>
+                <a:latin typeface="+mn-lt"/>
+                <a:ea typeface="+mn-ea"/>
+                <a:cs typeface="+mn-cs"/>
+              </a:defRPr>
+            </a:lvl8pPr>
+            <a:lvl9pPr marL="3657600" algn="l" defTabSz="914400" rtl="0" eaLnBrk="1" latinLnBrk="1" hangingPunct="1">
+              <a:defRPr sz="1800" kern="1200">
+                <a:solidFill>
+                  <a:schemeClr val="tx1"/>
+                </a:solidFill>
+                <a:latin typeface="+mn-lt"/>
+                <a:ea typeface="+mn-ea"/>
+                <a:cs typeface="+mn-cs"/>
+              </a:defRPr>
+            </a:lvl9pPr>
+          </a:lstStyle>
+          <a:p>
+            <a:pPr marL="177800" indent="-177800">
+              <a:lnSpc>
+                <a:spcPct val="80000"/>
+              </a:lnSpc>
+            </a:pPr>
+            <a:r>
+              <a:rPr lang="en-US" altLang="ko-KR" sz="2000" b="1" spc="-20" dirty="0">
+                <a:solidFill>
+                  <a:schemeClr val="tx1">
+                    <a:lumMod val="65000"/>
+                    <a:lumOff val="35000"/>
+                  </a:schemeClr>
+                </a:solidFill>
+                <a:latin typeface="나눔고딕" pitchFamily="50" charset="-127"/>
+                <a:ea typeface="나눔고딕" pitchFamily="50" charset="-127"/>
+              </a:rPr>
+              <a:t>State Listener Receiver</a:t>
+            </a:r>
+            <a:endParaRPr lang="en-US" altLang="ko-KR" sz="2000" spc="-20" dirty="0">
+              <a:solidFill>
+                <a:schemeClr val="tx1">
+                  <a:lumMod val="65000"/>
+                  <a:lumOff val="35000"/>
+                </a:schemeClr>
+              </a:solidFill>
+              <a:latin typeface="나눔고딕" pitchFamily="50" charset="-127"/>
+              <a:ea typeface="나눔고딕" pitchFamily="50" charset="-127"/>
+            </a:endParaRPr>
+          </a:p>
+        </p:txBody>
+      </p:sp>
+      <p:sp>
+        <p:nvSpPr>
+          <p:cNvPr id="12" name="줄무늬가 있는 오른쪽 화살표 7"/>
+          <p:cNvSpPr/>
+          <p:nvPr/>
+        </p:nvSpPr>
+        <p:spPr>
+          <a:xfrm rot="5400000">
+            <a:off x="5757732" y="2526258"/>
+            <a:ext cx="676534" cy="410971"/>
+          </a:xfrm>
+          <a:prstGeom prst="stripedRightArrow">
+            <a:avLst>
+              <a:gd name="adj1" fmla="val 35284"/>
+              <a:gd name="adj2" fmla="val 66350"/>
+            </a:avLst>
+          </a:prstGeom>
+          <a:solidFill>
+            <a:schemeClr val="bg2">
+              <a:lumMod val="10000"/>
+            </a:schemeClr>
+          </a:solidFill>
+          <a:ln>
+            <a:solidFill>
+              <a:schemeClr val="bg2">
+                <a:lumMod val="75000"/>
+              </a:schemeClr>
+            </a:solidFill>
+          </a:ln>
+        </p:spPr>
+        <p:style>
+          <a:lnRef idx="2">
+            <a:schemeClr val="accent1">
+              <a:shade val="50000"/>
+            </a:schemeClr>
+          </a:lnRef>
+          <a:fillRef idx="1">
+            <a:schemeClr val="accent1"/>
+          </a:fillRef>
+          <a:effectRef idx="0">
+            <a:schemeClr val="accent1"/>
+          </a:effectRef>
+          <a:fontRef idx="minor">
+            <a:schemeClr val="lt1"/>
+          </a:fontRef>
+        </p:style>
+        <p:txBody>
+          <a:bodyPr rtlCol="0" anchor="ctr"/>
+          <a:lstStyle/>
+          <a:p>
+            <a:pPr algn="ctr"/>
+            <a:endParaRPr lang="ko-KR" altLang="en-US" b="1">
+              <a:ln w="22225">
+                <a:solidFill>
+                  <a:schemeClr val="accent2"/>
+                </a:solidFill>
+                <a:prstDash val="solid"/>
+              </a:ln>
+              <a:solidFill>
+                <a:schemeClr val="accent2">
+                  <a:lumMod val="40000"/>
+                  <a:lumOff val="60000"/>
+                </a:schemeClr>
+              </a:solidFill>
+            </a:endParaRPr>
+          </a:p>
+        </p:txBody>
+      </p:sp>
+      <p:grpSp>
+        <p:nvGrpSpPr>
+          <p:cNvPr id="21" name="그룹 20"/>
+          <p:cNvGrpSpPr/>
+          <p:nvPr/>
+        </p:nvGrpSpPr>
+        <p:grpSpPr>
+          <a:xfrm>
+            <a:off x="4011832" y="3141687"/>
+            <a:ext cx="4168337" cy="3227391"/>
+            <a:chOff x="4011831" y="2681703"/>
+            <a:chExt cx="4168337" cy="3227391"/>
+          </a:xfrm>
+        </p:grpSpPr>
+        <p:sp>
+          <p:nvSpPr>
+            <p:cNvPr id="14" name="직사각형 13"/>
+            <p:cNvSpPr/>
+            <p:nvPr/>
+          </p:nvSpPr>
+          <p:spPr>
+            <a:xfrm>
+              <a:off x="4011831" y="2681703"/>
+              <a:ext cx="4168337" cy="3227391"/>
+            </a:xfrm>
+            <a:prstGeom prst="rect">
+              <a:avLst/>
+            </a:prstGeom>
+            <a:gradFill>
+              <a:gsLst>
+                <a:gs pos="40000">
+                  <a:srgbClr val="FD8623"/>
+                </a:gs>
+                <a:gs pos="100000">
+                  <a:srgbClr val="FE5B00"/>
+                </a:gs>
+              </a:gsLst>
+              <a:lin ang="5400000" scaled="0"/>
+            </a:gradFill>
+            <a:ln w="63500">
+              <a:noFill/>
+            </a:ln>
+            <a:effectLst>
+              <a:outerShdw blurRad="127000" dist="76200" dir="5400000" algn="t" rotWithShape="0">
+                <a:prstClr val="black">
+                  <a:alpha val="40000"/>
+                </a:prstClr>
+              </a:outerShdw>
+              <a:reflection blurRad="6350" stA="50000" endA="300" endPos="38500" dist="50800" dir="5400000" sy="-100000" algn="bl" rotWithShape="0"/>
+            </a:effectLst>
+            <a:scene3d>
+              <a:camera prst="orthographicFront"/>
+              <a:lightRig rig="threePt" dir="t"/>
+            </a:scene3d>
+            <a:sp3d>
+              <a:bevelT w="50800" h="38100"/>
+            </a:sp3d>
+          </p:spPr>
+          <p:style>
+            <a:lnRef idx="2">
+              <a:schemeClr val="accent1">
+                <a:shade val="50000"/>
+              </a:schemeClr>
+            </a:lnRef>
+            <a:fillRef idx="1">
+              <a:schemeClr val="accent1"/>
+            </a:fillRef>
+            <a:effectRef idx="0">
+              <a:schemeClr val="accent1"/>
+            </a:effectRef>
+            <a:fontRef idx="minor">
+              <a:schemeClr val="lt1"/>
+            </a:fontRef>
+          </p:style>
+          <p:txBody>
+            <a:bodyPr rtlCol="0" anchor="ctr"/>
+            <a:lstStyle>
+              <a:defPPr>
+                <a:defRPr lang="ko-KR"/>
+              </a:defPPr>
+              <a:lvl1pPr marL="0" algn="l" defTabSz="914400" rtl="0" eaLnBrk="1" latinLnBrk="1" hangingPunct="1">
+                <a:defRPr sz="1800" kern="1200">
+                  <a:solidFill>
+                    <a:schemeClr val="lt1"/>
+                  </a:solidFill>
+                  <a:latin typeface="+mn-lt"/>
+                  <a:ea typeface="+mn-ea"/>
+                  <a:cs typeface="+mn-cs"/>
+                </a:defRPr>
+              </a:lvl1pPr>
+              <a:lvl2pPr marL="457200" algn="l" defTabSz="914400" rtl="0" eaLnBrk="1" latinLnBrk="1" hangingPunct="1">
+                <a:defRPr sz="1800" kern="1200">
+                  <a:solidFill>
+                    <a:schemeClr val="lt1"/>
+                  </a:solidFill>
+                  <a:latin typeface="+mn-lt"/>
+                  <a:ea typeface="+mn-ea"/>
+                  <a:cs typeface="+mn-cs"/>
+                </a:defRPr>
+              </a:lvl2pPr>
+              <a:lvl3pPr marL="914400" algn="l" defTabSz="914400" rtl="0" eaLnBrk="1" latinLnBrk="1" hangingPunct="1">
+                <a:defRPr sz="1800" kern="1200">
+                  <a:solidFill>
+                    <a:schemeClr val="lt1"/>
+                  </a:solidFill>
+                  <a:latin typeface="+mn-lt"/>
+                  <a:ea typeface="+mn-ea"/>
+                  <a:cs typeface="+mn-cs"/>
+                </a:defRPr>
+              </a:lvl3pPr>
+              <a:lvl4pPr marL="1371600" algn="l" defTabSz="914400" rtl="0" eaLnBrk="1" latinLnBrk="1" hangingPunct="1">
+                <a:defRPr sz="1800" kern="1200">
+                  <a:solidFill>
+                    <a:schemeClr val="lt1"/>
+                  </a:solidFill>
+                  <a:latin typeface="+mn-lt"/>
+                  <a:ea typeface="+mn-ea"/>
+                  <a:cs typeface="+mn-cs"/>
+                </a:defRPr>
+              </a:lvl4pPr>
+              <a:lvl5pPr marL="1828800" algn="l" defTabSz="914400" rtl="0" eaLnBrk="1" latinLnBrk="1" hangingPunct="1">
+                <a:defRPr sz="1800" kern="1200">
+                  <a:solidFill>
+                    <a:schemeClr val="lt1"/>
+                  </a:solidFill>
+                  <a:latin typeface="+mn-lt"/>
+                  <a:ea typeface="+mn-ea"/>
+                  <a:cs typeface="+mn-cs"/>
+                </a:defRPr>
+              </a:lvl5pPr>
+              <a:lvl6pPr marL="2286000" algn="l" defTabSz="914400" rtl="0" eaLnBrk="1" latinLnBrk="1" hangingPunct="1">
+                <a:defRPr sz="1800" kern="1200">
+                  <a:solidFill>
+                    <a:schemeClr val="lt1"/>
+                  </a:solidFill>
+                  <a:latin typeface="+mn-lt"/>
+                  <a:ea typeface="+mn-ea"/>
+                  <a:cs typeface="+mn-cs"/>
+                </a:defRPr>
+              </a:lvl6pPr>
+              <a:lvl7pPr marL="2743200" algn="l" defTabSz="914400" rtl="0" eaLnBrk="1" latinLnBrk="1" hangingPunct="1">
+                <a:defRPr sz="1800" kern="1200">
+                  <a:solidFill>
+                    <a:schemeClr val="lt1"/>
+                  </a:solidFill>
+                  <a:latin typeface="+mn-lt"/>
+                  <a:ea typeface="+mn-ea"/>
+                  <a:cs typeface="+mn-cs"/>
+                </a:defRPr>
+              </a:lvl7pPr>
+              <a:lvl8pPr marL="3200400" algn="l" defTabSz="914400" rtl="0" eaLnBrk="1" latinLnBrk="1" hangingPunct="1">
+                <a:defRPr sz="1800" kern="1200">
+                  <a:solidFill>
+                    <a:schemeClr val="lt1"/>
+                  </a:solidFill>
+                  <a:latin typeface="+mn-lt"/>
+                  <a:ea typeface="+mn-ea"/>
+                  <a:cs typeface="+mn-cs"/>
+                </a:defRPr>
+              </a:lvl8pPr>
+              <a:lvl9pPr marL="3657600" algn="l" defTabSz="914400" rtl="0" eaLnBrk="1" latinLnBrk="1" hangingPunct="1">
+                <a:defRPr sz="1800" kern="1200">
+                  <a:solidFill>
+                    <a:schemeClr val="lt1"/>
+                  </a:solidFill>
+                  <a:latin typeface="+mn-lt"/>
+                  <a:ea typeface="+mn-ea"/>
+                  <a:cs typeface="+mn-cs"/>
+                </a:defRPr>
+              </a:lvl9pPr>
+            </a:lstStyle>
+            <a:p>
+              <a:pPr algn="ctr"/>
+              <a:endParaRPr lang="ko-KR" altLang="en-US" dirty="0"/>
+            </a:p>
+          </p:txBody>
+        </p:sp>
+        <p:sp>
+          <p:nvSpPr>
+            <p:cNvPr id="15" name="TextBox 52"/>
+            <p:cNvSpPr txBox="1"/>
+            <p:nvPr/>
+          </p:nvSpPr>
+          <p:spPr>
+            <a:xfrm>
+              <a:off x="4814228" y="2798648"/>
+              <a:ext cx="2563544" cy="338554"/>
+            </a:xfrm>
+            <a:prstGeom prst="rect">
+              <a:avLst/>
+            </a:prstGeom>
+            <a:noFill/>
+          </p:spPr>
+          <p:txBody>
+            <a:bodyPr wrap="square" rtlCol="0">
+              <a:spAutoFit/>
+            </a:bodyPr>
+            <a:lstStyle>
+              <a:defPPr>
+                <a:defRPr lang="ko-KR"/>
+              </a:defPPr>
+              <a:lvl1pPr marL="0" algn="l" defTabSz="914400" rtl="0" eaLnBrk="1" latinLnBrk="1" hangingPunct="1">
+                <a:defRPr sz="1800" kern="1200">
+                  <a:solidFill>
+                    <a:schemeClr val="tx1"/>
+                  </a:solidFill>
+                  <a:latin typeface="+mn-lt"/>
+                  <a:ea typeface="+mn-ea"/>
+                  <a:cs typeface="+mn-cs"/>
+                </a:defRPr>
+              </a:lvl1pPr>
+              <a:lvl2pPr marL="457200" algn="l" defTabSz="914400" rtl="0" eaLnBrk="1" latinLnBrk="1" hangingPunct="1">
+                <a:defRPr sz="1800" kern="1200">
+                  <a:solidFill>
+                    <a:schemeClr val="tx1"/>
+                  </a:solidFill>
+                  <a:latin typeface="+mn-lt"/>
+                  <a:ea typeface="+mn-ea"/>
+                  <a:cs typeface="+mn-cs"/>
+                </a:defRPr>
+              </a:lvl2pPr>
+              <a:lvl3pPr marL="914400" algn="l" defTabSz="914400" rtl="0" eaLnBrk="1" latinLnBrk="1" hangingPunct="1">
+                <a:defRPr sz="1800" kern="1200">
+                  <a:solidFill>
+                    <a:schemeClr val="tx1"/>
+                  </a:solidFill>
+                  <a:latin typeface="+mn-lt"/>
+                  <a:ea typeface="+mn-ea"/>
+                  <a:cs typeface="+mn-cs"/>
+                </a:defRPr>
+              </a:lvl3pPr>
+              <a:lvl4pPr marL="1371600" algn="l" defTabSz="914400" rtl="0" eaLnBrk="1" latinLnBrk="1" hangingPunct="1">
+                <a:defRPr sz="1800" kern="1200">
+                  <a:solidFill>
+                    <a:schemeClr val="tx1"/>
+                  </a:solidFill>
+                  <a:latin typeface="+mn-lt"/>
+                  <a:ea typeface="+mn-ea"/>
+                  <a:cs typeface="+mn-cs"/>
+                </a:defRPr>
+              </a:lvl4pPr>
+              <a:lvl5pPr marL="1828800" algn="l" defTabSz="914400" rtl="0" eaLnBrk="1" latinLnBrk="1" hangingPunct="1">
+                <a:defRPr sz="1800" kern="1200">
+                  <a:solidFill>
+                    <a:schemeClr val="tx1"/>
+                  </a:solidFill>
+                  <a:latin typeface="+mn-lt"/>
+                  <a:ea typeface="+mn-ea"/>
+                  <a:cs typeface="+mn-cs"/>
+                </a:defRPr>
+              </a:lvl5pPr>
+              <a:lvl6pPr marL="2286000" algn="l" defTabSz="914400" rtl="0" eaLnBrk="1" latinLnBrk="1" hangingPunct="1">
+                <a:defRPr sz="1800" kern="1200">
+                  <a:solidFill>
+                    <a:schemeClr val="tx1"/>
+                  </a:solidFill>
+                  <a:latin typeface="+mn-lt"/>
+                  <a:ea typeface="+mn-ea"/>
+                  <a:cs typeface="+mn-cs"/>
+                </a:defRPr>
+              </a:lvl6pPr>
+              <a:lvl7pPr marL="2743200" algn="l" defTabSz="914400" rtl="0" eaLnBrk="1" latinLnBrk="1" hangingPunct="1">
+                <a:defRPr sz="1800" kern="1200">
+                  <a:solidFill>
+                    <a:schemeClr val="tx1"/>
+                  </a:solidFill>
+                  <a:latin typeface="+mn-lt"/>
+                  <a:ea typeface="+mn-ea"/>
+                  <a:cs typeface="+mn-cs"/>
+                </a:defRPr>
+              </a:lvl7pPr>
+              <a:lvl8pPr marL="3200400" algn="l" defTabSz="914400" rtl="0" eaLnBrk="1" latinLnBrk="1" hangingPunct="1">
+                <a:defRPr sz="1800" kern="1200">
+                  <a:solidFill>
+                    <a:schemeClr val="tx1"/>
+                  </a:solidFill>
+                  <a:latin typeface="+mn-lt"/>
+                  <a:ea typeface="+mn-ea"/>
+                  <a:cs typeface="+mn-cs"/>
+                </a:defRPr>
+              </a:lvl8pPr>
+              <a:lvl9pPr marL="3657600" algn="l" defTabSz="914400" rtl="0" eaLnBrk="1" latinLnBrk="1" hangingPunct="1">
+                <a:defRPr sz="1800" kern="1200">
+                  <a:solidFill>
+                    <a:schemeClr val="tx1"/>
+                  </a:solidFill>
+                  <a:latin typeface="+mn-lt"/>
+                  <a:ea typeface="+mn-ea"/>
+                  <a:cs typeface="+mn-cs"/>
+                </a:defRPr>
+              </a:lvl9pPr>
+            </a:lstStyle>
+            <a:p>
+              <a:pPr marL="177800" indent="-177800">
+                <a:lnSpc>
+                  <a:spcPct val="80000"/>
+                </a:lnSpc>
+              </a:pPr>
+              <a:r>
+                <a:rPr lang="en-US" altLang="ko-KR" sz="2000" b="1" spc="-20" dirty="0">
+                  <a:solidFill>
+                    <a:schemeClr val="tx1">
+                      <a:lumMod val="65000"/>
+                      <a:lumOff val="35000"/>
+                    </a:schemeClr>
+                  </a:solidFill>
+                  <a:latin typeface="나눔고딕" pitchFamily="50" charset="-127"/>
+                  <a:ea typeface="나눔고딕" pitchFamily="50" charset="-127"/>
+                </a:rPr>
+                <a:t>Background Service</a:t>
+              </a:r>
+              <a:endParaRPr lang="en-US" altLang="ko-KR" sz="2000" spc="-20" dirty="0">
+                <a:solidFill>
+                  <a:schemeClr val="tx1">
+                    <a:lumMod val="65000"/>
+                    <a:lumOff val="35000"/>
+                  </a:schemeClr>
+                </a:solidFill>
+                <a:latin typeface="나눔고딕" pitchFamily="50" charset="-127"/>
+                <a:ea typeface="나눔고딕" pitchFamily="50" charset="-127"/>
+              </a:endParaRPr>
+            </a:p>
+          </p:txBody>
+        </p:sp>
+      </p:grpSp>
+      <p:grpSp>
+        <p:nvGrpSpPr>
+          <p:cNvPr id="20" name="그룹 19"/>
+          <p:cNvGrpSpPr/>
+          <p:nvPr/>
+        </p:nvGrpSpPr>
+        <p:grpSpPr>
+          <a:xfrm>
+            <a:off x="299050" y="3142778"/>
+            <a:ext cx="2461404" cy="3227391"/>
+            <a:chOff x="720924" y="2681703"/>
+            <a:chExt cx="2461404" cy="3227391"/>
+          </a:xfrm>
+        </p:grpSpPr>
+        <p:sp>
+          <p:nvSpPr>
+            <p:cNvPr id="16" name="직사각형 15"/>
+            <p:cNvSpPr/>
+            <p:nvPr/>
+          </p:nvSpPr>
+          <p:spPr>
+            <a:xfrm>
+              <a:off x="720924" y="2681703"/>
+              <a:ext cx="2461404" cy="3227391"/>
+            </a:xfrm>
+            <a:prstGeom prst="rect">
+              <a:avLst/>
+            </a:prstGeom>
+            <a:gradFill>
+              <a:gsLst>
+                <a:gs pos="40000">
+                  <a:srgbClr val="FD8623"/>
+                </a:gs>
+                <a:gs pos="100000">
+                  <a:srgbClr val="FE5B00"/>
+                </a:gs>
+              </a:gsLst>
+              <a:lin ang="5400000" scaled="0"/>
+            </a:gradFill>
+            <a:ln w="63500">
+              <a:noFill/>
+            </a:ln>
+            <a:effectLst>
+              <a:outerShdw blurRad="127000" dist="76200" dir="5400000" algn="t" rotWithShape="0">
+                <a:prstClr val="black">
+                  <a:alpha val="40000"/>
+                </a:prstClr>
+              </a:outerShdw>
+              <a:reflection blurRad="6350" stA="50000" endA="300" endPos="38500" dist="50800" dir="5400000" sy="-100000" algn="bl" rotWithShape="0"/>
+            </a:effectLst>
+            <a:scene3d>
+              <a:camera prst="orthographicFront"/>
+              <a:lightRig rig="threePt" dir="t"/>
+            </a:scene3d>
+            <a:sp3d>
+              <a:bevelT w="50800" h="38100"/>
+            </a:sp3d>
+          </p:spPr>
+          <p:style>
+            <a:lnRef idx="2">
+              <a:schemeClr val="accent1">
+                <a:shade val="50000"/>
+              </a:schemeClr>
+            </a:lnRef>
+            <a:fillRef idx="1">
+              <a:schemeClr val="accent1"/>
+            </a:fillRef>
+            <a:effectRef idx="0">
+              <a:schemeClr val="accent1"/>
+            </a:effectRef>
+            <a:fontRef idx="minor">
+              <a:schemeClr val="lt1"/>
+            </a:fontRef>
+          </p:style>
+          <p:txBody>
+            <a:bodyPr rtlCol="0" anchor="ctr"/>
+            <a:lstStyle>
+              <a:defPPr>
+                <a:defRPr lang="ko-KR"/>
+              </a:defPPr>
+              <a:lvl1pPr marL="0" algn="l" defTabSz="914400" rtl="0" eaLnBrk="1" latinLnBrk="1" hangingPunct="1">
+                <a:defRPr sz="1800" kern="1200">
+                  <a:solidFill>
+                    <a:schemeClr val="lt1"/>
+                  </a:solidFill>
+                  <a:latin typeface="+mn-lt"/>
+                  <a:ea typeface="+mn-ea"/>
+                  <a:cs typeface="+mn-cs"/>
+                </a:defRPr>
+              </a:lvl1pPr>
+              <a:lvl2pPr marL="457200" algn="l" defTabSz="914400" rtl="0" eaLnBrk="1" latinLnBrk="1" hangingPunct="1">
+                <a:defRPr sz="1800" kern="1200">
+                  <a:solidFill>
+                    <a:schemeClr val="lt1"/>
+                  </a:solidFill>
+                  <a:latin typeface="+mn-lt"/>
+                  <a:ea typeface="+mn-ea"/>
+                  <a:cs typeface="+mn-cs"/>
+                </a:defRPr>
+              </a:lvl2pPr>
+              <a:lvl3pPr marL="914400" algn="l" defTabSz="914400" rtl="0" eaLnBrk="1" latinLnBrk="1" hangingPunct="1">
+                <a:defRPr sz="1800" kern="1200">
+                  <a:solidFill>
+                    <a:schemeClr val="lt1"/>
+                  </a:solidFill>
+                  <a:latin typeface="+mn-lt"/>
+                  <a:ea typeface="+mn-ea"/>
+                  <a:cs typeface="+mn-cs"/>
+                </a:defRPr>
+              </a:lvl3pPr>
+              <a:lvl4pPr marL="1371600" algn="l" defTabSz="914400" rtl="0" eaLnBrk="1" latinLnBrk="1" hangingPunct="1">
+                <a:defRPr sz="1800" kern="1200">
+                  <a:solidFill>
+                    <a:schemeClr val="lt1"/>
+                  </a:solidFill>
+                  <a:latin typeface="+mn-lt"/>
+                  <a:ea typeface="+mn-ea"/>
+                  <a:cs typeface="+mn-cs"/>
+                </a:defRPr>
+              </a:lvl4pPr>
+              <a:lvl5pPr marL="1828800" algn="l" defTabSz="914400" rtl="0" eaLnBrk="1" latinLnBrk="1" hangingPunct="1">
+                <a:defRPr sz="1800" kern="1200">
+                  <a:solidFill>
+                    <a:schemeClr val="lt1"/>
+                  </a:solidFill>
+                  <a:latin typeface="+mn-lt"/>
+                  <a:ea typeface="+mn-ea"/>
+                  <a:cs typeface="+mn-cs"/>
+                </a:defRPr>
+              </a:lvl5pPr>
+              <a:lvl6pPr marL="2286000" algn="l" defTabSz="914400" rtl="0" eaLnBrk="1" latinLnBrk="1" hangingPunct="1">
+                <a:defRPr sz="1800" kern="1200">
+                  <a:solidFill>
+                    <a:schemeClr val="lt1"/>
+                  </a:solidFill>
+                  <a:latin typeface="+mn-lt"/>
+                  <a:ea typeface="+mn-ea"/>
+                  <a:cs typeface="+mn-cs"/>
+                </a:defRPr>
+              </a:lvl6pPr>
+              <a:lvl7pPr marL="2743200" algn="l" defTabSz="914400" rtl="0" eaLnBrk="1" latinLnBrk="1" hangingPunct="1">
+                <a:defRPr sz="1800" kern="1200">
+                  <a:solidFill>
+                    <a:schemeClr val="lt1"/>
+                  </a:solidFill>
+                  <a:latin typeface="+mn-lt"/>
+                  <a:ea typeface="+mn-ea"/>
+                  <a:cs typeface="+mn-cs"/>
+                </a:defRPr>
+              </a:lvl7pPr>
+              <a:lvl8pPr marL="3200400" algn="l" defTabSz="914400" rtl="0" eaLnBrk="1" latinLnBrk="1" hangingPunct="1">
+                <a:defRPr sz="1800" kern="1200">
+                  <a:solidFill>
+                    <a:schemeClr val="lt1"/>
+                  </a:solidFill>
+                  <a:latin typeface="+mn-lt"/>
+                  <a:ea typeface="+mn-ea"/>
+                  <a:cs typeface="+mn-cs"/>
+                </a:defRPr>
+              </a:lvl8pPr>
+              <a:lvl9pPr marL="3657600" algn="l" defTabSz="914400" rtl="0" eaLnBrk="1" latinLnBrk="1" hangingPunct="1">
+                <a:defRPr sz="1800" kern="1200">
+                  <a:solidFill>
+                    <a:schemeClr val="lt1"/>
+                  </a:solidFill>
+                  <a:latin typeface="+mn-lt"/>
+                  <a:ea typeface="+mn-ea"/>
+                  <a:cs typeface="+mn-cs"/>
+                </a:defRPr>
+              </a:lvl9pPr>
+            </a:lstStyle>
+            <a:p>
+              <a:pPr algn="ctr"/>
+              <a:endParaRPr lang="ko-KR" altLang="en-US" dirty="0"/>
+            </a:p>
+          </p:txBody>
+        </p:sp>
+        <p:sp>
+          <p:nvSpPr>
+            <p:cNvPr id="17" name="TextBox 52"/>
+            <p:cNvSpPr txBox="1"/>
+            <p:nvPr/>
+          </p:nvSpPr>
+          <p:spPr>
+            <a:xfrm>
+              <a:off x="906186" y="2798648"/>
+              <a:ext cx="2090880" cy="338554"/>
+            </a:xfrm>
+            <a:prstGeom prst="rect">
+              <a:avLst/>
+            </a:prstGeom>
+            <a:noFill/>
+          </p:spPr>
+          <p:txBody>
+            <a:bodyPr wrap="square" rtlCol="0">
+              <a:spAutoFit/>
+            </a:bodyPr>
+            <a:lstStyle>
+              <a:defPPr>
+                <a:defRPr lang="ko-KR"/>
+              </a:defPPr>
+              <a:lvl1pPr marL="0" algn="l" defTabSz="914400" rtl="0" eaLnBrk="1" latinLnBrk="1" hangingPunct="1">
+                <a:defRPr sz="1800" kern="1200">
+                  <a:solidFill>
+                    <a:schemeClr val="tx1"/>
+                  </a:solidFill>
+                  <a:latin typeface="+mn-lt"/>
+                  <a:ea typeface="+mn-ea"/>
+                  <a:cs typeface="+mn-cs"/>
+                </a:defRPr>
+              </a:lvl1pPr>
+              <a:lvl2pPr marL="457200" algn="l" defTabSz="914400" rtl="0" eaLnBrk="1" latinLnBrk="1" hangingPunct="1">
+                <a:defRPr sz="1800" kern="1200">
+                  <a:solidFill>
+                    <a:schemeClr val="tx1"/>
+                  </a:solidFill>
+                  <a:latin typeface="+mn-lt"/>
+                  <a:ea typeface="+mn-ea"/>
+                  <a:cs typeface="+mn-cs"/>
+                </a:defRPr>
+              </a:lvl2pPr>
+              <a:lvl3pPr marL="914400" algn="l" defTabSz="914400" rtl="0" eaLnBrk="1" latinLnBrk="1" hangingPunct="1">
+                <a:defRPr sz="1800" kern="1200">
+                  <a:solidFill>
+                    <a:schemeClr val="tx1"/>
+                  </a:solidFill>
+                  <a:latin typeface="+mn-lt"/>
+                  <a:ea typeface="+mn-ea"/>
+                  <a:cs typeface="+mn-cs"/>
+                </a:defRPr>
+              </a:lvl3pPr>
+              <a:lvl4pPr marL="1371600" algn="l" defTabSz="914400" rtl="0" eaLnBrk="1" latinLnBrk="1" hangingPunct="1">
+                <a:defRPr sz="1800" kern="1200">
+                  <a:solidFill>
+                    <a:schemeClr val="tx1"/>
+                  </a:solidFill>
+                  <a:latin typeface="+mn-lt"/>
+                  <a:ea typeface="+mn-ea"/>
+                  <a:cs typeface="+mn-cs"/>
+                </a:defRPr>
+              </a:lvl4pPr>
+              <a:lvl5pPr marL="1828800" algn="l" defTabSz="914400" rtl="0" eaLnBrk="1" latinLnBrk="1" hangingPunct="1">
+                <a:defRPr sz="1800" kern="1200">
+                  <a:solidFill>
+                    <a:schemeClr val="tx1"/>
+                  </a:solidFill>
+                  <a:latin typeface="+mn-lt"/>
+                  <a:ea typeface="+mn-ea"/>
+                  <a:cs typeface="+mn-cs"/>
+                </a:defRPr>
+              </a:lvl5pPr>
+              <a:lvl6pPr marL="2286000" algn="l" defTabSz="914400" rtl="0" eaLnBrk="1" latinLnBrk="1" hangingPunct="1">
+                <a:defRPr sz="1800" kern="1200">
+                  <a:solidFill>
+                    <a:schemeClr val="tx1"/>
+                  </a:solidFill>
+                  <a:latin typeface="+mn-lt"/>
+                  <a:ea typeface="+mn-ea"/>
+                  <a:cs typeface="+mn-cs"/>
+                </a:defRPr>
+              </a:lvl6pPr>
+              <a:lvl7pPr marL="2743200" algn="l" defTabSz="914400" rtl="0" eaLnBrk="1" latinLnBrk="1" hangingPunct="1">
+                <a:defRPr sz="1800" kern="1200">
+                  <a:solidFill>
+                    <a:schemeClr val="tx1"/>
+                  </a:solidFill>
+                  <a:latin typeface="+mn-lt"/>
+                  <a:ea typeface="+mn-ea"/>
+                  <a:cs typeface="+mn-cs"/>
+                </a:defRPr>
+              </a:lvl7pPr>
+              <a:lvl8pPr marL="3200400" algn="l" defTabSz="914400" rtl="0" eaLnBrk="1" latinLnBrk="1" hangingPunct="1">
+                <a:defRPr sz="1800" kern="1200">
+                  <a:solidFill>
+                    <a:schemeClr val="tx1"/>
+                  </a:solidFill>
+                  <a:latin typeface="+mn-lt"/>
+                  <a:ea typeface="+mn-ea"/>
+                  <a:cs typeface="+mn-cs"/>
+                </a:defRPr>
+              </a:lvl8pPr>
+              <a:lvl9pPr marL="3657600" algn="l" defTabSz="914400" rtl="0" eaLnBrk="1" latinLnBrk="1" hangingPunct="1">
+                <a:defRPr sz="1800" kern="1200">
+                  <a:solidFill>
+                    <a:schemeClr val="tx1"/>
+                  </a:solidFill>
+                  <a:latin typeface="+mn-lt"/>
+                  <a:ea typeface="+mn-ea"/>
+                  <a:cs typeface="+mn-cs"/>
+                </a:defRPr>
+              </a:lvl9pPr>
+            </a:lstStyle>
+            <a:p>
+              <a:pPr marL="177800" indent="-177800" algn="ctr">
+                <a:lnSpc>
+                  <a:spcPct val="80000"/>
+                </a:lnSpc>
+              </a:pPr>
+              <a:r>
+                <a:rPr lang="en-US" altLang="ko-KR" sz="2000" b="1" spc="-20" dirty="0">
+                  <a:solidFill>
+                    <a:schemeClr val="tx1">
+                      <a:lumMod val="65000"/>
+                      <a:lumOff val="35000"/>
+                    </a:schemeClr>
+                  </a:solidFill>
+                  <a:latin typeface="나눔고딕" pitchFamily="50" charset="-127"/>
+                  <a:ea typeface="나눔고딕" pitchFamily="50" charset="-127"/>
+                </a:rPr>
+                <a:t>AlwaysOnTop</a:t>
+              </a:r>
+              <a:endParaRPr lang="en-US" altLang="ko-KR" sz="2000" spc="-20" dirty="0">
+                <a:solidFill>
+                  <a:schemeClr val="tx1">
+                    <a:lumMod val="65000"/>
+                    <a:lumOff val="35000"/>
+                  </a:schemeClr>
+                </a:solidFill>
+                <a:latin typeface="나눔고딕" pitchFamily="50" charset="-127"/>
+                <a:ea typeface="나눔고딕" pitchFamily="50" charset="-127"/>
+              </a:endParaRPr>
+            </a:p>
+          </p:txBody>
+        </p:sp>
+      </p:grpSp>
+      <p:grpSp>
+        <p:nvGrpSpPr>
+          <p:cNvPr id="22" name="그룹 21"/>
+          <p:cNvGrpSpPr/>
+          <p:nvPr/>
+        </p:nvGrpSpPr>
+        <p:grpSpPr>
+          <a:xfrm>
+            <a:off x="9431547" y="3142778"/>
+            <a:ext cx="2461404" cy="3227391"/>
+            <a:chOff x="8982565" y="2681703"/>
+            <a:chExt cx="2461404" cy="3227391"/>
+          </a:xfrm>
+        </p:grpSpPr>
+        <p:sp>
+          <p:nvSpPr>
+            <p:cNvPr id="18" name="직사각형 17"/>
+            <p:cNvSpPr/>
+            <p:nvPr/>
+          </p:nvSpPr>
+          <p:spPr>
+            <a:xfrm>
+              <a:off x="8982565" y="2681703"/>
+              <a:ext cx="2461404" cy="3227391"/>
+            </a:xfrm>
+            <a:prstGeom prst="rect">
+              <a:avLst/>
+            </a:prstGeom>
+            <a:gradFill>
+              <a:gsLst>
+                <a:gs pos="40000">
+                  <a:srgbClr val="FD8623"/>
+                </a:gs>
+                <a:gs pos="100000">
+                  <a:srgbClr val="FE5B00"/>
+                </a:gs>
+              </a:gsLst>
+              <a:lin ang="5400000" scaled="0"/>
+            </a:gradFill>
+            <a:ln w="63500">
+              <a:noFill/>
+            </a:ln>
+            <a:effectLst>
+              <a:outerShdw blurRad="127000" dist="76200" dir="5400000" algn="t" rotWithShape="0">
+                <a:prstClr val="black">
+                  <a:alpha val="40000"/>
+                </a:prstClr>
+              </a:outerShdw>
+              <a:reflection blurRad="6350" stA="50000" endA="300" endPos="38500" dist="50800" dir="5400000" sy="-100000" algn="bl" rotWithShape="0"/>
+            </a:effectLst>
+            <a:scene3d>
+              <a:camera prst="orthographicFront"/>
+              <a:lightRig rig="threePt" dir="t"/>
+            </a:scene3d>
+            <a:sp3d>
+              <a:bevelT w="50800" h="38100"/>
+            </a:sp3d>
+          </p:spPr>
+          <p:style>
+            <a:lnRef idx="2">
+              <a:schemeClr val="accent1">
+                <a:shade val="50000"/>
+              </a:schemeClr>
+            </a:lnRef>
+            <a:fillRef idx="1">
+              <a:schemeClr val="accent1"/>
+            </a:fillRef>
+            <a:effectRef idx="0">
+              <a:schemeClr val="accent1"/>
+            </a:effectRef>
+            <a:fontRef idx="minor">
+              <a:schemeClr val="lt1"/>
+            </a:fontRef>
+          </p:style>
+          <p:txBody>
+            <a:bodyPr rtlCol="0" anchor="ctr"/>
+            <a:lstStyle>
+              <a:defPPr>
+                <a:defRPr lang="ko-KR"/>
+              </a:defPPr>
+              <a:lvl1pPr marL="0" algn="l" defTabSz="914400" rtl="0" eaLnBrk="1" latinLnBrk="1" hangingPunct="1">
+                <a:defRPr sz="1800" kern="1200">
+                  <a:solidFill>
+                    <a:schemeClr val="lt1"/>
+                  </a:solidFill>
+                  <a:latin typeface="+mn-lt"/>
+                  <a:ea typeface="+mn-ea"/>
+                  <a:cs typeface="+mn-cs"/>
+                </a:defRPr>
+              </a:lvl1pPr>
+              <a:lvl2pPr marL="457200" algn="l" defTabSz="914400" rtl="0" eaLnBrk="1" latinLnBrk="1" hangingPunct="1">
+                <a:defRPr sz="1800" kern="1200">
+                  <a:solidFill>
+                    <a:schemeClr val="lt1"/>
+                  </a:solidFill>
+                  <a:latin typeface="+mn-lt"/>
+                  <a:ea typeface="+mn-ea"/>
+                  <a:cs typeface="+mn-cs"/>
+                </a:defRPr>
+              </a:lvl2pPr>
+              <a:lvl3pPr marL="914400" algn="l" defTabSz="914400" rtl="0" eaLnBrk="1" latinLnBrk="1" hangingPunct="1">
+                <a:defRPr sz="1800" kern="1200">
+                  <a:solidFill>
+                    <a:schemeClr val="lt1"/>
+                  </a:solidFill>
+                  <a:latin typeface="+mn-lt"/>
+                  <a:ea typeface="+mn-ea"/>
+                  <a:cs typeface="+mn-cs"/>
+                </a:defRPr>
+              </a:lvl3pPr>
+              <a:lvl4pPr marL="1371600" algn="l" defTabSz="914400" rtl="0" eaLnBrk="1" latinLnBrk="1" hangingPunct="1">
+                <a:defRPr sz="1800" kern="1200">
+                  <a:solidFill>
+                    <a:schemeClr val="lt1"/>
+                  </a:solidFill>
+                  <a:latin typeface="+mn-lt"/>
+                  <a:ea typeface="+mn-ea"/>
+                  <a:cs typeface="+mn-cs"/>
+                </a:defRPr>
+              </a:lvl4pPr>
+              <a:lvl5pPr marL="1828800" algn="l" defTabSz="914400" rtl="0" eaLnBrk="1" latinLnBrk="1" hangingPunct="1">
+                <a:defRPr sz="1800" kern="1200">
+                  <a:solidFill>
+                    <a:schemeClr val="lt1"/>
+                  </a:solidFill>
+                  <a:latin typeface="+mn-lt"/>
+                  <a:ea typeface="+mn-ea"/>
+                  <a:cs typeface="+mn-cs"/>
+                </a:defRPr>
+              </a:lvl5pPr>
+              <a:lvl6pPr marL="2286000" algn="l" defTabSz="914400" rtl="0" eaLnBrk="1" latinLnBrk="1" hangingPunct="1">
+                <a:defRPr sz="1800" kern="1200">
+                  <a:solidFill>
+                    <a:schemeClr val="lt1"/>
+                  </a:solidFill>
+                  <a:latin typeface="+mn-lt"/>
+                  <a:ea typeface="+mn-ea"/>
+                  <a:cs typeface="+mn-cs"/>
+                </a:defRPr>
+              </a:lvl6pPr>
+              <a:lvl7pPr marL="2743200" algn="l" defTabSz="914400" rtl="0" eaLnBrk="1" latinLnBrk="1" hangingPunct="1">
+                <a:defRPr sz="1800" kern="1200">
+                  <a:solidFill>
+                    <a:schemeClr val="lt1"/>
+                  </a:solidFill>
+                  <a:latin typeface="+mn-lt"/>
+                  <a:ea typeface="+mn-ea"/>
+                  <a:cs typeface="+mn-cs"/>
+                </a:defRPr>
+              </a:lvl7pPr>
+              <a:lvl8pPr marL="3200400" algn="l" defTabSz="914400" rtl="0" eaLnBrk="1" latinLnBrk="1" hangingPunct="1">
+                <a:defRPr sz="1800" kern="1200">
+                  <a:solidFill>
+                    <a:schemeClr val="lt1"/>
+                  </a:solidFill>
+                  <a:latin typeface="+mn-lt"/>
+                  <a:ea typeface="+mn-ea"/>
+                  <a:cs typeface="+mn-cs"/>
+                </a:defRPr>
+              </a:lvl8pPr>
+              <a:lvl9pPr marL="3657600" algn="l" defTabSz="914400" rtl="0" eaLnBrk="1" latinLnBrk="1" hangingPunct="1">
+                <a:defRPr sz="1800" kern="1200">
+                  <a:solidFill>
+                    <a:schemeClr val="lt1"/>
+                  </a:solidFill>
+                  <a:latin typeface="+mn-lt"/>
+                  <a:ea typeface="+mn-ea"/>
+                  <a:cs typeface="+mn-cs"/>
+                </a:defRPr>
+              </a:lvl9pPr>
+            </a:lstStyle>
+            <a:p>
+              <a:pPr algn="ctr"/>
+              <a:endParaRPr lang="ko-KR" altLang="en-US" dirty="0"/>
+            </a:p>
+          </p:txBody>
+        </p:sp>
+        <p:sp>
+          <p:nvSpPr>
+            <p:cNvPr id="19" name="TextBox 52"/>
+            <p:cNvSpPr txBox="1"/>
+            <p:nvPr/>
+          </p:nvSpPr>
+          <p:spPr>
+            <a:xfrm>
+              <a:off x="9424155" y="2798648"/>
+              <a:ext cx="1578224" cy="338554"/>
+            </a:xfrm>
+            <a:prstGeom prst="rect">
+              <a:avLst/>
+            </a:prstGeom>
+            <a:noFill/>
+          </p:spPr>
+          <p:txBody>
+            <a:bodyPr wrap="square" rtlCol="0">
+              <a:spAutoFit/>
+            </a:bodyPr>
+            <a:lstStyle>
+              <a:defPPr>
+                <a:defRPr lang="ko-KR"/>
+              </a:defPPr>
+              <a:lvl1pPr marL="0" algn="l" defTabSz="914400" rtl="0" eaLnBrk="1" latinLnBrk="1" hangingPunct="1">
+                <a:defRPr sz="1800" kern="1200">
+                  <a:solidFill>
+                    <a:schemeClr val="tx1"/>
+                  </a:solidFill>
+                  <a:latin typeface="+mn-lt"/>
+                  <a:ea typeface="+mn-ea"/>
+                  <a:cs typeface="+mn-cs"/>
+                </a:defRPr>
+              </a:lvl1pPr>
+              <a:lvl2pPr marL="457200" algn="l" defTabSz="914400" rtl="0" eaLnBrk="1" latinLnBrk="1" hangingPunct="1">
+                <a:defRPr sz="1800" kern="1200">
+                  <a:solidFill>
+                    <a:schemeClr val="tx1"/>
+                  </a:solidFill>
+                  <a:latin typeface="+mn-lt"/>
+                  <a:ea typeface="+mn-ea"/>
+                  <a:cs typeface="+mn-cs"/>
+                </a:defRPr>
+              </a:lvl2pPr>
+              <a:lvl3pPr marL="914400" algn="l" defTabSz="914400" rtl="0" eaLnBrk="1" latinLnBrk="1" hangingPunct="1">
+                <a:defRPr sz="1800" kern="1200">
+                  <a:solidFill>
+                    <a:schemeClr val="tx1"/>
+                  </a:solidFill>
+                  <a:latin typeface="+mn-lt"/>
+                  <a:ea typeface="+mn-ea"/>
+                  <a:cs typeface="+mn-cs"/>
+                </a:defRPr>
+              </a:lvl3pPr>
+              <a:lvl4pPr marL="1371600" algn="l" defTabSz="914400" rtl="0" eaLnBrk="1" latinLnBrk="1" hangingPunct="1">
+                <a:defRPr sz="1800" kern="1200">
+                  <a:solidFill>
+                    <a:schemeClr val="tx1"/>
+                  </a:solidFill>
+                  <a:latin typeface="+mn-lt"/>
+                  <a:ea typeface="+mn-ea"/>
+                  <a:cs typeface="+mn-cs"/>
+                </a:defRPr>
+              </a:lvl4pPr>
+              <a:lvl5pPr marL="1828800" algn="l" defTabSz="914400" rtl="0" eaLnBrk="1" latinLnBrk="1" hangingPunct="1">
+                <a:defRPr sz="1800" kern="1200">
+                  <a:solidFill>
+                    <a:schemeClr val="tx1"/>
+                  </a:solidFill>
+                  <a:latin typeface="+mn-lt"/>
+                  <a:ea typeface="+mn-ea"/>
+                  <a:cs typeface="+mn-cs"/>
+                </a:defRPr>
+              </a:lvl5pPr>
+              <a:lvl6pPr marL="2286000" algn="l" defTabSz="914400" rtl="0" eaLnBrk="1" latinLnBrk="1" hangingPunct="1">
+                <a:defRPr sz="1800" kern="1200">
+                  <a:solidFill>
+                    <a:schemeClr val="tx1"/>
+                  </a:solidFill>
+                  <a:latin typeface="+mn-lt"/>
+                  <a:ea typeface="+mn-ea"/>
+                  <a:cs typeface="+mn-cs"/>
+                </a:defRPr>
+              </a:lvl6pPr>
+              <a:lvl7pPr marL="2743200" algn="l" defTabSz="914400" rtl="0" eaLnBrk="1" latinLnBrk="1" hangingPunct="1">
+                <a:defRPr sz="1800" kern="1200">
+                  <a:solidFill>
+                    <a:schemeClr val="tx1"/>
+                  </a:solidFill>
+                  <a:latin typeface="+mn-lt"/>
+                  <a:ea typeface="+mn-ea"/>
+                  <a:cs typeface="+mn-cs"/>
+                </a:defRPr>
+              </a:lvl7pPr>
+              <a:lvl8pPr marL="3200400" algn="l" defTabSz="914400" rtl="0" eaLnBrk="1" latinLnBrk="1" hangingPunct="1">
+                <a:defRPr sz="1800" kern="1200">
+                  <a:solidFill>
+                    <a:schemeClr val="tx1"/>
+                  </a:solidFill>
+                  <a:latin typeface="+mn-lt"/>
+                  <a:ea typeface="+mn-ea"/>
+                  <a:cs typeface="+mn-cs"/>
+                </a:defRPr>
+              </a:lvl8pPr>
+              <a:lvl9pPr marL="3657600" algn="l" defTabSz="914400" rtl="0" eaLnBrk="1" latinLnBrk="1" hangingPunct="1">
+                <a:defRPr sz="1800" kern="1200">
+                  <a:solidFill>
+                    <a:schemeClr val="tx1"/>
+                  </a:solidFill>
+                  <a:latin typeface="+mn-lt"/>
+                  <a:ea typeface="+mn-ea"/>
+                  <a:cs typeface="+mn-cs"/>
+                </a:defRPr>
+              </a:lvl9pPr>
+            </a:lstStyle>
+            <a:p>
+              <a:pPr marL="177800" indent="-177800" algn="ctr">
+                <a:lnSpc>
+                  <a:spcPct val="80000"/>
+                </a:lnSpc>
+              </a:pPr>
+              <a:r>
+                <a:rPr lang="en-US" altLang="ko-KR" sz="2000" b="1" spc="-20" dirty="0">
+                  <a:solidFill>
+                    <a:schemeClr val="tx1">
+                      <a:lumMod val="65000"/>
+                      <a:lumOff val="35000"/>
+                    </a:schemeClr>
+                  </a:solidFill>
+                  <a:latin typeface="나눔고딕" pitchFamily="50" charset="-127"/>
+                  <a:ea typeface="나눔고딕" pitchFamily="50" charset="-127"/>
+                </a:rPr>
+                <a:t>CreditTicker</a:t>
+              </a:r>
+              <a:endParaRPr lang="en-US" altLang="ko-KR" sz="2000" spc="-20" dirty="0">
+                <a:solidFill>
+                  <a:schemeClr val="tx1">
+                    <a:lumMod val="65000"/>
+                    <a:lumOff val="35000"/>
+                  </a:schemeClr>
+                </a:solidFill>
+                <a:latin typeface="나눔고딕" pitchFamily="50" charset="-127"/>
+                <a:ea typeface="나눔고딕" pitchFamily="50" charset="-127"/>
+              </a:endParaRPr>
+            </a:p>
+          </p:txBody>
+        </p:sp>
+      </p:grpSp>
+      <p:grpSp>
+        <p:nvGrpSpPr>
+          <p:cNvPr id="44" name="그룹 43"/>
+          <p:cNvGrpSpPr/>
+          <p:nvPr/>
+        </p:nvGrpSpPr>
+        <p:grpSpPr>
+          <a:xfrm>
+            <a:off x="3677405" y="951131"/>
+            <a:ext cx="1204345" cy="1296989"/>
+            <a:chOff x="3677405" y="951131"/>
+            <a:chExt cx="1204345" cy="1296989"/>
+          </a:xfrm>
+        </p:grpSpPr>
+        <p:sp>
+          <p:nvSpPr>
+            <p:cNvPr id="7" name="TextBox 43"/>
+            <p:cNvSpPr txBox="1"/>
+            <p:nvPr/>
+          </p:nvSpPr>
+          <p:spPr>
+            <a:xfrm>
+              <a:off x="3677405" y="1251032"/>
+              <a:ext cx="1204345" cy="261610"/>
+            </a:xfrm>
+            <a:prstGeom prst="rect">
+              <a:avLst/>
+            </a:prstGeom>
+            <a:solidFill>
+              <a:schemeClr val="accent6">
+                <a:lumMod val="20000"/>
+                <a:lumOff val="80000"/>
+                <a:alpha val="36078"/>
+              </a:schemeClr>
+            </a:solidFill>
+          </p:spPr>
+          <p:txBody>
+            <a:bodyPr wrap="square" rtlCol="0">
+              <a:spAutoFit/>
+            </a:bodyPr>
+            <a:lstStyle>
+              <a:defPPr>
+                <a:defRPr lang="ko-KR"/>
+              </a:defPPr>
+              <a:lvl1pPr marL="0" algn="l" defTabSz="914400" rtl="0" eaLnBrk="1" latinLnBrk="1" hangingPunct="1">
+                <a:defRPr sz="1800" kern="1200">
+                  <a:solidFill>
+                    <a:schemeClr val="tx1"/>
+                  </a:solidFill>
+                  <a:latin typeface="+mn-lt"/>
+                  <a:ea typeface="+mn-ea"/>
+                  <a:cs typeface="+mn-cs"/>
+                </a:defRPr>
+              </a:lvl1pPr>
+              <a:lvl2pPr marL="457200" algn="l" defTabSz="914400" rtl="0" eaLnBrk="1" latinLnBrk="1" hangingPunct="1">
+                <a:defRPr sz="1800" kern="1200">
+                  <a:solidFill>
+                    <a:schemeClr val="tx1"/>
+                  </a:solidFill>
+                  <a:latin typeface="+mn-lt"/>
+                  <a:ea typeface="+mn-ea"/>
+                  <a:cs typeface="+mn-cs"/>
+                </a:defRPr>
+              </a:lvl2pPr>
+              <a:lvl3pPr marL="914400" algn="l" defTabSz="914400" rtl="0" eaLnBrk="1" latinLnBrk="1" hangingPunct="1">
+                <a:defRPr sz="1800" kern="1200">
+                  <a:solidFill>
+                    <a:schemeClr val="tx1"/>
+                  </a:solidFill>
+                  <a:latin typeface="+mn-lt"/>
+                  <a:ea typeface="+mn-ea"/>
+                  <a:cs typeface="+mn-cs"/>
+                </a:defRPr>
+              </a:lvl3pPr>
+              <a:lvl4pPr marL="1371600" algn="l" defTabSz="914400" rtl="0" eaLnBrk="1" latinLnBrk="1" hangingPunct="1">
+                <a:defRPr sz="1800" kern="1200">
+                  <a:solidFill>
+                    <a:schemeClr val="tx1"/>
+                  </a:solidFill>
+                  <a:latin typeface="+mn-lt"/>
+                  <a:ea typeface="+mn-ea"/>
+                  <a:cs typeface="+mn-cs"/>
+                </a:defRPr>
+              </a:lvl4pPr>
+              <a:lvl5pPr marL="1828800" algn="l" defTabSz="914400" rtl="0" eaLnBrk="1" latinLnBrk="1" hangingPunct="1">
+                <a:defRPr sz="1800" kern="1200">
+                  <a:solidFill>
+                    <a:schemeClr val="tx1"/>
+                  </a:solidFill>
+                  <a:latin typeface="+mn-lt"/>
+                  <a:ea typeface="+mn-ea"/>
+                  <a:cs typeface="+mn-cs"/>
+                </a:defRPr>
+              </a:lvl5pPr>
+              <a:lvl6pPr marL="2286000" algn="l" defTabSz="914400" rtl="0" eaLnBrk="1" latinLnBrk="1" hangingPunct="1">
+                <a:defRPr sz="1800" kern="1200">
+                  <a:solidFill>
+                    <a:schemeClr val="tx1"/>
+                  </a:solidFill>
+                  <a:latin typeface="+mn-lt"/>
+                  <a:ea typeface="+mn-ea"/>
+                  <a:cs typeface="+mn-cs"/>
+                </a:defRPr>
+              </a:lvl6pPr>
+              <a:lvl7pPr marL="2743200" algn="l" defTabSz="914400" rtl="0" eaLnBrk="1" latinLnBrk="1" hangingPunct="1">
+                <a:defRPr sz="1800" kern="1200">
+                  <a:solidFill>
+                    <a:schemeClr val="tx1"/>
+                  </a:solidFill>
+                  <a:latin typeface="+mn-lt"/>
+                  <a:ea typeface="+mn-ea"/>
+                  <a:cs typeface="+mn-cs"/>
+                </a:defRPr>
+              </a:lvl7pPr>
+              <a:lvl8pPr marL="3200400" algn="l" defTabSz="914400" rtl="0" eaLnBrk="1" latinLnBrk="1" hangingPunct="1">
+                <a:defRPr sz="1800" kern="1200">
+                  <a:solidFill>
+                    <a:schemeClr val="tx1"/>
+                  </a:solidFill>
+                  <a:latin typeface="+mn-lt"/>
+                  <a:ea typeface="+mn-ea"/>
+                  <a:cs typeface="+mn-cs"/>
+                </a:defRPr>
+              </a:lvl8pPr>
+              <a:lvl9pPr marL="3657600" algn="l" defTabSz="914400" rtl="0" eaLnBrk="1" latinLnBrk="1" hangingPunct="1">
+                <a:defRPr sz="1800" kern="1200">
+                  <a:solidFill>
+                    <a:schemeClr val="tx1"/>
+                  </a:solidFill>
+                  <a:latin typeface="+mn-lt"/>
+                  <a:ea typeface="+mn-ea"/>
+                  <a:cs typeface="+mn-cs"/>
+                </a:defRPr>
+              </a:lvl9pPr>
+            </a:lstStyle>
+            <a:p>
+              <a:pPr marL="177800" indent="-177800" algn="ctr"/>
+              <a:r>
+                <a:rPr lang="en-US" altLang="ko-KR" sz="1100" b="1" dirty="0">
+                  <a:solidFill>
+                    <a:srgbClr val="FF0000"/>
+                  </a:solidFill>
+                  <a:latin typeface="나눔고딕" pitchFamily="50" charset="-127"/>
+                  <a:ea typeface="나눔고딕" pitchFamily="50" charset="-127"/>
+                </a:rPr>
+                <a:t>USER_PRESENT</a:t>
+              </a:r>
+              <a:endParaRPr lang="en-US" altLang="ko-KR" sz="1100" dirty="0">
+                <a:solidFill>
+                  <a:srgbClr val="FF0000"/>
+                </a:solidFill>
+                <a:latin typeface="나눔고딕" pitchFamily="50" charset="-127"/>
+                <a:ea typeface="나눔고딕" pitchFamily="50" charset="-127"/>
+              </a:endParaRPr>
+            </a:p>
+          </p:txBody>
+        </p:sp>
+        <p:sp>
+          <p:nvSpPr>
+            <p:cNvPr id="11" name="TextBox 43"/>
+            <p:cNvSpPr txBox="1"/>
+            <p:nvPr/>
+          </p:nvSpPr>
+          <p:spPr>
+            <a:xfrm>
+              <a:off x="3677405" y="951131"/>
+              <a:ext cx="1204345" cy="261610"/>
+            </a:xfrm>
+            <a:prstGeom prst="rect">
+              <a:avLst/>
+            </a:prstGeom>
+            <a:solidFill>
+              <a:schemeClr val="accent6">
+                <a:lumMod val="20000"/>
+                <a:lumOff val="80000"/>
+                <a:alpha val="36078"/>
+              </a:schemeClr>
+            </a:solidFill>
+          </p:spPr>
+          <p:txBody>
+            <a:bodyPr wrap="square" rtlCol="0">
+              <a:spAutoFit/>
+            </a:bodyPr>
+            <a:lstStyle>
+              <a:defPPr>
+                <a:defRPr lang="ko-KR"/>
+              </a:defPPr>
+              <a:lvl1pPr marL="0" algn="l" defTabSz="914400" rtl="0" eaLnBrk="1" latinLnBrk="1" hangingPunct="1">
+                <a:defRPr sz="1800" kern="1200">
+                  <a:solidFill>
+                    <a:schemeClr val="tx1"/>
+                  </a:solidFill>
+                  <a:latin typeface="+mn-lt"/>
+                  <a:ea typeface="+mn-ea"/>
+                  <a:cs typeface="+mn-cs"/>
+                </a:defRPr>
+              </a:lvl1pPr>
+              <a:lvl2pPr marL="457200" algn="l" defTabSz="914400" rtl="0" eaLnBrk="1" latinLnBrk="1" hangingPunct="1">
+                <a:defRPr sz="1800" kern="1200">
+                  <a:solidFill>
+                    <a:schemeClr val="tx1"/>
+                  </a:solidFill>
+                  <a:latin typeface="+mn-lt"/>
+                  <a:ea typeface="+mn-ea"/>
+                  <a:cs typeface="+mn-cs"/>
+                </a:defRPr>
+              </a:lvl2pPr>
+              <a:lvl3pPr marL="914400" algn="l" defTabSz="914400" rtl="0" eaLnBrk="1" latinLnBrk="1" hangingPunct="1">
+                <a:defRPr sz="1800" kern="1200">
+                  <a:solidFill>
+                    <a:schemeClr val="tx1"/>
+                  </a:solidFill>
+                  <a:latin typeface="+mn-lt"/>
+                  <a:ea typeface="+mn-ea"/>
+                  <a:cs typeface="+mn-cs"/>
+                </a:defRPr>
+              </a:lvl3pPr>
+              <a:lvl4pPr marL="1371600" algn="l" defTabSz="914400" rtl="0" eaLnBrk="1" latinLnBrk="1" hangingPunct="1">
+                <a:defRPr sz="1800" kern="1200">
+                  <a:solidFill>
+                    <a:schemeClr val="tx1"/>
+                  </a:solidFill>
+                  <a:latin typeface="+mn-lt"/>
+                  <a:ea typeface="+mn-ea"/>
+                  <a:cs typeface="+mn-cs"/>
+                </a:defRPr>
+              </a:lvl4pPr>
+              <a:lvl5pPr marL="1828800" algn="l" defTabSz="914400" rtl="0" eaLnBrk="1" latinLnBrk="1" hangingPunct="1">
+                <a:defRPr sz="1800" kern="1200">
+                  <a:solidFill>
+                    <a:schemeClr val="tx1"/>
+                  </a:solidFill>
+                  <a:latin typeface="+mn-lt"/>
+                  <a:ea typeface="+mn-ea"/>
+                  <a:cs typeface="+mn-cs"/>
+                </a:defRPr>
+              </a:lvl5pPr>
+              <a:lvl6pPr marL="2286000" algn="l" defTabSz="914400" rtl="0" eaLnBrk="1" latinLnBrk="1" hangingPunct="1">
+                <a:defRPr sz="1800" kern="1200">
+                  <a:solidFill>
+                    <a:schemeClr val="tx1"/>
+                  </a:solidFill>
+                  <a:latin typeface="+mn-lt"/>
+                  <a:ea typeface="+mn-ea"/>
+                  <a:cs typeface="+mn-cs"/>
+                </a:defRPr>
+              </a:lvl6pPr>
+              <a:lvl7pPr marL="2743200" algn="l" defTabSz="914400" rtl="0" eaLnBrk="1" latinLnBrk="1" hangingPunct="1">
+                <a:defRPr sz="1800" kern="1200">
+                  <a:solidFill>
+                    <a:schemeClr val="tx1"/>
+                  </a:solidFill>
+                  <a:latin typeface="+mn-lt"/>
+                  <a:ea typeface="+mn-ea"/>
+                  <a:cs typeface="+mn-cs"/>
+                </a:defRPr>
+              </a:lvl7pPr>
+              <a:lvl8pPr marL="3200400" algn="l" defTabSz="914400" rtl="0" eaLnBrk="1" latinLnBrk="1" hangingPunct="1">
+                <a:defRPr sz="1800" kern="1200">
+                  <a:solidFill>
+                    <a:schemeClr val="tx1"/>
+                  </a:solidFill>
+                  <a:latin typeface="+mn-lt"/>
+                  <a:ea typeface="+mn-ea"/>
+                  <a:cs typeface="+mn-cs"/>
+                </a:defRPr>
+              </a:lvl8pPr>
+              <a:lvl9pPr marL="3657600" algn="l" defTabSz="914400" rtl="0" eaLnBrk="1" latinLnBrk="1" hangingPunct="1">
+                <a:defRPr sz="1800" kern="1200">
+                  <a:solidFill>
+                    <a:schemeClr val="tx1"/>
+                  </a:solidFill>
+                  <a:latin typeface="+mn-lt"/>
+                  <a:ea typeface="+mn-ea"/>
+                  <a:cs typeface="+mn-cs"/>
+                </a:defRPr>
+              </a:lvl9pPr>
+            </a:lstStyle>
+            <a:p>
+              <a:pPr marL="177800" indent="-177800" algn="ctr"/>
+              <a:r>
+                <a:rPr lang="en-US" altLang="ko-KR" sz="1100" b="1" spc="-150" dirty="0">
+                  <a:solidFill>
+                    <a:srgbClr val="FF0000"/>
+                  </a:solidFill>
+                  <a:latin typeface="나눔고딕" pitchFamily="50" charset="-127"/>
+                  <a:ea typeface="나눔고딕" pitchFamily="50" charset="-127"/>
+                </a:rPr>
+                <a:t>BOOT_COMPLETED</a:t>
+              </a:r>
+              <a:endParaRPr lang="en-US" altLang="ko-KR" sz="1100" spc="-150" dirty="0">
+                <a:solidFill>
+                  <a:srgbClr val="FF0000"/>
+                </a:solidFill>
+                <a:latin typeface="나눔고딕" pitchFamily="50" charset="-127"/>
+                <a:ea typeface="나눔고딕" pitchFamily="50" charset="-127"/>
+              </a:endParaRPr>
+            </a:p>
+          </p:txBody>
+        </p:sp>
+        <p:grpSp>
+          <p:nvGrpSpPr>
+            <p:cNvPr id="33" name="그룹 32"/>
+            <p:cNvGrpSpPr/>
+            <p:nvPr/>
+          </p:nvGrpSpPr>
+          <p:grpSpPr>
+            <a:xfrm>
+              <a:off x="3694554" y="1585230"/>
+              <a:ext cx="1170046" cy="662890"/>
+              <a:chOff x="3609883" y="1394315"/>
+              <a:chExt cx="1170046" cy="662890"/>
+            </a:xfrm>
+          </p:grpSpPr>
+          <p:sp>
+            <p:nvSpPr>
+              <p:cNvPr id="24" name="TextBox 43"/>
+              <p:cNvSpPr txBox="1"/>
+              <p:nvPr/>
+            </p:nvSpPr>
+            <p:spPr>
+              <a:xfrm>
+                <a:off x="3997131" y="1394315"/>
+                <a:ext cx="361250" cy="400110"/>
+              </a:xfrm>
+              <a:prstGeom prst="rect">
+                <a:avLst/>
+              </a:prstGeom>
+              <a:solidFill>
+                <a:schemeClr val="bg2">
+                  <a:lumMod val="10000"/>
+                  <a:alpha val="36078"/>
+                </a:schemeClr>
+              </a:solidFill>
+            </p:spPr>
+            <p:txBody>
+              <a:bodyPr wrap="square" rtlCol="0">
+                <a:spAutoFit/>
+              </a:bodyPr>
+              <a:lstStyle>
+                <a:defPPr>
+                  <a:defRPr lang="ko-KR"/>
+                </a:defPPr>
+                <a:lvl1pPr marL="0" algn="l" defTabSz="914400" rtl="0" eaLnBrk="1" latinLnBrk="1" hangingPunct="1">
+                  <a:defRPr sz="1800" kern="1200">
+                    <a:solidFill>
+                      <a:schemeClr val="tx1"/>
+                    </a:solidFill>
+                    <a:latin typeface="+mn-lt"/>
+                    <a:ea typeface="+mn-ea"/>
+                    <a:cs typeface="+mn-cs"/>
+                  </a:defRPr>
+                </a:lvl1pPr>
+                <a:lvl2pPr marL="457200" algn="l" defTabSz="914400" rtl="0" eaLnBrk="1" latinLnBrk="1" hangingPunct="1">
+                  <a:defRPr sz="1800" kern="1200">
+                    <a:solidFill>
+                      <a:schemeClr val="tx1"/>
+                    </a:solidFill>
+                    <a:latin typeface="+mn-lt"/>
+                    <a:ea typeface="+mn-ea"/>
+                    <a:cs typeface="+mn-cs"/>
+                  </a:defRPr>
+                </a:lvl2pPr>
+                <a:lvl3pPr marL="914400" algn="l" defTabSz="914400" rtl="0" eaLnBrk="1" latinLnBrk="1" hangingPunct="1">
+                  <a:defRPr sz="1800" kern="1200">
+                    <a:solidFill>
+                      <a:schemeClr val="tx1"/>
+                    </a:solidFill>
+                    <a:latin typeface="+mn-lt"/>
+                    <a:ea typeface="+mn-ea"/>
+                    <a:cs typeface="+mn-cs"/>
+                  </a:defRPr>
+                </a:lvl3pPr>
+                <a:lvl4pPr marL="1371600" algn="l" defTabSz="914400" rtl="0" eaLnBrk="1" latinLnBrk="1" hangingPunct="1">
+                  <a:defRPr sz="1800" kern="1200">
+                    <a:solidFill>
+                      <a:schemeClr val="tx1"/>
+                    </a:solidFill>
+                    <a:latin typeface="+mn-lt"/>
+                    <a:ea typeface="+mn-ea"/>
+                    <a:cs typeface="+mn-cs"/>
+                  </a:defRPr>
+                </a:lvl4pPr>
+                <a:lvl5pPr marL="1828800" algn="l" defTabSz="914400" rtl="0" eaLnBrk="1" latinLnBrk="1" hangingPunct="1">
+                  <a:defRPr sz="1800" kern="1200">
+                    <a:solidFill>
+                      <a:schemeClr val="tx1"/>
+                    </a:solidFill>
+                    <a:latin typeface="+mn-lt"/>
+                    <a:ea typeface="+mn-ea"/>
+                    <a:cs typeface="+mn-cs"/>
+                  </a:defRPr>
+                </a:lvl5pPr>
+                <a:lvl6pPr marL="2286000" algn="l" defTabSz="914400" rtl="0" eaLnBrk="1" latinLnBrk="1" hangingPunct="1">
+                  <a:defRPr sz="1800" kern="1200">
+                    <a:solidFill>
+                      <a:schemeClr val="tx1"/>
+                    </a:solidFill>
+                    <a:latin typeface="+mn-lt"/>
+                    <a:ea typeface="+mn-ea"/>
+                    <a:cs typeface="+mn-cs"/>
+                  </a:defRPr>
+                </a:lvl6pPr>
+                <a:lvl7pPr marL="2743200" algn="l" defTabSz="914400" rtl="0" eaLnBrk="1" latinLnBrk="1" hangingPunct="1">
+                  <a:defRPr sz="1800" kern="1200">
+                    <a:solidFill>
+                      <a:schemeClr val="tx1"/>
+                    </a:solidFill>
+                    <a:latin typeface="+mn-lt"/>
+                    <a:ea typeface="+mn-ea"/>
+                    <a:cs typeface="+mn-cs"/>
+                  </a:defRPr>
+                </a:lvl7pPr>
+                <a:lvl8pPr marL="3200400" algn="l" defTabSz="914400" rtl="0" eaLnBrk="1" latinLnBrk="1" hangingPunct="1">
+                  <a:defRPr sz="1800" kern="1200">
+                    <a:solidFill>
+                      <a:schemeClr val="tx1"/>
+                    </a:solidFill>
+                    <a:latin typeface="+mn-lt"/>
+                    <a:ea typeface="+mn-ea"/>
+                    <a:cs typeface="+mn-cs"/>
+                  </a:defRPr>
+                </a:lvl8pPr>
+                <a:lvl9pPr marL="3657600" algn="l" defTabSz="914400" rtl="0" eaLnBrk="1" latinLnBrk="1" hangingPunct="1">
+                  <a:defRPr sz="1800" kern="1200">
+                    <a:solidFill>
+                      <a:schemeClr val="tx1"/>
+                    </a:solidFill>
+                    <a:latin typeface="+mn-lt"/>
+                    <a:ea typeface="+mn-ea"/>
+                    <a:cs typeface="+mn-cs"/>
+                  </a:defRPr>
+                </a:lvl9pPr>
+              </a:lstStyle>
+              <a:p>
+                <a:pPr marL="177800" indent="-177800" algn="ctr"/>
+                <a:r>
+                  <a:rPr lang="en-US" altLang="ko-KR" sz="2000" b="1" dirty="0">
+                    <a:latin typeface="나눔고딕" pitchFamily="50" charset="-127"/>
+                    <a:ea typeface="나눔고딕" pitchFamily="50" charset="-127"/>
+                  </a:rPr>
+                  <a:t>1</a:t>
+                </a:r>
+                <a:endParaRPr lang="en-US" altLang="ko-KR" sz="2000" dirty="0">
+                  <a:latin typeface="나눔고딕" pitchFamily="50" charset="-127"/>
+                  <a:ea typeface="나눔고딕" pitchFamily="50" charset="-127"/>
+                </a:endParaRPr>
+              </a:p>
+            </p:txBody>
+          </p:sp>
+          <p:sp>
+            <p:nvSpPr>
+              <p:cNvPr id="26" name="TextBox 52"/>
+              <p:cNvSpPr txBox="1"/>
+              <p:nvPr/>
+            </p:nvSpPr>
+            <p:spPr>
+              <a:xfrm>
+                <a:off x="3609883" y="1817139"/>
+                <a:ext cx="1170046" cy="240066"/>
+              </a:xfrm>
+              <a:prstGeom prst="rect">
+                <a:avLst/>
+              </a:prstGeom>
+              <a:noFill/>
+            </p:spPr>
+            <p:txBody>
+              <a:bodyPr wrap="square" rtlCol="0">
+                <a:spAutoFit/>
+              </a:bodyPr>
+              <a:lstStyle>
+                <a:defPPr>
+                  <a:defRPr lang="ko-KR"/>
+                </a:defPPr>
+                <a:lvl1pPr marL="0" algn="l" defTabSz="914400" rtl="0" eaLnBrk="1" latinLnBrk="1" hangingPunct="1">
+                  <a:defRPr sz="1800" kern="1200">
+                    <a:solidFill>
+                      <a:schemeClr val="tx1"/>
+                    </a:solidFill>
+                    <a:latin typeface="+mn-lt"/>
+                    <a:ea typeface="+mn-ea"/>
+                    <a:cs typeface="+mn-cs"/>
+                  </a:defRPr>
+                </a:lvl1pPr>
+                <a:lvl2pPr marL="457200" algn="l" defTabSz="914400" rtl="0" eaLnBrk="1" latinLnBrk="1" hangingPunct="1">
+                  <a:defRPr sz="1800" kern="1200">
+                    <a:solidFill>
+                      <a:schemeClr val="tx1"/>
+                    </a:solidFill>
+                    <a:latin typeface="+mn-lt"/>
+                    <a:ea typeface="+mn-ea"/>
+                    <a:cs typeface="+mn-cs"/>
+                  </a:defRPr>
+                </a:lvl2pPr>
+                <a:lvl3pPr marL="914400" algn="l" defTabSz="914400" rtl="0" eaLnBrk="1" latinLnBrk="1" hangingPunct="1">
+                  <a:defRPr sz="1800" kern="1200">
+                    <a:solidFill>
+                      <a:schemeClr val="tx1"/>
+                    </a:solidFill>
+                    <a:latin typeface="+mn-lt"/>
+                    <a:ea typeface="+mn-ea"/>
+                    <a:cs typeface="+mn-cs"/>
+                  </a:defRPr>
+                </a:lvl3pPr>
+                <a:lvl4pPr marL="1371600" algn="l" defTabSz="914400" rtl="0" eaLnBrk="1" latinLnBrk="1" hangingPunct="1">
+                  <a:defRPr sz="1800" kern="1200">
+                    <a:solidFill>
+                      <a:schemeClr val="tx1"/>
+                    </a:solidFill>
+                    <a:latin typeface="+mn-lt"/>
+                    <a:ea typeface="+mn-ea"/>
+                    <a:cs typeface="+mn-cs"/>
+                  </a:defRPr>
+                </a:lvl4pPr>
+                <a:lvl5pPr marL="1828800" algn="l" defTabSz="914400" rtl="0" eaLnBrk="1" latinLnBrk="1" hangingPunct="1">
+                  <a:defRPr sz="1800" kern="1200">
+                    <a:solidFill>
+                      <a:schemeClr val="tx1"/>
+                    </a:solidFill>
+                    <a:latin typeface="+mn-lt"/>
+                    <a:ea typeface="+mn-ea"/>
+                    <a:cs typeface="+mn-cs"/>
+                  </a:defRPr>
+                </a:lvl5pPr>
+                <a:lvl6pPr marL="2286000" algn="l" defTabSz="914400" rtl="0" eaLnBrk="1" latinLnBrk="1" hangingPunct="1">
+                  <a:defRPr sz="1800" kern="1200">
+                    <a:solidFill>
+                      <a:schemeClr val="tx1"/>
+                    </a:solidFill>
+                    <a:latin typeface="+mn-lt"/>
+                    <a:ea typeface="+mn-ea"/>
+                    <a:cs typeface="+mn-cs"/>
+                  </a:defRPr>
+                </a:lvl6pPr>
+                <a:lvl7pPr marL="2743200" algn="l" defTabSz="914400" rtl="0" eaLnBrk="1" latinLnBrk="1" hangingPunct="1">
+                  <a:defRPr sz="1800" kern="1200">
+                    <a:solidFill>
+                      <a:schemeClr val="tx1"/>
+                    </a:solidFill>
+                    <a:latin typeface="+mn-lt"/>
+                    <a:ea typeface="+mn-ea"/>
+                    <a:cs typeface="+mn-cs"/>
+                  </a:defRPr>
+                </a:lvl7pPr>
+                <a:lvl8pPr marL="3200400" algn="l" defTabSz="914400" rtl="0" eaLnBrk="1" latinLnBrk="1" hangingPunct="1">
+                  <a:defRPr sz="1800" kern="1200">
+                    <a:solidFill>
+                      <a:schemeClr val="tx1"/>
+                    </a:solidFill>
+                    <a:latin typeface="+mn-lt"/>
+                    <a:ea typeface="+mn-ea"/>
+                    <a:cs typeface="+mn-cs"/>
+                  </a:defRPr>
+                </a:lvl8pPr>
+                <a:lvl9pPr marL="3657600" algn="l" defTabSz="914400" rtl="0" eaLnBrk="1" latinLnBrk="1" hangingPunct="1">
+                  <a:defRPr sz="1800" kern="1200">
+                    <a:solidFill>
+                      <a:schemeClr val="tx1"/>
+                    </a:solidFill>
+                    <a:latin typeface="+mn-lt"/>
+                    <a:ea typeface="+mn-ea"/>
+                    <a:cs typeface="+mn-cs"/>
+                  </a:defRPr>
+                </a:lvl9pPr>
+              </a:lstStyle>
+              <a:p>
+                <a:pPr marL="177800" indent="-177800" algn="ctr">
+                  <a:lnSpc>
+                    <a:spcPct val="80000"/>
+                  </a:lnSpc>
+                </a:pPr>
+                <a:r>
+                  <a:rPr lang="en-US" altLang="ko-KR" sz="1200" b="1" spc="-20" dirty="0">
+                    <a:latin typeface="나눔고딕" pitchFamily="50" charset="-127"/>
+                    <a:ea typeface="나눔고딕" pitchFamily="50" charset="-127"/>
+                  </a:rPr>
+                  <a:t>AoT start</a:t>
+                </a:r>
+                <a:endParaRPr lang="en-US" altLang="ko-KR" sz="1200" spc="-20" dirty="0">
+                  <a:latin typeface="나눔고딕" pitchFamily="50" charset="-127"/>
+                  <a:ea typeface="나눔고딕" pitchFamily="50" charset="-127"/>
+                </a:endParaRPr>
+              </a:p>
+            </p:txBody>
+          </p:sp>
+        </p:grpSp>
+      </p:grpSp>
+      <p:grpSp>
+        <p:nvGrpSpPr>
+          <p:cNvPr id="46" name="그룹 45"/>
+          <p:cNvGrpSpPr/>
+          <p:nvPr/>
+        </p:nvGrpSpPr>
+        <p:grpSpPr>
+          <a:xfrm>
+            <a:off x="6235916" y="1251032"/>
+            <a:ext cx="1204345" cy="997088"/>
+            <a:chOff x="6123876" y="1251032"/>
+            <a:chExt cx="1204345" cy="997088"/>
+          </a:xfrm>
+        </p:grpSpPr>
+        <p:sp>
+          <p:nvSpPr>
+            <p:cNvPr id="8" name="TextBox 43"/>
+            <p:cNvSpPr txBox="1"/>
+            <p:nvPr/>
+          </p:nvSpPr>
+          <p:spPr>
+            <a:xfrm>
+              <a:off x="6123876" y="1251032"/>
+              <a:ext cx="1204345" cy="261610"/>
+            </a:xfrm>
+            <a:prstGeom prst="rect">
+              <a:avLst/>
+            </a:prstGeom>
+            <a:solidFill>
+              <a:schemeClr val="accent6">
+                <a:lumMod val="20000"/>
+                <a:lumOff val="80000"/>
+                <a:alpha val="36078"/>
+              </a:schemeClr>
+            </a:solidFill>
+          </p:spPr>
+          <p:txBody>
+            <a:bodyPr wrap="square" rtlCol="0">
+              <a:spAutoFit/>
+            </a:bodyPr>
+            <a:lstStyle>
+              <a:defPPr>
+                <a:defRPr lang="ko-KR"/>
+              </a:defPPr>
+              <a:lvl1pPr marL="0" algn="l" defTabSz="914400" rtl="0" eaLnBrk="1" latinLnBrk="1" hangingPunct="1">
+                <a:defRPr sz="1800" kern="1200">
+                  <a:solidFill>
+                    <a:schemeClr val="tx1"/>
+                  </a:solidFill>
+                  <a:latin typeface="+mn-lt"/>
+                  <a:ea typeface="+mn-ea"/>
+                  <a:cs typeface="+mn-cs"/>
+                </a:defRPr>
+              </a:lvl1pPr>
+              <a:lvl2pPr marL="457200" algn="l" defTabSz="914400" rtl="0" eaLnBrk="1" latinLnBrk="1" hangingPunct="1">
+                <a:defRPr sz="1800" kern="1200">
+                  <a:solidFill>
+                    <a:schemeClr val="tx1"/>
+                  </a:solidFill>
+                  <a:latin typeface="+mn-lt"/>
+                  <a:ea typeface="+mn-ea"/>
+                  <a:cs typeface="+mn-cs"/>
+                </a:defRPr>
+              </a:lvl2pPr>
+              <a:lvl3pPr marL="914400" algn="l" defTabSz="914400" rtl="0" eaLnBrk="1" latinLnBrk="1" hangingPunct="1">
+                <a:defRPr sz="1800" kern="1200">
+                  <a:solidFill>
+                    <a:schemeClr val="tx1"/>
+                  </a:solidFill>
+                  <a:latin typeface="+mn-lt"/>
+                  <a:ea typeface="+mn-ea"/>
+                  <a:cs typeface="+mn-cs"/>
+                </a:defRPr>
+              </a:lvl3pPr>
+              <a:lvl4pPr marL="1371600" algn="l" defTabSz="914400" rtl="0" eaLnBrk="1" latinLnBrk="1" hangingPunct="1">
+                <a:defRPr sz="1800" kern="1200">
+                  <a:solidFill>
+                    <a:schemeClr val="tx1"/>
+                  </a:solidFill>
+                  <a:latin typeface="+mn-lt"/>
+                  <a:ea typeface="+mn-ea"/>
+                  <a:cs typeface="+mn-cs"/>
+                </a:defRPr>
+              </a:lvl4pPr>
+              <a:lvl5pPr marL="1828800" algn="l" defTabSz="914400" rtl="0" eaLnBrk="1" latinLnBrk="1" hangingPunct="1">
+                <a:defRPr sz="1800" kern="1200">
+                  <a:solidFill>
+                    <a:schemeClr val="tx1"/>
+                  </a:solidFill>
+                  <a:latin typeface="+mn-lt"/>
+                  <a:ea typeface="+mn-ea"/>
+                  <a:cs typeface="+mn-cs"/>
+                </a:defRPr>
+              </a:lvl5pPr>
+              <a:lvl6pPr marL="2286000" algn="l" defTabSz="914400" rtl="0" eaLnBrk="1" latinLnBrk="1" hangingPunct="1">
+                <a:defRPr sz="1800" kern="1200">
+                  <a:solidFill>
+                    <a:schemeClr val="tx1"/>
+                  </a:solidFill>
+                  <a:latin typeface="+mn-lt"/>
+                  <a:ea typeface="+mn-ea"/>
+                  <a:cs typeface="+mn-cs"/>
+                </a:defRPr>
+              </a:lvl6pPr>
+              <a:lvl7pPr marL="2743200" algn="l" defTabSz="914400" rtl="0" eaLnBrk="1" latinLnBrk="1" hangingPunct="1">
+                <a:defRPr sz="1800" kern="1200">
+                  <a:solidFill>
+                    <a:schemeClr val="tx1"/>
+                  </a:solidFill>
+                  <a:latin typeface="+mn-lt"/>
+                  <a:ea typeface="+mn-ea"/>
+                  <a:cs typeface="+mn-cs"/>
+                </a:defRPr>
+              </a:lvl7pPr>
+              <a:lvl8pPr marL="3200400" algn="l" defTabSz="914400" rtl="0" eaLnBrk="1" latinLnBrk="1" hangingPunct="1">
+                <a:defRPr sz="1800" kern="1200">
+                  <a:solidFill>
+                    <a:schemeClr val="tx1"/>
+                  </a:solidFill>
+                  <a:latin typeface="+mn-lt"/>
+                  <a:ea typeface="+mn-ea"/>
+                  <a:cs typeface="+mn-cs"/>
+                </a:defRPr>
+              </a:lvl8pPr>
+              <a:lvl9pPr marL="3657600" algn="l" defTabSz="914400" rtl="0" eaLnBrk="1" latinLnBrk="1" hangingPunct="1">
+                <a:defRPr sz="1800" kern="1200">
+                  <a:solidFill>
+                    <a:schemeClr val="tx1"/>
+                  </a:solidFill>
+                  <a:latin typeface="+mn-lt"/>
+                  <a:ea typeface="+mn-ea"/>
+                  <a:cs typeface="+mn-cs"/>
+                </a:defRPr>
+              </a:lvl9pPr>
+            </a:lstStyle>
+            <a:p>
+              <a:pPr marL="177800" indent="-177800" algn="ctr"/>
+              <a:r>
+                <a:rPr lang="en-US" altLang="ko-KR" sz="1100" b="1" dirty="0">
+                  <a:solidFill>
+                    <a:srgbClr val="FF0000"/>
+                  </a:solidFill>
+                  <a:latin typeface="나눔고딕" pitchFamily="50" charset="-127"/>
+                  <a:ea typeface="나눔고딕" pitchFamily="50" charset="-127"/>
+                </a:rPr>
+                <a:t>SCREEN_OFF</a:t>
+              </a:r>
+              <a:endParaRPr lang="en-US" altLang="ko-KR" sz="1100" dirty="0">
+                <a:solidFill>
+                  <a:srgbClr val="FF0000"/>
+                </a:solidFill>
+                <a:latin typeface="나눔고딕" pitchFamily="50" charset="-127"/>
+                <a:ea typeface="나눔고딕" pitchFamily="50" charset="-127"/>
+              </a:endParaRPr>
+            </a:p>
+          </p:txBody>
+        </p:sp>
+        <p:grpSp>
+          <p:nvGrpSpPr>
+            <p:cNvPr id="34" name="그룹 33"/>
+            <p:cNvGrpSpPr/>
+            <p:nvPr/>
+          </p:nvGrpSpPr>
+          <p:grpSpPr>
+            <a:xfrm>
+              <a:off x="6145445" y="1585230"/>
+              <a:ext cx="1170046" cy="662890"/>
+              <a:chOff x="3609883" y="1394315"/>
+              <a:chExt cx="1170046" cy="662890"/>
+            </a:xfrm>
+          </p:grpSpPr>
+          <p:sp>
+            <p:nvSpPr>
+              <p:cNvPr id="35" name="TextBox 43"/>
+              <p:cNvSpPr txBox="1"/>
+              <p:nvPr/>
+            </p:nvSpPr>
+            <p:spPr>
+              <a:xfrm>
+                <a:off x="3992714" y="1394315"/>
+                <a:ext cx="370084" cy="400110"/>
+              </a:xfrm>
+              <a:prstGeom prst="rect">
+                <a:avLst/>
+              </a:prstGeom>
+              <a:solidFill>
+                <a:schemeClr val="bg2">
+                  <a:lumMod val="10000"/>
+                  <a:alpha val="36078"/>
+                </a:schemeClr>
+              </a:solidFill>
+            </p:spPr>
+            <p:txBody>
+              <a:bodyPr wrap="square" rtlCol="0">
+                <a:spAutoFit/>
+              </a:bodyPr>
+              <a:lstStyle>
+                <a:defPPr>
+                  <a:defRPr lang="ko-KR"/>
+                </a:defPPr>
+                <a:lvl1pPr marL="0" algn="l" defTabSz="914400" rtl="0" eaLnBrk="1" latinLnBrk="1" hangingPunct="1">
+                  <a:defRPr sz="1800" kern="1200">
+                    <a:solidFill>
+                      <a:schemeClr val="tx1"/>
+                    </a:solidFill>
+                    <a:latin typeface="+mn-lt"/>
+                    <a:ea typeface="+mn-ea"/>
+                    <a:cs typeface="+mn-cs"/>
+                  </a:defRPr>
+                </a:lvl1pPr>
+                <a:lvl2pPr marL="457200" algn="l" defTabSz="914400" rtl="0" eaLnBrk="1" latinLnBrk="1" hangingPunct="1">
+                  <a:defRPr sz="1800" kern="1200">
+                    <a:solidFill>
+                      <a:schemeClr val="tx1"/>
+                    </a:solidFill>
+                    <a:latin typeface="+mn-lt"/>
+                    <a:ea typeface="+mn-ea"/>
+                    <a:cs typeface="+mn-cs"/>
+                  </a:defRPr>
+                </a:lvl2pPr>
+                <a:lvl3pPr marL="914400" algn="l" defTabSz="914400" rtl="0" eaLnBrk="1" latinLnBrk="1" hangingPunct="1">
+                  <a:defRPr sz="1800" kern="1200">
+                    <a:solidFill>
+                      <a:schemeClr val="tx1"/>
+                    </a:solidFill>
+                    <a:latin typeface="+mn-lt"/>
+                    <a:ea typeface="+mn-ea"/>
+                    <a:cs typeface="+mn-cs"/>
+                  </a:defRPr>
+                </a:lvl3pPr>
+                <a:lvl4pPr marL="1371600" algn="l" defTabSz="914400" rtl="0" eaLnBrk="1" latinLnBrk="1" hangingPunct="1">
+                  <a:defRPr sz="1800" kern="1200">
+                    <a:solidFill>
+                      <a:schemeClr val="tx1"/>
+                    </a:solidFill>
+                    <a:latin typeface="+mn-lt"/>
+                    <a:ea typeface="+mn-ea"/>
+                    <a:cs typeface="+mn-cs"/>
+                  </a:defRPr>
+                </a:lvl4pPr>
+                <a:lvl5pPr marL="1828800" algn="l" defTabSz="914400" rtl="0" eaLnBrk="1" latinLnBrk="1" hangingPunct="1">
+                  <a:defRPr sz="1800" kern="1200">
+                    <a:solidFill>
+                      <a:schemeClr val="tx1"/>
+                    </a:solidFill>
+                    <a:latin typeface="+mn-lt"/>
+                    <a:ea typeface="+mn-ea"/>
+                    <a:cs typeface="+mn-cs"/>
+                  </a:defRPr>
+                </a:lvl5pPr>
+                <a:lvl6pPr marL="2286000" algn="l" defTabSz="914400" rtl="0" eaLnBrk="1" latinLnBrk="1" hangingPunct="1">
+                  <a:defRPr sz="1800" kern="1200">
+                    <a:solidFill>
+                      <a:schemeClr val="tx1"/>
+                    </a:solidFill>
+                    <a:latin typeface="+mn-lt"/>
+                    <a:ea typeface="+mn-ea"/>
+                    <a:cs typeface="+mn-cs"/>
+                  </a:defRPr>
+                </a:lvl6pPr>
+                <a:lvl7pPr marL="2743200" algn="l" defTabSz="914400" rtl="0" eaLnBrk="1" latinLnBrk="1" hangingPunct="1">
+                  <a:defRPr sz="1800" kern="1200">
+                    <a:solidFill>
+                      <a:schemeClr val="tx1"/>
+                    </a:solidFill>
+                    <a:latin typeface="+mn-lt"/>
+                    <a:ea typeface="+mn-ea"/>
+                    <a:cs typeface="+mn-cs"/>
+                  </a:defRPr>
+                </a:lvl7pPr>
+                <a:lvl8pPr marL="3200400" algn="l" defTabSz="914400" rtl="0" eaLnBrk="1" latinLnBrk="1" hangingPunct="1">
+                  <a:defRPr sz="1800" kern="1200">
+                    <a:solidFill>
+                      <a:schemeClr val="tx1"/>
+                    </a:solidFill>
+                    <a:latin typeface="+mn-lt"/>
+                    <a:ea typeface="+mn-ea"/>
+                    <a:cs typeface="+mn-cs"/>
+                  </a:defRPr>
+                </a:lvl8pPr>
+                <a:lvl9pPr marL="3657600" algn="l" defTabSz="914400" rtl="0" eaLnBrk="1" latinLnBrk="1" hangingPunct="1">
+                  <a:defRPr sz="1800" kern="1200">
+                    <a:solidFill>
+                      <a:schemeClr val="tx1"/>
+                    </a:solidFill>
+                    <a:latin typeface="+mn-lt"/>
+                    <a:ea typeface="+mn-ea"/>
+                    <a:cs typeface="+mn-cs"/>
+                  </a:defRPr>
+                </a:lvl9pPr>
+              </a:lstStyle>
+              <a:p>
+                <a:pPr marL="177800" indent="-177800" algn="ctr"/>
+                <a:r>
+                  <a:rPr lang="en-US" altLang="ko-KR" sz="2000" b="1" dirty="0">
+                    <a:latin typeface="나눔고딕" pitchFamily="50" charset="-127"/>
+                    <a:ea typeface="나눔고딕" pitchFamily="50" charset="-127"/>
+                  </a:rPr>
+                  <a:t>5</a:t>
+                </a:r>
+                <a:endParaRPr lang="en-US" altLang="ko-KR" sz="2000" dirty="0">
+                  <a:latin typeface="나눔고딕" pitchFamily="50" charset="-127"/>
+                  <a:ea typeface="나눔고딕" pitchFamily="50" charset="-127"/>
+                </a:endParaRPr>
+              </a:p>
+            </p:txBody>
+          </p:sp>
+          <p:sp>
+            <p:nvSpPr>
+              <p:cNvPr id="36" name="TextBox 52"/>
+              <p:cNvSpPr txBox="1"/>
+              <p:nvPr/>
+            </p:nvSpPr>
+            <p:spPr>
+              <a:xfrm>
+                <a:off x="3609883" y="1817139"/>
+                <a:ext cx="1170046" cy="240066"/>
+              </a:xfrm>
+              <a:prstGeom prst="rect">
+                <a:avLst/>
+              </a:prstGeom>
+              <a:noFill/>
+            </p:spPr>
+            <p:txBody>
+              <a:bodyPr wrap="square" rtlCol="0">
+                <a:spAutoFit/>
+              </a:bodyPr>
+              <a:lstStyle>
+                <a:defPPr>
+                  <a:defRPr lang="ko-KR"/>
+                </a:defPPr>
+                <a:lvl1pPr marL="0" algn="l" defTabSz="914400" rtl="0" eaLnBrk="1" latinLnBrk="1" hangingPunct="1">
+                  <a:defRPr sz="1800" kern="1200">
+                    <a:solidFill>
+                      <a:schemeClr val="tx1"/>
+                    </a:solidFill>
+                    <a:latin typeface="+mn-lt"/>
+                    <a:ea typeface="+mn-ea"/>
+                    <a:cs typeface="+mn-cs"/>
+                  </a:defRPr>
+                </a:lvl1pPr>
+                <a:lvl2pPr marL="457200" algn="l" defTabSz="914400" rtl="0" eaLnBrk="1" latinLnBrk="1" hangingPunct="1">
+                  <a:defRPr sz="1800" kern="1200">
+                    <a:solidFill>
+                      <a:schemeClr val="tx1"/>
+                    </a:solidFill>
+                    <a:latin typeface="+mn-lt"/>
+                    <a:ea typeface="+mn-ea"/>
+                    <a:cs typeface="+mn-cs"/>
+                  </a:defRPr>
+                </a:lvl2pPr>
+                <a:lvl3pPr marL="914400" algn="l" defTabSz="914400" rtl="0" eaLnBrk="1" latinLnBrk="1" hangingPunct="1">
+                  <a:defRPr sz="1800" kern="1200">
+                    <a:solidFill>
+                      <a:schemeClr val="tx1"/>
+                    </a:solidFill>
+                    <a:latin typeface="+mn-lt"/>
+                    <a:ea typeface="+mn-ea"/>
+                    <a:cs typeface="+mn-cs"/>
+                  </a:defRPr>
+                </a:lvl3pPr>
+                <a:lvl4pPr marL="1371600" algn="l" defTabSz="914400" rtl="0" eaLnBrk="1" latinLnBrk="1" hangingPunct="1">
+                  <a:defRPr sz="1800" kern="1200">
+                    <a:solidFill>
+                      <a:schemeClr val="tx1"/>
+                    </a:solidFill>
+                    <a:latin typeface="+mn-lt"/>
+                    <a:ea typeface="+mn-ea"/>
+                    <a:cs typeface="+mn-cs"/>
+                  </a:defRPr>
+                </a:lvl4pPr>
+                <a:lvl5pPr marL="1828800" algn="l" defTabSz="914400" rtl="0" eaLnBrk="1" latinLnBrk="1" hangingPunct="1">
+                  <a:defRPr sz="1800" kern="1200">
+                    <a:solidFill>
+                      <a:schemeClr val="tx1"/>
+                    </a:solidFill>
+                    <a:latin typeface="+mn-lt"/>
+                    <a:ea typeface="+mn-ea"/>
+                    <a:cs typeface="+mn-cs"/>
+                  </a:defRPr>
+                </a:lvl5pPr>
+                <a:lvl6pPr marL="2286000" algn="l" defTabSz="914400" rtl="0" eaLnBrk="1" latinLnBrk="1" hangingPunct="1">
+                  <a:defRPr sz="1800" kern="1200">
+                    <a:solidFill>
+                      <a:schemeClr val="tx1"/>
+                    </a:solidFill>
+                    <a:latin typeface="+mn-lt"/>
+                    <a:ea typeface="+mn-ea"/>
+                    <a:cs typeface="+mn-cs"/>
+                  </a:defRPr>
+                </a:lvl6pPr>
+                <a:lvl7pPr marL="2743200" algn="l" defTabSz="914400" rtl="0" eaLnBrk="1" latinLnBrk="1" hangingPunct="1">
+                  <a:defRPr sz="1800" kern="1200">
+                    <a:solidFill>
+                      <a:schemeClr val="tx1"/>
+                    </a:solidFill>
+                    <a:latin typeface="+mn-lt"/>
+                    <a:ea typeface="+mn-ea"/>
+                    <a:cs typeface="+mn-cs"/>
+                  </a:defRPr>
+                </a:lvl7pPr>
+                <a:lvl8pPr marL="3200400" algn="l" defTabSz="914400" rtl="0" eaLnBrk="1" latinLnBrk="1" hangingPunct="1">
+                  <a:defRPr sz="1800" kern="1200">
+                    <a:solidFill>
+                      <a:schemeClr val="tx1"/>
+                    </a:solidFill>
+                    <a:latin typeface="+mn-lt"/>
+                    <a:ea typeface="+mn-ea"/>
+                    <a:cs typeface="+mn-cs"/>
+                  </a:defRPr>
+                </a:lvl8pPr>
+                <a:lvl9pPr marL="3657600" algn="l" defTabSz="914400" rtl="0" eaLnBrk="1" latinLnBrk="1" hangingPunct="1">
+                  <a:defRPr sz="1800" kern="1200">
+                    <a:solidFill>
+                      <a:schemeClr val="tx1"/>
+                    </a:solidFill>
+                    <a:latin typeface="+mn-lt"/>
+                    <a:ea typeface="+mn-ea"/>
+                    <a:cs typeface="+mn-cs"/>
+                  </a:defRPr>
+                </a:lvl9pPr>
+              </a:lstStyle>
+              <a:p>
+                <a:pPr marL="177800" indent="-177800" algn="ctr">
+                  <a:lnSpc>
+                    <a:spcPct val="80000"/>
+                  </a:lnSpc>
+                </a:pPr>
+                <a:r>
+                  <a:rPr lang="en-US" altLang="ko-KR" sz="1200" b="1" spc="-20" dirty="0">
+                    <a:latin typeface="나눔고딕" pitchFamily="50" charset="-127"/>
+                    <a:ea typeface="나눔고딕" pitchFamily="50" charset="-127"/>
+                  </a:rPr>
+                  <a:t>CT end</a:t>
+                </a:r>
+                <a:endParaRPr lang="en-US" altLang="ko-KR" sz="1200" spc="-20" dirty="0">
+                  <a:latin typeface="나눔고딕" pitchFamily="50" charset="-127"/>
+                  <a:ea typeface="나눔고딕" pitchFamily="50" charset="-127"/>
+                </a:endParaRPr>
+              </a:p>
+            </p:txBody>
+          </p:sp>
+        </p:grpSp>
+      </p:grpSp>
+      <p:grpSp>
+        <p:nvGrpSpPr>
+          <p:cNvPr id="45" name="그룹 44"/>
+          <p:cNvGrpSpPr/>
+          <p:nvPr/>
+        </p:nvGrpSpPr>
+        <p:grpSpPr>
+          <a:xfrm>
+            <a:off x="4956661" y="1251032"/>
+            <a:ext cx="1204345" cy="997088"/>
+            <a:chOff x="4891655" y="1251032"/>
+            <a:chExt cx="1204345" cy="997088"/>
+          </a:xfrm>
+        </p:grpSpPr>
+        <p:sp>
+          <p:nvSpPr>
+            <p:cNvPr id="25" name="TextBox 43"/>
+            <p:cNvSpPr txBox="1"/>
+            <p:nvPr/>
+          </p:nvSpPr>
+          <p:spPr>
+            <a:xfrm>
+              <a:off x="4891655" y="1251032"/>
+              <a:ext cx="1204345" cy="261610"/>
+            </a:xfrm>
+            <a:prstGeom prst="rect">
+              <a:avLst/>
+            </a:prstGeom>
+            <a:solidFill>
+              <a:schemeClr val="accent6">
+                <a:lumMod val="20000"/>
+                <a:lumOff val="80000"/>
+                <a:alpha val="36078"/>
+              </a:schemeClr>
+            </a:solidFill>
+          </p:spPr>
+          <p:txBody>
+            <a:bodyPr wrap="square" rtlCol="0">
+              <a:spAutoFit/>
+            </a:bodyPr>
+            <a:lstStyle>
+              <a:defPPr>
+                <a:defRPr lang="ko-KR"/>
+              </a:defPPr>
+              <a:lvl1pPr marL="0" algn="l" defTabSz="914400" rtl="0" eaLnBrk="1" latinLnBrk="1" hangingPunct="1">
+                <a:defRPr sz="1800" kern="1200">
+                  <a:solidFill>
+                    <a:schemeClr val="tx1"/>
+                  </a:solidFill>
+                  <a:latin typeface="+mn-lt"/>
+                  <a:ea typeface="+mn-ea"/>
+                  <a:cs typeface="+mn-cs"/>
+                </a:defRPr>
+              </a:lvl1pPr>
+              <a:lvl2pPr marL="457200" algn="l" defTabSz="914400" rtl="0" eaLnBrk="1" latinLnBrk="1" hangingPunct="1">
+                <a:defRPr sz="1800" kern="1200">
+                  <a:solidFill>
+                    <a:schemeClr val="tx1"/>
+                  </a:solidFill>
+                  <a:latin typeface="+mn-lt"/>
+                  <a:ea typeface="+mn-ea"/>
+                  <a:cs typeface="+mn-cs"/>
+                </a:defRPr>
+              </a:lvl2pPr>
+              <a:lvl3pPr marL="914400" algn="l" defTabSz="914400" rtl="0" eaLnBrk="1" latinLnBrk="1" hangingPunct="1">
+                <a:defRPr sz="1800" kern="1200">
+                  <a:solidFill>
+                    <a:schemeClr val="tx1"/>
+                  </a:solidFill>
+                  <a:latin typeface="+mn-lt"/>
+                  <a:ea typeface="+mn-ea"/>
+                  <a:cs typeface="+mn-cs"/>
+                </a:defRPr>
+              </a:lvl3pPr>
+              <a:lvl4pPr marL="1371600" algn="l" defTabSz="914400" rtl="0" eaLnBrk="1" latinLnBrk="1" hangingPunct="1">
+                <a:defRPr sz="1800" kern="1200">
+                  <a:solidFill>
+                    <a:schemeClr val="tx1"/>
+                  </a:solidFill>
+                  <a:latin typeface="+mn-lt"/>
+                  <a:ea typeface="+mn-ea"/>
+                  <a:cs typeface="+mn-cs"/>
+                </a:defRPr>
+              </a:lvl4pPr>
+              <a:lvl5pPr marL="1828800" algn="l" defTabSz="914400" rtl="0" eaLnBrk="1" latinLnBrk="1" hangingPunct="1">
+                <a:defRPr sz="1800" kern="1200">
+                  <a:solidFill>
+                    <a:schemeClr val="tx1"/>
+                  </a:solidFill>
+                  <a:latin typeface="+mn-lt"/>
+                  <a:ea typeface="+mn-ea"/>
+                  <a:cs typeface="+mn-cs"/>
+                </a:defRPr>
+              </a:lvl5pPr>
+              <a:lvl6pPr marL="2286000" algn="l" defTabSz="914400" rtl="0" eaLnBrk="1" latinLnBrk="1" hangingPunct="1">
+                <a:defRPr sz="1800" kern="1200">
+                  <a:solidFill>
+                    <a:schemeClr val="tx1"/>
+                  </a:solidFill>
+                  <a:latin typeface="+mn-lt"/>
+                  <a:ea typeface="+mn-ea"/>
+                  <a:cs typeface="+mn-cs"/>
+                </a:defRPr>
+              </a:lvl6pPr>
+              <a:lvl7pPr marL="2743200" algn="l" defTabSz="914400" rtl="0" eaLnBrk="1" latinLnBrk="1" hangingPunct="1">
+                <a:defRPr sz="1800" kern="1200">
+                  <a:solidFill>
+                    <a:schemeClr val="tx1"/>
+                  </a:solidFill>
+                  <a:latin typeface="+mn-lt"/>
+                  <a:ea typeface="+mn-ea"/>
+                  <a:cs typeface="+mn-cs"/>
+                </a:defRPr>
+              </a:lvl7pPr>
+              <a:lvl8pPr marL="3200400" algn="l" defTabSz="914400" rtl="0" eaLnBrk="1" latinLnBrk="1" hangingPunct="1">
+                <a:defRPr sz="1800" kern="1200">
+                  <a:solidFill>
+                    <a:schemeClr val="tx1"/>
+                  </a:solidFill>
+                  <a:latin typeface="+mn-lt"/>
+                  <a:ea typeface="+mn-ea"/>
+                  <a:cs typeface="+mn-cs"/>
+                </a:defRPr>
+              </a:lvl8pPr>
+              <a:lvl9pPr marL="3657600" algn="l" defTabSz="914400" rtl="0" eaLnBrk="1" latinLnBrk="1" hangingPunct="1">
+                <a:defRPr sz="1800" kern="1200">
+                  <a:solidFill>
+                    <a:schemeClr val="tx1"/>
+                  </a:solidFill>
+                  <a:latin typeface="+mn-lt"/>
+                  <a:ea typeface="+mn-ea"/>
+                  <a:cs typeface="+mn-cs"/>
+                </a:defRPr>
+              </a:lvl9pPr>
+            </a:lstStyle>
+            <a:p>
+              <a:pPr marL="177800" indent="-177800" algn="ctr"/>
+              <a:r>
+                <a:rPr lang="en-US" altLang="ko-KR" sz="1100" b="1" dirty="0">
+                  <a:solidFill>
+                    <a:schemeClr val="tx1">
+                      <a:lumMod val="65000"/>
+                      <a:lumOff val="35000"/>
+                    </a:schemeClr>
+                  </a:solidFill>
+                  <a:latin typeface="나눔고딕" pitchFamily="50" charset="-127"/>
+                  <a:ea typeface="나눔고딕" pitchFamily="50" charset="-127"/>
+                </a:rPr>
+                <a:t>CALL RECEIVE</a:t>
+              </a:r>
+              <a:endParaRPr lang="en-US" altLang="ko-KR" sz="1100" dirty="0">
+                <a:solidFill>
+                  <a:schemeClr val="tx1">
+                    <a:lumMod val="65000"/>
+                    <a:lumOff val="35000"/>
+                  </a:schemeClr>
+                </a:solidFill>
+                <a:latin typeface="나눔고딕" pitchFamily="50" charset="-127"/>
+                <a:ea typeface="나눔고딕" pitchFamily="50" charset="-127"/>
+              </a:endParaRPr>
+            </a:p>
+          </p:txBody>
+        </p:sp>
+        <p:grpSp>
+          <p:nvGrpSpPr>
+            <p:cNvPr id="37" name="그룹 36"/>
+            <p:cNvGrpSpPr/>
+            <p:nvPr/>
+          </p:nvGrpSpPr>
+          <p:grpSpPr>
+            <a:xfrm>
+              <a:off x="4908805" y="1585230"/>
+              <a:ext cx="1170046" cy="662890"/>
+              <a:chOff x="3609883" y="1394315"/>
+              <a:chExt cx="1170046" cy="662890"/>
+            </a:xfrm>
+          </p:grpSpPr>
+          <p:sp>
+            <p:nvSpPr>
+              <p:cNvPr id="38" name="TextBox 43"/>
+              <p:cNvSpPr txBox="1"/>
+              <p:nvPr/>
+            </p:nvSpPr>
+            <p:spPr>
+              <a:xfrm>
+                <a:off x="4013965" y="1394315"/>
+                <a:ext cx="327582" cy="400110"/>
+              </a:xfrm>
+              <a:prstGeom prst="rect">
+                <a:avLst/>
+              </a:prstGeom>
+              <a:solidFill>
+                <a:schemeClr val="bg2">
+                  <a:lumMod val="10000"/>
+                  <a:alpha val="36078"/>
+                </a:schemeClr>
+              </a:solidFill>
+            </p:spPr>
+            <p:txBody>
+              <a:bodyPr wrap="square" rtlCol="0">
+                <a:spAutoFit/>
+              </a:bodyPr>
+              <a:lstStyle>
+                <a:defPPr>
+                  <a:defRPr lang="ko-KR"/>
+                </a:defPPr>
+                <a:lvl1pPr marL="0" algn="l" defTabSz="914400" rtl="0" eaLnBrk="1" latinLnBrk="1" hangingPunct="1">
+                  <a:defRPr sz="1800" kern="1200">
+                    <a:solidFill>
+                      <a:schemeClr val="tx1"/>
+                    </a:solidFill>
+                    <a:latin typeface="+mn-lt"/>
+                    <a:ea typeface="+mn-ea"/>
+                    <a:cs typeface="+mn-cs"/>
+                  </a:defRPr>
+                </a:lvl1pPr>
+                <a:lvl2pPr marL="457200" algn="l" defTabSz="914400" rtl="0" eaLnBrk="1" latinLnBrk="1" hangingPunct="1">
+                  <a:defRPr sz="1800" kern="1200">
+                    <a:solidFill>
+                      <a:schemeClr val="tx1"/>
+                    </a:solidFill>
+                    <a:latin typeface="+mn-lt"/>
+                    <a:ea typeface="+mn-ea"/>
+                    <a:cs typeface="+mn-cs"/>
+                  </a:defRPr>
+                </a:lvl2pPr>
+                <a:lvl3pPr marL="914400" algn="l" defTabSz="914400" rtl="0" eaLnBrk="1" latinLnBrk="1" hangingPunct="1">
+                  <a:defRPr sz="1800" kern="1200">
+                    <a:solidFill>
+                      <a:schemeClr val="tx1"/>
+                    </a:solidFill>
+                    <a:latin typeface="+mn-lt"/>
+                    <a:ea typeface="+mn-ea"/>
+                    <a:cs typeface="+mn-cs"/>
+                  </a:defRPr>
+                </a:lvl3pPr>
+                <a:lvl4pPr marL="1371600" algn="l" defTabSz="914400" rtl="0" eaLnBrk="1" latinLnBrk="1" hangingPunct="1">
+                  <a:defRPr sz="1800" kern="1200">
+                    <a:solidFill>
+                      <a:schemeClr val="tx1"/>
+                    </a:solidFill>
+                    <a:latin typeface="+mn-lt"/>
+                    <a:ea typeface="+mn-ea"/>
+                    <a:cs typeface="+mn-cs"/>
+                  </a:defRPr>
+                </a:lvl4pPr>
+                <a:lvl5pPr marL="1828800" algn="l" defTabSz="914400" rtl="0" eaLnBrk="1" latinLnBrk="1" hangingPunct="1">
+                  <a:defRPr sz="1800" kern="1200">
+                    <a:solidFill>
+                      <a:schemeClr val="tx1"/>
+                    </a:solidFill>
+                    <a:latin typeface="+mn-lt"/>
+                    <a:ea typeface="+mn-ea"/>
+                    <a:cs typeface="+mn-cs"/>
+                  </a:defRPr>
+                </a:lvl5pPr>
+                <a:lvl6pPr marL="2286000" algn="l" defTabSz="914400" rtl="0" eaLnBrk="1" latinLnBrk="1" hangingPunct="1">
+                  <a:defRPr sz="1800" kern="1200">
+                    <a:solidFill>
+                      <a:schemeClr val="tx1"/>
+                    </a:solidFill>
+                    <a:latin typeface="+mn-lt"/>
+                    <a:ea typeface="+mn-ea"/>
+                    <a:cs typeface="+mn-cs"/>
+                  </a:defRPr>
+                </a:lvl6pPr>
+                <a:lvl7pPr marL="2743200" algn="l" defTabSz="914400" rtl="0" eaLnBrk="1" latinLnBrk="1" hangingPunct="1">
+                  <a:defRPr sz="1800" kern="1200">
+                    <a:solidFill>
+                      <a:schemeClr val="tx1"/>
+                    </a:solidFill>
+                    <a:latin typeface="+mn-lt"/>
+                    <a:ea typeface="+mn-ea"/>
+                    <a:cs typeface="+mn-cs"/>
+                  </a:defRPr>
+                </a:lvl7pPr>
+                <a:lvl8pPr marL="3200400" algn="l" defTabSz="914400" rtl="0" eaLnBrk="1" latinLnBrk="1" hangingPunct="1">
+                  <a:defRPr sz="1800" kern="1200">
+                    <a:solidFill>
+                      <a:schemeClr val="tx1"/>
+                    </a:solidFill>
+                    <a:latin typeface="+mn-lt"/>
+                    <a:ea typeface="+mn-ea"/>
+                    <a:cs typeface="+mn-cs"/>
+                  </a:defRPr>
+                </a:lvl8pPr>
+                <a:lvl9pPr marL="3657600" algn="l" defTabSz="914400" rtl="0" eaLnBrk="1" latinLnBrk="1" hangingPunct="1">
+                  <a:defRPr sz="1800" kern="1200">
+                    <a:solidFill>
+                      <a:schemeClr val="tx1"/>
+                    </a:solidFill>
+                    <a:latin typeface="+mn-lt"/>
+                    <a:ea typeface="+mn-ea"/>
+                    <a:cs typeface="+mn-cs"/>
+                  </a:defRPr>
+                </a:lvl9pPr>
+              </a:lstStyle>
+              <a:p>
+                <a:pPr marL="177800" indent="-177800" algn="ctr"/>
+                <a:r>
+                  <a:rPr lang="en-US" altLang="ko-KR" sz="2000" b="1" dirty="0">
+                    <a:latin typeface="나눔고딕" pitchFamily="50" charset="-127"/>
+                    <a:ea typeface="나눔고딕" pitchFamily="50" charset="-127"/>
+                  </a:rPr>
+                  <a:t>2</a:t>
+                </a:r>
+                <a:endParaRPr lang="en-US" altLang="ko-KR" sz="2000" dirty="0">
+                  <a:latin typeface="나눔고딕" pitchFamily="50" charset="-127"/>
+                  <a:ea typeface="나눔고딕" pitchFamily="50" charset="-127"/>
+                </a:endParaRPr>
+              </a:p>
+            </p:txBody>
+          </p:sp>
+          <p:sp>
+            <p:nvSpPr>
+              <p:cNvPr id="39" name="TextBox 52"/>
+              <p:cNvSpPr txBox="1"/>
+              <p:nvPr/>
+            </p:nvSpPr>
+            <p:spPr>
+              <a:xfrm>
+                <a:off x="3609883" y="1817139"/>
+                <a:ext cx="1170046" cy="240066"/>
+              </a:xfrm>
+              <a:prstGeom prst="rect">
+                <a:avLst/>
+              </a:prstGeom>
+              <a:noFill/>
+            </p:spPr>
+            <p:txBody>
+              <a:bodyPr wrap="square" rtlCol="0">
+                <a:spAutoFit/>
+              </a:bodyPr>
+              <a:lstStyle>
+                <a:defPPr>
+                  <a:defRPr lang="ko-KR"/>
+                </a:defPPr>
+                <a:lvl1pPr marL="0" algn="l" defTabSz="914400" rtl="0" eaLnBrk="1" latinLnBrk="1" hangingPunct="1">
+                  <a:defRPr sz="1800" kern="1200">
+                    <a:solidFill>
+                      <a:schemeClr val="tx1"/>
+                    </a:solidFill>
+                    <a:latin typeface="+mn-lt"/>
+                    <a:ea typeface="+mn-ea"/>
+                    <a:cs typeface="+mn-cs"/>
+                  </a:defRPr>
+                </a:lvl1pPr>
+                <a:lvl2pPr marL="457200" algn="l" defTabSz="914400" rtl="0" eaLnBrk="1" latinLnBrk="1" hangingPunct="1">
+                  <a:defRPr sz="1800" kern="1200">
+                    <a:solidFill>
+                      <a:schemeClr val="tx1"/>
+                    </a:solidFill>
+                    <a:latin typeface="+mn-lt"/>
+                    <a:ea typeface="+mn-ea"/>
+                    <a:cs typeface="+mn-cs"/>
+                  </a:defRPr>
+                </a:lvl2pPr>
+                <a:lvl3pPr marL="914400" algn="l" defTabSz="914400" rtl="0" eaLnBrk="1" latinLnBrk="1" hangingPunct="1">
+                  <a:defRPr sz="1800" kern="1200">
+                    <a:solidFill>
+                      <a:schemeClr val="tx1"/>
+                    </a:solidFill>
+                    <a:latin typeface="+mn-lt"/>
+                    <a:ea typeface="+mn-ea"/>
+                    <a:cs typeface="+mn-cs"/>
+                  </a:defRPr>
+                </a:lvl3pPr>
+                <a:lvl4pPr marL="1371600" algn="l" defTabSz="914400" rtl="0" eaLnBrk="1" latinLnBrk="1" hangingPunct="1">
+                  <a:defRPr sz="1800" kern="1200">
+                    <a:solidFill>
+                      <a:schemeClr val="tx1"/>
+                    </a:solidFill>
+                    <a:latin typeface="+mn-lt"/>
+                    <a:ea typeface="+mn-ea"/>
+                    <a:cs typeface="+mn-cs"/>
+                  </a:defRPr>
+                </a:lvl4pPr>
+                <a:lvl5pPr marL="1828800" algn="l" defTabSz="914400" rtl="0" eaLnBrk="1" latinLnBrk="1" hangingPunct="1">
+                  <a:defRPr sz="1800" kern="1200">
+                    <a:solidFill>
+                      <a:schemeClr val="tx1"/>
+                    </a:solidFill>
+                    <a:latin typeface="+mn-lt"/>
+                    <a:ea typeface="+mn-ea"/>
+                    <a:cs typeface="+mn-cs"/>
+                  </a:defRPr>
+                </a:lvl5pPr>
+                <a:lvl6pPr marL="2286000" algn="l" defTabSz="914400" rtl="0" eaLnBrk="1" latinLnBrk="1" hangingPunct="1">
+                  <a:defRPr sz="1800" kern="1200">
+                    <a:solidFill>
+                      <a:schemeClr val="tx1"/>
+                    </a:solidFill>
+                    <a:latin typeface="+mn-lt"/>
+                    <a:ea typeface="+mn-ea"/>
+                    <a:cs typeface="+mn-cs"/>
+                  </a:defRPr>
+                </a:lvl6pPr>
+                <a:lvl7pPr marL="2743200" algn="l" defTabSz="914400" rtl="0" eaLnBrk="1" latinLnBrk="1" hangingPunct="1">
+                  <a:defRPr sz="1800" kern="1200">
+                    <a:solidFill>
+                      <a:schemeClr val="tx1"/>
+                    </a:solidFill>
+                    <a:latin typeface="+mn-lt"/>
+                    <a:ea typeface="+mn-ea"/>
+                    <a:cs typeface="+mn-cs"/>
+                  </a:defRPr>
+                </a:lvl7pPr>
+                <a:lvl8pPr marL="3200400" algn="l" defTabSz="914400" rtl="0" eaLnBrk="1" latinLnBrk="1" hangingPunct="1">
+                  <a:defRPr sz="1800" kern="1200">
+                    <a:solidFill>
+                      <a:schemeClr val="tx1"/>
+                    </a:solidFill>
+                    <a:latin typeface="+mn-lt"/>
+                    <a:ea typeface="+mn-ea"/>
+                    <a:cs typeface="+mn-cs"/>
+                  </a:defRPr>
+                </a:lvl8pPr>
+                <a:lvl9pPr marL="3657600" algn="l" defTabSz="914400" rtl="0" eaLnBrk="1" latinLnBrk="1" hangingPunct="1">
+                  <a:defRPr sz="1800" kern="1200">
+                    <a:solidFill>
+                      <a:schemeClr val="tx1"/>
+                    </a:solidFill>
+                    <a:latin typeface="+mn-lt"/>
+                    <a:ea typeface="+mn-ea"/>
+                    <a:cs typeface="+mn-cs"/>
+                  </a:defRPr>
+                </a:lvl9pPr>
+              </a:lstStyle>
+              <a:p>
+                <a:pPr marL="177800" indent="-177800" algn="ctr">
+                  <a:lnSpc>
+                    <a:spcPct val="80000"/>
+                  </a:lnSpc>
+                </a:pPr>
+                <a:r>
+                  <a:rPr lang="en-US" altLang="ko-KR" sz="1200" b="1" spc="-20" dirty="0">
+                    <a:latin typeface="나눔고딕" pitchFamily="50" charset="-127"/>
+                    <a:ea typeface="나눔고딕" pitchFamily="50" charset="-127"/>
+                  </a:rPr>
+                  <a:t>CALL RECEIVE</a:t>
+                </a:r>
+                <a:endParaRPr lang="en-US" altLang="ko-KR" sz="1200" spc="-20" dirty="0">
+                  <a:latin typeface="나눔고딕" pitchFamily="50" charset="-127"/>
+                  <a:ea typeface="나눔고딕" pitchFamily="50" charset="-127"/>
+                </a:endParaRPr>
+              </a:p>
+            </p:txBody>
+          </p:sp>
+        </p:grpSp>
+      </p:grpSp>
+      <p:grpSp>
+        <p:nvGrpSpPr>
+          <p:cNvPr id="40" name="그룹 39"/>
+          <p:cNvGrpSpPr/>
+          <p:nvPr/>
+        </p:nvGrpSpPr>
+        <p:grpSpPr>
+          <a:xfrm>
+            <a:off x="7438052" y="1585230"/>
+            <a:ext cx="1170046" cy="662890"/>
+            <a:chOff x="3609883" y="1394315"/>
+            <a:chExt cx="1170046" cy="662890"/>
+          </a:xfrm>
+        </p:grpSpPr>
+        <p:sp>
+          <p:nvSpPr>
+            <p:cNvPr id="41" name="TextBox 43"/>
+            <p:cNvSpPr txBox="1"/>
+            <p:nvPr/>
+          </p:nvSpPr>
+          <p:spPr>
+            <a:xfrm>
+              <a:off x="3928202" y="1394315"/>
+              <a:ext cx="499108" cy="400110"/>
+            </a:xfrm>
+            <a:prstGeom prst="rect">
+              <a:avLst/>
+            </a:prstGeom>
+            <a:solidFill>
+              <a:schemeClr val="bg2">
+                <a:lumMod val="10000"/>
+                <a:alpha val="36078"/>
+              </a:schemeClr>
+            </a:solidFill>
+          </p:spPr>
+          <p:txBody>
+            <a:bodyPr wrap="square" rtlCol="0">
+              <a:spAutoFit/>
+            </a:bodyPr>
+            <a:lstStyle>
+              <a:defPPr>
+                <a:defRPr lang="ko-KR"/>
+              </a:defPPr>
+              <a:lvl1pPr marL="0" algn="l" defTabSz="914400" rtl="0" eaLnBrk="1" latinLnBrk="1" hangingPunct="1">
+                <a:defRPr sz="1800" kern="1200">
+                  <a:solidFill>
+                    <a:schemeClr val="tx1"/>
+                  </a:solidFill>
+                  <a:latin typeface="+mn-lt"/>
+                  <a:ea typeface="+mn-ea"/>
+                  <a:cs typeface="+mn-cs"/>
+                </a:defRPr>
+              </a:lvl1pPr>
+              <a:lvl2pPr marL="457200" algn="l" defTabSz="914400" rtl="0" eaLnBrk="1" latinLnBrk="1" hangingPunct="1">
+                <a:defRPr sz="1800" kern="1200">
+                  <a:solidFill>
+                    <a:schemeClr val="tx1"/>
+                  </a:solidFill>
+                  <a:latin typeface="+mn-lt"/>
+                  <a:ea typeface="+mn-ea"/>
+                  <a:cs typeface="+mn-cs"/>
+                </a:defRPr>
+              </a:lvl2pPr>
+              <a:lvl3pPr marL="914400" algn="l" defTabSz="914400" rtl="0" eaLnBrk="1" latinLnBrk="1" hangingPunct="1">
+                <a:defRPr sz="1800" kern="1200">
+                  <a:solidFill>
+                    <a:schemeClr val="tx1"/>
+                  </a:solidFill>
+                  <a:latin typeface="+mn-lt"/>
+                  <a:ea typeface="+mn-ea"/>
+                  <a:cs typeface="+mn-cs"/>
+                </a:defRPr>
+              </a:lvl3pPr>
+              <a:lvl4pPr marL="1371600" algn="l" defTabSz="914400" rtl="0" eaLnBrk="1" latinLnBrk="1" hangingPunct="1">
+                <a:defRPr sz="1800" kern="1200">
+                  <a:solidFill>
+                    <a:schemeClr val="tx1"/>
+                  </a:solidFill>
+                  <a:latin typeface="+mn-lt"/>
+                  <a:ea typeface="+mn-ea"/>
+                  <a:cs typeface="+mn-cs"/>
+                </a:defRPr>
+              </a:lvl4pPr>
+              <a:lvl5pPr marL="1828800" algn="l" defTabSz="914400" rtl="0" eaLnBrk="1" latinLnBrk="1" hangingPunct="1">
+                <a:defRPr sz="1800" kern="1200">
+                  <a:solidFill>
+                    <a:schemeClr val="tx1"/>
+                  </a:solidFill>
+                  <a:latin typeface="+mn-lt"/>
+                  <a:ea typeface="+mn-ea"/>
+                  <a:cs typeface="+mn-cs"/>
+                </a:defRPr>
+              </a:lvl5pPr>
+              <a:lvl6pPr marL="2286000" algn="l" defTabSz="914400" rtl="0" eaLnBrk="1" latinLnBrk="1" hangingPunct="1">
+                <a:defRPr sz="1800" kern="1200">
+                  <a:solidFill>
+                    <a:schemeClr val="tx1"/>
+                  </a:solidFill>
+                  <a:latin typeface="+mn-lt"/>
+                  <a:ea typeface="+mn-ea"/>
+                  <a:cs typeface="+mn-cs"/>
+                </a:defRPr>
+              </a:lvl6pPr>
+              <a:lvl7pPr marL="2743200" algn="l" defTabSz="914400" rtl="0" eaLnBrk="1" latinLnBrk="1" hangingPunct="1">
+                <a:defRPr sz="1800" kern="1200">
+                  <a:solidFill>
+                    <a:schemeClr val="tx1"/>
+                  </a:solidFill>
+                  <a:latin typeface="+mn-lt"/>
+                  <a:ea typeface="+mn-ea"/>
+                  <a:cs typeface="+mn-cs"/>
+                </a:defRPr>
+              </a:lvl7pPr>
+              <a:lvl8pPr marL="3200400" algn="l" defTabSz="914400" rtl="0" eaLnBrk="1" latinLnBrk="1" hangingPunct="1">
+                <a:defRPr sz="1800" kern="1200">
+                  <a:solidFill>
+                    <a:schemeClr val="tx1"/>
+                  </a:solidFill>
+                  <a:latin typeface="+mn-lt"/>
+                  <a:ea typeface="+mn-ea"/>
+                  <a:cs typeface="+mn-cs"/>
+                </a:defRPr>
+              </a:lvl8pPr>
+              <a:lvl9pPr marL="3657600" algn="l" defTabSz="914400" rtl="0" eaLnBrk="1" latinLnBrk="1" hangingPunct="1">
+                <a:defRPr sz="1800" kern="1200">
+                  <a:solidFill>
+                    <a:schemeClr val="tx1"/>
+                  </a:solidFill>
+                  <a:latin typeface="+mn-lt"/>
+                  <a:ea typeface="+mn-ea"/>
+                  <a:cs typeface="+mn-cs"/>
+                </a:defRPr>
+              </a:lvl9pPr>
+            </a:lstStyle>
+            <a:p>
+              <a:pPr marL="177800" indent="-177800" algn="ctr"/>
+              <a:r>
+                <a:rPr lang="en-US" altLang="ko-KR" sz="2000" b="1" dirty="0">
+                  <a:latin typeface="나눔고딕" pitchFamily="50" charset="-127"/>
+                  <a:ea typeface="나눔고딕" pitchFamily="50" charset="-127"/>
+                </a:rPr>
+                <a:t>99</a:t>
+              </a:r>
+              <a:endParaRPr lang="en-US" altLang="ko-KR" sz="2000" dirty="0">
+                <a:latin typeface="나눔고딕" pitchFamily="50" charset="-127"/>
+                <a:ea typeface="나눔고딕" pitchFamily="50" charset="-127"/>
+              </a:endParaRPr>
+            </a:p>
+          </p:txBody>
+        </p:sp>
+        <p:sp>
+          <p:nvSpPr>
+            <p:cNvPr id="42" name="TextBox 52"/>
+            <p:cNvSpPr txBox="1"/>
+            <p:nvPr/>
+          </p:nvSpPr>
+          <p:spPr>
+            <a:xfrm>
+              <a:off x="3609883" y="1817139"/>
+              <a:ext cx="1170046" cy="240066"/>
+            </a:xfrm>
+            <a:prstGeom prst="rect">
+              <a:avLst/>
+            </a:prstGeom>
+            <a:noFill/>
+          </p:spPr>
+          <p:txBody>
+            <a:bodyPr wrap="square" rtlCol="0">
+              <a:spAutoFit/>
+            </a:bodyPr>
+            <a:lstStyle>
+              <a:defPPr>
+                <a:defRPr lang="ko-KR"/>
+              </a:defPPr>
+              <a:lvl1pPr marL="0" algn="l" defTabSz="914400" rtl="0" eaLnBrk="1" latinLnBrk="1" hangingPunct="1">
+                <a:defRPr sz="1800" kern="1200">
+                  <a:solidFill>
+                    <a:schemeClr val="tx1"/>
+                  </a:solidFill>
+                  <a:latin typeface="+mn-lt"/>
+                  <a:ea typeface="+mn-ea"/>
+                  <a:cs typeface="+mn-cs"/>
+                </a:defRPr>
+              </a:lvl1pPr>
+              <a:lvl2pPr marL="457200" algn="l" defTabSz="914400" rtl="0" eaLnBrk="1" latinLnBrk="1" hangingPunct="1">
+                <a:defRPr sz="1800" kern="1200">
+                  <a:solidFill>
+                    <a:schemeClr val="tx1"/>
+                  </a:solidFill>
+                  <a:latin typeface="+mn-lt"/>
+                  <a:ea typeface="+mn-ea"/>
+                  <a:cs typeface="+mn-cs"/>
+                </a:defRPr>
+              </a:lvl2pPr>
+              <a:lvl3pPr marL="914400" algn="l" defTabSz="914400" rtl="0" eaLnBrk="1" latinLnBrk="1" hangingPunct="1">
+                <a:defRPr sz="1800" kern="1200">
+                  <a:solidFill>
+                    <a:schemeClr val="tx1"/>
+                  </a:solidFill>
+                  <a:latin typeface="+mn-lt"/>
+                  <a:ea typeface="+mn-ea"/>
+                  <a:cs typeface="+mn-cs"/>
+                </a:defRPr>
+              </a:lvl3pPr>
+              <a:lvl4pPr marL="1371600" algn="l" defTabSz="914400" rtl="0" eaLnBrk="1" latinLnBrk="1" hangingPunct="1">
+                <a:defRPr sz="1800" kern="1200">
+                  <a:solidFill>
+                    <a:schemeClr val="tx1"/>
+                  </a:solidFill>
+                  <a:latin typeface="+mn-lt"/>
+                  <a:ea typeface="+mn-ea"/>
+                  <a:cs typeface="+mn-cs"/>
+                </a:defRPr>
+              </a:lvl4pPr>
+              <a:lvl5pPr marL="1828800" algn="l" defTabSz="914400" rtl="0" eaLnBrk="1" latinLnBrk="1" hangingPunct="1">
+                <a:defRPr sz="1800" kern="1200">
+                  <a:solidFill>
+                    <a:schemeClr val="tx1"/>
+                  </a:solidFill>
+                  <a:latin typeface="+mn-lt"/>
+                  <a:ea typeface="+mn-ea"/>
+                  <a:cs typeface="+mn-cs"/>
+                </a:defRPr>
+              </a:lvl5pPr>
+              <a:lvl6pPr marL="2286000" algn="l" defTabSz="914400" rtl="0" eaLnBrk="1" latinLnBrk="1" hangingPunct="1">
+                <a:defRPr sz="1800" kern="1200">
+                  <a:solidFill>
+                    <a:schemeClr val="tx1"/>
+                  </a:solidFill>
+                  <a:latin typeface="+mn-lt"/>
+                  <a:ea typeface="+mn-ea"/>
+                  <a:cs typeface="+mn-cs"/>
+                </a:defRPr>
+              </a:lvl6pPr>
+              <a:lvl7pPr marL="2743200" algn="l" defTabSz="914400" rtl="0" eaLnBrk="1" latinLnBrk="1" hangingPunct="1">
+                <a:defRPr sz="1800" kern="1200">
+                  <a:solidFill>
+                    <a:schemeClr val="tx1"/>
+                  </a:solidFill>
+                  <a:latin typeface="+mn-lt"/>
+                  <a:ea typeface="+mn-ea"/>
+                  <a:cs typeface="+mn-cs"/>
+                </a:defRPr>
+              </a:lvl7pPr>
+              <a:lvl8pPr marL="3200400" algn="l" defTabSz="914400" rtl="0" eaLnBrk="1" latinLnBrk="1" hangingPunct="1">
+                <a:defRPr sz="1800" kern="1200">
+                  <a:solidFill>
+                    <a:schemeClr val="tx1"/>
+                  </a:solidFill>
+                  <a:latin typeface="+mn-lt"/>
+                  <a:ea typeface="+mn-ea"/>
+                  <a:cs typeface="+mn-cs"/>
+                </a:defRPr>
+              </a:lvl8pPr>
+              <a:lvl9pPr marL="3657600" algn="l" defTabSz="914400" rtl="0" eaLnBrk="1" latinLnBrk="1" hangingPunct="1">
+                <a:defRPr sz="1800" kern="1200">
+                  <a:solidFill>
+                    <a:schemeClr val="tx1"/>
+                  </a:solidFill>
+                  <a:latin typeface="+mn-lt"/>
+                  <a:ea typeface="+mn-ea"/>
+                  <a:cs typeface="+mn-cs"/>
+                </a:defRPr>
+              </a:lvl9pPr>
+            </a:lstStyle>
+            <a:p>
+              <a:pPr marL="177800" indent="-177800" algn="ctr">
+                <a:lnSpc>
+                  <a:spcPct val="80000"/>
+                </a:lnSpc>
+              </a:pPr>
+              <a:r>
+                <a:rPr lang="en-US" altLang="ko-KR" sz="1200" b="1" spc="-20" dirty="0">
+                  <a:latin typeface="나눔고딕" pitchFamily="50" charset="-127"/>
+                  <a:ea typeface="나눔고딕" pitchFamily="50" charset="-127"/>
+                </a:rPr>
+                <a:t>END SERVICE</a:t>
+              </a:r>
+              <a:endParaRPr lang="en-US" altLang="ko-KR" sz="1200" spc="-20" dirty="0">
+                <a:latin typeface="나눔고딕" pitchFamily="50" charset="-127"/>
+                <a:ea typeface="나눔고딕" pitchFamily="50" charset="-127"/>
+              </a:endParaRPr>
+            </a:p>
+          </p:txBody>
+        </p:sp>
+      </p:grpSp>
+      <p:sp>
+        <p:nvSpPr>
+          <p:cNvPr id="54" name="TextBox 52"/>
+          <p:cNvSpPr txBox="1"/>
+          <p:nvPr/>
+        </p:nvSpPr>
+        <p:spPr>
+          <a:xfrm>
+            <a:off x="4069429" y="3679844"/>
+            <a:ext cx="2232056" cy="215444"/>
+          </a:xfrm>
+          <a:prstGeom prst="rect">
+            <a:avLst/>
+          </a:prstGeom>
+          <a:noFill/>
+        </p:spPr>
+        <p:txBody>
+          <a:bodyPr wrap="square" rtlCol="0" anchor="b">
+            <a:spAutoFit/>
+          </a:bodyPr>
+          <a:lstStyle>
+            <a:defPPr>
+              <a:defRPr lang="ko-KR"/>
+            </a:defPPr>
+            <a:lvl1pPr marL="0" algn="l" defTabSz="914400" rtl="0" eaLnBrk="1" latinLnBrk="1" hangingPunct="1">
+              <a:defRPr sz="1800" kern="1200">
+                <a:solidFill>
+                  <a:schemeClr val="tx1"/>
+                </a:solidFill>
+                <a:latin typeface="+mn-lt"/>
+                <a:ea typeface="+mn-ea"/>
+                <a:cs typeface="+mn-cs"/>
+              </a:defRPr>
+            </a:lvl1pPr>
+            <a:lvl2pPr marL="457200" algn="l" defTabSz="914400" rtl="0" eaLnBrk="1" latinLnBrk="1" hangingPunct="1">
+              <a:defRPr sz="1800" kern="1200">
+                <a:solidFill>
+                  <a:schemeClr val="tx1"/>
+                </a:solidFill>
+                <a:latin typeface="+mn-lt"/>
+                <a:ea typeface="+mn-ea"/>
+                <a:cs typeface="+mn-cs"/>
+              </a:defRPr>
+            </a:lvl2pPr>
+            <a:lvl3pPr marL="914400" algn="l" defTabSz="914400" rtl="0" eaLnBrk="1" latinLnBrk="1" hangingPunct="1">
+              <a:defRPr sz="1800" kern="1200">
+                <a:solidFill>
+                  <a:schemeClr val="tx1"/>
+                </a:solidFill>
+                <a:latin typeface="+mn-lt"/>
+                <a:ea typeface="+mn-ea"/>
+                <a:cs typeface="+mn-cs"/>
+              </a:defRPr>
+            </a:lvl3pPr>
+            <a:lvl4pPr marL="1371600" algn="l" defTabSz="914400" rtl="0" eaLnBrk="1" latinLnBrk="1" hangingPunct="1">
+              <a:defRPr sz="1800" kern="1200">
+                <a:solidFill>
+                  <a:schemeClr val="tx1"/>
+                </a:solidFill>
+                <a:latin typeface="+mn-lt"/>
+                <a:ea typeface="+mn-ea"/>
+                <a:cs typeface="+mn-cs"/>
+              </a:defRPr>
+            </a:lvl4pPr>
+            <a:lvl5pPr marL="1828800" algn="l" defTabSz="914400" rtl="0" eaLnBrk="1" latinLnBrk="1" hangingPunct="1">
+              <a:defRPr sz="1800" kern="1200">
+                <a:solidFill>
+                  <a:schemeClr val="tx1"/>
+                </a:solidFill>
+                <a:latin typeface="+mn-lt"/>
+                <a:ea typeface="+mn-ea"/>
+                <a:cs typeface="+mn-cs"/>
+              </a:defRPr>
+            </a:lvl5pPr>
+            <a:lvl6pPr marL="2286000" algn="l" defTabSz="914400" rtl="0" eaLnBrk="1" latinLnBrk="1" hangingPunct="1">
+              <a:defRPr sz="1800" kern="1200">
+                <a:solidFill>
+                  <a:schemeClr val="tx1"/>
+                </a:solidFill>
+                <a:latin typeface="+mn-lt"/>
+                <a:ea typeface="+mn-ea"/>
+                <a:cs typeface="+mn-cs"/>
+              </a:defRPr>
+            </a:lvl6pPr>
+            <a:lvl7pPr marL="2743200" algn="l" defTabSz="914400" rtl="0" eaLnBrk="1" latinLnBrk="1" hangingPunct="1">
+              <a:defRPr sz="1800" kern="1200">
+                <a:solidFill>
+                  <a:schemeClr val="tx1"/>
+                </a:solidFill>
+                <a:latin typeface="+mn-lt"/>
+                <a:ea typeface="+mn-ea"/>
+                <a:cs typeface="+mn-cs"/>
+              </a:defRPr>
+            </a:lvl7pPr>
+            <a:lvl8pPr marL="3200400" algn="l" defTabSz="914400" rtl="0" eaLnBrk="1" latinLnBrk="1" hangingPunct="1">
+              <a:defRPr sz="1800" kern="1200">
+                <a:solidFill>
+                  <a:schemeClr val="tx1"/>
+                </a:solidFill>
+                <a:latin typeface="+mn-lt"/>
+                <a:ea typeface="+mn-ea"/>
+                <a:cs typeface="+mn-cs"/>
+              </a:defRPr>
+            </a:lvl8pPr>
+            <a:lvl9pPr marL="3657600" algn="l" defTabSz="914400" rtl="0" eaLnBrk="1" latinLnBrk="1" hangingPunct="1">
+              <a:defRPr sz="1800" kern="1200">
+                <a:solidFill>
+                  <a:schemeClr val="tx1"/>
+                </a:solidFill>
+                <a:latin typeface="+mn-lt"/>
+                <a:ea typeface="+mn-ea"/>
+                <a:cs typeface="+mn-cs"/>
+              </a:defRPr>
+            </a:lvl9pPr>
+          </a:lstStyle>
+          <a:p>
+            <a:pPr marL="177800" indent="-177800">
+              <a:lnSpc>
+                <a:spcPct val="80000"/>
+              </a:lnSpc>
+            </a:pPr>
+            <a:r>
+              <a:rPr lang="en-US" altLang="ko-KR" sz="1000" b="1" spc="-20" dirty="0">
+                <a:latin typeface="나눔고딕" pitchFamily="50" charset="-127"/>
+                <a:ea typeface="나눔고딕" pitchFamily="50" charset="-127"/>
+              </a:rPr>
+              <a:t>AoT start</a:t>
+            </a:r>
+            <a:endParaRPr lang="en-US" altLang="ko-KR" sz="1000" spc="-20" dirty="0">
+              <a:latin typeface="나눔고딕" pitchFamily="50" charset="-127"/>
+              <a:ea typeface="나눔고딕" pitchFamily="50" charset="-127"/>
+            </a:endParaRPr>
+          </a:p>
+        </p:txBody>
+      </p:sp>
+      <p:grpSp>
+        <p:nvGrpSpPr>
+          <p:cNvPr id="56" name="그룹 55"/>
+          <p:cNvGrpSpPr/>
+          <p:nvPr/>
+        </p:nvGrpSpPr>
+        <p:grpSpPr>
+          <a:xfrm>
+            <a:off x="4081802" y="4008549"/>
+            <a:ext cx="2014198" cy="246221"/>
+            <a:chOff x="4081802" y="3747405"/>
+            <a:chExt cx="2014198" cy="246221"/>
+          </a:xfrm>
+        </p:grpSpPr>
+        <p:sp>
+          <p:nvSpPr>
+            <p:cNvPr id="57" name="TextBox 43"/>
+            <p:cNvSpPr txBox="1"/>
+            <p:nvPr/>
+          </p:nvSpPr>
+          <p:spPr>
+            <a:xfrm>
+              <a:off x="4081802" y="3747405"/>
+              <a:ext cx="425423" cy="246221"/>
+            </a:xfrm>
+            <a:prstGeom prst="rect">
+              <a:avLst/>
+            </a:prstGeom>
+            <a:solidFill>
+              <a:schemeClr val="bg2">
+                <a:lumMod val="10000"/>
+                <a:alpha val="36078"/>
+              </a:schemeClr>
+            </a:solidFill>
+          </p:spPr>
+          <p:txBody>
+            <a:bodyPr wrap="square" rtlCol="0">
+              <a:spAutoFit/>
+            </a:bodyPr>
+            <a:lstStyle>
+              <a:defPPr>
+                <a:defRPr lang="ko-KR"/>
+              </a:defPPr>
+              <a:lvl1pPr marL="0" algn="l" defTabSz="914400" rtl="0" eaLnBrk="1" latinLnBrk="1" hangingPunct="1">
+                <a:defRPr sz="1800" kern="1200">
+                  <a:solidFill>
+                    <a:schemeClr val="tx1"/>
+                  </a:solidFill>
+                  <a:latin typeface="+mn-lt"/>
+                  <a:ea typeface="+mn-ea"/>
+                  <a:cs typeface="+mn-cs"/>
+                </a:defRPr>
+              </a:lvl1pPr>
+              <a:lvl2pPr marL="457200" algn="l" defTabSz="914400" rtl="0" eaLnBrk="1" latinLnBrk="1" hangingPunct="1">
+                <a:defRPr sz="1800" kern="1200">
+                  <a:solidFill>
+                    <a:schemeClr val="tx1"/>
+                  </a:solidFill>
+                  <a:latin typeface="+mn-lt"/>
+                  <a:ea typeface="+mn-ea"/>
+                  <a:cs typeface="+mn-cs"/>
+                </a:defRPr>
+              </a:lvl2pPr>
+              <a:lvl3pPr marL="914400" algn="l" defTabSz="914400" rtl="0" eaLnBrk="1" latinLnBrk="1" hangingPunct="1">
+                <a:defRPr sz="1800" kern="1200">
+                  <a:solidFill>
+                    <a:schemeClr val="tx1"/>
+                  </a:solidFill>
+                  <a:latin typeface="+mn-lt"/>
+                  <a:ea typeface="+mn-ea"/>
+                  <a:cs typeface="+mn-cs"/>
+                </a:defRPr>
+              </a:lvl3pPr>
+              <a:lvl4pPr marL="1371600" algn="l" defTabSz="914400" rtl="0" eaLnBrk="1" latinLnBrk="1" hangingPunct="1">
+                <a:defRPr sz="1800" kern="1200">
+                  <a:solidFill>
+                    <a:schemeClr val="tx1"/>
+                  </a:solidFill>
+                  <a:latin typeface="+mn-lt"/>
+                  <a:ea typeface="+mn-ea"/>
+                  <a:cs typeface="+mn-cs"/>
+                </a:defRPr>
+              </a:lvl4pPr>
+              <a:lvl5pPr marL="1828800" algn="l" defTabSz="914400" rtl="0" eaLnBrk="1" latinLnBrk="1" hangingPunct="1">
+                <a:defRPr sz="1800" kern="1200">
+                  <a:solidFill>
+                    <a:schemeClr val="tx1"/>
+                  </a:solidFill>
+                  <a:latin typeface="+mn-lt"/>
+                  <a:ea typeface="+mn-ea"/>
+                  <a:cs typeface="+mn-cs"/>
+                </a:defRPr>
+              </a:lvl5pPr>
+              <a:lvl6pPr marL="2286000" algn="l" defTabSz="914400" rtl="0" eaLnBrk="1" latinLnBrk="1" hangingPunct="1">
+                <a:defRPr sz="1800" kern="1200">
+                  <a:solidFill>
+                    <a:schemeClr val="tx1"/>
+                  </a:solidFill>
+                  <a:latin typeface="+mn-lt"/>
+                  <a:ea typeface="+mn-ea"/>
+                  <a:cs typeface="+mn-cs"/>
+                </a:defRPr>
+              </a:lvl6pPr>
+              <a:lvl7pPr marL="2743200" algn="l" defTabSz="914400" rtl="0" eaLnBrk="1" latinLnBrk="1" hangingPunct="1">
+                <a:defRPr sz="1800" kern="1200">
+                  <a:solidFill>
+                    <a:schemeClr val="tx1"/>
+                  </a:solidFill>
+                  <a:latin typeface="+mn-lt"/>
+                  <a:ea typeface="+mn-ea"/>
+                  <a:cs typeface="+mn-cs"/>
+                </a:defRPr>
+              </a:lvl7pPr>
+              <a:lvl8pPr marL="3200400" algn="l" defTabSz="914400" rtl="0" eaLnBrk="1" latinLnBrk="1" hangingPunct="1">
+                <a:defRPr sz="1800" kern="1200">
+                  <a:solidFill>
+                    <a:schemeClr val="tx1"/>
+                  </a:solidFill>
+                  <a:latin typeface="+mn-lt"/>
+                  <a:ea typeface="+mn-ea"/>
+                  <a:cs typeface="+mn-cs"/>
+                </a:defRPr>
+              </a:lvl8pPr>
+              <a:lvl9pPr marL="3657600" algn="l" defTabSz="914400" rtl="0" eaLnBrk="1" latinLnBrk="1" hangingPunct="1">
+                <a:defRPr sz="1800" kern="1200">
+                  <a:solidFill>
+                    <a:schemeClr val="tx1"/>
+                  </a:solidFill>
+                  <a:latin typeface="+mn-lt"/>
+                  <a:ea typeface="+mn-ea"/>
+                  <a:cs typeface="+mn-cs"/>
+                </a:defRPr>
+              </a:lvl9pPr>
+            </a:lstStyle>
+            <a:p>
+              <a:pPr marL="177800" indent="-177800" algn="ctr"/>
+              <a:r>
+                <a:rPr lang="en-US" altLang="ko-KR" sz="1000" b="1" dirty="0">
+                  <a:latin typeface="나눔고딕" pitchFamily="50" charset="-127"/>
+                  <a:ea typeface="나눔고딕" pitchFamily="50" charset="-127"/>
+                </a:rPr>
+                <a:t>100</a:t>
+              </a:r>
+              <a:endParaRPr lang="en-US" altLang="ko-KR" sz="1000" dirty="0">
+                <a:latin typeface="나눔고딕" pitchFamily="50" charset="-127"/>
+                <a:ea typeface="나눔고딕" pitchFamily="50" charset="-127"/>
+              </a:endParaRPr>
+            </a:p>
+          </p:txBody>
+        </p:sp>
+        <p:sp>
+          <p:nvSpPr>
+            <p:cNvPr id="58" name="TextBox 52"/>
+            <p:cNvSpPr txBox="1"/>
+            <p:nvPr/>
+          </p:nvSpPr>
+          <p:spPr>
+            <a:xfrm>
+              <a:off x="4507225" y="3775104"/>
+              <a:ext cx="1588775" cy="215444"/>
+            </a:xfrm>
+            <a:prstGeom prst="rect">
+              <a:avLst/>
+            </a:prstGeom>
+            <a:noFill/>
+          </p:spPr>
+          <p:txBody>
+            <a:bodyPr wrap="square" rtlCol="0" anchor="b">
+              <a:spAutoFit/>
+            </a:bodyPr>
+            <a:lstStyle>
+              <a:defPPr>
+                <a:defRPr lang="ko-KR"/>
+              </a:defPPr>
+              <a:lvl1pPr marL="0" algn="l" defTabSz="914400" rtl="0" eaLnBrk="1" latinLnBrk="1" hangingPunct="1">
+                <a:defRPr sz="1800" kern="1200">
+                  <a:solidFill>
+                    <a:schemeClr val="tx1"/>
+                  </a:solidFill>
+                  <a:latin typeface="+mn-lt"/>
+                  <a:ea typeface="+mn-ea"/>
+                  <a:cs typeface="+mn-cs"/>
+                </a:defRPr>
+              </a:lvl1pPr>
+              <a:lvl2pPr marL="457200" algn="l" defTabSz="914400" rtl="0" eaLnBrk="1" latinLnBrk="1" hangingPunct="1">
+                <a:defRPr sz="1800" kern="1200">
+                  <a:solidFill>
+                    <a:schemeClr val="tx1"/>
+                  </a:solidFill>
+                  <a:latin typeface="+mn-lt"/>
+                  <a:ea typeface="+mn-ea"/>
+                  <a:cs typeface="+mn-cs"/>
+                </a:defRPr>
+              </a:lvl2pPr>
+              <a:lvl3pPr marL="914400" algn="l" defTabSz="914400" rtl="0" eaLnBrk="1" latinLnBrk="1" hangingPunct="1">
+                <a:defRPr sz="1800" kern="1200">
+                  <a:solidFill>
+                    <a:schemeClr val="tx1"/>
+                  </a:solidFill>
+                  <a:latin typeface="+mn-lt"/>
+                  <a:ea typeface="+mn-ea"/>
+                  <a:cs typeface="+mn-cs"/>
+                </a:defRPr>
+              </a:lvl3pPr>
+              <a:lvl4pPr marL="1371600" algn="l" defTabSz="914400" rtl="0" eaLnBrk="1" latinLnBrk="1" hangingPunct="1">
+                <a:defRPr sz="1800" kern="1200">
+                  <a:solidFill>
+                    <a:schemeClr val="tx1"/>
+                  </a:solidFill>
+                  <a:latin typeface="+mn-lt"/>
+                  <a:ea typeface="+mn-ea"/>
+                  <a:cs typeface="+mn-cs"/>
+                </a:defRPr>
+              </a:lvl4pPr>
+              <a:lvl5pPr marL="1828800" algn="l" defTabSz="914400" rtl="0" eaLnBrk="1" latinLnBrk="1" hangingPunct="1">
+                <a:defRPr sz="1800" kern="1200">
+                  <a:solidFill>
+                    <a:schemeClr val="tx1"/>
+                  </a:solidFill>
+                  <a:latin typeface="+mn-lt"/>
+                  <a:ea typeface="+mn-ea"/>
+                  <a:cs typeface="+mn-cs"/>
+                </a:defRPr>
+              </a:lvl5pPr>
+              <a:lvl6pPr marL="2286000" algn="l" defTabSz="914400" rtl="0" eaLnBrk="1" latinLnBrk="1" hangingPunct="1">
+                <a:defRPr sz="1800" kern="1200">
+                  <a:solidFill>
+                    <a:schemeClr val="tx1"/>
+                  </a:solidFill>
+                  <a:latin typeface="+mn-lt"/>
+                  <a:ea typeface="+mn-ea"/>
+                  <a:cs typeface="+mn-cs"/>
+                </a:defRPr>
+              </a:lvl6pPr>
+              <a:lvl7pPr marL="2743200" algn="l" defTabSz="914400" rtl="0" eaLnBrk="1" latinLnBrk="1" hangingPunct="1">
+                <a:defRPr sz="1800" kern="1200">
+                  <a:solidFill>
+                    <a:schemeClr val="tx1"/>
+                  </a:solidFill>
+                  <a:latin typeface="+mn-lt"/>
+                  <a:ea typeface="+mn-ea"/>
+                  <a:cs typeface="+mn-cs"/>
+                </a:defRPr>
+              </a:lvl7pPr>
+              <a:lvl8pPr marL="3200400" algn="l" defTabSz="914400" rtl="0" eaLnBrk="1" latinLnBrk="1" hangingPunct="1">
+                <a:defRPr sz="1800" kern="1200">
+                  <a:solidFill>
+                    <a:schemeClr val="tx1"/>
+                  </a:solidFill>
+                  <a:latin typeface="+mn-lt"/>
+                  <a:ea typeface="+mn-ea"/>
+                  <a:cs typeface="+mn-cs"/>
+                </a:defRPr>
+              </a:lvl8pPr>
+              <a:lvl9pPr marL="3657600" algn="l" defTabSz="914400" rtl="0" eaLnBrk="1" latinLnBrk="1" hangingPunct="1">
+                <a:defRPr sz="1800" kern="1200">
+                  <a:solidFill>
+                    <a:schemeClr val="tx1"/>
+                  </a:solidFill>
+                  <a:latin typeface="+mn-lt"/>
+                  <a:ea typeface="+mn-ea"/>
+                  <a:cs typeface="+mn-cs"/>
+                </a:defRPr>
+              </a:lvl9pPr>
+            </a:lstStyle>
+            <a:p>
+              <a:pPr marL="177800" indent="-177800">
+                <a:lnSpc>
+                  <a:spcPct val="80000"/>
+                </a:lnSpc>
+              </a:pPr>
+              <a:r>
+                <a:rPr lang="en-US" altLang="ko-KR" sz="1000" b="1" spc="-20" dirty="0">
+                  <a:latin typeface="나눔고딕" pitchFamily="50" charset="-127"/>
+                  <a:ea typeface="나눔고딕" pitchFamily="50" charset="-127"/>
+                </a:rPr>
+                <a:t>connected with AoT</a:t>
+              </a:r>
+              <a:endParaRPr lang="en-US" altLang="ko-KR" sz="1000" spc="-20" dirty="0">
+                <a:latin typeface="나눔고딕" pitchFamily="50" charset="-127"/>
+                <a:ea typeface="나눔고딕" pitchFamily="50" charset="-127"/>
+              </a:endParaRPr>
+            </a:p>
+          </p:txBody>
+        </p:sp>
+      </p:grpSp>
+      <p:grpSp>
+        <p:nvGrpSpPr>
+          <p:cNvPr id="62" name="그룹 61"/>
+          <p:cNvGrpSpPr/>
+          <p:nvPr/>
+        </p:nvGrpSpPr>
+        <p:grpSpPr>
+          <a:xfrm>
+            <a:off x="357187" y="3862217"/>
+            <a:ext cx="2320653" cy="246221"/>
+            <a:chOff x="1209970" y="3940204"/>
+            <a:chExt cx="2281790" cy="246221"/>
+          </a:xfrm>
+        </p:grpSpPr>
+        <p:sp>
+          <p:nvSpPr>
+            <p:cNvPr id="60" name="TextBox 43"/>
+            <p:cNvSpPr txBox="1"/>
+            <p:nvPr/>
+          </p:nvSpPr>
+          <p:spPr>
+            <a:xfrm>
+              <a:off x="3066337" y="3940204"/>
+              <a:ext cx="425423" cy="246221"/>
+            </a:xfrm>
+            <a:prstGeom prst="rect">
+              <a:avLst/>
+            </a:prstGeom>
+            <a:solidFill>
+              <a:schemeClr val="bg2">
+                <a:lumMod val="10000"/>
+                <a:alpha val="36078"/>
+              </a:schemeClr>
+            </a:solidFill>
+          </p:spPr>
+          <p:txBody>
+            <a:bodyPr wrap="square" rtlCol="0">
+              <a:spAutoFit/>
+            </a:bodyPr>
+            <a:lstStyle>
+              <a:defPPr>
+                <a:defRPr lang="ko-KR"/>
+              </a:defPPr>
+              <a:lvl1pPr marL="0" algn="l" defTabSz="914400" rtl="0" eaLnBrk="1" latinLnBrk="1" hangingPunct="1">
+                <a:defRPr sz="1800" kern="1200">
+                  <a:solidFill>
+                    <a:schemeClr val="tx1"/>
+                  </a:solidFill>
+                  <a:latin typeface="+mn-lt"/>
+                  <a:ea typeface="+mn-ea"/>
+                  <a:cs typeface="+mn-cs"/>
+                </a:defRPr>
+              </a:lvl1pPr>
+              <a:lvl2pPr marL="457200" algn="l" defTabSz="914400" rtl="0" eaLnBrk="1" latinLnBrk="1" hangingPunct="1">
+                <a:defRPr sz="1800" kern="1200">
+                  <a:solidFill>
+                    <a:schemeClr val="tx1"/>
+                  </a:solidFill>
+                  <a:latin typeface="+mn-lt"/>
+                  <a:ea typeface="+mn-ea"/>
+                  <a:cs typeface="+mn-cs"/>
+                </a:defRPr>
+              </a:lvl2pPr>
+              <a:lvl3pPr marL="914400" algn="l" defTabSz="914400" rtl="0" eaLnBrk="1" latinLnBrk="1" hangingPunct="1">
+                <a:defRPr sz="1800" kern="1200">
+                  <a:solidFill>
+                    <a:schemeClr val="tx1"/>
+                  </a:solidFill>
+                  <a:latin typeface="+mn-lt"/>
+                  <a:ea typeface="+mn-ea"/>
+                  <a:cs typeface="+mn-cs"/>
+                </a:defRPr>
+              </a:lvl3pPr>
+              <a:lvl4pPr marL="1371600" algn="l" defTabSz="914400" rtl="0" eaLnBrk="1" latinLnBrk="1" hangingPunct="1">
+                <a:defRPr sz="1800" kern="1200">
+                  <a:solidFill>
+                    <a:schemeClr val="tx1"/>
+                  </a:solidFill>
+                  <a:latin typeface="+mn-lt"/>
+                  <a:ea typeface="+mn-ea"/>
+                  <a:cs typeface="+mn-cs"/>
+                </a:defRPr>
+              </a:lvl4pPr>
+              <a:lvl5pPr marL="1828800" algn="l" defTabSz="914400" rtl="0" eaLnBrk="1" latinLnBrk="1" hangingPunct="1">
+                <a:defRPr sz="1800" kern="1200">
+                  <a:solidFill>
+                    <a:schemeClr val="tx1"/>
+                  </a:solidFill>
+                  <a:latin typeface="+mn-lt"/>
+                  <a:ea typeface="+mn-ea"/>
+                  <a:cs typeface="+mn-cs"/>
+                </a:defRPr>
+              </a:lvl5pPr>
+              <a:lvl6pPr marL="2286000" algn="l" defTabSz="914400" rtl="0" eaLnBrk="1" latinLnBrk="1" hangingPunct="1">
+                <a:defRPr sz="1800" kern="1200">
+                  <a:solidFill>
+                    <a:schemeClr val="tx1"/>
+                  </a:solidFill>
+                  <a:latin typeface="+mn-lt"/>
+                  <a:ea typeface="+mn-ea"/>
+                  <a:cs typeface="+mn-cs"/>
+                </a:defRPr>
+              </a:lvl6pPr>
+              <a:lvl7pPr marL="2743200" algn="l" defTabSz="914400" rtl="0" eaLnBrk="1" latinLnBrk="1" hangingPunct="1">
+                <a:defRPr sz="1800" kern="1200">
+                  <a:solidFill>
+                    <a:schemeClr val="tx1"/>
+                  </a:solidFill>
+                  <a:latin typeface="+mn-lt"/>
+                  <a:ea typeface="+mn-ea"/>
+                  <a:cs typeface="+mn-cs"/>
+                </a:defRPr>
+              </a:lvl7pPr>
+              <a:lvl8pPr marL="3200400" algn="l" defTabSz="914400" rtl="0" eaLnBrk="1" latinLnBrk="1" hangingPunct="1">
+                <a:defRPr sz="1800" kern="1200">
+                  <a:solidFill>
+                    <a:schemeClr val="tx1"/>
+                  </a:solidFill>
+                  <a:latin typeface="+mn-lt"/>
+                  <a:ea typeface="+mn-ea"/>
+                  <a:cs typeface="+mn-cs"/>
+                </a:defRPr>
+              </a:lvl8pPr>
+              <a:lvl9pPr marL="3657600" algn="l" defTabSz="914400" rtl="0" eaLnBrk="1" latinLnBrk="1" hangingPunct="1">
+                <a:defRPr sz="1800" kern="1200">
+                  <a:solidFill>
+                    <a:schemeClr val="tx1"/>
+                  </a:solidFill>
+                  <a:latin typeface="+mn-lt"/>
+                  <a:ea typeface="+mn-ea"/>
+                  <a:cs typeface="+mn-cs"/>
+                </a:defRPr>
+              </a:lvl9pPr>
+            </a:lstStyle>
+            <a:p>
+              <a:pPr marL="177800" indent="-177800" algn="ctr"/>
+              <a:r>
+                <a:rPr lang="en-US" altLang="ko-KR" sz="1000" b="1" dirty="0">
+                  <a:latin typeface="나눔고딕" pitchFamily="50" charset="-127"/>
+                  <a:ea typeface="나눔고딕" pitchFamily="50" charset="-127"/>
+                </a:rPr>
+                <a:t>101</a:t>
+              </a:r>
+              <a:endParaRPr lang="en-US" altLang="ko-KR" sz="1000" dirty="0">
+                <a:latin typeface="나눔고딕" pitchFamily="50" charset="-127"/>
+                <a:ea typeface="나눔고딕" pitchFamily="50" charset="-127"/>
+              </a:endParaRPr>
+            </a:p>
+          </p:txBody>
+        </p:sp>
+        <p:sp>
+          <p:nvSpPr>
+            <p:cNvPr id="61" name="TextBox 52"/>
+            <p:cNvSpPr txBox="1"/>
+            <p:nvPr/>
+          </p:nvSpPr>
+          <p:spPr>
+            <a:xfrm>
+              <a:off x="1209970" y="3970981"/>
+              <a:ext cx="1850318" cy="215444"/>
+            </a:xfrm>
+            <a:prstGeom prst="rect">
+              <a:avLst/>
+            </a:prstGeom>
+            <a:noFill/>
+          </p:spPr>
+          <p:txBody>
+            <a:bodyPr wrap="square" rtlCol="0" anchor="b">
+              <a:spAutoFit/>
+            </a:bodyPr>
+            <a:lstStyle>
+              <a:defPPr>
+                <a:defRPr lang="ko-KR"/>
+              </a:defPPr>
+              <a:lvl1pPr marL="0" algn="l" defTabSz="914400" rtl="0" eaLnBrk="1" latinLnBrk="1" hangingPunct="1">
+                <a:defRPr sz="1800" kern="1200">
+                  <a:solidFill>
+                    <a:schemeClr val="tx1"/>
+                  </a:solidFill>
+                  <a:latin typeface="+mn-lt"/>
+                  <a:ea typeface="+mn-ea"/>
+                  <a:cs typeface="+mn-cs"/>
+                </a:defRPr>
+              </a:lvl1pPr>
+              <a:lvl2pPr marL="457200" algn="l" defTabSz="914400" rtl="0" eaLnBrk="1" latinLnBrk="1" hangingPunct="1">
+                <a:defRPr sz="1800" kern="1200">
+                  <a:solidFill>
+                    <a:schemeClr val="tx1"/>
+                  </a:solidFill>
+                  <a:latin typeface="+mn-lt"/>
+                  <a:ea typeface="+mn-ea"/>
+                  <a:cs typeface="+mn-cs"/>
+                </a:defRPr>
+              </a:lvl2pPr>
+              <a:lvl3pPr marL="914400" algn="l" defTabSz="914400" rtl="0" eaLnBrk="1" latinLnBrk="1" hangingPunct="1">
+                <a:defRPr sz="1800" kern="1200">
+                  <a:solidFill>
+                    <a:schemeClr val="tx1"/>
+                  </a:solidFill>
+                  <a:latin typeface="+mn-lt"/>
+                  <a:ea typeface="+mn-ea"/>
+                  <a:cs typeface="+mn-cs"/>
+                </a:defRPr>
+              </a:lvl3pPr>
+              <a:lvl4pPr marL="1371600" algn="l" defTabSz="914400" rtl="0" eaLnBrk="1" latinLnBrk="1" hangingPunct="1">
+                <a:defRPr sz="1800" kern="1200">
+                  <a:solidFill>
+                    <a:schemeClr val="tx1"/>
+                  </a:solidFill>
+                  <a:latin typeface="+mn-lt"/>
+                  <a:ea typeface="+mn-ea"/>
+                  <a:cs typeface="+mn-cs"/>
+                </a:defRPr>
+              </a:lvl4pPr>
+              <a:lvl5pPr marL="1828800" algn="l" defTabSz="914400" rtl="0" eaLnBrk="1" latinLnBrk="1" hangingPunct="1">
+                <a:defRPr sz="1800" kern="1200">
+                  <a:solidFill>
+                    <a:schemeClr val="tx1"/>
+                  </a:solidFill>
+                  <a:latin typeface="+mn-lt"/>
+                  <a:ea typeface="+mn-ea"/>
+                  <a:cs typeface="+mn-cs"/>
+                </a:defRPr>
+              </a:lvl5pPr>
+              <a:lvl6pPr marL="2286000" algn="l" defTabSz="914400" rtl="0" eaLnBrk="1" latinLnBrk="1" hangingPunct="1">
+                <a:defRPr sz="1800" kern="1200">
+                  <a:solidFill>
+                    <a:schemeClr val="tx1"/>
+                  </a:solidFill>
+                  <a:latin typeface="+mn-lt"/>
+                  <a:ea typeface="+mn-ea"/>
+                  <a:cs typeface="+mn-cs"/>
+                </a:defRPr>
+              </a:lvl6pPr>
+              <a:lvl7pPr marL="2743200" algn="l" defTabSz="914400" rtl="0" eaLnBrk="1" latinLnBrk="1" hangingPunct="1">
+                <a:defRPr sz="1800" kern="1200">
+                  <a:solidFill>
+                    <a:schemeClr val="tx1"/>
+                  </a:solidFill>
+                  <a:latin typeface="+mn-lt"/>
+                  <a:ea typeface="+mn-ea"/>
+                  <a:cs typeface="+mn-cs"/>
+                </a:defRPr>
+              </a:lvl7pPr>
+              <a:lvl8pPr marL="3200400" algn="l" defTabSz="914400" rtl="0" eaLnBrk="1" latinLnBrk="1" hangingPunct="1">
+                <a:defRPr sz="1800" kern="1200">
+                  <a:solidFill>
+                    <a:schemeClr val="tx1"/>
+                  </a:solidFill>
+                  <a:latin typeface="+mn-lt"/>
+                  <a:ea typeface="+mn-ea"/>
+                  <a:cs typeface="+mn-cs"/>
+                </a:defRPr>
+              </a:lvl8pPr>
+              <a:lvl9pPr marL="3657600" algn="l" defTabSz="914400" rtl="0" eaLnBrk="1" latinLnBrk="1" hangingPunct="1">
+                <a:defRPr sz="1800" kern="1200">
+                  <a:solidFill>
+                    <a:schemeClr val="tx1"/>
+                  </a:solidFill>
+                  <a:latin typeface="+mn-lt"/>
+                  <a:ea typeface="+mn-ea"/>
+                  <a:cs typeface="+mn-cs"/>
+                </a:defRPr>
+              </a:lvl9pPr>
+            </a:lstStyle>
+            <a:p>
+              <a:pPr marL="177800" indent="-177800" algn="r">
+                <a:lnSpc>
+                  <a:spcPct val="80000"/>
+                </a:lnSpc>
+              </a:pPr>
+              <a:r>
+                <a:rPr lang="en-US" altLang="ko-KR" sz="1000" b="1" spc="-20" dirty="0">
+                  <a:latin typeface="나눔고딕" pitchFamily="50" charset="-127"/>
+                  <a:ea typeface="나눔고딕" pitchFamily="50" charset="-127"/>
+                </a:rPr>
+                <a:t>connected with BG</a:t>
+              </a:r>
+              <a:endParaRPr lang="en-US" altLang="ko-KR" sz="1000" spc="-20" dirty="0">
+                <a:latin typeface="나눔고딕" pitchFamily="50" charset="-127"/>
+                <a:ea typeface="나눔고딕" pitchFamily="50" charset="-127"/>
+              </a:endParaRPr>
+            </a:p>
+          </p:txBody>
+        </p:sp>
+      </p:grpSp>
+      <p:cxnSp>
+        <p:nvCxnSpPr>
+          <p:cNvPr id="64" name="직선 화살표 연결선 63"/>
+          <p:cNvCxnSpPr/>
+          <p:nvPr/>
+        </p:nvCxnSpPr>
+        <p:spPr>
+          <a:xfrm flipH="1">
+            <a:off x="2760454" y="3776663"/>
+            <a:ext cx="1243749" cy="133177"/>
+          </a:xfrm>
+          <a:prstGeom prst="straightConnector1">
+            <a:avLst/>
+          </a:prstGeom>
+          <a:ln w="31750">
+            <a:solidFill>
+              <a:schemeClr val="bg2">
+                <a:lumMod val="75000"/>
+              </a:schemeClr>
+            </a:solidFill>
+            <a:prstDash val="sysDash"/>
+            <a:tailEnd type="triangle"/>
+          </a:ln>
+        </p:spPr>
+        <p:style>
+          <a:lnRef idx="1">
+            <a:schemeClr val="accent1"/>
+          </a:lnRef>
+          <a:fillRef idx="0">
+            <a:schemeClr val="accent1"/>
+          </a:fillRef>
+          <a:effectRef idx="0">
+            <a:schemeClr val="accent1"/>
+          </a:effectRef>
+          <a:fontRef idx="minor">
+            <a:schemeClr val="tx1"/>
+          </a:fontRef>
+        </p:style>
+      </p:cxnSp>
+      <p:cxnSp>
+        <p:nvCxnSpPr>
+          <p:cNvPr id="67" name="직선 화살표 연결선 66"/>
+          <p:cNvCxnSpPr/>
+          <p:nvPr/>
+        </p:nvCxnSpPr>
+        <p:spPr>
+          <a:xfrm>
+            <a:off x="2760454" y="4057653"/>
+            <a:ext cx="1243749" cy="0"/>
+          </a:xfrm>
+          <a:prstGeom prst="straightConnector1">
+            <a:avLst/>
+          </a:prstGeom>
+          <a:ln w="31750">
+            <a:solidFill>
+              <a:schemeClr val="tx1"/>
+            </a:solidFill>
+            <a:tailEnd type="triangle"/>
+          </a:ln>
+        </p:spPr>
+        <p:style>
+          <a:lnRef idx="1">
+            <a:schemeClr val="accent1"/>
+          </a:lnRef>
+          <a:fillRef idx="0">
+            <a:schemeClr val="accent1"/>
+          </a:fillRef>
+          <a:effectRef idx="0">
+            <a:schemeClr val="accent1"/>
+          </a:effectRef>
+          <a:fontRef idx="minor">
+            <a:schemeClr val="tx1"/>
+          </a:fontRef>
+        </p:style>
+      </p:cxnSp>
+      <p:cxnSp>
+        <p:nvCxnSpPr>
+          <p:cNvPr id="75" name="직선 화살표 연결선 74"/>
+          <p:cNvCxnSpPr/>
+          <p:nvPr/>
+        </p:nvCxnSpPr>
+        <p:spPr>
+          <a:xfrm flipH="1" flipV="1">
+            <a:off x="2760454" y="4207728"/>
+            <a:ext cx="1251378" cy="1"/>
+          </a:xfrm>
+          <a:prstGeom prst="straightConnector1">
+            <a:avLst/>
+          </a:prstGeom>
+          <a:ln w="31750">
+            <a:solidFill>
+              <a:schemeClr val="tx1"/>
+            </a:solidFill>
+            <a:prstDash val="solid"/>
+            <a:tailEnd type="triangle"/>
+          </a:ln>
+        </p:spPr>
+        <p:style>
+          <a:lnRef idx="1">
+            <a:schemeClr val="accent1"/>
+          </a:lnRef>
+          <a:fillRef idx="0">
+            <a:schemeClr val="accent1"/>
+          </a:fillRef>
+          <a:effectRef idx="0">
+            <a:schemeClr val="accent1"/>
+          </a:effectRef>
+          <a:fontRef idx="minor">
+            <a:schemeClr val="tx1"/>
+          </a:fontRef>
+        </p:style>
+      </p:cxnSp>
+      <p:grpSp>
+        <p:nvGrpSpPr>
+          <p:cNvPr id="89" name="그룹 88"/>
+          <p:cNvGrpSpPr/>
+          <p:nvPr/>
+        </p:nvGrpSpPr>
+        <p:grpSpPr>
+          <a:xfrm>
+            <a:off x="4074174" y="5639658"/>
+            <a:ext cx="2021826" cy="246221"/>
+            <a:chOff x="4081802" y="3747405"/>
+            <a:chExt cx="2021826" cy="246221"/>
+          </a:xfrm>
+        </p:grpSpPr>
+        <p:sp>
+          <p:nvSpPr>
+            <p:cNvPr id="90" name="TextBox 43"/>
+            <p:cNvSpPr txBox="1"/>
+            <p:nvPr/>
+          </p:nvSpPr>
+          <p:spPr>
+            <a:xfrm>
+              <a:off x="4081802" y="3747405"/>
+              <a:ext cx="425423" cy="246221"/>
+            </a:xfrm>
+            <a:prstGeom prst="rect">
+              <a:avLst/>
+            </a:prstGeom>
+            <a:solidFill>
+              <a:schemeClr val="bg2">
+                <a:lumMod val="10000"/>
+                <a:alpha val="36078"/>
+              </a:schemeClr>
+            </a:solidFill>
+          </p:spPr>
+          <p:txBody>
+            <a:bodyPr wrap="square" rtlCol="0">
+              <a:spAutoFit/>
+            </a:bodyPr>
+            <a:lstStyle>
+              <a:defPPr>
+                <a:defRPr lang="ko-KR"/>
+              </a:defPPr>
+              <a:lvl1pPr marL="0" algn="l" defTabSz="914400" rtl="0" eaLnBrk="1" latinLnBrk="1" hangingPunct="1">
+                <a:defRPr sz="1800" kern="1200">
+                  <a:solidFill>
+                    <a:schemeClr val="tx1"/>
+                  </a:solidFill>
+                  <a:latin typeface="+mn-lt"/>
+                  <a:ea typeface="+mn-ea"/>
+                  <a:cs typeface="+mn-cs"/>
+                </a:defRPr>
+              </a:lvl1pPr>
+              <a:lvl2pPr marL="457200" algn="l" defTabSz="914400" rtl="0" eaLnBrk="1" latinLnBrk="1" hangingPunct="1">
+                <a:defRPr sz="1800" kern="1200">
+                  <a:solidFill>
+                    <a:schemeClr val="tx1"/>
+                  </a:solidFill>
+                  <a:latin typeface="+mn-lt"/>
+                  <a:ea typeface="+mn-ea"/>
+                  <a:cs typeface="+mn-cs"/>
+                </a:defRPr>
+              </a:lvl2pPr>
+              <a:lvl3pPr marL="914400" algn="l" defTabSz="914400" rtl="0" eaLnBrk="1" latinLnBrk="1" hangingPunct="1">
+                <a:defRPr sz="1800" kern="1200">
+                  <a:solidFill>
+                    <a:schemeClr val="tx1"/>
+                  </a:solidFill>
+                  <a:latin typeface="+mn-lt"/>
+                  <a:ea typeface="+mn-ea"/>
+                  <a:cs typeface="+mn-cs"/>
+                </a:defRPr>
+              </a:lvl3pPr>
+              <a:lvl4pPr marL="1371600" algn="l" defTabSz="914400" rtl="0" eaLnBrk="1" latinLnBrk="1" hangingPunct="1">
+                <a:defRPr sz="1800" kern="1200">
+                  <a:solidFill>
+                    <a:schemeClr val="tx1"/>
+                  </a:solidFill>
+                  <a:latin typeface="+mn-lt"/>
+                  <a:ea typeface="+mn-ea"/>
+                  <a:cs typeface="+mn-cs"/>
+                </a:defRPr>
+              </a:lvl4pPr>
+              <a:lvl5pPr marL="1828800" algn="l" defTabSz="914400" rtl="0" eaLnBrk="1" latinLnBrk="1" hangingPunct="1">
+                <a:defRPr sz="1800" kern="1200">
+                  <a:solidFill>
+                    <a:schemeClr val="tx1"/>
+                  </a:solidFill>
+                  <a:latin typeface="+mn-lt"/>
+                  <a:ea typeface="+mn-ea"/>
+                  <a:cs typeface="+mn-cs"/>
+                </a:defRPr>
+              </a:lvl5pPr>
+              <a:lvl6pPr marL="2286000" algn="l" defTabSz="914400" rtl="0" eaLnBrk="1" latinLnBrk="1" hangingPunct="1">
+                <a:defRPr sz="1800" kern="1200">
+                  <a:solidFill>
+                    <a:schemeClr val="tx1"/>
+                  </a:solidFill>
+                  <a:latin typeface="+mn-lt"/>
+                  <a:ea typeface="+mn-ea"/>
+                  <a:cs typeface="+mn-cs"/>
+                </a:defRPr>
+              </a:lvl6pPr>
+              <a:lvl7pPr marL="2743200" algn="l" defTabSz="914400" rtl="0" eaLnBrk="1" latinLnBrk="1" hangingPunct="1">
+                <a:defRPr sz="1800" kern="1200">
+                  <a:solidFill>
+                    <a:schemeClr val="tx1"/>
+                  </a:solidFill>
+                  <a:latin typeface="+mn-lt"/>
+                  <a:ea typeface="+mn-ea"/>
+                  <a:cs typeface="+mn-cs"/>
+                </a:defRPr>
+              </a:lvl7pPr>
+              <a:lvl8pPr marL="3200400" algn="l" defTabSz="914400" rtl="0" eaLnBrk="1" latinLnBrk="1" hangingPunct="1">
+                <a:defRPr sz="1800" kern="1200">
+                  <a:solidFill>
+                    <a:schemeClr val="tx1"/>
+                  </a:solidFill>
+                  <a:latin typeface="+mn-lt"/>
+                  <a:ea typeface="+mn-ea"/>
+                  <a:cs typeface="+mn-cs"/>
+                </a:defRPr>
+              </a:lvl8pPr>
+              <a:lvl9pPr marL="3657600" algn="l" defTabSz="914400" rtl="0" eaLnBrk="1" latinLnBrk="1" hangingPunct="1">
+                <a:defRPr sz="1800" kern="1200">
+                  <a:solidFill>
+                    <a:schemeClr val="tx1"/>
+                  </a:solidFill>
+                  <a:latin typeface="+mn-lt"/>
+                  <a:ea typeface="+mn-ea"/>
+                  <a:cs typeface="+mn-cs"/>
+                </a:defRPr>
+              </a:lvl9pPr>
+            </a:lstStyle>
+            <a:p>
+              <a:pPr marL="177800" indent="-177800" algn="ctr"/>
+              <a:r>
+                <a:rPr lang="en-US" altLang="ko-KR" sz="1000" b="1" dirty="0">
+                  <a:latin typeface="나눔고딕" pitchFamily="50" charset="-127"/>
+                  <a:ea typeface="나눔고딕" pitchFamily="50" charset="-127"/>
+                </a:rPr>
+                <a:t>198</a:t>
+              </a:r>
+              <a:endParaRPr lang="en-US" altLang="ko-KR" sz="1000" dirty="0">
+                <a:latin typeface="나눔고딕" pitchFamily="50" charset="-127"/>
+                <a:ea typeface="나눔고딕" pitchFamily="50" charset="-127"/>
+              </a:endParaRPr>
+            </a:p>
+          </p:txBody>
+        </p:sp>
+        <p:sp>
+          <p:nvSpPr>
+            <p:cNvPr id="91" name="TextBox 52"/>
+            <p:cNvSpPr txBox="1"/>
+            <p:nvPr/>
+          </p:nvSpPr>
+          <p:spPr>
+            <a:xfrm>
+              <a:off x="4507225" y="3775104"/>
+              <a:ext cx="1596403" cy="215444"/>
+            </a:xfrm>
+            <a:prstGeom prst="rect">
+              <a:avLst/>
+            </a:prstGeom>
+            <a:noFill/>
+          </p:spPr>
+          <p:txBody>
+            <a:bodyPr wrap="square" rtlCol="0" anchor="b">
+              <a:spAutoFit/>
+            </a:bodyPr>
+            <a:lstStyle>
+              <a:defPPr>
+                <a:defRPr lang="ko-KR"/>
+              </a:defPPr>
+              <a:lvl1pPr marL="0" algn="l" defTabSz="914400" rtl="0" eaLnBrk="1" latinLnBrk="1" hangingPunct="1">
+                <a:defRPr sz="1800" kern="1200">
+                  <a:solidFill>
+                    <a:schemeClr val="tx1"/>
+                  </a:solidFill>
+                  <a:latin typeface="+mn-lt"/>
+                  <a:ea typeface="+mn-ea"/>
+                  <a:cs typeface="+mn-cs"/>
+                </a:defRPr>
+              </a:lvl1pPr>
+              <a:lvl2pPr marL="457200" algn="l" defTabSz="914400" rtl="0" eaLnBrk="1" latinLnBrk="1" hangingPunct="1">
+                <a:defRPr sz="1800" kern="1200">
+                  <a:solidFill>
+                    <a:schemeClr val="tx1"/>
+                  </a:solidFill>
+                  <a:latin typeface="+mn-lt"/>
+                  <a:ea typeface="+mn-ea"/>
+                  <a:cs typeface="+mn-cs"/>
+                </a:defRPr>
+              </a:lvl2pPr>
+              <a:lvl3pPr marL="914400" algn="l" defTabSz="914400" rtl="0" eaLnBrk="1" latinLnBrk="1" hangingPunct="1">
+                <a:defRPr sz="1800" kern="1200">
+                  <a:solidFill>
+                    <a:schemeClr val="tx1"/>
+                  </a:solidFill>
+                  <a:latin typeface="+mn-lt"/>
+                  <a:ea typeface="+mn-ea"/>
+                  <a:cs typeface="+mn-cs"/>
+                </a:defRPr>
+              </a:lvl3pPr>
+              <a:lvl4pPr marL="1371600" algn="l" defTabSz="914400" rtl="0" eaLnBrk="1" latinLnBrk="1" hangingPunct="1">
+                <a:defRPr sz="1800" kern="1200">
+                  <a:solidFill>
+                    <a:schemeClr val="tx1"/>
+                  </a:solidFill>
+                  <a:latin typeface="+mn-lt"/>
+                  <a:ea typeface="+mn-ea"/>
+                  <a:cs typeface="+mn-cs"/>
+                </a:defRPr>
+              </a:lvl4pPr>
+              <a:lvl5pPr marL="1828800" algn="l" defTabSz="914400" rtl="0" eaLnBrk="1" latinLnBrk="1" hangingPunct="1">
+                <a:defRPr sz="1800" kern="1200">
+                  <a:solidFill>
+                    <a:schemeClr val="tx1"/>
+                  </a:solidFill>
+                  <a:latin typeface="+mn-lt"/>
+                  <a:ea typeface="+mn-ea"/>
+                  <a:cs typeface="+mn-cs"/>
+                </a:defRPr>
+              </a:lvl5pPr>
+              <a:lvl6pPr marL="2286000" algn="l" defTabSz="914400" rtl="0" eaLnBrk="1" latinLnBrk="1" hangingPunct="1">
+                <a:defRPr sz="1800" kern="1200">
+                  <a:solidFill>
+                    <a:schemeClr val="tx1"/>
+                  </a:solidFill>
+                  <a:latin typeface="+mn-lt"/>
+                  <a:ea typeface="+mn-ea"/>
+                  <a:cs typeface="+mn-cs"/>
+                </a:defRPr>
+              </a:lvl6pPr>
+              <a:lvl7pPr marL="2743200" algn="l" defTabSz="914400" rtl="0" eaLnBrk="1" latinLnBrk="1" hangingPunct="1">
+                <a:defRPr sz="1800" kern="1200">
+                  <a:solidFill>
+                    <a:schemeClr val="tx1"/>
+                  </a:solidFill>
+                  <a:latin typeface="+mn-lt"/>
+                  <a:ea typeface="+mn-ea"/>
+                  <a:cs typeface="+mn-cs"/>
+                </a:defRPr>
+              </a:lvl7pPr>
+              <a:lvl8pPr marL="3200400" algn="l" defTabSz="914400" rtl="0" eaLnBrk="1" latinLnBrk="1" hangingPunct="1">
+                <a:defRPr sz="1800" kern="1200">
+                  <a:solidFill>
+                    <a:schemeClr val="tx1"/>
+                  </a:solidFill>
+                  <a:latin typeface="+mn-lt"/>
+                  <a:ea typeface="+mn-ea"/>
+                  <a:cs typeface="+mn-cs"/>
+                </a:defRPr>
+              </a:lvl8pPr>
+              <a:lvl9pPr marL="3657600" algn="l" defTabSz="914400" rtl="0" eaLnBrk="1" latinLnBrk="1" hangingPunct="1">
+                <a:defRPr sz="1800" kern="1200">
+                  <a:solidFill>
+                    <a:schemeClr val="tx1"/>
+                  </a:solidFill>
+                  <a:latin typeface="+mn-lt"/>
+                  <a:ea typeface="+mn-ea"/>
+                  <a:cs typeface="+mn-cs"/>
+                </a:defRPr>
+              </a:lvl9pPr>
+            </a:lstStyle>
+            <a:p>
+              <a:pPr marL="177800" indent="-177800">
+                <a:lnSpc>
+                  <a:spcPct val="80000"/>
+                </a:lnSpc>
+              </a:pPr>
+              <a:r>
+                <a:rPr lang="en-US" altLang="ko-KR" sz="1000" b="1" spc="-20" dirty="0">
+                  <a:latin typeface="나눔고딕" pitchFamily="50" charset="-127"/>
+                  <a:ea typeface="나눔고딕" pitchFamily="50" charset="-127"/>
+                </a:rPr>
+                <a:t>disconnected with AoT</a:t>
+              </a:r>
+              <a:endParaRPr lang="en-US" altLang="ko-KR" sz="1000" spc="-20" dirty="0">
+                <a:latin typeface="나눔고딕" pitchFamily="50" charset="-127"/>
+                <a:ea typeface="나눔고딕" pitchFamily="50" charset="-127"/>
+              </a:endParaRPr>
+            </a:p>
+          </p:txBody>
+        </p:sp>
+      </p:grpSp>
+      <p:grpSp>
+        <p:nvGrpSpPr>
+          <p:cNvPr id="93" name="그룹 92"/>
+          <p:cNvGrpSpPr/>
+          <p:nvPr/>
+        </p:nvGrpSpPr>
+        <p:grpSpPr>
+          <a:xfrm>
+            <a:off x="357187" y="5786986"/>
+            <a:ext cx="2320653" cy="246221"/>
+            <a:chOff x="1209970" y="3940204"/>
+            <a:chExt cx="2281790" cy="246221"/>
+          </a:xfrm>
+        </p:grpSpPr>
+        <p:sp>
+          <p:nvSpPr>
+            <p:cNvPr id="94" name="TextBox 43"/>
+            <p:cNvSpPr txBox="1"/>
+            <p:nvPr/>
+          </p:nvSpPr>
+          <p:spPr>
+            <a:xfrm>
+              <a:off x="3066337" y="3940204"/>
+              <a:ext cx="425423" cy="246221"/>
+            </a:xfrm>
+            <a:prstGeom prst="rect">
+              <a:avLst/>
+            </a:prstGeom>
+            <a:solidFill>
+              <a:schemeClr val="bg2">
+                <a:lumMod val="10000"/>
+                <a:alpha val="36078"/>
+              </a:schemeClr>
+            </a:solidFill>
+          </p:spPr>
+          <p:txBody>
+            <a:bodyPr wrap="square" rtlCol="0">
+              <a:spAutoFit/>
+            </a:bodyPr>
+            <a:lstStyle>
+              <a:defPPr>
+                <a:defRPr lang="ko-KR"/>
+              </a:defPPr>
+              <a:lvl1pPr marL="0" algn="l" defTabSz="914400" rtl="0" eaLnBrk="1" latinLnBrk="1" hangingPunct="1">
+                <a:defRPr sz="1800" kern="1200">
+                  <a:solidFill>
+                    <a:schemeClr val="tx1"/>
+                  </a:solidFill>
+                  <a:latin typeface="+mn-lt"/>
+                  <a:ea typeface="+mn-ea"/>
+                  <a:cs typeface="+mn-cs"/>
+                </a:defRPr>
+              </a:lvl1pPr>
+              <a:lvl2pPr marL="457200" algn="l" defTabSz="914400" rtl="0" eaLnBrk="1" latinLnBrk="1" hangingPunct="1">
+                <a:defRPr sz="1800" kern="1200">
+                  <a:solidFill>
+                    <a:schemeClr val="tx1"/>
+                  </a:solidFill>
+                  <a:latin typeface="+mn-lt"/>
+                  <a:ea typeface="+mn-ea"/>
+                  <a:cs typeface="+mn-cs"/>
+                </a:defRPr>
+              </a:lvl2pPr>
+              <a:lvl3pPr marL="914400" algn="l" defTabSz="914400" rtl="0" eaLnBrk="1" latinLnBrk="1" hangingPunct="1">
+                <a:defRPr sz="1800" kern="1200">
+                  <a:solidFill>
+                    <a:schemeClr val="tx1"/>
+                  </a:solidFill>
+                  <a:latin typeface="+mn-lt"/>
+                  <a:ea typeface="+mn-ea"/>
+                  <a:cs typeface="+mn-cs"/>
+                </a:defRPr>
+              </a:lvl3pPr>
+              <a:lvl4pPr marL="1371600" algn="l" defTabSz="914400" rtl="0" eaLnBrk="1" latinLnBrk="1" hangingPunct="1">
+                <a:defRPr sz="1800" kern="1200">
+                  <a:solidFill>
+                    <a:schemeClr val="tx1"/>
+                  </a:solidFill>
+                  <a:latin typeface="+mn-lt"/>
+                  <a:ea typeface="+mn-ea"/>
+                  <a:cs typeface="+mn-cs"/>
+                </a:defRPr>
+              </a:lvl4pPr>
+              <a:lvl5pPr marL="1828800" algn="l" defTabSz="914400" rtl="0" eaLnBrk="1" latinLnBrk="1" hangingPunct="1">
+                <a:defRPr sz="1800" kern="1200">
+                  <a:solidFill>
+                    <a:schemeClr val="tx1"/>
+                  </a:solidFill>
+                  <a:latin typeface="+mn-lt"/>
+                  <a:ea typeface="+mn-ea"/>
+                  <a:cs typeface="+mn-cs"/>
+                </a:defRPr>
+              </a:lvl5pPr>
+              <a:lvl6pPr marL="2286000" algn="l" defTabSz="914400" rtl="0" eaLnBrk="1" latinLnBrk="1" hangingPunct="1">
+                <a:defRPr sz="1800" kern="1200">
+                  <a:solidFill>
+                    <a:schemeClr val="tx1"/>
+                  </a:solidFill>
+                  <a:latin typeface="+mn-lt"/>
+                  <a:ea typeface="+mn-ea"/>
+                  <a:cs typeface="+mn-cs"/>
+                </a:defRPr>
+              </a:lvl6pPr>
+              <a:lvl7pPr marL="2743200" algn="l" defTabSz="914400" rtl="0" eaLnBrk="1" latinLnBrk="1" hangingPunct="1">
+                <a:defRPr sz="1800" kern="1200">
+                  <a:solidFill>
+                    <a:schemeClr val="tx1"/>
+                  </a:solidFill>
+                  <a:latin typeface="+mn-lt"/>
+                  <a:ea typeface="+mn-ea"/>
+                  <a:cs typeface="+mn-cs"/>
+                </a:defRPr>
+              </a:lvl7pPr>
+              <a:lvl8pPr marL="3200400" algn="l" defTabSz="914400" rtl="0" eaLnBrk="1" latinLnBrk="1" hangingPunct="1">
+                <a:defRPr sz="1800" kern="1200">
+                  <a:solidFill>
+                    <a:schemeClr val="tx1"/>
+                  </a:solidFill>
+                  <a:latin typeface="+mn-lt"/>
+                  <a:ea typeface="+mn-ea"/>
+                  <a:cs typeface="+mn-cs"/>
+                </a:defRPr>
+              </a:lvl8pPr>
+              <a:lvl9pPr marL="3657600" algn="l" defTabSz="914400" rtl="0" eaLnBrk="1" latinLnBrk="1" hangingPunct="1">
+                <a:defRPr sz="1800" kern="1200">
+                  <a:solidFill>
+                    <a:schemeClr val="tx1"/>
+                  </a:solidFill>
+                  <a:latin typeface="+mn-lt"/>
+                  <a:ea typeface="+mn-ea"/>
+                  <a:cs typeface="+mn-cs"/>
+                </a:defRPr>
+              </a:lvl9pPr>
+            </a:lstStyle>
+            <a:p>
+              <a:pPr marL="177800" indent="-177800" algn="ctr"/>
+              <a:r>
+                <a:rPr lang="en-US" altLang="ko-KR" sz="1000" b="1" dirty="0">
+                  <a:latin typeface="나눔고딕" pitchFamily="50" charset="-127"/>
+                  <a:ea typeface="나눔고딕" pitchFamily="50" charset="-127"/>
+                </a:rPr>
+                <a:t>199</a:t>
+              </a:r>
+              <a:endParaRPr lang="en-US" altLang="ko-KR" sz="1000" dirty="0">
+                <a:latin typeface="나눔고딕" pitchFamily="50" charset="-127"/>
+                <a:ea typeface="나눔고딕" pitchFamily="50" charset="-127"/>
+              </a:endParaRPr>
+            </a:p>
+          </p:txBody>
+        </p:sp>
+        <p:sp>
+          <p:nvSpPr>
+            <p:cNvPr id="95" name="TextBox 52"/>
+            <p:cNvSpPr txBox="1"/>
+            <p:nvPr/>
+          </p:nvSpPr>
+          <p:spPr>
+            <a:xfrm>
+              <a:off x="1209970" y="3970981"/>
+              <a:ext cx="1850318" cy="215444"/>
+            </a:xfrm>
+            <a:prstGeom prst="rect">
+              <a:avLst/>
+            </a:prstGeom>
+            <a:noFill/>
+          </p:spPr>
+          <p:txBody>
+            <a:bodyPr wrap="square" rtlCol="0" anchor="b">
+              <a:spAutoFit/>
+            </a:bodyPr>
+            <a:lstStyle>
+              <a:defPPr>
+                <a:defRPr lang="ko-KR"/>
+              </a:defPPr>
+              <a:lvl1pPr marL="0" algn="l" defTabSz="914400" rtl="0" eaLnBrk="1" latinLnBrk="1" hangingPunct="1">
+                <a:defRPr sz="1800" kern="1200">
+                  <a:solidFill>
+                    <a:schemeClr val="tx1"/>
+                  </a:solidFill>
+                  <a:latin typeface="+mn-lt"/>
+                  <a:ea typeface="+mn-ea"/>
+                  <a:cs typeface="+mn-cs"/>
+                </a:defRPr>
+              </a:lvl1pPr>
+              <a:lvl2pPr marL="457200" algn="l" defTabSz="914400" rtl="0" eaLnBrk="1" latinLnBrk="1" hangingPunct="1">
+                <a:defRPr sz="1800" kern="1200">
+                  <a:solidFill>
+                    <a:schemeClr val="tx1"/>
+                  </a:solidFill>
+                  <a:latin typeface="+mn-lt"/>
+                  <a:ea typeface="+mn-ea"/>
+                  <a:cs typeface="+mn-cs"/>
+                </a:defRPr>
+              </a:lvl2pPr>
+              <a:lvl3pPr marL="914400" algn="l" defTabSz="914400" rtl="0" eaLnBrk="1" latinLnBrk="1" hangingPunct="1">
+                <a:defRPr sz="1800" kern="1200">
+                  <a:solidFill>
+                    <a:schemeClr val="tx1"/>
+                  </a:solidFill>
+                  <a:latin typeface="+mn-lt"/>
+                  <a:ea typeface="+mn-ea"/>
+                  <a:cs typeface="+mn-cs"/>
+                </a:defRPr>
+              </a:lvl3pPr>
+              <a:lvl4pPr marL="1371600" algn="l" defTabSz="914400" rtl="0" eaLnBrk="1" latinLnBrk="1" hangingPunct="1">
+                <a:defRPr sz="1800" kern="1200">
+                  <a:solidFill>
+                    <a:schemeClr val="tx1"/>
+                  </a:solidFill>
+                  <a:latin typeface="+mn-lt"/>
+                  <a:ea typeface="+mn-ea"/>
+                  <a:cs typeface="+mn-cs"/>
+                </a:defRPr>
+              </a:lvl4pPr>
+              <a:lvl5pPr marL="1828800" algn="l" defTabSz="914400" rtl="0" eaLnBrk="1" latinLnBrk="1" hangingPunct="1">
+                <a:defRPr sz="1800" kern="1200">
+                  <a:solidFill>
+                    <a:schemeClr val="tx1"/>
+                  </a:solidFill>
+                  <a:latin typeface="+mn-lt"/>
+                  <a:ea typeface="+mn-ea"/>
+                  <a:cs typeface="+mn-cs"/>
+                </a:defRPr>
+              </a:lvl5pPr>
+              <a:lvl6pPr marL="2286000" algn="l" defTabSz="914400" rtl="0" eaLnBrk="1" latinLnBrk="1" hangingPunct="1">
+                <a:defRPr sz="1800" kern="1200">
+                  <a:solidFill>
+                    <a:schemeClr val="tx1"/>
+                  </a:solidFill>
+                  <a:latin typeface="+mn-lt"/>
+                  <a:ea typeface="+mn-ea"/>
+                  <a:cs typeface="+mn-cs"/>
+                </a:defRPr>
+              </a:lvl6pPr>
+              <a:lvl7pPr marL="2743200" algn="l" defTabSz="914400" rtl="0" eaLnBrk="1" latinLnBrk="1" hangingPunct="1">
+                <a:defRPr sz="1800" kern="1200">
+                  <a:solidFill>
+                    <a:schemeClr val="tx1"/>
+                  </a:solidFill>
+                  <a:latin typeface="+mn-lt"/>
+                  <a:ea typeface="+mn-ea"/>
+                  <a:cs typeface="+mn-cs"/>
+                </a:defRPr>
+              </a:lvl7pPr>
+              <a:lvl8pPr marL="3200400" algn="l" defTabSz="914400" rtl="0" eaLnBrk="1" latinLnBrk="1" hangingPunct="1">
+                <a:defRPr sz="1800" kern="1200">
+                  <a:solidFill>
+                    <a:schemeClr val="tx1"/>
+                  </a:solidFill>
+                  <a:latin typeface="+mn-lt"/>
+                  <a:ea typeface="+mn-ea"/>
+                  <a:cs typeface="+mn-cs"/>
+                </a:defRPr>
+              </a:lvl8pPr>
+              <a:lvl9pPr marL="3657600" algn="l" defTabSz="914400" rtl="0" eaLnBrk="1" latinLnBrk="1" hangingPunct="1">
+                <a:defRPr sz="1800" kern="1200">
+                  <a:solidFill>
+                    <a:schemeClr val="tx1"/>
+                  </a:solidFill>
+                  <a:latin typeface="+mn-lt"/>
+                  <a:ea typeface="+mn-ea"/>
+                  <a:cs typeface="+mn-cs"/>
+                </a:defRPr>
+              </a:lvl9pPr>
+            </a:lstStyle>
+            <a:p>
+              <a:pPr marL="177800" indent="-177800" algn="r">
+                <a:lnSpc>
+                  <a:spcPct val="80000"/>
+                </a:lnSpc>
+              </a:pPr>
+              <a:r>
+                <a:rPr lang="en-US" altLang="ko-KR" sz="1000" b="1" spc="-20" dirty="0">
+                  <a:latin typeface="나눔고딕" pitchFamily="50" charset="-127"/>
+                  <a:ea typeface="나눔고딕" pitchFamily="50" charset="-127"/>
+                </a:rPr>
+                <a:t>disconnected with BG</a:t>
+              </a:r>
+              <a:endParaRPr lang="en-US" altLang="ko-KR" sz="1000" spc="-20" dirty="0">
+                <a:latin typeface="나눔고딕" pitchFamily="50" charset="-127"/>
+                <a:ea typeface="나눔고딕" pitchFamily="50" charset="-127"/>
+              </a:endParaRPr>
+            </a:p>
+          </p:txBody>
+        </p:sp>
+      </p:grpSp>
+      <p:cxnSp>
+        <p:nvCxnSpPr>
+          <p:cNvPr id="107" name="직선 화살표 연결선 106"/>
+          <p:cNvCxnSpPr/>
+          <p:nvPr/>
+        </p:nvCxnSpPr>
+        <p:spPr>
+          <a:xfrm flipH="1" flipV="1">
+            <a:off x="2759021" y="5835720"/>
+            <a:ext cx="1251378" cy="1"/>
+          </a:xfrm>
+          <a:prstGeom prst="straightConnector1">
+            <a:avLst/>
+          </a:prstGeom>
+          <a:ln w="31750">
+            <a:solidFill>
+              <a:schemeClr val="tx1"/>
+            </a:solidFill>
+            <a:prstDash val="solid"/>
+            <a:tailEnd type="triangle"/>
+          </a:ln>
+        </p:spPr>
+        <p:style>
+          <a:lnRef idx="1">
+            <a:schemeClr val="accent1"/>
+          </a:lnRef>
+          <a:fillRef idx="0">
+            <a:schemeClr val="accent1"/>
+          </a:fillRef>
+          <a:effectRef idx="0">
+            <a:schemeClr val="accent1"/>
+          </a:effectRef>
+          <a:fontRef idx="minor">
+            <a:schemeClr val="tx1"/>
+          </a:fontRef>
+        </p:style>
+      </p:cxnSp>
+      <p:cxnSp>
+        <p:nvCxnSpPr>
+          <p:cNvPr id="109" name="직선 화살표 연결선 108"/>
+          <p:cNvCxnSpPr/>
+          <p:nvPr/>
+        </p:nvCxnSpPr>
+        <p:spPr>
+          <a:xfrm>
+            <a:off x="2763321" y="5984791"/>
+            <a:ext cx="1243749" cy="0"/>
+          </a:xfrm>
+          <a:prstGeom prst="straightConnector1">
+            <a:avLst/>
+          </a:prstGeom>
+          <a:ln w="31750">
+            <a:solidFill>
+              <a:schemeClr val="tx1"/>
+            </a:solidFill>
+            <a:tailEnd type="triangle"/>
+          </a:ln>
+        </p:spPr>
+        <p:style>
+          <a:lnRef idx="1">
+            <a:schemeClr val="accent1"/>
+          </a:lnRef>
+          <a:fillRef idx="0">
+            <a:schemeClr val="accent1"/>
+          </a:fillRef>
+          <a:effectRef idx="0">
+            <a:schemeClr val="accent1"/>
+          </a:effectRef>
+          <a:fontRef idx="minor">
+            <a:schemeClr val="tx1"/>
+          </a:fontRef>
+        </p:style>
+      </p:cxnSp>
+      <p:grpSp>
+        <p:nvGrpSpPr>
+          <p:cNvPr id="112" name="그룹 111"/>
+          <p:cNvGrpSpPr/>
+          <p:nvPr/>
+        </p:nvGrpSpPr>
+        <p:grpSpPr>
+          <a:xfrm>
+            <a:off x="5770348" y="4414946"/>
+            <a:ext cx="651884" cy="987596"/>
+            <a:chOff x="5925020" y="4383822"/>
+            <a:chExt cx="794154" cy="694755"/>
+          </a:xfrm>
+        </p:grpSpPr>
+        <p:sp>
+          <p:nvSpPr>
+            <p:cNvPr id="110" name="모서리가 둥근 직사각형 25"/>
+            <p:cNvSpPr/>
+            <p:nvPr/>
+          </p:nvSpPr>
+          <p:spPr>
+            <a:xfrm>
+              <a:off x="5925021" y="4383822"/>
+              <a:ext cx="794153" cy="694755"/>
+            </a:xfrm>
+            <a:prstGeom prst="roundRect">
+              <a:avLst>
+                <a:gd name="adj" fmla="val 16514"/>
+              </a:avLst>
+            </a:prstGeom>
+            <a:gradFill rotWithShape="0">
+              <a:gsLst>
+                <a:gs pos="60000">
+                  <a:schemeClr val="bg1">
+                    <a:lumMod val="85000"/>
+                  </a:schemeClr>
+                </a:gs>
+                <a:gs pos="0">
+                  <a:schemeClr val="bg1"/>
+                </a:gs>
+              </a:gsLst>
+              <a:lin ang="16200000" scaled="0"/>
+            </a:gradFill>
+            <a:ln w="12700">
+              <a:noFill/>
+            </a:ln>
+            <a:effectLst>
+              <a:outerShdw blurRad="127000" dist="76200" dir="5400000" algn="t" rotWithShape="0">
+                <a:prstClr val="black">
+                  <a:alpha val="30000"/>
+                </a:prstClr>
+              </a:outerShdw>
+            </a:effectLst>
+            <a:scene3d>
+              <a:camera prst="orthographicFront"/>
+              <a:lightRig rig="threePt" dir="t"/>
+            </a:scene3d>
+            <a:sp3d>
+              <a:bevelT w="38100" h="25400"/>
+            </a:sp3d>
+          </p:spPr>
+          <p:style>
+            <a:lnRef idx="2">
+              <a:scrgbClr r="0" g="0" b="0"/>
+            </a:lnRef>
+            <a:fillRef idx="1">
+              <a:scrgbClr r="0" g="0" b="0"/>
+            </a:fillRef>
+            <a:effectRef idx="0">
+              <a:scrgbClr r="0" g="0" b="0"/>
+            </a:effectRef>
+            <a:fontRef idx="minor">
+              <a:schemeClr val="lt1"/>
+            </a:fontRef>
+          </p:style>
+          <p:txBody>
+            <a:bodyPr/>
+            <a:lstStyle/>
+            <a:p>
+              <a:endParaRPr lang="en-US"/>
+            </a:p>
+          </p:txBody>
+        </p:sp>
+        <p:sp>
+          <p:nvSpPr>
+            <p:cNvPr id="111" name="TextBox 30"/>
+            <p:cNvSpPr txBox="1"/>
+            <p:nvPr/>
+          </p:nvSpPr>
+          <p:spPr>
+            <a:xfrm>
+              <a:off x="5925020" y="4642389"/>
+              <a:ext cx="793324" cy="246221"/>
+            </a:xfrm>
+            <a:prstGeom prst="rect">
+              <a:avLst/>
+            </a:prstGeom>
+            <a:noFill/>
+          </p:spPr>
+          <p:txBody>
+            <a:bodyPr wrap="square" rtlCol="0">
+              <a:spAutoFit/>
+            </a:bodyPr>
+            <a:lstStyle>
+              <a:defPPr>
+                <a:defRPr lang="ko-KR"/>
+              </a:defPPr>
+              <a:lvl1pPr marL="0" algn="l" defTabSz="914400" rtl="0" eaLnBrk="1" latinLnBrk="1" hangingPunct="1">
+                <a:defRPr sz="1800" kern="1200">
+                  <a:solidFill>
+                    <a:schemeClr val="tx1"/>
+                  </a:solidFill>
+                  <a:latin typeface="+mn-lt"/>
+                  <a:ea typeface="+mn-ea"/>
+                  <a:cs typeface="+mn-cs"/>
+                </a:defRPr>
+              </a:lvl1pPr>
+              <a:lvl2pPr marL="457200" algn="l" defTabSz="914400" rtl="0" eaLnBrk="1" latinLnBrk="1" hangingPunct="1">
+                <a:defRPr sz="1800" kern="1200">
+                  <a:solidFill>
+                    <a:schemeClr val="tx1"/>
+                  </a:solidFill>
+                  <a:latin typeface="+mn-lt"/>
+                  <a:ea typeface="+mn-ea"/>
+                  <a:cs typeface="+mn-cs"/>
+                </a:defRPr>
+              </a:lvl2pPr>
+              <a:lvl3pPr marL="914400" algn="l" defTabSz="914400" rtl="0" eaLnBrk="1" latinLnBrk="1" hangingPunct="1">
+                <a:defRPr sz="1800" kern="1200">
+                  <a:solidFill>
+                    <a:schemeClr val="tx1"/>
+                  </a:solidFill>
+                  <a:latin typeface="+mn-lt"/>
+                  <a:ea typeface="+mn-ea"/>
+                  <a:cs typeface="+mn-cs"/>
+                </a:defRPr>
+              </a:lvl3pPr>
+              <a:lvl4pPr marL="1371600" algn="l" defTabSz="914400" rtl="0" eaLnBrk="1" latinLnBrk="1" hangingPunct="1">
+                <a:defRPr sz="1800" kern="1200">
+                  <a:solidFill>
+                    <a:schemeClr val="tx1"/>
+                  </a:solidFill>
+                  <a:latin typeface="+mn-lt"/>
+                  <a:ea typeface="+mn-ea"/>
+                  <a:cs typeface="+mn-cs"/>
+                </a:defRPr>
+              </a:lvl4pPr>
+              <a:lvl5pPr marL="1828800" algn="l" defTabSz="914400" rtl="0" eaLnBrk="1" latinLnBrk="1" hangingPunct="1">
+                <a:defRPr sz="1800" kern="1200">
+                  <a:solidFill>
+                    <a:schemeClr val="tx1"/>
+                  </a:solidFill>
+                  <a:latin typeface="+mn-lt"/>
+                  <a:ea typeface="+mn-ea"/>
+                  <a:cs typeface="+mn-cs"/>
+                </a:defRPr>
+              </a:lvl5pPr>
+              <a:lvl6pPr marL="2286000" algn="l" defTabSz="914400" rtl="0" eaLnBrk="1" latinLnBrk="1" hangingPunct="1">
+                <a:defRPr sz="1800" kern="1200">
+                  <a:solidFill>
+                    <a:schemeClr val="tx1"/>
+                  </a:solidFill>
+                  <a:latin typeface="+mn-lt"/>
+                  <a:ea typeface="+mn-ea"/>
+                  <a:cs typeface="+mn-cs"/>
+                </a:defRPr>
+              </a:lvl6pPr>
+              <a:lvl7pPr marL="2743200" algn="l" defTabSz="914400" rtl="0" eaLnBrk="1" latinLnBrk="1" hangingPunct="1">
+                <a:defRPr sz="1800" kern="1200">
+                  <a:solidFill>
+                    <a:schemeClr val="tx1"/>
+                  </a:solidFill>
+                  <a:latin typeface="+mn-lt"/>
+                  <a:ea typeface="+mn-ea"/>
+                  <a:cs typeface="+mn-cs"/>
+                </a:defRPr>
+              </a:lvl7pPr>
+              <a:lvl8pPr marL="3200400" algn="l" defTabSz="914400" rtl="0" eaLnBrk="1" latinLnBrk="1" hangingPunct="1">
+                <a:defRPr sz="1800" kern="1200">
+                  <a:solidFill>
+                    <a:schemeClr val="tx1"/>
+                  </a:solidFill>
+                  <a:latin typeface="+mn-lt"/>
+                  <a:ea typeface="+mn-ea"/>
+                  <a:cs typeface="+mn-cs"/>
+                </a:defRPr>
+              </a:lvl8pPr>
+              <a:lvl9pPr marL="3657600" algn="l" defTabSz="914400" rtl="0" eaLnBrk="1" latinLnBrk="1" hangingPunct="1">
+                <a:defRPr sz="1800" kern="1200">
+                  <a:solidFill>
+                    <a:schemeClr val="tx1"/>
+                  </a:solidFill>
+                  <a:latin typeface="+mn-lt"/>
+                  <a:ea typeface="+mn-ea"/>
+                  <a:cs typeface="+mn-cs"/>
+                </a:defRPr>
+              </a:lvl9pPr>
+            </a:lstStyle>
+            <a:p>
+              <a:pPr marL="177800" indent="-177800" algn="ctr"/>
+              <a:r>
+                <a:rPr lang="en-US" altLang="ko-KR" sz="1000" b="1" spc="-20" dirty="0">
+                  <a:solidFill>
+                    <a:schemeClr val="tx1">
+                      <a:lumMod val="65000"/>
+                      <a:lumOff val="35000"/>
+                    </a:schemeClr>
+                  </a:solidFill>
+                  <a:latin typeface="나눔고딕" pitchFamily="50" charset="-127"/>
+                  <a:ea typeface="나눔고딕" pitchFamily="50" charset="-127"/>
+                </a:rPr>
+                <a:t>Firebase</a:t>
+              </a:r>
+              <a:endParaRPr lang="en-US" altLang="ko-KR" sz="1000" spc="-20" dirty="0">
+                <a:solidFill>
+                  <a:schemeClr val="tx1">
+                    <a:lumMod val="65000"/>
+                    <a:lumOff val="35000"/>
+                  </a:schemeClr>
+                </a:solidFill>
+                <a:latin typeface="나눔고딕" pitchFamily="50" charset="-127"/>
+                <a:ea typeface="나눔고딕" pitchFamily="50" charset="-127"/>
+              </a:endParaRPr>
+            </a:p>
+          </p:txBody>
+        </p:sp>
+      </p:grpSp>
+      <p:sp>
+        <p:nvSpPr>
+          <p:cNvPr id="88" name="TextBox 52"/>
+          <p:cNvSpPr txBox="1"/>
+          <p:nvPr/>
+        </p:nvSpPr>
+        <p:spPr>
+          <a:xfrm>
+            <a:off x="2823797" y="4646310"/>
+            <a:ext cx="1110028" cy="215444"/>
+          </a:xfrm>
+          <a:prstGeom prst="rect">
+            <a:avLst/>
+          </a:prstGeom>
+          <a:noFill/>
+        </p:spPr>
+        <p:txBody>
+          <a:bodyPr wrap="square" rtlCol="0">
+            <a:spAutoFit/>
+          </a:bodyPr>
+          <a:lstStyle>
+            <a:defPPr>
+              <a:defRPr lang="ko-KR"/>
+            </a:defPPr>
+            <a:lvl1pPr marL="0" algn="l" defTabSz="914400" rtl="0" eaLnBrk="1" latinLnBrk="1" hangingPunct="1">
+              <a:defRPr sz="1800" kern="1200">
+                <a:solidFill>
+                  <a:schemeClr val="tx1"/>
+                </a:solidFill>
+                <a:latin typeface="+mn-lt"/>
+                <a:ea typeface="+mn-ea"/>
+                <a:cs typeface="+mn-cs"/>
+              </a:defRPr>
+            </a:lvl1pPr>
+            <a:lvl2pPr marL="457200" algn="l" defTabSz="914400" rtl="0" eaLnBrk="1" latinLnBrk="1" hangingPunct="1">
+              <a:defRPr sz="1800" kern="1200">
+                <a:solidFill>
+                  <a:schemeClr val="tx1"/>
+                </a:solidFill>
+                <a:latin typeface="+mn-lt"/>
+                <a:ea typeface="+mn-ea"/>
+                <a:cs typeface="+mn-cs"/>
+              </a:defRPr>
+            </a:lvl2pPr>
+            <a:lvl3pPr marL="914400" algn="l" defTabSz="914400" rtl="0" eaLnBrk="1" latinLnBrk="1" hangingPunct="1">
+              <a:defRPr sz="1800" kern="1200">
+                <a:solidFill>
+                  <a:schemeClr val="tx1"/>
+                </a:solidFill>
+                <a:latin typeface="+mn-lt"/>
+                <a:ea typeface="+mn-ea"/>
+                <a:cs typeface="+mn-cs"/>
+              </a:defRPr>
+            </a:lvl3pPr>
+            <a:lvl4pPr marL="1371600" algn="l" defTabSz="914400" rtl="0" eaLnBrk="1" latinLnBrk="1" hangingPunct="1">
+              <a:defRPr sz="1800" kern="1200">
+                <a:solidFill>
+                  <a:schemeClr val="tx1"/>
+                </a:solidFill>
+                <a:latin typeface="+mn-lt"/>
+                <a:ea typeface="+mn-ea"/>
+                <a:cs typeface="+mn-cs"/>
+              </a:defRPr>
+            </a:lvl4pPr>
+            <a:lvl5pPr marL="1828800" algn="l" defTabSz="914400" rtl="0" eaLnBrk="1" latinLnBrk="1" hangingPunct="1">
+              <a:defRPr sz="1800" kern="1200">
+                <a:solidFill>
+                  <a:schemeClr val="tx1"/>
+                </a:solidFill>
+                <a:latin typeface="+mn-lt"/>
+                <a:ea typeface="+mn-ea"/>
+                <a:cs typeface="+mn-cs"/>
+              </a:defRPr>
+            </a:lvl5pPr>
+            <a:lvl6pPr marL="2286000" algn="l" defTabSz="914400" rtl="0" eaLnBrk="1" latinLnBrk="1" hangingPunct="1">
+              <a:defRPr sz="1800" kern="1200">
+                <a:solidFill>
+                  <a:schemeClr val="tx1"/>
+                </a:solidFill>
+                <a:latin typeface="+mn-lt"/>
+                <a:ea typeface="+mn-ea"/>
+                <a:cs typeface="+mn-cs"/>
+              </a:defRPr>
+            </a:lvl6pPr>
+            <a:lvl7pPr marL="2743200" algn="l" defTabSz="914400" rtl="0" eaLnBrk="1" latinLnBrk="1" hangingPunct="1">
+              <a:defRPr sz="1800" kern="1200">
+                <a:solidFill>
+                  <a:schemeClr val="tx1"/>
+                </a:solidFill>
+                <a:latin typeface="+mn-lt"/>
+                <a:ea typeface="+mn-ea"/>
+                <a:cs typeface="+mn-cs"/>
+              </a:defRPr>
+            </a:lvl7pPr>
+            <a:lvl8pPr marL="3200400" algn="l" defTabSz="914400" rtl="0" eaLnBrk="1" latinLnBrk="1" hangingPunct="1">
+              <a:defRPr sz="1800" kern="1200">
+                <a:solidFill>
+                  <a:schemeClr val="tx1"/>
+                </a:solidFill>
+                <a:latin typeface="+mn-lt"/>
+                <a:ea typeface="+mn-ea"/>
+                <a:cs typeface="+mn-cs"/>
+              </a:defRPr>
+            </a:lvl8pPr>
+            <a:lvl9pPr marL="3657600" algn="l" defTabSz="914400" rtl="0" eaLnBrk="1" latinLnBrk="1" hangingPunct="1">
+              <a:defRPr sz="1800" kern="1200">
+                <a:solidFill>
+                  <a:schemeClr val="tx1"/>
+                </a:solidFill>
+                <a:latin typeface="+mn-lt"/>
+                <a:ea typeface="+mn-ea"/>
+                <a:cs typeface="+mn-cs"/>
+              </a:defRPr>
+            </a:lvl9pPr>
+          </a:lstStyle>
+          <a:p>
+            <a:pPr marL="177800" indent="-177800" algn="ctr">
+              <a:lnSpc>
+                <a:spcPct val="80000"/>
+              </a:lnSpc>
+            </a:pPr>
+            <a:r>
+              <a:rPr lang="en-US" altLang="ko-KR" sz="1000" b="1" spc="-20" dirty="0">
+                <a:latin typeface="나눔고딕" pitchFamily="50" charset="-127"/>
+                <a:ea typeface="나눔고딕" pitchFamily="50" charset="-127"/>
+              </a:rPr>
+              <a:t>+ credit</a:t>
+            </a:r>
+            <a:endParaRPr lang="en-US" altLang="ko-KR" sz="1000" spc="-20" dirty="0">
+              <a:latin typeface="나눔고딕" pitchFamily="50" charset="-127"/>
+              <a:ea typeface="나눔고딕" pitchFamily="50" charset="-127"/>
+            </a:endParaRPr>
+          </a:p>
+        </p:txBody>
+      </p:sp>
+      <p:cxnSp>
+        <p:nvCxnSpPr>
+          <p:cNvPr id="106" name="직선 화살표 연결선 105"/>
+          <p:cNvCxnSpPr/>
+          <p:nvPr/>
+        </p:nvCxnSpPr>
+        <p:spPr>
+          <a:xfrm flipH="1" flipV="1">
+            <a:off x="2761456" y="4816288"/>
+            <a:ext cx="1251378" cy="1"/>
+          </a:xfrm>
+          <a:prstGeom prst="straightConnector1">
+            <a:avLst/>
+          </a:prstGeom>
+          <a:ln w="31750">
+            <a:solidFill>
+              <a:schemeClr val="tx1"/>
+            </a:solidFill>
+            <a:prstDash val="solid"/>
+            <a:tailEnd type="triangle"/>
+          </a:ln>
+        </p:spPr>
+        <p:style>
+          <a:lnRef idx="1">
+            <a:schemeClr val="accent1"/>
+          </a:lnRef>
+          <a:fillRef idx="0">
+            <a:schemeClr val="accent1"/>
+          </a:fillRef>
+          <a:effectRef idx="0">
+            <a:schemeClr val="accent1"/>
+          </a:effectRef>
+          <a:fontRef idx="minor">
+            <a:schemeClr val="tx1"/>
+          </a:fontRef>
+        </p:style>
+      </p:cxnSp>
+      <p:grpSp>
+        <p:nvGrpSpPr>
+          <p:cNvPr id="80" name="그룹 79"/>
+          <p:cNvGrpSpPr/>
+          <p:nvPr/>
+        </p:nvGrpSpPr>
+        <p:grpSpPr>
+          <a:xfrm>
+            <a:off x="4081802" y="4618508"/>
+            <a:ext cx="2014198" cy="246221"/>
+            <a:chOff x="4081802" y="3747405"/>
+            <a:chExt cx="2014198" cy="246221"/>
+          </a:xfrm>
+        </p:grpSpPr>
+        <p:sp>
+          <p:nvSpPr>
+            <p:cNvPr id="81" name="TextBox 43"/>
+            <p:cNvSpPr txBox="1"/>
+            <p:nvPr/>
+          </p:nvSpPr>
+          <p:spPr>
+            <a:xfrm>
+              <a:off x="4081802" y="3747405"/>
+              <a:ext cx="425423" cy="246221"/>
+            </a:xfrm>
+            <a:prstGeom prst="rect">
+              <a:avLst/>
+            </a:prstGeom>
+            <a:solidFill>
+              <a:schemeClr val="bg2">
+                <a:lumMod val="10000"/>
+                <a:alpha val="36078"/>
+              </a:schemeClr>
+            </a:solidFill>
+          </p:spPr>
+          <p:txBody>
+            <a:bodyPr wrap="square" rtlCol="0">
+              <a:spAutoFit/>
+            </a:bodyPr>
+            <a:lstStyle>
+              <a:defPPr>
+                <a:defRPr lang="ko-KR"/>
+              </a:defPPr>
+              <a:lvl1pPr marL="0" algn="l" defTabSz="914400" rtl="0" eaLnBrk="1" latinLnBrk="1" hangingPunct="1">
+                <a:defRPr sz="1800" kern="1200">
+                  <a:solidFill>
+                    <a:schemeClr val="tx1"/>
+                  </a:solidFill>
+                  <a:latin typeface="+mn-lt"/>
+                  <a:ea typeface="+mn-ea"/>
+                  <a:cs typeface="+mn-cs"/>
+                </a:defRPr>
+              </a:lvl1pPr>
+              <a:lvl2pPr marL="457200" algn="l" defTabSz="914400" rtl="0" eaLnBrk="1" latinLnBrk="1" hangingPunct="1">
+                <a:defRPr sz="1800" kern="1200">
+                  <a:solidFill>
+                    <a:schemeClr val="tx1"/>
+                  </a:solidFill>
+                  <a:latin typeface="+mn-lt"/>
+                  <a:ea typeface="+mn-ea"/>
+                  <a:cs typeface="+mn-cs"/>
+                </a:defRPr>
+              </a:lvl2pPr>
+              <a:lvl3pPr marL="914400" algn="l" defTabSz="914400" rtl="0" eaLnBrk="1" latinLnBrk="1" hangingPunct="1">
+                <a:defRPr sz="1800" kern="1200">
+                  <a:solidFill>
+                    <a:schemeClr val="tx1"/>
+                  </a:solidFill>
+                  <a:latin typeface="+mn-lt"/>
+                  <a:ea typeface="+mn-ea"/>
+                  <a:cs typeface="+mn-cs"/>
+                </a:defRPr>
+              </a:lvl3pPr>
+              <a:lvl4pPr marL="1371600" algn="l" defTabSz="914400" rtl="0" eaLnBrk="1" latinLnBrk="1" hangingPunct="1">
+                <a:defRPr sz="1800" kern="1200">
+                  <a:solidFill>
+                    <a:schemeClr val="tx1"/>
+                  </a:solidFill>
+                  <a:latin typeface="+mn-lt"/>
+                  <a:ea typeface="+mn-ea"/>
+                  <a:cs typeface="+mn-cs"/>
+                </a:defRPr>
+              </a:lvl4pPr>
+              <a:lvl5pPr marL="1828800" algn="l" defTabSz="914400" rtl="0" eaLnBrk="1" latinLnBrk="1" hangingPunct="1">
+                <a:defRPr sz="1800" kern="1200">
+                  <a:solidFill>
+                    <a:schemeClr val="tx1"/>
+                  </a:solidFill>
+                  <a:latin typeface="+mn-lt"/>
+                  <a:ea typeface="+mn-ea"/>
+                  <a:cs typeface="+mn-cs"/>
+                </a:defRPr>
+              </a:lvl5pPr>
+              <a:lvl6pPr marL="2286000" algn="l" defTabSz="914400" rtl="0" eaLnBrk="1" latinLnBrk="1" hangingPunct="1">
+                <a:defRPr sz="1800" kern="1200">
+                  <a:solidFill>
+                    <a:schemeClr val="tx1"/>
+                  </a:solidFill>
+                  <a:latin typeface="+mn-lt"/>
+                  <a:ea typeface="+mn-ea"/>
+                  <a:cs typeface="+mn-cs"/>
+                </a:defRPr>
+              </a:lvl6pPr>
+              <a:lvl7pPr marL="2743200" algn="l" defTabSz="914400" rtl="0" eaLnBrk="1" latinLnBrk="1" hangingPunct="1">
+                <a:defRPr sz="1800" kern="1200">
+                  <a:solidFill>
+                    <a:schemeClr val="tx1"/>
+                  </a:solidFill>
+                  <a:latin typeface="+mn-lt"/>
+                  <a:ea typeface="+mn-ea"/>
+                  <a:cs typeface="+mn-cs"/>
+                </a:defRPr>
+              </a:lvl7pPr>
+              <a:lvl8pPr marL="3200400" algn="l" defTabSz="914400" rtl="0" eaLnBrk="1" latinLnBrk="1" hangingPunct="1">
+                <a:defRPr sz="1800" kern="1200">
+                  <a:solidFill>
+                    <a:schemeClr val="tx1"/>
+                  </a:solidFill>
+                  <a:latin typeface="+mn-lt"/>
+                  <a:ea typeface="+mn-ea"/>
+                  <a:cs typeface="+mn-cs"/>
+                </a:defRPr>
+              </a:lvl8pPr>
+              <a:lvl9pPr marL="3657600" algn="l" defTabSz="914400" rtl="0" eaLnBrk="1" latinLnBrk="1" hangingPunct="1">
+                <a:defRPr sz="1800" kern="1200">
+                  <a:solidFill>
+                    <a:schemeClr val="tx1"/>
+                  </a:solidFill>
+                  <a:latin typeface="+mn-lt"/>
+                  <a:ea typeface="+mn-ea"/>
+                  <a:cs typeface="+mn-cs"/>
+                </a:defRPr>
+              </a:lvl9pPr>
+            </a:lstStyle>
+            <a:p>
+              <a:pPr marL="177800" indent="-177800" algn="ctr"/>
+              <a:r>
+                <a:rPr lang="en-US" altLang="ko-KR" sz="1000" b="1" dirty="0">
+                  <a:latin typeface="나눔고딕" pitchFamily="50" charset="-127"/>
+                  <a:ea typeface="나눔고딕" pitchFamily="50" charset="-127"/>
+                </a:rPr>
+                <a:t>102</a:t>
+              </a:r>
+              <a:endParaRPr lang="en-US" altLang="ko-KR" sz="1000" dirty="0">
+                <a:latin typeface="나눔고딕" pitchFamily="50" charset="-127"/>
+                <a:ea typeface="나눔고딕" pitchFamily="50" charset="-127"/>
+              </a:endParaRPr>
+            </a:p>
+          </p:txBody>
+        </p:sp>
+        <p:sp>
+          <p:nvSpPr>
+            <p:cNvPr id="82" name="TextBox 52"/>
+            <p:cNvSpPr txBox="1"/>
+            <p:nvPr/>
+          </p:nvSpPr>
+          <p:spPr>
+            <a:xfrm>
+              <a:off x="4507225" y="3775104"/>
+              <a:ext cx="1588775" cy="215444"/>
+            </a:xfrm>
+            <a:prstGeom prst="rect">
+              <a:avLst/>
+            </a:prstGeom>
+            <a:noFill/>
+          </p:spPr>
+          <p:txBody>
+            <a:bodyPr wrap="square" rtlCol="0" anchor="b">
+              <a:spAutoFit/>
+            </a:bodyPr>
+            <a:lstStyle>
+              <a:defPPr>
+                <a:defRPr lang="ko-KR"/>
+              </a:defPPr>
+              <a:lvl1pPr marL="0" algn="l" defTabSz="914400" rtl="0" eaLnBrk="1" latinLnBrk="1" hangingPunct="1">
+                <a:defRPr sz="1800" kern="1200">
+                  <a:solidFill>
+                    <a:schemeClr val="tx1"/>
+                  </a:solidFill>
+                  <a:latin typeface="+mn-lt"/>
+                  <a:ea typeface="+mn-ea"/>
+                  <a:cs typeface="+mn-cs"/>
+                </a:defRPr>
+              </a:lvl1pPr>
+              <a:lvl2pPr marL="457200" algn="l" defTabSz="914400" rtl="0" eaLnBrk="1" latinLnBrk="1" hangingPunct="1">
+                <a:defRPr sz="1800" kern="1200">
+                  <a:solidFill>
+                    <a:schemeClr val="tx1"/>
+                  </a:solidFill>
+                  <a:latin typeface="+mn-lt"/>
+                  <a:ea typeface="+mn-ea"/>
+                  <a:cs typeface="+mn-cs"/>
+                </a:defRPr>
+              </a:lvl2pPr>
+              <a:lvl3pPr marL="914400" algn="l" defTabSz="914400" rtl="0" eaLnBrk="1" latinLnBrk="1" hangingPunct="1">
+                <a:defRPr sz="1800" kern="1200">
+                  <a:solidFill>
+                    <a:schemeClr val="tx1"/>
+                  </a:solidFill>
+                  <a:latin typeface="+mn-lt"/>
+                  <a:ea typeface="+mn-ea"/>
+                  <a:cs typeface="+mn-cs"/>
+                </a:defRPr>
+              </a:lvl3pPr>
+              <a:lvl4pPr marL="1371600" algn="l" defTabSz="914400" rtl="0" eaLnBrk="1" latinLnBrk="1" hangingPunct="1">
+                <a:defRPr sz="1800" kern="1200">
+                  <a:solidFill>
+                    <a:schemeClr val="tx1"/>
+                  </a:solidFill>
+                  <a:latin typeface="+mn-lt"/>
+                  <a:ea typeface="+mn-ea"/>
+                  <a:cs typeface="+mn-cs"/>
+                </a:defRPr>
+              </a:lvl4pPr>
+              <a:lvl5pPr marL="1828800" algn="l" defTabSz="914400" rtl="0" eaLnBrk="1" latinLnBrk="1" hangingPunct="1">
+                <a:defRPr sz="1800" kern="1200">
+                  <a:solidFill>
+                    <a:schemeClr val="tx1"/>
+                  </a:solidFill>
+                  <a:latin typeface="+mn-lt"/>
+                  <a:ea typeface="+mn-ea"/>
+                  <a:cs typeface="+mn-cs"/>
+                </a:defRPr>
+              </a:lvl5pPr>
+              <a:lvl6pPr marL="2286000" algn="l" defTabSz="914400" rtl="0" eaLnBrk="1" latinLnBrk="1" hangingPunct="1">
+                <a:defRPr sz="1800" kern="1200">
+                  <a:solidFill>
+                    <a:schemeClr val="tx1"/>
+                  </a:solidFill>
+                  <a:latin typeface="+mn-lt"/>
+                  <a:ea typeface="+mn-ea"/>
+                  <a:cs typeface="+mn-cs"/>
+                </a:defRPr>
+              </a:lvl6pPr>
+              <a:lvl7pPr marL="2743200" algn="l" defTabSz="914400" rtl="0" eaLnBrk="1" latinLnBrk="1" hangingPunct="1">
+                <a:defRPr sz="1800" kern="1200">
+                  <a:solidFill>
+                    <a:schemeClr val="tx1"/>
+                  </a:solidFill>
+                  <a:latin typeface="+mn-lt"/>
+                  <a:ea typeface="+mn-ea"/>
+                  <a:cs typeface="+mn-cs"/>
+                </a:defRPr>
+              </a:lvl7pPr>
+              <a:lvl8pPr marL="3200400" algn="l" defTabSz="914400" rtl="0" eaLnBrk="1" latinLnBrk="1" hangingPunct="1">
+                <a:defRPr sz="1800" kern="1200">
+                  <a:solidFill>
+                    <a:schemeClr val="tx1"/>
+                  </a:solidFill>
+                  <a:latin typeface="+mn-lt"/>
+                  <a:ea typeface="+mn-ea"/>
+                  <a:cs typeface="+mn-cs"/>
+                </a:defRPr>
+              </a:lvl8pPr>
+              <a:lvl9pPr marL="3657600" algn="l" defTabSz="914400" rtl="0" eaLnBrk="1" latinLnBrk="1" hangingPunct="1">
+                <a:defRPr sz="1800" kern="1200">
+                  <a:solidFill>
+                    <a:schemeClr val="tx1"/>
+                  </a:solidFill>
+                  <a:latin typeface="+mn-lt"/>
+                  <a:ea typeface="+mn-ea"/>
+                  <a:cs typeface="+mn-cs"/>
+                </a:defRPr>
+              </a:lvl9pPr>
+            </a:lstStyle>
+            <a:p>
+              <a:pPr marL="177800" indent="-177800">
+                <a:lnSpc>
+                  <a:spcPct val="80000"/>
+                </a:lnSpc>
+              </a:pPr>
+              <a:r>
+                <a:rPr lang="en-US" altLang="ko-KR" sz="1000" b="1" spc="-20" dirty="0">
+                  <a:latin typeface="나눔고딕" pitchFamily="50" charset="-127"/>
+                  <a:ea typeface="나눔고딕" pitchFamily="50" charset="-127"/>
+                </a:rPr>
+                <a:t>send CREDIT</a:t>
+              </a:r>
+              <a:endParaRPr lang="en-US" altLang="ko-KR" sz="1000" spc="-20" dirty="0">
+                <a:latin typeface="나눔고딕" pitchFamily="50" charset="-127"/>
+                <a:ea typeface="나눔고딕" pitchFamily="50" charset="-127"/>
+              </a:endParaRPr>
+            </a:p>
+          </p:txBody>
+        </p:sp>
+      </p:grpSp>
+      <p:sp>
+        <p:nvSpPr>
+          <p:cNvPr id="113" name="TextBox 52"/>
+          <p:cNvSpPr txBox="1"/>
+          <p:nvPr/>
+        </p:nvSpPr>
+        <p:spPr>
+          <a:xfrm>
+            <a:off x="2823797" y="5055887"/>
+            <a:ext cx="1110028" cy="215444"/>
+          </a:xfrm>
+          <a:prstGeom prst="rect">
+            <a:avLst/>
+          </a:prstGeom>
+          <a:noFill/>
+        </p:spPr>
+        <p:txBody>
+          <a:bodyPr wrap="square" rtlCol="0">
+            <a:spAutoFit/>
+          </a:bodyPr>
+          <a:lstStyle>
+            <a:defPPr>
+              <a:defRPr lang="ko-KR"/>
+            </a:defPPr>
+            <a:lvl1pPr marL="0" algn="l" defTabSz="914400" rtl="0" eaLnBrk="1" latinLnBrk="1" hangingPunct="1">
+              <a:defRPr sz="1800" kern="1200">
+                <a:solidFill>
+                  <a:schemeClr val="tx1"/>
+                </a:solidFill>
+                <a:latin typeface="+mn-lt"/>
+                <a:ea typeface="+mn-ea"/>
+                <a:cs typeface="+mn-cs"/>
+              </a:defRPr>
+            </a:lvl1pPr>
+            <a:lvl2pPr marL="457200" algn="l" defTabSz="914400" rtl="0" eaLnBrk="1" latinLnBrk="1" hangingPunct="1">
+              <a:defRPr sz="1800" kern="1200">
+                <a:solidFill>
+                  <a:schemeClr val="tx1"/>
+                </a:solidFill>
+                <a:latin typeface="+mn-lt"/>
+                <a:ea typeface="+mn-ea"/>
+                <a:cs typeface="+mn-cs"/>
+              </a:defRPr>
+            </a:lvl2pPr>
+            <a:lvl3pPr marL="914400" algn="l" defTabSz="914400" rtl="0" eaLnBrk="1" latinLnBrk="1" hangingPunct="1">
+              <a:defRPr sz="1800" kern="1200">
+                <a:solidFill>
+                  <a:schemeClr val="tx1"/>
+                </a:solidFill>
+                <a:latin typeface="+mn-lt"/>
+                <a:ea typeface="+mn-ea"/>
+                <a:cs typeface="+mn-cs"/>
+              </a:defRPr>
+            </a:lvl3pPr>
+            <a:lvl4pPr marL="1371600" algn="l" defTabSz="914400" rtl="0" eaLnBrk="1" latinLnBrk="1" hangingPunct="1">
+              <a:defRPr sz="1800" kern="1200">
+                <a:solidFill>
+                  <a:schemeClr val="tx1"/>
+                </a:solidFill>
+                <a:latin typeface="+mn-lt"/>
+                <a:ea typeface="+mn-ea"/>
+                <a:cs typeface="+mn-cs"/>
+              </a:defRPr>
+            </a:lvl4pPr>
+            <a:lvl5pPr marL="1828800" algn="l" defTabSz="914400" rtl="0" eaLnBrk="1" latinLnBrk="1" hangingPunct="1">
+              <a:defRPr sz="1800" kern="1200">
+                <a:solidFill>
+                  <a:schemeClr val="tx1"/>
+                </a:solidFill>
+                <a:latin typeface="+mn-lt"/>
+                <a:ea typeface="+mn-ea"/>
+                <a:cs typeface="+mn-cs"/>
+              </a:defRPr>
+            </a:lvl5pPr>
+            <a:lvl6pPr marL="2286000" algn="l" defTabSz="914400" rtl="0" eaLnBrk="1" latinLnBrk="1" hangingPunct="1">
+              <a:defRPr sz="1800" kern="1200">
+                <a:solidFill>
+                  <a:schemeClr val="tx1"/>
+                </a:solidFill>
+                <a:latin typeface="+mn-lt"/>
+                <a:ea typeface="+mn-ea"/>
+                <a:cs typeface="+mn-cs"/>
+              </a:defRPr>
+            </a:lvl6pPr>
+            <a:lvl7pPr marL="2743200" algn="l" defTabSz="914400" rtl="0" eaLnBrk="1" latinLnBrk="1" hangingPunct="1">
+              <a:defRPr sz="1800" kern="1200">
+                <a:solidFill>
+                  <a:schemeClr val="tx1"/>
+                </a:solidFill>
+                <a:latin typeface="+mn-lt"/>
+                <a:ea typeface="+mn-ea"/>
+                <a:cs typeface="+mn-cs"/>
+              </a:defRPr>
+            </a:lvl7pPr>
+            <a:lvl8pPr marL="3200400" algn="l" defTabSz="914400" rtl="0" eaLnBrk="1" latinLnBrk="1" hangingPunct="1">
+              <a:defRPr sz="1800" kern="1200">
+                <a:solidFill>
+                  <a:schemeClr val="tx1"/>
+                </a:solidFill>
+                <a:latin typeface="+mn-lt"/>
+                <a:ea typeface="+mn-ea"/>
+                <a:cs typeface="+mn-cs"/>
+              </a:defRPr>
+            </a:lvl8pPr>
+            <a:lvl9pPr marL="3657600" algn="l" defTabSz="914400" rtl="0" eaLnBrk="1" latinLnBrk="1" hangingPunct="1">
+              <a:defRPr sz="1800" kern="1200">
+                <a:solidFill>
+                  <a:schemeClr val="tx1"/>
+                </a:solidFill>
+                <a:latin typeface="+mn-lt"/>
+                <a:ea typeface="+mn-ea"/>
+                <a:cs typeface="+mn-cs"/>
+              </a:defRPr>
+            </a:lvl9pPr>
+          </a:lstStyle>
+          <a:p>
+            <a:pPr marL="177800" indent="-177800" algn="ctr">
+              <a:lnSpc>
+                <a:spcPct val="80000"/>
+              </a:lnSpc>
+            </a:pPr>
+            <a:r>
+              <a:rPr lang="en-US" altLang="ko-KR" sz="1000" b="1" spc="-20" dirty="0">
+                <a:latin typeface="나눔고딕" pitchFamily="50" charset="-127"/>
+                <a:ea typeface="나눔고딕" pitchFamily="50" charset="-127"/>
+              </a:rPr>
+              <a:t>+ setting</a:t>
+            </a:r>
+            <a:endParaRPr lang="en-US" altLang="ko-KR" sz="1000" spc="-20" dirty="0">
+              <a:latin typeface="나눔고딕" pitchFamily="50" charset="-127"/>
+              <a:ea typeface="나눔고딕" pitchFamily="50" charset="-127"/>
+            </a:endParaRPr>
+          </a:p>
+        </p:txBody>
+      </p:sp>
+      <p:cxnSp>
+        <p:nvCxnSpPr>
+          <p:cNvPr id="114" name="직선 화살표 연결선 113"/>
+          <p:cNvCxnSpPr/>
+          <p:nvPr/>
+        </p:nvCxnSpPr>
+        <p:spPr>
+          <a:xfrm flipH="1" flipV="1">
+            <a:off x="2761456" y="5225865"/>
+            <a:ext cx="1251378" cy="1"/>
+          </a:xfrm>
+          <a:prstGeom prst="straightConnector1">
+            <a:avLst/>
+          </a:prstGeom>
+          <a:ln w="31750">
+            <a:solidFill>
+              <a:schemeClr val="tx1"/>
+            </a:solidFill>
+            <a:prstDash val="solid"/>
+            <a:tailEnd type="triangle"/>
+          </a:ln>
+        </p:spPr>
+        <p:style>
+          <a:lnRef idx="1">
+            <a:schemeClr val="accent1"/>
+          </a:lnRef>
+          <a:fillRef idx="0">
+            <a:schemeClr val="accent1"/>
+          </a:fillRef>
+          <a:effectRef idx="0">
+            <a:schemeClr val="accent1"/>
+          </a:effectRef>
+          <a:fontRef idx="minor">
+            <a:schemeClr val="tx1"/>
+          </a:fontRef>
+        </p:style>
+      </p:cxnSp>
+      <p:grpSp>
+        <p:nvGrpSpPr>
+          <p:cNvPr id="115" name="그룹 114"/>
+          <p:cNvGrpSpPr/>
+          <p:nvPr/>
+        </p:nvGrpSpPr>
+        <p:grpSpPr>
+          <a:xfrm>
+            <a:off x="4081802" y="5028085"/>
+            <a:ext cx="2014198" cy="246221"/>
+            <a:chOff x="4081802" y="3747405"/>
+            <a:chExt cx="2014198" cy="246221"/>
+          </a:xfrm>
+        </p:grpSpPr>
+        <p:sp>
+          <p:nvSpPr>
+            <p:cNvPr id="116" name="TextBox 43"/>
+            <p:cNvSpPr txBox="1"/>
+            <p:nvPr/>
+          </p:nvSpPr>
+          <p:spPr>
+            <a:xfrm>
+              <a:off x="4081802" y="3747405"/>
+              <a:ext cx="425423" cy="246221"/>
+            </a:xfrm>
+            <a:prstGeom prst="rect">
+              <a:avLst/>
+            </a:prstGeom>
+            <a:solidFill>
+              <a:schemeClr val="bg2">
+                <a:lumMod val="10000"/>
+                <a:alpha val="36078"/>
+              </a:schemeClr>
+            </a:solidFill>
+          </p:spPr>
+          <p:txBody>
+            <a:bodyPr wrap="square" rtlCol="0">
+              <a:spAutoFit/>
+            </a:bodyPr>
+            <a:lstStyle>
+              <a:defPPr>
+                <a:defRPr lang="ko-KR"/>
+              </a:defPPr>
+              <a:lvl1pPr marL="0" algn="l" defTabSz="914400" rtl="0" eaLnBrk="1" latinLnBrk="1" hangingPunct="1">
+                <a:defRPr sz="1800" kern="1200">
+                  <a:solidFill>
+                    <a:schemeClr val="tx1"/>
+                  </a:solidFill>
+                  <a:latin typeface="+mn-lt"/>
+                  <a:ea typeface="+mn-ea"/>
+                  <a:cs typeface="+mn-cs"/>
+                </a:defRPr>
+              </a:lvl1pPr>
+              <a:lvl2pPr marL="457200" algn="l" defTabSz="914400" rtl="0" eaLnBrk="1" latinLnBrk="1" hangingPunct="1">
+                <a:defRPr sz="1800" kern="1200">
+                  <a:solidFill>
+                    <a:schemeClr val="tx1"/>
+                  </a:solidFill>
+                  <a:latin typeface="+mn-lt"/>
+                  <a:ea typeface="+mn-ea"/>
+                  <a:cs typeface="+mn-cs"/>
+                </a:defRPr>
+              </a:lvl2pPr>
+              <a:lvl3pPr marL="914400" algn="l" defTabSz="914400" rtl="0" eaLnBrk="1" latinLnBrk="1" hangingPunct="1">
+                <a:defRPr sz="1800" kern="1200">
+                  <a:solidFill>
+                    <a:schemeClr val="tx1"/>
+                  </a:solidFill>
+                  <a:latin typeface="+mn-lt"/>
+                  <a:ea typeface="+mn-ea"/>
+                  <a:cs typeface="+mn-cs"/>
+                </a:defRPr>
+              </a:lvl3pPr>
+              <a:lvl4pPr marL="1371600" algn="l" defTabSz="914400" rtl="0" eaLnBrk="1" latinLnBrk="1" hangingPunct="1">
+                <a:defRPr sz="1800" kern="1200">
+                  <a:solidFill>
+                    <a:schemeClr val="tx1"/>
+                  </a:solidFill>
+                  <a:latin typeface="+mn-lt"/>
+                  <a:ea typeface="+mn-ea"/>
+                  <a:cs typeface="+mn-cs"/>
+                </a:defRPr>
+              </a:lvl4pPr>
+              <a:lvl5pPr marL="1828800" algn="l" defTabSz="914400" rtl="0" eaLnBrk="1" latinLnBrk="1" hangingPunct="1">
+                <a:defRPr sz="1800" kern="1200">
+                  <a:solidFill>
+                    <a:schemeClr val="tx1"/>
+                  </a:solidFill>
+                  <a:latin typeface="+mn-lt"/>
+                  <a:ea typeface="+mn-ea"/>
+                  <a:cs typeface="+mn-cs"/>
+                </a:defRPr>
+              </a:lvl5pPr>
+              <a:lvl6pPr marL="2286000" algn="l" defTabSz="914400" rtl="0" eaLnBrk="1" latinLnBrk="1" hangingPunct="1">
+                <a:defRPr sz="1800" kern="1200">
+                  <a:solidFill>
+                    <a:schemeClr val="tx1"/>
+                  </a:solidFill>
+                  <a:latin typeface="+mn-lt"/>
+                  <a:ea typeface="+mn-ea"/>
+                  <a:cs typeface="+mn-cs"/>
+                </a:defRPr>
+              </a:lvl6pPr>
+              <a:lvl7pPr marL="2743200" algn="l" defTabSz="914400" rtl="0" eaLnBrk="1" latinLnBrk="1" hangingPunct="1">
+                <a:defRPr sz="1800" kern="1200">
+                  <a:solidFill>
+                    <a:schemeClr val="tx1"/>
+                  </a:solidFill>
+                  <a:latin typeface="+mn-lt"/>
+                  <a:ea typeface="+mn-ea"/>
+                  <a:cs typeface="+mn-cs"/>
+                </a:defRPr>
+              </a:lvl7pPr>
+              <a:lvl8pPr marL="3200400" algn="l" defTabSz="914400" rtl="0" eaLnBrk="1" latinLnBrk="1" hangingPunct="1">
+                <a:defRPr sz="1800" kern="1200">
+                  <a:solidFill>
+                    <a:schemeClr val="tx1"/>
+                  </a:solidFill>
+                  <a:latin typeface="+mn-lt"/>
+                  <a:ea typeface="+mn-ea"/>
+                  <a:cs typeface="+mn-cs"/>
+                </a:defRPr>
+              </a:lvl8pPr>
+              <a:lvl9pPr marL="3657600" algn="l" defTabSz="914400" rtl="0" eaLnBrk="1" latinLnBrk="1" hangingPunct="1">
+                <a:defRPr sz="1800" kern="1200">
+                  <a:solidFill>
+                    <a:schemeClr val="tx1"/>
+                  </a:solidFill>
+                  <a:latin typeface="+mn-lt"/>
+                  <a:ea typeface="+mn-ea"/>
+                  <a:cs typeface="+mn-cs"/>
+                </a:defRPr>
+              </a:lvl9pPr>
+            </a:lstStyle>
+            <a:p>
+              <a:pPr marL="177800" indent="-177800" algn="ctr"/>
+              <a:r>
+                <a:rPr lang="en-US" altLang="ko-KR" sz="1000" b="1" dirty="0">
+                  <a:latin typeface="나눔고딕" pitchFamily="50" charset="-127"/>
+                  <a:ea typeface="나눔고딕" pitchFamily="50" charset="-127"/>
+                </a:rPr>
+                <a:t>103</a:t>
+              </a:r>
+              <a:endParaRPr lang="en-US" altLang="ko-KR" sz="1000" dirty="0">
+                <a:latin typeface="나눔고딕" pitchFamily="50" charset="-127"/>
+                <a:ea typeface="나눔고딕" pitchFamily="50" charset="-127"/>
+              </a:endParaRPr>
+            </a:p>
+          </p:txBody>
+        </p:sp>
+        <p:sp>
+          <p:nvSpPr>
+            <p:cNvPr id="117" name="TextBox 52"/>
+            <p:cNvSpPr txBox="1"/>
+            <p:nvPr/>
+          </p:nvSpPr>
+          <p:spPr>
+            <a:xfrm>
+              <a:off x="4507225" y="3775104"/>
+              <a:ext cx="1588775" cy="215444"/>
+            </a:xfrm>
+            <a:prstGeom prst="rect">
+              <a:avLst/>
+            </a:prstGeom>
+            <a:noFill/>
+          </p:spPr>
+          <p:txBody>
+            <a:bodyPr wrap="square" rtlCol="0" anchor="b">
+              <a:spAutoFit/>
+            </a:bodyPr>
+            <a:lstStyle>
+              <a:defPPr>
+                <a:defRPr lang="ko-KR"/>
+              </a:defPPr>
+              <a:lvl1pPr marL="0" algn="l" defTabSz="914400" rtl="0" eaLnBrk="1" latinLnBrk="1" hangingPunct="1">
+                <a:defRPr sz="1800" kern="1200">
+                  <a:solidFill>
+                    <a:schemeClr val="tx1"/>
+                  </a:solidFill>
+                  <a:latin typeface="+mn-lt"/>
+                  <a:ea typeface="+mn-ea"/>
+                  <a:cs typeface="+mn-cs"/>
+                </a:defRPr>
+              </a:lvl1pPr>
+              <a:lvl2pPr marL="457200" algn="l" defTabSz="914400" rtl="0" eaLnBrk="1" latinLnBrk="1" hangingPunct="1">
+                <a:defRPr sz="1800" kern="1200">
+                  <a:solidFill>
+                    <a:schemeClr val="tx1"/>
+                  </a:solidFill>
+                  <a:latin typeface="+mn-lt"/>
+                  <a:ea typeface="+mn-ea"/>
+                  <a:cs typeface="+mn-cs"/>
+                </a:defRPr>
+              </a:lvl2pPr>
+              <a:lvl3pPr marL="914400" algn="l" defTabSz="914400" rtl="0" eaLnBrk="1" latinLnBrk="1" hangingPunct="1">
+                <a:defRPr sz="1800" kern="1200">
+                  <a:solidFill>
+                    <a:schemeClr val="tx1"/>
+                  </a:solidFill>
+                  <a:latin typeface="+mn-lt"/>
+                  <a:ea typeface="+mn-ea"/>
+                  <a:cs typeface="+mn-cs"/>
+                </a:defRPr>
+              </a:lvl3pPr>
+              <a:lvl4pPr marL="1371600" algn="l" defTabSz="914400" rtl="0" eaLnBrk="1" latinLnBrk="1" hangingPunct="1">
+                <a:defRPr sz="1800" kern="1200">
+                  <a:solidFill>
+                    <a:schemeClr val="tx1"/>
+                  </a:solidFill>
+                  <a:latin typeface="+mn-lt"/>
+                  <a:ea typeface="+mn-ea"/>
+                  <a:cs typeface="+mn-cs"/>
+                </a:defRPr>
+              </a:lvl4pPr>
+              <a:lvl5pPr marL="1828800" algn="l" defTabSz="914400" rtl="0" eaLnBrk="1" latinLnBrk="1" hangingPunct="1">
+                <a:defRPr sz="1800" kern="1200">
+                  <a:solidFill>
+                    <a:schemeClr val="tx1"/>
+                  </a:solidFill>
+                  <a:latin typeface="+mn-lt"/>
+                  <a:ea typeface="+mn-ea"/>
+                  <a:cs typeface="+mn-cs"/>
+                </a:defRPr>
+              </a:lvl5pPr>
+              <a:lvl6pPr marL="2286000" algn="l" defTabSz="914400" rtl="0" eaLnBrk="1" latinLnBrk="1" hangingPunct="1">
+                <a:defRPr sz="1800" kern="1200">
+                  <a:solidFill>
+                    <a:schemeClr val="tx1"/>
+                  </a:solidFill>
+                  <a:latin typeface="+mn-lt"/>
+                  <a:ea typeface="+mn-ea"/>
+                  <a:cs typeface="+mn-cs"/>
+                </a:defRPr>
+              </a:lvl6pPr>
+              <a:lvl7pPr marL="2743200" algn="l" defTabSz="914400" rtl="0" eaLnBrk="1" latinLnBrk="1" hangingPunct="1">
+                <a:defRPr sz="1800" kern="1200">
+                  <a:solidFill>
+                    <a:schemeClr val="tx1"/>
+                  </a:solidFill>
+                  <a:latin typeface="+mn-lt"/>
+                  <a:ea typeface="+mn-ea"/>
+                  <a:cs typeface="+mn-cs"/>
+                </a:defRPr>
+              </a:lvl7pPr>
+              <a:lvl8pPr marL="3200400" algn="l" defTabSz="914400" rtl="0" eaLnBrk="1" latinLnBrk="1" hangingPunct="1">
+                <a:defRPr sz="1800" kern="1200">
+                  <a:solidFill>
+                    <a:schemeClr val="tx1"/>
+                  </a:solidFill>
+                  <a:latin typeface="+mn-lt"/>
+                  <a:ea typeface="+mn-ea"/>
+                  <a:cs typeface="+mn-cs"/>
+                </a:defRPr>
+              </a:lvl8pPr>
+              <a:lvl9pPr marL="3657600" algn="l" defTabSz="914400" rtl="0" eaLnBrk="1" latinLnBrk="1" hangingPunct="1">
+                <a:defRPr sz="1800" kern="1200">
+                  <a:solidFill>
+                    <a:schemeClr val="tx1"/>
+                  </a:solidFill>
+                  <a:latin typeface="+mn-lt"/>
+                  <a:ea typeface="+mn-ea"/>
+                  <a:cs typeface="+mn-cs"/>
+                </a:defRPr>
+              </a:lvl9pPr>
+            </a:lstStyle>
+            <a:p>
+              <a:pPr marL="177800" indent="-177800">
+                <a:lnSpc>
+                  <a:spcPct val="80000"/>
+                </a:lnSpc>
+              </a:pPr>
+              <a:r>
+                <a:rPr lang="en-US" altLang="ko-KR" sz="1000" b="1" spc="-20" dirty="0">
+                  <a:latin typeface="나눔고딕" pitchFamily="50" charset="-127"/>
+                  <a:ea typeface="나눔고딕" pitchFamily="50" charset="-127"/>
+                </a:rPr>
+                <a:t>send SETTING</a:t>
+              </a:r>
+              <a:endParaRPr lang="en-US" altLang="ko-KR" sz="1000" spc="-20" dirty="0">
+                <a:latin typeface="나눔고딕" pitchFamily="50" charset="-127"/>
+                <a:ea typeface="나눔고딕" pitchFamily="50" charset="-127"/>
+              </a:endParaRPr>
+            </a:p>
+          </p:txBody>
+        </p:sp>
+      </p:grpSp>
+      <p:sp>
+        <p:nvSpPr>
+          <p:cNvPr id="125" name="줄무늬가 있는 오른쪽 화살표 7"/>
+          <p:cNvSpPr/>
+          <p:nvPr/>
+        </p:nvSpPr>
+        <p:spPr>
+          <a:xfrm rot="10800000">
+            <a:off x="5444116" y="4657335"/>
+            <a:ext cx="314487" cy="168471"/>
+          </a:xfrm>
+          <a:prstGeom prst="stripedRightArrow">
+            <a:avLst>
+              <a:gd name="adj1" fmla="val 48818"/>
+              <a:gd name="adj2" fmla="val 45083"/>
+            </a:avLst>
+          </a:prstGeom>
+          <a:solidFill>
+            <a:schemeClr val="accent2">
+              <a:lumMod val="40000"/>
+              <a:lumOff val="60000"/>
+            </a:schemeClr>
+          </a:solidFill>
+          <a:ln>
+            <a:solidFill>
+              <a:schemeClr val="accent2"/>
+            </a:solidFill>
+          </a:ln>
+        </p:spPr>
+        <p:style>
+          <a:lnRef idx="2">
+            <a:schemeClr val="accent1">
+              <a:shade val="50000"/>
+            </a:schemeClr>
+          </a:lnRef>
+          <a:fillRef idx="1">
+            <a:schemeClr val="accent1"/>
+          </a:fillRef>
+          <a:effectRef idx="0">
+            <a:schemeClr val="accent1"/>
+          </a:effectRef>
+          <a:fontRef idx="minor">
+            <a:schemeClr val="lt1"/>
+          </a:fontRef>
+        </p:style>
+        <p:txBody>
+          <a:bodyPr rtlCol="0" anchor="ctr"/>
+          <a:lstStyle/>
+          <a:p>
+            <a:pPr algn="ctr"/>
+            <a:endParaRPr lang="ko-KR" altLang="en-US" b="1">
+              <a:ln w="22225">
+                <a:solidFill>
+                  <a:schemeClr val="accent2"/>
+                </a:solidFill>
+                <a:prstDash val="solid"/>
+              </a:ln>
+              <a:solidFill>
+                <a:schemeClr val="accent2">
+                  <a:lumMod val="40000"/>
+                  <a:lumOff val="60000"/>
+                </a:schemeClr>
+              </a:solidFill>
+            </a:endParaRPr>
+          </a:p>
+        </p:txBody>
+      </p:sp>
+      <p:sp>
+        <p:nvSpPr>
+          <p:cNvPr id="126" name="줄무늬가 있는 오른쪽 화살표 7"/>
+          <p:cNvSpPr/>
+          <p:nvPr/>
+        </p:nvSpPr>
+        <p:spPr>
+          <a:xfrm rot="10800000">
+            <a:off x="5444116" y="5065049"/>
+            <a:ext cx="314487" cy="168471"/>
+          </a:xfrm>
+          <a:prstGeom prst="stripedRightArrow">
+            <a:avLst>
+              <a:gd name="adj1" fmla="val 48818"/>
+              <a:gd name="adj2" fmla="val 45083"/>
+            </a:avLst>
+          </a:prstGeom>
+          <a:solidFill>
+            <a:schemeClr val="accent2">
+              <a:lumMod val="40000"/>
+              <a:lumOff val="60000"/>
+            </a:schemeClr>
+          </a:solidFill>
+          <a:ln>
+            <a:solidFill>
+              <a:schemeClr val="accent2"/>
+            </a:solidFill>
+          </a:ln>
+        </p:spPr>
+        <p:style>
+          <a:lnRef idx="2">
+            <a:schemeClr val="accent1">
+              <a:shade val="50000"/>
+            </a:schemeClr>
+          </a:lnRef>
+          <a:fillRef idx="1">
+            <a:schemeClr val="accent1"/>
+          </a:fillRef>
+          <a:effectRef idx="0">
+            <a:schemeClr val="accent1"/>
+          </a:effectRef>
+          <a:fontRef idx="minor">
+            <a:schemeClr val="lt1"/>
+          </a:fontRef>
+        </p:style>
+        <p:txBody>
+          <a:bodyPr rtlCol="0" anchor="ctr"/>
+          <a:lstStyle/>
+          <a:p>
+            <a:pPr algn="ctr"/>
+            <a:endParaRPr lang="ko-KR" altLang="en-US" b="1">
+              <a:ln w="22225">
+                <a:solidFill>
+                  <a:schemeClr val="accent2"/>
+                </a:solidFill>
+                <a:prstDash val="solid"/>
+              </a:ln>
+              <a:solidFill>
+                <a:schemeClr val="accent2">
+                  <a:lumMod val="40000"/>
+                  <a:lumOff val="60000"/>
+                </a:schemeClr>
+              </a:solidFill>
+            </a:endParaRPr>
+          </a:p>
+        </p:txBody>
+      </p:sp>
+      <p:sp>
+        <p:nvSpPr>
+          <p:cNvPr id="127" name="TextBox 52"/>
+          <p:cNvSpPr txBox="1"/>
+          <p:nvPr/>
+        </p:nvSpPr>
+        <p:spPr>
+          <a:xfrm>
+            <a:off x="4069429" y="5906685"/>
+            <a:ext cx="2026571" cy="215444"/>
+          </a:xfrm>
+          <a:prstGeom prst="rect">
+            <a:avLst/>
+          </a:prstGeom>
+          <a:noFill/>
+        </p:spPr>
+        <p:txBody>
+          <a:bodyPr wrap="square" rtlCol="0" anchor="b">
+            <a:spAutoFit/>
+          </a:bodyPr>
+          <a:lstStyle>
+            <a:defPPr>
+              <a:defRPr lang="ko-KR"/>
+            </a:defPPr>
+            <a:lvl1pPr marL="0" algn="l" defTabSz="914400" rtl="0" eaLnBrk="1" latinLnBrk="1" hangingPunct="1">
+              <a:defRPr sz="1800" kern="1200">
+                <a:solidFill>
+                  <a:schemeClr val="tx1"/>
+                </a:solidFill>
+                <a:latin typeface="+mn-lt"/>
+                <a:ea typeface="+mn-ea"/>
+                <a:cs typeface="+mn-cs"/>
+              </a:defRPr>
+            </a:lvl1pPr>
+            <a:lvl2pPr marL="457200" algn="l" defTabSz="914400" rtl="0" eaLnBrk="1" latinLnBrk="1" hangingPunct="1">
+              <a:defRPr sz="1800" kern="1200">
+                <a:solidFill>
+                  <a:schemeClr val="tx1"/>
+                </a:solidFill>
+                <a:latin typeface="+mn-lt"/>
+                <a:ea typeface="+mn-ea"/>
+                <a:cs typeface="+mn-cs"/>
+              </a:defRPr>
+            </a:lvl2pPr>
+            <a:lvl3pPr marL="914400" algn="l" defTabSz="914400" rtl="0" eaLnBrk="1" latinLnBrk="1" hangingPunct="1">
+              <a:defRPr sz="1800" kern="1200">
+                <a:solidFill>
+                  <a:schemeClr val="tx1"/>
+                </a:solidFill>
+                <a:latin typeface="+mn-lt"/>
+                <a:ea typeface="+mn-ea"/>
+                <a:cs typeface="+mn-cs"/>
+              </a:defRPr>
+            </a:lvl3pPr>
+            <a:lvl4pPr marL="1371600" algn="l" defTabSz="914400" rtl="0" eaLnBrk="1" latinLnBrk="1" hangingPunct="1">
+              <a:defRPr sz="1800" kern="1200">
+                <a:solidFill>
+                  <a:schemeClr val="tx1"/>
+                </a:solidFill>
+                <a:latin typeface="+mn-lt"/>
+                <a:ea typeface="+mn-ea"/>
+                <a:cs typeface="+mn-cs"/>
+              </a:defRPr>
+            </a:lvl4pPr>
+            <a:lvl5pPr marL="1828800" algn="l" defTabSz="914400" rtl="0" eaLnBrk="1" latinLnBrk="1" hangingPunct="1">
+              <a:defRPr sz="1800" kern="1200">
+                <a:solidFill>
+                  <a:schemeClr val="tx1"/>
+                </a:solidFill>
+                <a:latin typeface="+mn-lt"/>
+                <a:ea typeface="+mn-ea"/>
+                <a:cs typeface="+mn-cs"/>
+              </a:defRPr>
+            </a:lvl5pPr>
+            <a:lvl6pPr marL="2286000" algn="l" defTabSz="914400" rtl="0" eaLnBrk="1" latinLnBrk="1" hangingPunct="1">
+              <a:defRPr sz="1800" kern="1200">
+                <a:solidFill>
+                  <a:schemeClr val="tx1"/>
+                </a:solidFill>
+                <a:latin typeface="+mn-lt"/>
+                <a:ea typeface="+mn-ea"/>
+                <a:cs typeface="+mn-cs"/>
+              </a:defRPr>
+            </a:lvl6pPr>
+            <a:lvl7pPr marL="2743200" algn="l" defTabSz="914400" rtl="0" eaLnBrk="1" latinLnBrk="1" hangingPunct="1">
+              <a:defRPr sz="1800" kern="1200">
+                <a:solidFill>
+                  <a:schemeClr val="tx1"/>
+                </a:solidFill>
+                <a:latin typeface="+mn-lt"/>
+                <a:ea typeface="+mn-ea"/>
+                <a:cs typeface="+mn-cs"/>
+              </a:defRPr>
+            </a:lvl7pPr>
+            <a:lvl8pPr marL="3200400" algn="l" defTabSz="914400" rtl="0" eaLnBrk="1" latinLnBrk="1" hangingPunct="1">
+              <a:defRPr sz="1800" kern="1200">
+                <a:solidFill>
+                  <a:schemeClr val="tx1"/>
+                </a:solidFill>
+                <a:latin typeface="+mn-lt"/>
+                <a:ea typeface="+mn-ea"/>
+                <a:cs typeface="+mn-cs"/>
+              </a:defRPr>
+            </a:lvl8pPr>
+            <a:lvl9pPr marL="3657600" algn="l" defTabSz="914400" rtl="0" eaLnBrk="1" latinLnBrk="1" hangingPunct="1">
+              <a:defRPr sz="1800" kern="1200">
+                <a:solidFill>
+                  <a:schemeClr val="tx1"/>
+                </a:solidFill>
+                <a:latin typeface="+mn-lt"/>
+                <a:ea typeface="+mn-ea"/>
+                <a:cs typeface="+mn-cs"/>
+              </a:defRPr>
+            </a:lvl9pPr>
+          </a:lstStyle>
+          <a:p>
+            <a:pPr marL="177800" indent="-177800">
+              <a:lnSpc>
+                <a:spcPct val="80000"/>
+              </a:lnSpc>
+            </a:pPr>
+            <a:r>
+              <a:rPr lang="en-US" altLang="ko-KR" sz="1000" b="1" spc="-20" dirty="0">
+                <a:latin typeface="나눔고딕" pitchFamily="50" charset="-127"/>
+                <a:ea typeface="나눔고딕" pitchFamily="50" charset="-127"/>
+              </a:rPr>
+              <a:t>AoT end</a:t>
+            </a:r>
+            <a:endParaRPr lang="en-US" altLang="ko-KR" sz="1000" spc="-20" dirty="0">
+              <a:latin typeface="나눔고딕" pitchFamily="50" charset="-127"/>
+              <a:ea typeface="나눔고딕" pitchFamily="50" charset="-127"/>
+            </a:endParaRPr>
+          </a:p>
+        </p:txBody>
+      </p:sp>
+      <p:grpSp>
+        <p:nvGrpSpPr>
+          <p:cNvPr id="2" name="그룹 1"/>
+          <p:cNvGrpSpPr/>
+          <p:nvPr/>
+        </p:nvGrpSpPr>
+        <p:grpSpPr>
+          <a:xfrm>
+            <a:off x="6096000" y="4003730"/>
+            <a:ext cx="2000024" cy="246221"/>
+            <a:chOff x="6096000" y="3747405"/>
+            <a:chExt cx="2000024" cy="246221"/>
+          </a:xfrm>
+        </p:grpSpPr>
+        <p:sp>
+          <p:nvSpPr>
+            <p:cNvPr id="53" name="TextBox 43"/>
+            <p:cNvSpPr txBox="1"/>
+            <p:nvPr/>
+          </p:nvSpPr>
+          <p:spPr>
+            <a:xfrm>
+              <a:off x="7670601" y="3747405"/>
+              <a:ext cx="425423" cy="246221"/>
+            </a:xfrm>
+            <a:prstGeom prst="rect">
+              <a:avLst/>
+            </a:prstGeom>
+            <a:solidFill>
+              <a:schemeClr val="bg2">
+                <a:lumMod val="10000"/>
+                <a:alpha val="36078"/>
+              </a:schemeClr>
+            </a:solidFill>
+          </p:spPr>
+          <p:txBody>
+            <a:bodyPr wrap="square" rtlCol="0">
+              <a:spAutoFit/>
+            </a:bodyPr>
+            <a:lstStyle>
+              <a:defPPr>
+                <a:defRPr lang="ko-KR"/>
+              </a:defPPr>
+              <a:lvl1pPr marL="0" algn="l" defTabSz="914400" rtl="0" eaLnBrk="1" latinLnBrk="1" hangingPunct="1">
+                <a:defRPr sz="1800" kern="1200">
+                  <a:solidFill>
+                    <a:schemeClr val="tx1"/>
+                  </a:solidFill>
+                  <a:latin typeface="+mn-lt"/>
+                  <a:ea typeface="+mn-ea"/>
+                  <a:cs typeface="+mn-cs"/>
+                </a:defRPr>
+              </a:lvl1pPr>
+              <a:lvl2pPr marL="457200" algn="l" defTabSz="914400" rtl="0" eaLnBrk="1" latinLnBrk="1" hangingPunct="1">
+                <a:defRPr sz="1800" kern="1200">
+                  <a:solidFill>
+                    <a:schemeClr val="tx1"/>
+                  </a:solidFill>
+                  <a:latin typeface="+mn-lt"/>
+                  <a:ea typeface="+mn-ea"/>
+                  <a:cs typeface="+mn-cs"/>
+                </a:defRPr>
+              </a:lvl2pPr>
+              <a:lvl3pPr marL="914400" algn="l" defTabSz="914400" rtl="0" eaLnBrk="1" latinLnBrk="1" hangingPunct="1">
+                <a:defRPr sz="1800" kern="1200">
+                  <a:solidFill>
+                    <a:schemeClr val="tx1"/>
+                  </a:solidFill>
+                  <a:latin typeface="+mn-lt"/>
+                  <a:ea typeface="+mn-ea"/>
+                  <a:cs typeface="+mn-cs"/>
+                </a:defRPr>
+              </a:lvl3pPr>
+              <a:lvl4pPr marL="1371600" algn="l" defTabSz="914400" rtl="0" eaLnBrk="1" latinLnBrk="1" hangingPunct="1">
+                <a:defRPr sz="1800" kern="1200">
+                  <a:solidFill>
+                    <a:schemeClr val="tx1"/>
+                  </a:solidFill>
+                  <a:latin typeface="+mn-lt"/>
+                  <a:ea typeface="+mn-ea"/>
+                  <a:cs typeface="+mn-cs"/>
+                </a:defRPr>
+              </a:lvl4pPr>
+              <a:lvl5pPr marL="1828800" algn="l" defTabSz="914400" rtl="0" eaLnBrk="1" latinLnBrk="1" hangingPunct="1">
+                <a:defRPr sz="1800" kern="1200">
+                  <a:solidFill>
+                    <a:schemeClr val="tx1"/>
+                  </a:solidFill>
+                  <a:latin typeface="+mn-lt"/>
+                  <a:ea typeface="+mn-ea"/>
+                  <a:cs typeface="+mn-cs"/>
+                </a:defRPr>
+              </a:lvl5pPr>
+              <a:lvl6pPr marL="2286000" algn="l" defTabSz="914400" rtl="0" eaLnBrk="1" latinLnBrk="1" hangingPunct="1">
+                <a:defRPr sz="1800" kern="1200">
+                  <a:solidFill>
+                    <a:schemeClr val="tx1"/>
+                  </a:solidFill>
+                  <a:latin typeface="+mn-lt"/>
+                  <a:ea typeface="+mn-ea"/>
+                  <a:cs typeface="+mn-cs"/>
+                </a:defRPr>
+              </a:lvl6pPr>
+              <a:lvl7pPr marL="2743200" algn="l" defTabSz="914400" rtl="0" eaLnBrk="1" latinLnBrk="1" hangingPunct="1">
+                <a:defRPr sz="1800" kern="1200">
+                  <a:solidFill>
+                    <a:schemeClr val="tx1"/>
+                  </a:solidFill>
+                  <a:latin typeface="+mn-lt"/>
+                  <a:ea typeface="+mn-ea"/>
+                  <a:cs typeface="+mn-cs"/>
+                </a:defRPr>
+              </a:lvl7pPr>
+              <a:lvl8pPr marL="3200400" algn="l" defTabSz="914400" rtl="0" eaLnBrk="1" latinLnBrk="1" hangingPunct="1">
+                <a:defRPr sz="1800" kern="1200">
+                  <a:solidFill>
+                    <a:schemeClr val="tx1"/>
+                  </a:solidFill>
+                  <a:latin typeface="+mn-lt"/>
+                  <a:ea typeface="+mn-ea"/>
+                  <a:cs typeface="+mn-cs"/>
+                </a:defRPr>
+              </a:lvl8pPr>
+              <a:lvl9pPr marL="3657600" algn="l" defTabSz="914400" rtl="0" eaLnBrk="1" latinLnBrk="1" hangingPunct="1">
+                <a:defRPr sz="1800" kern="1200">
+                  <a:solidFill>
+                    <a:schemeClr val="tx1"/>
+                  </a:solidFill>
+                  <a:latin typeface="+mn-lt"/>
+                  <a:ea typeface="+mn-ea"/>
+                  <a:cs typeface="+mn-cs"/>
+                </a:defRPr>
+              </a:lvl9pPr>
+            </a:lstStyle>
+            <a:p>
+              <a:pPr marL="177800" indent="-177800" algn="ctr"/>
+              <a:r>
+                <a:rPr lang="en-US" altLang="ko-KR" sz="1000" b="1" dirty="0">
+                  <a:latin typeface="나눔고딕" pitchFamily="50" charset="-127"/>
+                  <a:ea typeface="나눔고딕" pitchFamily="50" charset="-127"/>
+                </a:rPr>
+                <a:t>500</a:t>
+              </a:r>
+              <a:endParaRPr lang="en-US" altLang="ko-KR" sz="1000" dirty="0">
+                <a:latin typeface="나눔고딕" pitchFamily="50" charset="-127"/>
+                <a:ea typeface="나눔고딕" pitchFamily="50" charset="-127"/>
+              </a:endParaRPr>
+            </a:p>
+          </p:txBody>
+        </p:sp>
+        <p:sp>
+          <p:nvSpPr>
+            <p:cNvPr id="70" name="TextBox 52"/>
+            <p:cNvSpPr txBox="1"/>
+            <p:nvPr/>
+          </p:nvSpPr>
+          <p:spPr>
+            <a:xfrm>
+              <a:off x="6096000" y="3777485"/>
+              <a:ext cx="1574601" cy="215444"/>
+            </a:xfrm>
+            <a:prstGeom prst="rect">
+              <a:avLst/>
+            </a:prstGeom>
+            <a:noFill/>
+          </p:spPr>
+          <p:txBody>
+            <a:bodyPr wrap="square" rtlCol="0" anchor="b">
+              <a:spAutoFit/>
+            </a:bodyPr>
+            <a:lstStyle>
+              <a:defPPr>
+                <a:defRPr lang="ko-KR"/>
+              </a:defPPr>
+              <a:lvl1pPr marL="0" algn="l" defTabSz="914400" rtl="0" eaLnBrk="1" latinLnBrk="1" hangingPunct="1">
+                <a:defRPr sz="1800" kern="1200">
+                  <a:solidFill>
+                    <a:schemeClr val="tx1"/>
+                  </a:solidFill>
+                  <a:latin typeface="+mn-lt"/>
+                  <a:ea typeface="+mn-ea"/>
+                  <a:cs typeface="+mn-cs"/>
+                </a:defRPr>
+              </a:lvl1pPr>
+              <a:lvl2pPr marL="457200" algn="l" defTabSz="914400" rtl="0" eaLnBrk="1" latinLnBrk="1" hangingPunct="1">
+                <a:defRPr sz="1800" kern="1200">
+                  <a:solidFill>
+                    <a:schemeClr val="tx1"/>
+                  </a:solidFill>
+                  <a:latin typeface="+mn-lt"/>
+                  <a:ea typeface="+mn-ea"/>
+                  <a:cs typeface="+mn-cs"/>
+                </a:defRPr>
+              </a:lvl2pPr>
+              <a:lvl3pPr marL="914400" algn="l" defTabSz="914400" rtl="0" eaLnBrk="1" latinLnBrk="1" hangingPunct="1">
+                <a:defRPr sz="1800" kern="1200">
+                  <a:solidFill>
+                    <a:schemeClr val="tx1"/>
+                  </a:solidFill>
+                  <a:latin typeface="+mn-lt"/>
+                  <a:ea typeface="+mn-ea"/>
+                  <a:cs typeface="+mn-cs"/>
+                </a:defRPr>
+              </a:lvl3pPr>
+              <a:lvl4pPr marL="1371600" algn="l" defTabSz="914400" rtl="0" eaLnBrk="1" latinLnBrk="1" hangingPunct="1">
+                <a:defRPr sz="1800" kern="1200">
+                  <a:solidFill>
+                    <a:schemeClr val="tx1"/>
+                  </a:solidFill>
+                  <a:latin typeface="+mn-lt"/>
+                  <a:ea typeface="+mn-ea"/>
+                  <a:cs typeface="+mn-cs"/>
+                </a:defRPr>
+              </a:lvl4pPr>
+              <a:lvl5pPr marL="1828800" algn="l" defTabSz="914400" rtl="0" eaLnBrk="1" latinLnBrk="1" hangingPunct="1">
+                <a:defRPr sz="1800" kern="1200">
+                  <a:solidFill>
+                    <a:schemeClr val="tx1"/>
+                  </a:solidFill>
+                  <a:latin typeface="+mn-lt"/>
+                  <a:ea typeface="+mn-ea"/>
+                  <a:cs typeface="+mn-cs"/>
+                </a:defRPr>
+              </a:lvl5pPr>
+              <a:lvl6pPr marL="2286000" algn="l" defTabSz="914400" rtl="0" eaLnBrk="1" latinLnBrk="1" hangingPunct="1">
+                <a:defRPr sz="1800" kern="1200">
+                  <a:solidFill>
+                    <a:schemeClr val="tx1"/>
+                  </a:solidFill>
+                  <a:latin typeface="+mn-lt"/>
+                  <a:ea typeface="+mn-ea"/>
+                  <a:cs typeface="+mn-cs"/>
+                </a:defRPr>
+              </a:lvl6pPr>
+              <a:lvl7pPr marL="2743200" algn="l" defTabSz="914400" rtl="0" eaLnBrk="1" latinLnBrk="1" hangingPunct="1">
+                <a:defRPr sz="1800" kern="1200">
+                  <a:solidFill>
+                    <a:schemeClr val="tx1"/>
+                  </a:solidFill>
+                  <a:latin typeface="+mn-lt"/>
+                  <a:ea typeface="+mn-ea"/>
+                  <a:cs typeface="+mn-cs"/>
+                </a:defRPr>
+              </a:lvl7pPr>
+              <a:lvl8pPr marL="3200400" algn="l" defTabSz="914400" rtl="0" eaLnBrk="1" latinLnBrk="1" hangingPunct="1">
+                <a:defRPr sz="1800" kern="1200">
+                  <a:solidFill>
+                    <a:schemeClr val="tx1"/>
+                  </a:solidFill>
+                  <a:latin typeface="+mn-lt"/>
+                  <a:ea typeface="+mn-ea"/>
+                  <a:cs typeface="+mn-cs"/>
+                </a:defRPr>
+              </a:lvl8pPr>
+              <a:lvl9pPr marL="3657600" algn="l" defTabSz="914400" rtl="0" eaLnBrk="1" latinLnBrk="1" hangingPunct="1">
+                <a:defRPr sz="1800" kern="1200">
+                  <a:solidFill>
+                    <a:schemeClr val="tx1"/>
+                  </a:solidFill>
+                  <a:latin typeface="+mn-lt"/>
+                  <a:ea typeface="+mn-ea"/>
+                  <a:cs typeface="+mn-cs"/>
+                </a:defRPr>
+              </a:lvl9pPr>
+            </a:lstStyle>
+            <a:p>
+              <a:pPr marL="177800" indent="-177800" algn="r">
+                <a:lnSpc>
+                  <a:spcPct val="80000"/>
+                </a:lnSpc>
+              </a:pPr>
+              <a:r>
+                <a:rPr lang="en-US" altLang="ko-KR" sz="1000" b="1" spc="-20" dirty="0">
+                  <a:latin typeface="나눔고딕" pitchFamily="50" charset="-127"/>
+                  <a:ea typeface="나눔고딕" pitchFamily="50" charset="-127"/>
+                </a:rPr>
+                <a:t>connected with CT</a:t>
+              </a:r>
+              <a:endParaRPr lang="en-US" altLang="ko-KR" sz="1000" spc="-20" dirty="0">
+                <a:latin typeface="나눔고딕" pitchFamily="50" charset="-127"/>
+                <a:ea typeface="나눔고딕" pitchFamily="50" charset="-127"/>
+              </a:endParaRPr>
+            </a:p>
+          </p:txBody>
+        </p:sp>
+      </p:grpSp>
+      <p:sp>
+        <p:nvSpPr>
+          <p:cNvPr id="72" name="TextBox 52"/>
+          <p:cNvSpPr txBox="1"/>
+          <p:nvPr/>
+        </p:nvSpPr>
+        <p:spPr>
+          <a:xfrm>
+            <a:off x="6096000" y="3679380"/>
+            <a:ext cx="2000024" cy="215444"/>
+          </a:xfrm>
+          <a:prstGeom prst="rect">
+            <a:avLst/>
+          </a:prstGeom>
+          <a:noFill/>
+        </p:spPr>
+        <p:txBody>
+          <a:bodyPr wrap="square" rtlCol="0" anchor="b">
+            <a:spAutoFit/>
+          </a:bodyPr>
+          <a:lstStyle>
+            <a:defPPr>
+              <a:defRPr lang="ko-KR"/>
+            </a:defPPr>
+            <a:lvl1pPr marL="0" algn="l" defTabSz="914400" rtl="0" eaLnBrk="1" latinLnBrk="1" hangingPunct="1">
+              <a:defRPr sz="1800" kern="1200">
+                <a:solidFill>
+                  <a:schemeClr val="tx1"/>
+                </a:solidFill>
+                <a:latin typeface="+mn-lt"/>
+                <a:ea typeface="+mn-ea"/>
+                <a:cs typeface="+mn-cs"/>
+              </a:defRPr>
+            </a:lvl1pPr>
+            <a:lvl2pPr marL="457200" algn="l" defTabSz="914400" rtl="0" eaLnBrk="1" latinLnBrk="1" hangingPunct="1">
+              <a:defRPr sz="1800" kern="1200">
+                <a:solidFill>
+                  <a:schemeClr val="tx1"/>
+                </a:solidFill>
+                <a:latin typeface="+mn-lt"/>
+                <a:ea typeface="+mn-ea"/>
+                <a:cs typeface="+mn-cs"/>
+              </a:defRPr>
+            </a:lvl2pPr>
+            <a:lvl3pPr marL="914400" algn="l" defTabSz="914400" rtl="0" eaLnBrk="1" latinLnBrk="1" hangingPunct="1">
+              <a:defRPr sz="1800" kern="1200">
+                <a:solidFill>
+                  <a:schemeClr val="tx1"/>
+                </a:solidFill>
+                <a:latin typeface="+mn-lt"/>
+                <a:ea typeface="+mn-ea"/>
+                <a:cs typeface="+mn-cs"/>
+              </a:defRPr>
+            </a:lvl3pPr>
+            <a:lvl4pPr marL="1371600" algn="l" defTabSz="914400" rtl="0" eaLnBrk="1" latinLnBrk="1" hangingPunct="1">
+              <a:defRPr sz="1800" kern="1200">
+                <a:solidFill>
+                  <a:schemeClr val="tx1"/>
+                </a:solidFill>
+                <a:latin typeface="+mn-lt"/>
+                <a:ea typeface="+mn-ea"/>
+                <a:cs typeface="+mn-cs"/>
+              </a:defRPr>
+            </a:lvl4pPr>
+            <a:lvl5pPr marL="1828800" algn="l" defTabSz="914400" rtl="0" eaLnBrk="1" latinLnBrk="1" hangingPunct="1">
+              <a:defRPr sz="1800" kern="1200">
+                <a:solidFill>
+                  <a:schemeClr val="tx1"/>
+                </a:solidFill>
+                <a:latin typeface="+mn-lt"/>
+                <a:ea typeface="+mn-ea"/>
+                <a:cs typeface="+mn-cs"/>
+              </a:defRPr>
+            </a:lvl5pPr>
+            <a:lvl6pPr marL="2286000" algn="l" defTabSz="914400" rtl="0" eaLnBrk="1" latinLnBrk="1" hangingPunct="1">
+              <a:defRPr sz="1800" kern="1200">
+                <a:solidFill>
+                  <a:schemeClr val="tx1"/>
+                </a:solidFill>
+                <a:latin typeface="+mn-lt"/>
+                <a:ea typeface="+mn-ea"/>
+                <a:cs typeface="+mn-cs"/>
+              </a:defRPr>
+            </a:lvl6pPr>
+            <a:lvl7pPr marL="2743200" algn="l" defTabSz="914400" rtl="0" eaLnBrk="1" latinLnBrk="1" hangingPunct="1">
+              <a:defRPr sz="1800" kern="1200">
+                <a:solidFill>
+                  <a:schemeClr val="tx1"/>
+                </a:solidFill>
+                <a:latin typeface="+mn-lt"/>
+                <a:ea typeface="+mn-ea"/>
+                <a:cs typeface="+mn-cs"/>
+              </a:defRPr>
+            </a:lvl7pPr>
+            <a:lvl8pPr marL="3200400" algn="l" defTabSz="914400" rtl="0" eaLnBrk="1" latinLnBrk="1" hangingPunct="1">
+              <a:defRPr sz="1800" kern="1200">
+                <a:solidFill>
+                  <a:schemeClr val="tx1"/>
+                </a:solidFill>
+                <a:latin typeface="+mn-lt"/>
+                <a:ea typeface="+mn-ea"/>
+                <a:cs typeface="+mn-cs"/>
+              </a:defRPr>
+            </a:lvl8pPr>
+            <a:lvl9pPr marL="3657600" algn="l" defTabSz="914400" rtl="0" eaLnBrk="1" latinLnBrk="1" hangingPunct="1">
+              <a:defRPr sz="1800" kern="1200">
+                <a:solidFill>
+                  <a:schemeClr val="tx1"/>
+                </a:solidFill>
+                <a:latin typeface="+mn-lt"/>
+                <a:ea typeface="+mn-ea"/>
+                <a:cs typeface="+mn-cs"/>
+              </a:defRPr>
+            </a:lvl9pPr>
+          </a:lstStyle>
+          <a:p>
+            <a:pPr marL="177800" indent="-177800" algn="r">
+              <a:lnSpc>
+                <a:spcPct val="80000"/>
+              </a:lnSpc>
+            </a:pPr>
+            <a:r>
+              <a:rPr lang="en-US" altLang="ko-KR" sz="1000" b="1" spc="-20" dirty="0">
+                <a:latin typeface="나눔고딕" pitchFamily="50" charset="-127"/>
+                <a:ea typeface="나눔고딕" pitchFamily="50" charset="-127"/>
+              </a:rPr>
+              <a:t>CT start</a:t>
+            </a:r>
+            <a:endParaRPr lang="en-US" altLang="ko-KR" sz="1000" spc="-20" dirty="0">
+              <a:latin typeface="나눔고딕" pitchFamily="50" charset="-127"/>
+              <a:ea typeface="나눔고딕" pitchFamily="50" charset="-127"/>
+            </a:endParaRPr>
+          </a:p>
+        </p:txBody>
+      </p:sp>
+      <p:cxnSp>
+        <p:nvCxnSpPr>
+          <p:cNvPr id="73" name="직선 화살표 연결선 72"/>
+          <p:cNvCxnSpPr/>
+          <p:nvPr/>
+        </p:nvCxnSpPr>
+        <p:spPr>
+          <a:xfrm>
+            <a:off x="8172967" y="3776663"/>
+            <a:ext cx="1258580" cy="135678"/>
+          </a:xfrm>
+          <a:prstGeom prst="straightConnector1">
+            <a:avLst/>
+          </a:prstGeom>
+          <a:ln w="31750">
+            <a:solidFill>
+              <a:schemeClr val="bg2">
+                <a:lumMod val="75000"/>
+              </a:schemeClr>
+            </a:solidFill>
+            <a:prstDash val="sysDash"/>
+            <a:tailEnd type="triangle"/>
+          </a:ln>
+        </p:spPr>
+        <p:style>
+          <a:lnRef idx="1">
+            <a:schemeClr val="accent1"/>
+          </a:lnRef>
+          <a:fillRef idx="0">
+            <a:schemeClr val="accent1"/>
+          </a:fillRef>
+          <a:effectRef idx="0">
+            <a:schemeClr val="accent1"/>
+          </a:effectRef>
+          <a:fontRef idx="minor">
+            <a:schemeClr val="tx1"/>
+          </a:fontRef>
+        </p:style>
+      </p:cxnSp>
+      <p:cxnSp>
+        <p:nvCxnSpPr>
+          <p:cNvPr id="74" name="직선 화살표 연결선 73"/>
+          <p:cNvCxnSpPr/>
+          <p:nvPr/>
+        </p:nvCxnSpPr>
+        <p:spPr>
+          <a:xfrm flipH="1">
+            <a:off x="8180640" y="4060154"/>
+            <a:ext cx="1250907" cy="0"/>
+          </a:xfrm>
+          <a:prstGeom prst="straightConnector1">
+            <a:avLst/>
+          </a:prstGeom>
+          <a:ln w="31750">
+            <a:solidFill>
+              <a:schemeClr val="tx1"/>
+            </a:solidFill>
+            <a:tailEnd type="triangle"/>
+          </a:ln>
+        </p:spPr>
+        <p:style>
+          <a:lnRef idx="1">
+            <a:schemeClr val="accent1"/>
+          </a:lnRef>
+          <a:fillRef idx="0">
+            <a:schemeClr val="accent1"/>
+          </a:fillRef>
+          <a:effectRef idx="0">
+            <a:schemeClr val="accent1"/>
+          </a:effectRef>
+          <a:fontRef idx="minor">
+            <a:schemeClr val="tx1"/>
+          </a:fontRef>
+        </p:style>
+      </p:cxnSp>
+      <p:cxnSp>
+        <p:nvCxnSpPr>
+          <p:cNvPr id="76" name="직선 화살표 연결선 75"/>
+          <p:cNvCxnSpPr/>
+          <p:nvPr/>
+        </p:nvCxnSpPr>
+        <p:spPr>
+          <a:xfrm flipV="1">
+            <a:off x="8172967" y="4210229"/>
+            <a:ext cx="1258580" cy="1"/>
+          </a:xfrm>
+          <a:prstGeom prst="straightConnector1">
+            <a:avLst/>
+          </a:prstGeom>
+          <a:ln w="31750">
+            <a:solidFill>
+              <a:schemeClr val="tx1"/>
+            </a:solidFill>
+            <a:prstDash val="solid"/>
+            <a:tailEnd type="triangle"/>
+          </a:ln>
+        </p:spPr>
+        <p:style>
+          <a:lnRef idx="1">
+            <a:schemeClr val="accent1"/>
+          </a:lnRef>
+          <a:fillRef idx="0">
+            <a:schemeClr val="accent1"/>
+          </a:fillRef>
+          <a:effectRef idx="0">
+            <a:schemeClr val="accent1"/>
+          </a:effectRef>
+          <a:fontRef idx="minor">
+            <a:schemeClr val="tx1"/>
+          </a:fontRef>
+        </p:style>
+      </p:cxnSp>
+      <p:grpSp>
+        <p:nvGrpSpPr>
+          <p:cNvPr id="85" name="그룹 84"/>
+          <p:cNvGrpSpPr/>
+          <p:nvPr/>
+        </p:nvGrpSpPr>
+        <p:grpSpPr>
+          <a:xfrm>
+            <a:off x="9508490" y="3865641"/>
+            <a:ext cx="2014198" cy="246221"/>
+            <a:chOff x="4081802" y="3747405"/>
+            <a:chExt cx="2014198" cy="246221"/>
+          </a:xfrm>
+        </p:grpSpPr>
+        <p:sp>
+          <p:nvSpPr>
+            <p:cNvPr id="86" name="TextBox 43"/>
+            <p:cNvSpPr txBox="1"/>
+            <p:nvPr/>
+          </p:nvSpPr>
+          <p:spPr>
+            <a:xfrm>
+              <a:off x="4081802" y="3747405"/>
+              <a:ext cx="425423" cy="246221"/>
+            </a:xfrm>
+            <a:prstGeom prst="rect">
+              <a:avLst/>
+            </a:prstGeom>
+            <a:solidFill>
+              <a:schemeClr val="bg2">
+                <a:lumMod val="10000"/>
+                <a:alpha val="36078"/>
+              </a:schemeClr>
+            </a:solidFill>
+          </p:spPr>
+          <p:txBody>
+            <a:bodyPr wrap="square" rtlCol="0">
+              <a:spAutoFit/>
+            </a:bodyPr>
+            <a:lstStyle>
+              <a:defPPr>
+                <a:defRPr lang="ko-KR"/>
+              </a:defPPr>
+              <a:lvl1pPr marL="0" algn="l" defTabSz="914400" rtl="0" eaLnBrk="1" latinLnBrk="1" hangingPunct="1">
+                <a:defRPr sz="1800" kern="1200">
+                  <a:solidFill>
+                    <a:schemeClr val="tx1"/>
+                  </a:solidFill>
+                  <a:latin typeface="+mn-lt"/>
+                  <a:ea typeface="+mn-ea"/>
+                  <a:cs typeface="+mn-cs"/>
+                </a:defRPr>
+              </a:lvl1pPr>
+              <a:lvl2pPr marL="457200" algn="l" defTabSz="914400" rtl="0" eaLnBrk="1" latinLnBrk="1" hangingPunct="1">
+                <a:defRPr sz="1800" kern="1200">
+                  <a:solidFill>
+                    <a:schemeClr val="tx1"/>
+                  </a:solidFill>
+                  <a:latin typeface="+mn-lt"/>
+                  <a:ea typeface="+mn-ea"/>
+                  <a:cs typeface="+mn-cs"/>
+                </a:defRPr>
+              </a:lvl2pPr>
+              <a:lvl3pPr marL="914400" algn="l" defTabSz="914400" rtl="0" eaLnBrk="1" latinLnBrk="1" hangingPunct="1">
+                <a:defRPr sz="1800" kern="1200">
+                  <a:solidFill>
+                    <a:schemeClr val="tx1"/>
+                  </a:solidFill>
+                  <a:latin typeface="+mn-lt"/>
+                  <a:ea typeface="+mn-ea"/>
+                  <a:cs typeface="+mn-cs"/>
+                </a:defRPr>
+              </a:lvl3pPr>
+              <a:lvl4pPr marL="1371600" algn="l" defTabSz="914400" rtl="0" eaLnBrk="1" latinLnBrk="1" hangingPunct="1">
+                <a:defRPr sz="1800" kern="1200">
+                  <a:solidFill>
+                    <a:schemeClr val="tx1"/>
+                  </a:solidFill>
+                  <a:latin typeface="+mn-lt"/>
+                  <a:ea typeface="+mn-ea"/>
+                  <a:cs typeface="+mn-cs"/>
+                </a:defRPr>
+              </a:lvl4pPr>
+              <a:lvl5pPr marL="1828800" algn="l" defTabSz="914400" rtl="0" eaLnBrk="1" latinLnBrk="1" hangingPunct="1">
+                <a:defRPr sz="1800" kern="1200">
+                  <a:solidFill>
+                    <a:schemeClr val="tx1"/>
+                  </a:solidFill>
+                  <a:latin typeface="+mn-lt"/>
+                  <a:ea typeface="+mn-ea"/>
+                  <a:cs typeface="+mn-cs"/>
+                </a:defRPr>
+              </a:lvl5pPr>
+              <a:lvl6pPr marL="2286000" algn="l" defTabSz="914400" rtl="0" eaLnBrk="1" latinLnBrk="1" hangingPunct="1">
+                <a:defRPr sz="1800" kern="1200">
+                  <a:solidFill>
+                    <a:schemeClr val="tx1"/>
+                  </a:solidFill>
+                  <a:latin typeface="+mn-lt"/>
+                  <a:ea typeface="+mn-ea"/>
+                  <a:cs typeface="+mn-cs"/>
+                </a:defRPr>
+              </a:lvl6pPr>
+              <a:lvl7pPr marL="2743200" algn="l" defTabSz="914400" rtl="0" eaLnBrk="1" latinLnBrk="1" hangingPunct="1">
+                <a:defRPr sz="1800" kern="1200">
+                  <a:solidFill>
+                    <a:schemeClr val="tx1"/>
+                  </a:solidFill>
+                  <a:latin typeface="+mn-lt"/>
+                  <a:ea typeface="+mn-ea"/>
+                  <a:cs typeface="+mn-cs"/>
+                </a:defRPr>
+              </a:lvl7pPr>
+              <a:lvl8pPr marL="3200400" algn="l" defTabSz="914400" rtl="0" eaLnBrk="1" latinLnBrk="1" hangingPunct="1">
+                <a:defRPr sz="1800" kern="1200">
+                  <a:solidFill>
+                    <a:schemeClr val="tx1"/>
+                  </a:solidFill>
+                  <a:latin typeface="+mn-lt"/>
+                  <a:ea typeface="+mn-ea"/>
+                  <a:cs typeface="+mn-cs"/>
+                </a:defRPr>
+              </a:lvl8pPr>
+              <a:lvl9pPr marL="3657600" algn="l" defTabSz="914400" rtl="0" eaLnBrk="1" latinLnBrk="1" hangingPunct="1">
+                <a:defRPr sz="1800" kern="1200">
+                  <a:solidFill>
+                    <a:schemeClr val="tx1"/>
+                  </a:solidFill>
+                  <a:latin typeface="+mn-lt"/>
+                  <a:ea typeface="+mn-ea"/>
+                  <a:cs typeface="+mn-cs"/>
+                </a:defRPr>
+              </a:lvl9pPr>
+            </a:lstStyle>
+            <a:p>
+              <a:pPr marL="177800" indent="-177800" algn="ctr"/>
+              <a:r>
+                <a:rPr lang="en-US" altLang="ko-KR" sz="1000" b="1" dirty="0">
+                  <a:latin typeface="나눔고딕" pitchFamily="50" charset="-127"/>
+                  <a:ea typeface="나눔고딕" pitchFamily="50" charset="-127"/>
+                </a:rPr>
+                <a:t>501</a:t>
+              </a:r>
+              <a:endParaRPr lang="en-US" altLang="ko-KR" sz="1000" dirty="0">
+                <a:latin typeface="나눔고딕" pitchFamily="50" charset="-127"/>
+                <a:ea typeface="나눔고딕" pitchFamily="50" charset="-127"/>
+              </a:endParaRPr>
+            </a:p>
+          </p:txBody>
+        </p:sp>
+        <p:sp>
+          <p:nvSpPr>
+            <p:cNvPr id="87" name="TextBox 52"/>
+            <p:cNvSpPr txBox="1"/>
+            <p:nvPr/>
+          </p:nvSpPr>
+          <p:spPr>
+            <a:xfrm>
+              <a:off x="4507225" y="3775104"/>
+              <a:ext cx="1588775" cy="215444"/>
+            </a:xfrm>
+            <a:prstGeom prst="rect">
+              <a:avLst/>
+            </a:prstGeom>
+            <a:noFill/>
+          </p:spPr>
+          <p:txBody>
+            <a:bodyPr wrap="square" rtlCol="0" anchor="b">
+              <a:spAutoFit/>
+            </a:bodyPr>
+            <a:lstStyle>
+              <a:defPPr>
+                <a:defRPr lang="ko-KR"/>
+              </a:defPPr>
+              <a:lvl1pPr marL="0" algn="l" defTabSz="914400" rtl="0" eaLnBrk="1" latinLnBrk="1" hangingPunct="1">
+                <a:defRPr sz="1800" kern="1200">
+                  <a:solidFill>
+                    <a:schemeClr val="tx1"/>
+                  </a:solidFill>
+                  <a:latin typeface="+mn-lt"/>
+                  <a:ea typeface="+mn-ea"/>
+                  <a:cs typeface="+mn-cs"/>
+                </a:defRPr>
+              </a:lvl1pPr>
+              <a:lvl2pPr marL="457200" algn="l" defTabSz="914400" rtl="0" eaLnBrk="1" latinLnBrk="1" hangingPunct="1">
+                <a:defRPr sz="1800" kern="1200">
+                  <a:solidFill>
+                    <a:schemeClr val="tx1"/>
+                  </a:solidFill>
+                  <a:latin typeface="+mn-lt"/>
+                  <a:ea typeface="+mn-ea"/>
+                  <a:cs typeface="+mn-cs"/>
+                </a:defRPr>
+              </a:lvl2pPr>
+              <a:lvl3pPr marL="914400" algn="l" defTabSz="914400" rtl="0" eaLnBrk="1" latinLnBrk="1" hangingPunct="1">
+                <a:defRPr sz="1800" kern="1200">
+                  <a:solidFill>
+                    <a:schemeClr val="tx1"/>
+                  </a:solidFill>
+                  <a:latin typeface="+mn-lt"/>
+                  <a:ea typeface="+mn-ea"/>
+                  <a:cs typeface="+mn-cs"/>
+                </a:defRPr>
+              </a:lvl3pPr>
+              <a:lvl4pPr marL="1371600" algn="l" defTabSz="914400" rtl="0" eaLnBrk="1" latinLnBrk="1" hangingPunct="1">
+                <a:defRPr sz="1800" kern="1200">
+                  <a:solidFill>
+                    <a:schemeClr val="tx1"/>
+                  </a:solidFill>
+                  <a:latin typeface="+mn-lt"/>
+                  <a:ea typeface="+mn-ea"/>
+                  <a:cs typeface="+mn-cs"/>
+                </a:defRPr>
+              </a:lvl4pPr>
+              <a:lvl5pPr marL="1828800" algn="l" defTabSz="914400" rtl="0" eaLnBrk="1" latinLnBrk="1" hangingPunct="1">
+                <a:defRPr sz="1800" kern="1200">
+                  <a:solidFill>
+                    <a:schemeClr val="tx1"/>
+                  </a:solidFill>
+                  <a:latin typeface="+mn-lt"/>
+                  <a:ea typeface="+mn-ea"/>
+                  <a:cs typeface="+mn-cs"/>
+                </a:defRPr>
+              </a:lvl5pPr>
+              <a:lvl6pPr marL="2286000" algn="l" defTabSz="914400" rtl="0" eaLnBrk="1" latinLnBrk="1" hangingPunct="1">
+                <a:defRPr sz="1800" kern="1200">
+                  <a:solidFill>
+                    <a:schemeClr val="tx1"/>
+                  </a:solidFill>
+                  <a:latin typeface="+mn-lt"/>
+                  <a:ea typeface="+mn-ea"/>
+                  <a:cs typeface="+mn-cs"/>
+                </a:defRPr>
+              </a:lvl6pPr>
+              <a:lvl7pPr marL="2743200" algn="l" defTabSz="914400" rtl="0" eaLnBrk="1" latinLnBrk="1" hangingPunct="1">
+                <a:defRPr sz="1800" kern="1200">
+                  <a:solidFill>
+                    <a:schemeClr val="tx1"/>
+                  </a:solidFill>
+                  <a:latin typeface="+mn-lt"/>
+                  <a:ea typeface="+mn-ea"/>
+                  <a:cs typeface="+mn-cs"/>
+                </a:defRPr>
+              </a:lvl7pPr>
+              <a:lvl8pPr marL="3200400" algn="l" defTabSz="914400" rtl="0" eaLnBrk="1" latinLnBrk="1" hangingPunct="1">
+                <a:defRPr sz="1800" kern="1200">
+                  <a:solidFill>
+                    <a:schemeClr val="tx1"/>
+                  </a:solidFill>
+                  <a:latin typeface="+mn-lt"/>
+                  <a:ea typeface="+mn-ea"/>
+                  <a:cs typeface="+mn-cs"/>
+                </a:defRPr>
+              </a:lvl8pPr>
+              <a:lvl9pPr marL="3657600" algn="l" defTabSz="914400" rtl="0" eaLnBrk="1" latinLnBrk="1" hangingPunct="1">
+                <a:defRPr sz="1800" kern="1200">
+                  <a:solidFill>
+                    <a:schemeClr val="tx1"/>
+                  </a:solidFill>
+                  <a:latin typeface="+mn-lt"/>
+                  <a:ea typeface="+mn-ea"/>
+                  <a:cs typeface="+mn-cs"/>
+                </a:defRPr>
+              </a:lvl9pPr>
+            </a:lstStyle>
+            <a:p>
+              <a:pPr marL="177800" indent="-177800">
+                <a:lnSpc>
+                  <a:spcPct val="80000"/>
+                </a:lnSpc>
+              </a:pPr>
+              <a:r>
+                <a:rPr lang="en-US" altLang="ko-KR" sz="1000" b="1" spc="-20" dirty="0">
+                  <a:latin typeface="나눔고딕" pitchFamily="50" charset="-127"/>
+                  <a:ea typeface="나눔고딕" pitchFamily="50" charset="-127"/>
+                </a:rPr>
+                <a:t>connected with BG</a:t>
+              </a:r>
+              <a:endParaRPr lang="en-US" altLang="ko-KR" sz="1000" spc="-20" dirty="0">
+                <a:latin typeface="나눔고딕" pitchFamily="50" charset="-127"/>
+                <a:ea typeface="나눔고딕" pitchFamily="50" charset="-127"/>
+              </a:endParaRPr>
+            </a:p>
+          </p:txBody>
+        </p:sp>
+      </p:grpSp>
+      <p:grpSp>
+        <p:nvGrpSpPr>
+          <p:cNvPr id="92" name="그룹 91"/>
+          <p:cNvGrpSpPr/>
+          <p:nvPr/>
+        </p:nvGrpSpPr>
+        <p:grpSpPr>
+          <a:xfrm>
+            <a:off x="6096000" y="5633803"/>
+            <a:ext cx="2000024" cy="246221"/>
+            <a:chOff x="6096000" y="3747405"/>
+            <a:chExt cx="2000024" cy="246221"/>
+          </a:xfrm>
+        </p:grpSpPr>
+        <p:sp>
+          <p:nvSpPr>
+            <p:cNvPr id="96" name="TextBox 43"/>
+            <p:cNvSpPr txBox="1"/>
+            <p:nvPr/>
+          </p:nvSpPr>
+          <p:spPr>
+            <a:xfrm>
+              <a:off x="7670601" y="3747405"/>
+              <a:ext cx="425423" cy="246221"/>
+            </a:xfrm>
+            <a:prstGeom prst="rect">
+              <a:avLst/>
+            </a:prstGeom>
+            <a:solidFill>
+              <a:schemeClr val="bg2">
+                <a:lumMod val="10000"/>
+                <a:alpha val="36078"/>
+              </a:schemeClr>
+            </a:solidFill>
+          </p:spPr>
+          <p:txBody>
+            <a:bodyPr wrap="square" rtlCol="0">
+              <a:spAutoFit/>
+            </a:bodyPr>
+            <a:lstStyle>
+              <a:defPPr>
+                <a:defRPr lang="ko-KR"/>
+              </a:defPPr>
+              <a:lvl1pPr marL="0" algn="l" defTabSz="914400" rtl="0" eaLnBrk="1" latinLnBrk="1" hangingPunct="1">
+                <a:defRPr sz="1800" kern="1200">
+                  <a:solidFill>
+                    <a:schemeClr val="tx1"/>
+                  </a:solidFill>
+                  <a:latin typeface="+mn-lt"/>
+                  <a:ea typeface="+mn-ea"/>
+                  <a:cs typeface="+mn-cs"/>
+                </a:defRPr>
+              </a:lvl1pPr>
+              <a:lvl2pPr marL="457200" algn="l" defTabSz="914400" rtl="0" eaLnBrk="1" latinLnBrk="1" hangingPunct="1">
+                <a:defRPr sz="1800" kern="1200">
+                  <a:solidFill>
+                    <a:schemeClr val="tx1"/>
+                  </a:solidFill>
+                  <a:latin typeface="+mn-lt"/>
+                  <a:ea typeface="+mn-ea"/>
+                  <a:cs typeface="+mn-cs"/>
+                </a:defRPr>
+              </a:lvl2pPr>
+              <a:lvl3pPr marL="914400" algn="l" defTabSz="914400" rtl="0" eaLnBrk="1" latinLnBrk="1" hangingPunct="1">
+                <a:defRPr sz="1800" kern="1200">
+                  <a:solidFill>
+                    <a:schemeClr val="tx1"/>
+                  </a:solidFill>
+                  <a:latin typeface="+mn-lt"/>
+                  <a:ea typeface="+mn-ea"/>
+                  <a:cs typeface="+mn-cs"/>
+                </a:defRPr>
+              </a:lvl3pPr>
+              <a:lvl4pPr marL="1371600" algn="l" defTabSz="914400" rtl="0" eaLnBrk="1" latinLnBrk="1" hangingPunct="1">
+                <a:defRPr sz="1800" kern="1200">
+                  <a:solidFill>
+                    <a:schemeClr val="tx1"/>
+                  </a:solidFill>
+                  <a:latin typeface="+mn-lt"/>
+                  <a:ea typeface="+mn-ea"/>
+                  <a:cs typeface="+mn-cs"/>
+                </a:defRPr>
+              </a:lvl4pPr>
+              <a:lvl5pPr marL="1828800" algn="l" defTabSz="914400" rtl="0" eaLnBrk="1" latinLnBrk="1" hangingPunct="1">
+                <a:defRPr sz="1800" kern="1200">
+                  <a:solidFill>
+                    <a:schemeClr val="tx1"/>
+                  </a:solidFill>
+                  <a:latin typeface="+mn-lt"/>
+                  <a:ea typeface="+mn-ea"/>
+                  <a:cs typeface="+mn-cs"/>
+                </a:defRPr>
+              </a:lvl5pPr>
+              <a:lvl6pPr marL="2286000" algn="l" defTabSz="914400" rtl="0" eaLnBrk="1" latinLnBrk="1" hangingPunct="1">
+                <a:defRPr sz="1800" kern="1200">
+                  <a:solidFill>
+                    <a:schemeClr val="tx1"/>
+                  </a:solidFill>
+                  <a:latin typeface="+mn-lt"/>
+                  <a:ea typeface="+mn-ea"/>
+                  <a:cs typeface="+mn-cs"/>
+                </a:defRPr>
+              </a:lvl6pPr>
+              <a:lvl7pPr marL="2743200" algn="l" defTabSz="914400" rtl="0" eaLnBrk="1" latinLnBrk="1" hangingPunct="1">
+                <a:defRPr sz="1800" kern="1200">
+                  <a:solidFill>
+                    <a:schemeClr val="tx1"/>
+                  </a:solidFill>
+                  <a:latin typeface="+mn-lt"/>
+                  <a:ea typeface="+mn-ea"/>
+                  <a:cs typeface="+mn-cs"/>
+                </a:defRPr>
+              </a:lvl7pPr>
+              <a:lvl8pPr marL="3200400" algn="l" defTabSz="914400" rtl="0" eaLnBrk="1" latinLnBrk="1" hangingPunct="1">
+                <a:defRPr sz="1800" kern="1200">
+                  <a:solidFill>
+                    <a:schemeClr val="tx1"/>
+                  </a:solidFill>
+                  <a:latin typeface="+mn-lt"/>
+                  <a:ea typeface="+mn-ea"/>
+                  <a:cs typeface="+mn-cs"/>
+                </a:defRPr>
+              </a:lvl8pPr>
+              <a:lvl9pPr marL="3657600" algn="l" defTabSz="914400" rtl="0" eaLnBrk="1" latinLnBrk="1" hangingPunct="1">
+                <a:defRPr sz="1800" kern="1200">
+                  <a:solidFill>
+                    <a:schemeClr val="tx1"/>
+                  </a:solidFill>
+                  <a:latin typeface="+mn-lt"/>
+                  <a:ea typeface="+mn-ea"/>
+                  <a:cs typeface="+mn-cs"/>
+                </a:defRPr>
+              </a:lvl9pPr>
+            </a:lstStyle>
+            <a:p>
+              <a:pPr marL="177800" indent="-177800" algn="ctr"/>
+              <a:r>
+                <a:rPr lang="en-US" altLang="ko-KR" sz="1000" b="1" dirty="0">
+                  <a:latin typeface="나눔고딕" pitchFamily="50" charset="-127"/>
+                  <a:ea typeface="나눔고딕" pitchFamily="50" charset="-127"/>
+                </a:rPr>
+                <a:t>598</a:t>
+              </a:r>
+              <a:endParaRPr lang="en-US" altLang="ko-KR" sz="1000" dirty="0">
+                <a:latin typeface="나눔고딕" pitchFamily="50" charset="-127"/>
+                <a:ea typeface="나눔고딕" pitchFamily="50" charset="-127"/>
+              </a:endParaRPr>
+            </a:p>
+          </p:txBody>
+        </p:sp>
+        <p:sp>
+          <p:nvSpPr>
+            <p:cNvPr id="97" name="TextBox 52"/>
+            <p:cNvSpPr txBox="1"/>
+            <p:nvPr/>
+          </p:nvSpPr>
+          <p:spPr>
+            <a:xfrm>
+              <a:off x="6096000" y="3777485"/>
+              <a:ext cx="1574601" cy="215444"/>
+            </a:xfrm>
+            <a:prstGeom prst="rect">
+              <a:avLst/>
+            </a:prstGeom>
+            <a:noFill/>
+          </p:spPr>
+          <p:txBody>
+            <a:bodyPr wrap="square" rtlCol="0" anchor="b">
+              <a:spAutoFit/>
+            </a:bodyPr>
+            <a:lstStyle>
+              <a:defPPr>
+                <a:defRPr lang="ko-KR"/>
+              </a:defPPr>
+              <a:lvl1pPr marL="0" algn="l" defTabSz="914400" rtl="0" eaLnBrk="1" latinLnBrk="1" hangingPunct="1">
+                <a:defRPr sz="1800" kern="1200">
+                  <a:solidFill>
+                    <a:schemeClr val="tx1"/>
+                  </a:solidFill>
+                  <a:latin typeface="+mn-lt"/>
+                  <a:ea typeface="+mn-ea"/>
+                  <a:cs typeface="+mn-cs"/>
+                </a:defRPr>
+              </a:lvl1pPr>
+              <a:lvl2pPr marL="457200" algn="l" defTabSz="914400" rtl="0" eaLnBrk="1" latinLnBrk="1" hangingPunct="1">
+                <a:defRPr sz="1800" kern="1200">
+                  <a:solidFill>
+                    <a:schemeClr val="tx1"/>
+                  </a:solidFill>
+                  <a:latin typeface="+mn-lt"/>
+                  <a:ea typeface="+mn-ea"/>
+                  <a:cs typeface="+mn-cs"/>
+                </a:defRPr>
+              </a:lvl2pPr>
+              <a:lvl3pPr marL="914400" algn="l" defTabSz="914400" rtl="0" eaLnBrk="1" latinLnBrk="1" hangingPunct="1">
+                <a:defRPr sz="1800" kern="1200">
+                  <a:solidFill>
+                    <a:schemeClr val="tx1"/>
+                  </a:solidFill>
+                  <a:latin typeface="+mn-lt"/>
+                  <a:ea typeface="+mn-ea"/>
+                  <a:cs typeface="+mn-cs"/>
+                </a:defRPr>
+              </a:lvl3pPr>
+              <a:lvl4pPr marL="1371600" algn="l" defTabSz="914400" rtl="0" eaLnBrk="1" latinLnBrk="1" hangingPunct="1">
+                <a:defRPr sz="1800" kern="1200">
+                  <a:solidFill>
+                    <a:schemeClr val="tx1"/>
+                  </a:solidFill>
+                  <a:latin typeface="+mn-lt"/>
+                  <a:ea typeface="+mn-ea"/>
+                  <a:cs typeface="+mn-cs"/>
+                </a:defRPr>
+              </a:lvl4pPr>
+              <a:lvl5pPr marL="1828800" algn="l" defTabSz="914400" rtl="0" eaLnBrk="1" latinLnBrk="1" hangingPunct="1">
+                <a:defRPr sz="1800" kern="1200">
+                  <a:solidFill>
+                    <a:schemeClr val="tx1"/>
+                  </a:solidFill>
+                  <a:latin typeface="+mn-lt"/>
+                  <a:ea typeface="+mn-ea"/>
+                  <a:cs typeface="+mn-cs"/>
+                </a:defRPr>
+              </a:lvl5pPr>
+              <a:lvl6pPr marL="2286000" algn="l" defTabSz="914400" rtl="0" eaLnBrk="1" latinLnBrk="1" hangingPunct="1">
+                <a:defRPr sz="1800" kern="1200">
+                  <a:solidFill>
+                    <a:schemeClr val="tx1"/>
+                  </a:solidFill>
+                  <a:latin typeface="+mn-lt"/>
+                  <a:ea typeface="+mn-ea"/>
+                  <a:cs typeface="+mn-cs"/>
+                </a:defRPr>
+              </a:lvl6pPr>
+              <a:lvl7pPr marL="2743200" algn="l" defTabSz="914400" rtl="0" eaLnBrk="1" latinLnBrk="1" hangingPunct="1">
+                <a:defRPr sz="1800" kern="1200">
+                  <a:solidFill>
+                    <a:schemeClr val="tx1"/>
+                  </a:solidFill>
+                  <a:latin typeface="+mn-lt"/>
+                  <a:ea typeface="+mn-ea"/>
+                  <a:cs typeface="+mn-cs"/>
+                </a:defRPr>
+              </a:lvl7pPr>
+              <a:lvl8pPr marL="3200400" algn="l" defTabSz="914400" rtl="0" eaLnBrk="1" latinLnBrk="1" hangingPunct="1">
+                <a:defRPr sz="1800" kern="1200">
+                  <a:solidFill>
+                    <a:schemeClr val="tx1"/>
+                  </a:solidFill>
+                  <a:latin typeface="+mn-lt"/>
+                  <a:ea typeface="+mn-ea"/>
+                  <a:cs typeface="+mn-cs"/>
+                </a:defRPr>
+              </a:lvl8pPr>
+              <a:lvl9pPr marL="3657600" algn="l" defTabSz="914400" rtl="0" eaLnBrk="1" latinLnBrk="1" hangingPunct="1">
+                <a:defRPr sz="1800" kern="1200">
+                  <a:solidFill>
+                    <a:schemeClr val="tx1"/>
+                  </a:solidFill>
+                  <a:latin typeface="+mn-lt"/>
+                  <a:ea typeface="+mn-ea"/>
+                  <a:cs typeface="+mn-cs"/>
+                </a:defRPr>
+              </a:lvl9pPr>
+            </a:lstStyle>
+            <a:p>
+              <a:pPr marL="177800" indent="-177800" algn="r">
+                <a:lnSpc>
+                  <a:spcPct val="80000"/>
+                </a:lnSpc>
+              </a:pPr>
+              <a:r>
+                <a:rPr lang="en-US" altLang="ko-KR" sz="1000" b="1" spc="-20" dirty="0">
+                  <a:latin typeface="나눔고딕" pitchFamily="50" charset="-127"/>
+                  <a:ea typeface="나눔고딕" pitchFamily="50" charset="-127"/>
+                </a:rPr>
+                <a:t>disconnected with CT</a:t>
+              </a:r>
+              <a:endParaRPr lang="en-US" altLang="ko-KR" sz="1000" spc="-20" dirty="0">
+                <a:latin typeface="나눔고딕" pitchFamily="50" charset="-127"/>
+                <a:ea typeface="나눔고딕" pitchFamily="50" charset="-127"/>
+              </a:endParaRPr>
+            </a:p>
+          </p:txBody>
+        </p:sp>
+      </p:grpSp>
+      <p:sp>
+        <p:nvSpPr>
+          <p:cNvPr id="98" name="TextBox 52"/>
+          <p:cNvSpPr txBox="1"/>
+          <p:nvPr/>
+        </p:nvSpPr>
+        <p:spPr>
+          <a:xfrm>
+            <a:off x="6096000" y="5906685"/>
+            <a:ext cx="2000024" cy="215444"/>
+          </a:xfrm>
+          <a:prstGeom prst="rect">
+            <a:avLst/>
+          </a:prstGeom>
+          <a:noFill/>
+        </p:spPr>
+        <p:txBody>
+          <a:bodyPr wrap="square" rtlCol="0" anchor="b">
+            <a:spAutoFit/>
+          </a:bodyPr>
+          <a:lstStyle>
+            <a:defPPr>
+              <a:defRPr lang="ko-KR"/>
+            </a:defPPr>
+            <a:lvl1pPr marL="0" algn="l" defTabSz="914400" rtl="0" eaLnBrk="1" latinLnBrk="1" hangingPunct="1">
+              <a:defRPr sz="1800" kern="1200">
+                <a:solidFill>
+                  <a:schemeClr val="tx1"/>
+                </a:solidFill>
+                <a:latin typeface="+mn-lt"/>
+                <a:ea typeface="+mn-ea"/>
+                <a:cs typeface="+mn-cs"/>
+              </a:defRPr>
+            </a:lvl1pPr>
+            <a:lvl2pPr marL="457200" algn="l" defTabSz="914400" rtl="0" eaLnBrk="1" latinLnBrk="1" hangingPunct="1">
+              <a:defRPr sz="1800" kern="1200">
+                <a:solidFill>
+                  <a:schemeClr val="tx1"/>
+                </a:solidFill>
+                <a:latin typeface="+mn-lt"/>
+                <a:ea typeface="+mn-ea"/>
+                <a:cs typeface="+mn-cs"/>
+              </a:defRPr>
+            </a:lvl2pPr>
+            <a:lvl3pPr marL="914400" algn="l" defTabSz="914400" rtl="0" eaLnBrk="1" latinLnBrk="1" hangingPunct="1">
+              <a:defRPr sz="1800" kern="1200">
+                <a:solidFill>
+                  <a:schemeClr val="tx1"/>
+                </a:solidFill>
+                <a:latin typeface="+mn-lt"/>
+                <a:ea typeface="+mn-ea"/>
+                <a:cs typeface="+mn-cs"/>
+              </a:defRPr>
+            </a:lvl3pPr>
+            <a:lvl4pPr marL="1371600" algn="l" defTabSz="914400" rtl="0" eaLnBrk="1" latinLnBrk="1" hangingPunct="1">
+              <a:defRPr sz="1800" kern="1200">
+                <a:solidFill>
+                  <a:schemeClr val="tx1"/>
+                </a:solidFill>
+                <a:latin typeface="+mn-lt"/>
+                <a:ea typeface="+mn-ea"/>
+                <a:cs typeface="+mn-cs"/>
+              </a:defRPr>
+            </a:lvl4pPr>
+            <a:lvl5pPr marL="1828800" algn="l" defTabSz="914400" rtl="0" eaLnBrk="1" latinLnBrk="1" hangingPunct="1">
+              <a:defRPr sz="1800" kern="1200">
+                <a:solidFill>
+                  <a:schemeClr val="tx1"/>
+                </a:solidFill>
+                <a:latin typeface="+mn-lt"/>
+                <a:ea typeface="+mn-ea"/>
+                <a:cs typeface="+mn-cs"/>
+              </a:defRPr>
+            </a:lvl5pPr>
+            <a:lvl6pPr marL="2286000" algn="l" defTabSz="914400" rtl="0" eaLnBrk="1" latinLnBrk="1" hangingPunct="1">
+              <a:defRPr sz="1800" kern="1200">
+                <a:solidFill>
+                  <a:schemeClr val="tx1"/>
+                </a:solidFill>
+                <a:latin typeface="+mn-lt"/>
+                <a:ea typeface="+mn-ea"/>
+                <a:cs typeface="+mn-cs"/>
+              </a:defRPr>
+            </a:lvl6pPr>
+            <a:lvl7pPr marL="2743200" algn="l" defTabSz="914400" rtl="0" eaLnBrk="1" latinLnBrk="1" hangingPunct="1">
+              <a:defRPr sz="1800" kern="1200">
+                <a:solidFill>
+                  <a:schemeClr val="tx1"/>
+                </a:solidFill>
+                <a:latin typeface="+mn-lt"/>
+                <a:ea typeface="+mn-ea"/>
+                <a:cs typeface="+mn-cs"/>
+              </a:defRPr>
+            </a:lvl7pPr>
+            <a:lvl8pPr marL="3200400" algn="l" defTabSz="914400" rtl="0" eaLnBrk="1" latinLnBrk="1" hangingPunct="1">
+              <a:defRPr sz="1800" kern="1200">
+                <a:solidFill>
+                  <a:schemeClr val="tx1"/>
+                </a:solidFill>
+                <a:latin typeface="+mn-lt"/>
+                <a:ea typeface="+mn-ea"/>
+                <a:cs typeface="+mn-cs"/>
+              </a:defRPr>
+            </a:lvl8pPr>
+            <a:lvl9pPr marL="3657600" algn="l" defTabSz="914400" rtl="0" eaLnBrk="1" latinLnBrk="1" hangingPunct="1">
+              <a:defRPr sz="1800" kern="1200">
+                <a:solidFill>
+                  <a:schemeClr val="tx1"/>
+                </a:solidFill>
+                <a:latin typeface="+mn-lt"/>
+                <a:ea typeface="+mn-ea"/>
+                <a:cs typeface="+mn-cs"/>
+              </a:defRPr>
+            </a:lvl9pPr>
+          </a:lstStyle>
+          <a:p>
+            <a:pPr marL="177800" indent="-177800" algn="r">
+              <a:lnSpc>
+                <a:spcPct val="80000"/>
+              </a:lnSpc>
+            </a:pPr>
+            <a:r>
+              <a:rPr lang="en-US" altLang="ko-KR" sz="1000" b="1" spc="-20" dirty="0">
+                <a:latin typeface="나눔고딕" pitchFamily="50" charset="-127"/>
+                <a:ea typeface="나눔고딕" pitchFamily="50" charset="-127"/>
+              </a:rPr>
+              <a:t>CT end</a:t>
+            </a:r>
+            <a:endParaRPr lang="en-US" altLang="ko-KR" sz="1000" spc="-20" dirty="0">
+              <a:latin typeface="나눔고딕" pitchFamily="50" charset="-127"/>
+              <a:ea typeface="나눔고딕" pitchFamily="50" charset="-127"/>
+            </a:endParaRPr>
+          </a:p>
+        </p:txBody>
+      </p:sp>
+      <p:grpSp>
+        <p:nvGrpSpPr>
+          <p:cNvPr id="99" name="그룹 98"/>
+          <p:cNvGrpSpPr/>
+          <p:nvPr/>
+        </p:nvGrpSpPr>
+        <p:grpSpPr>
+          <a:xfrm>
+            <a:off x="9508490" y="5783574"/>
+            <a:ext cx="2014198" cy="246221"/>
+            <a:chOff x="4081802" y="3747405"/>
+            <a:chExt cx="2014198" cy="246221"/>
+          </a:xfrm>
+        </p:grpSpPr>
+        <p:sp>
+          <p:nvSpPr>
+            <p:cNvPr id="100" name="TextBox 43"/>
+            <p:cNvSpPr txBox="1"/>
+            <p:nvPr/>
+          </p:nvSpPr>
+          <p:spPr>
+            <a:xfrm>
+              <a:off x="4081802" y="3747405"/>
+              <a:ext cx="425423" cy="246221"/>
+            </a:xfrm>
+            <a:prstGeom prst="rect">
+              <a:avLst/>
+            </a:prstGeom>
+            <a:solidFill>
+              <a:schemeClr val="bg2">
+                <a:lumMod val="10000"/>
+                <a:alpha val="36078"/>
+              </a:schemeClr>
+            </a:solidFill>
+          </p:spPr>
+          <p:txBody>
+            <a:bodyPr wrap="square" rtlCol="0">
+              <a:spAutoFit/>
+            </a:bodyPr>
+            <a:lstStyle>
+              <a:defPPr>
+                <a:defRPr lang="ko-KR"/>
+              </a:defPPr>
+              <a:lvl1pPr marL="0" algn="l" defTabSz="914400" rtl="0" eaLnBrk="1" latinLnBrk="1" hangingPunct="1">
+                <a:defRPr sz="1800" kern="1200">
+                  <a:solidFill>
+                    <a:schemeClr val="tx1"/>
+                  </a:solidFill>
+                  <a:latin typeface="+mn-lt"/>
+                  <a:ea typeface="+mn-ea"/>
+                  <a:cs typeface="+mn-cs"/>
+                </a:defRPr>
+              </a:lvl1pPr>
+              <a:lvl2pPr marL="457200" algn="l" defTabSz="914400" rtl="0" eaLnBrk="1" latinLnBrk="1" hangingPunct="1">
+                <a:defRPr sz="1800" kern="1200">
+                  <a:solidFill>
+                    <a:schemeClr val="tx1"/>
+                  </a:solidFill>
+                  <a:latin typeface="+mn-lt"/>
+                  <a:ea typeface="+mn-ea"/>
+                  <a:cs typeface="+mn-cs"/>
+                </a:defRPr>
+              </a:lvl2pPr>
+              <a:lvl3pPr marL="914400" algn="l" defTabSz="914400" rtl="0" eaLnBrk="1" latinLnBrk="1" hangingPunct="1">
+                <a:defRPr sz="1800" kern="1200">
+                  <a:solidFill>
+                    <a:schemeClr val="tx1"/>
+                  </a:solidFill>
+                  <a:latin typeface="+mn-lt"/>
+                  <a:ea typeface="+mn-ea"/>
+                  <a:cs typeface="+mn-cs"/>
+                </a:defRPr>
+              </a:lvl3pPr>
+              <a:lvl4pPr marL="1371600" algn="l" defTabSz="914400" rtl="0" eaLnBrk="1" latinLnBrk="1" hangingPunct="1">
+                <a:defRPr sz="1800" kern="1200">
+                  <a:solidFill>
+                    <a:schemeClr val="tx1"/>
+                  </a:solidFill>
+                  <a:latin typeface="+mn-lt"/>
+                  <a:ea typeface="+mn-ea"/>
+                  <a:cs typeface="+mn-cs"/>
+                </a:defRPr>
+              </a:lvl4pPr>
+              <a:lvl5pPr marL="1828800" algn="l" defTabSz="914400" rtl="0" eaLnBrk="1" latinLnBrk="1" hangingPunct="1">
+                <a:defRPr sz="1800" kern="1200">
+                  <a:solidFill>
+                    <a:schemeClr val="tx1"/>
+                  </a:solidFill>
+                  <a:latin typeface="+mn-lt"/>
+                  <a:ea typeface="+mn-ea"/>
+                  <a:cs typeface="+mn-cs"/>
+                </a:defRPr>
+              </a:lvl5pPr>
+              <a:lvl6pPr marL="2286000" algn="l" defTabSz="914400" rtl="0" eaLnBrk="1" latinLnBrk="1" hangingPunct="1">
+                <a:defRPr sz="1800" kern="1200">
+                  <a:solidFill>
+                    <a:schemeClr val="tx1"/>
+                  </a:solidFill>
+                  <a:latin typeface="+mn-lt"/>
+                  <a:ea typeface="+mn-ea"/>
+                  <a:cs typeface="+mn-cs"/>
+                </a:defRPr>
+              </a:lvl6pPr>
+              <a:lvl7pPr marL="2743200" algn="l" defTabSz="914400" rtl="0" eaLnBrk="1" latinLnBrk="1" hangingPunct="1">
+                <a:defRPr sz="1800" kern="1200">
+                  <a:solidFill>
+                    <a:schemeClr val="tx1"/>
+                  </a:solidFill>
+                  <a:latin typeface="+mn-lt"/>
+                  <a:ea typeface="+mn-ea"/>
+                  <a:cs typeface="+mn-cs"/>
+                </a:defRPr>
+              </a:lvl7pPr>
+              <a:lvl8pPr marL="3200400" algn="l" defTabSz="914400" rtl="0" eaLnBrk="1" latinLnBrk="1" hangingPunct="1">
+                <a:defRPr sz="1800" kern="1200">
+                  <a:solidFill>
+                    <a:schemeClr val="tx1"/>
+                  </a:solidFill>
+                  <a:latin typeface="+mn-lt"/>
+                  <a:ea typeface="+mn-ea"/>
+                  <a:cs typeface="+mn-cs"/>
+                </a:defRPr>
+              </a:lvl8pPr>
+              <a:lvl9pPr marL="3657600" algn="l" defTabSz="914400" rtl="0" eaLnBrk="1" latinLnBrk="1" hangingPunct="1">
+                <a:defRPr sz="1800" kern="1200">
+                  <a:solidFill>
+                    <a:schemeClr val="tx1"/>
+                  </a:solidFill>
+                  <a:latin typeface="+mn-lt"/>
+                  <a:ea typeface="+mn-ea"/>
+                  <a:cs typeface="+mn-cs"/>
+                </a:defRPr>
+              </a:lvl9pPr>
+            </a:lstStyle>
+            <a:p>
+              <a:pPr marL="177800" indent="-177800" algn="ctr"/>
+              <a:r>
+                <a:rPr lang="en-US" altLang="ko-KR" sz="1000" b="1" dirty="0">
+                  <a:latin typeface="나눔고딕" pitchFamily="50" charset="-127"/>
+                  <a:ea typeface="나눔고딕" pitchFamily="50" charset="-127"/>
+                </a:rPr>
+                <a:t>599</a:t>
+              </a:r>
+              <a:endParaRPr lang="en-US" altLang="ko-KR" sz="1000" dirty="0">
+                <a:latin typeface="나눔고딕" pitchFamily="50" charset="-127"/>
+                <a:ea typeface="나눔고딕" pitchFamily="50" charset="-127"/>
+              </a:endParaRPr>
+            </a:p>
+          </p:txBody>
+        </p:sp>
+        <p:sp>
+          <p:nvSpPr>
+            <p:cNvPr id="101" name="TextBox 52"/>
+            <p:cNvSpPr txBox="1"/>
+            <p:nvPr/>
+          </p:nvSpPr>
+          <p:spPr>
+            <a:xfrm>
+              <a:off x="4507225" y="3775104"/>
+              <a:ext cx="1588775" cy="215444"/>
+            </a:xfrm>
+            <a:prstGeom prst="rect">
+              <a:avLst/>
+            </a:prstGeom>
+            <a:noFill/>
+          </p:spPr>
+          <p:txBody>
+            <a:bodyPr wrap="square" rtlCol="0" anchor="b">
+              <a:spAutoFit/>
+            </a:bodyPr>
+            <a:lstStyle>
+              <a:defPPr>
+                <a:defRPr lang="ko-KR"/>
+              </a:defPPr>
+              <a:lvl1pPr marL="0" algn="l" defTabSz="914400" rtl="0" eaLnBrk="1" latinLnBrk="1" hangingPunct="1">
+                <a:defRPr sz="1800" kern="1200">
+                  <a:solidFill>
+                    <a:schemeClr val="tx1"/>
+                  </a:solidFill>
+                  <a:latin typeface="+mn-lt"/>
+                  <a:ea typeface="+mn-ea"/>
+                  <a:cs typeface="+mn-cs"/>
+                </a:defRPr>
+              </a:lvl1pPr>
+              <a:lvl2pPr marL="457200" algn="l" defTabSz="914400" rtl="0" eaLnBrk="1" latinLnBrk="1" hangingPunct="1">
+                <a:defRPr sz="1800" kern="1200">
+                  <a:solidFill>
+                    <a:schemeClr val="tx1"/>
+                  </a:solidFill>
+                  <a:latin typeface="+mn-lt"/>
+                  <a:ea typeface="+mn-ea"/>
+                  <a:cs typeface="+mn-cs"/>
+                </a:defRPr>
+              </a:lvl2pPr>
+              <a:lvl3pPr marL="914400" algn="l" defTabSz="914400" rtl="0" eaLnBrk="1" latinLnBrk="1" hangingPunct="1">
+                <a:defRPr sz="1800" kern="1200">
+                  <a:solidFill>
+                    <a:schemeClr val="tx1"/>
+                  </a:solidFill>
+                  <a:latin typeface="+mn-lt"/>
+                  <a:ea typeface="+mn-ea"/>
+                  <a:cs typeface="+mn-cs"/>
+                </a:defRPr>
+              </a:lvl3pPr>
+              <a:lvl4pPr marL="1371600" algn="l" defTabSz="914400" rtl="0" eaLnBrk="1" latinLnBrk="1" hangingPunct="1">
+                <a:defRPr sz="1800" kern="1200">
+                  <a:solidFill>
+                    <a:schemeClr val="tx1"/>
+                  </a:solidFill>
+                  <a:latin typeface="+mn-lt"/>
+                  <a:ea typeface="+mn-ea"/>
+                  <a:cs typeface="+mn-cs"/>
+                </a:defRPr>
+              </a:lvl4pPr>
+              <a:lvl5pPr marL="1828800" algn="l" defTabSz="914400" rtl="0" eaLnBrk="1" latinLnBrk="1" hangingPunct="1">
+                <a:defRPr sz="1800" kern="1200">
+                  <a:solidFill>
+                    <a:schemeClr val="tx1"/>
+                  </a:solidFill>
+                  <a:latin typeface="+mn-lt"/>
+                  <a:ea typeface="+mn-ea"/>
+                  <a:cs typeface="+mn-cs"/>
+                </a:defRPr>
+              </a:lvl5pPr>
+              <a:lvl6pPr marL="2286000" algn="l" defTabSz="914400" rtl="0" eaLnBrk="1" latinLnBrk="1" hangingPunct="1">
+                <a:defRPr sz="1800" kern="1200">
+                  <a:solidFill>
+                    <a:schemeClr val="tx1"/>
+                  </a:solidFill>
+                  <a:latin typeface="+mn-lt"/>
+                  <a:ea typeface="+mn-ea"/>
+                  <a:cs typeface="+mn-cs"/>
+                </a:defRPr>
+              </a:lvl6pPr>
+              <a:lvl7pPr marL="2743200" algn="l" defTabSz="914400" rtl="0" eaLnBrk="1" latinLnBrk="1" hangingPunct="1">
+                <a:defRPr sz="1800" kern="1200">
+                  <a:solidFill>
+                    <a:schemeClr val="tx1"/>
+                  </a:solidFill>
+                  <a:latin typeface="+mn-lt"/>
+                  <a:ea typeface="+mn-ea"/>
+                  <a:cs typeface="+mn-cs"/>
+                </a:defRPr>
+              </a:lvl7pPr>
+              <a:lvl8pPr marL="3200400" algn="l" defTabSz="914400" rtl="0" eaLnBrk="1" latinLnBrk="1" hangingPunct="1">
+                <a:defRPr sz="1800" kern="1200">
+                  <a:solidFill>
+                    <a:schemeClr val="tx1"/>
+                  </a:solidFill>
+                  <a:latin typeface="+mn-lt"/>
+                  <a:ea typeface="+mn-ea"/>
+                  <a:cs typeface="+mn-cs"/>
+                </a:defRPr>
+              </a:lvl8pPr>
+              <a:lvl9pPr marL="3657600" algn="l" defTabSz="914400" rtl="0" eaLnBrk="1" latinLnBrk="1" hangingPunct="1">
+                <a:defRPr sz="1800" kern="1200">
+                  <a:solidFill>
+                    <a:schemeClr val="tx1"/>
+                  </a:solidFill>
+                  <a:latin typeface="+mn-lt"/>
+                  <a:ea typeface="+mn-ea"/>
+                  <a:cs typeface="+mn-cs"/>
+                </a:defRPr>
+              </a:lvl9pPr>
+            </a:lstStyle>
+            <a:p>
+              <a:pPr marL="177800" indent="-177800">
+                <a:lnSpc>
+                  <a:spcPct val="80000"/>
+                </a:lnSpc>
+              </a:pPr>
+              <a:r>
+                <a:rPr lang="en-US" altLang="ko-KR" sz="1000" b="1" spc="-20" dirty="0">
+                  <a:latin typeface="나눔고딕" pitchFamily="50" charset="-127"/>
+                  <a:ea typeface="나눔고딕" pitchFamily="50" charset="-127"/>
+                </a:rPr>
+                <a:t>disconnected with BG</a:t>
+              </a:r>
+              <a:endParaRPr lang="en-US" altLang="ko-KR" sz="1000" spc="-20" dirty="0">
+                <a:latin typeface="나눔고딕" pitchFamily="50" charset="-127"/>
+                <a:ea typeface="나눔고딕" pitchFamily="50" charset="-127"/>
+              </a:endParaRPr>
+            </a:p>
+          </p:txBody>
+        </p:sp>
+      </p:grpSp>
+      <p:grpSp>
+        <p:nvGrpSpPr>
+          <p:cNvPr id="31" name="그룹 30"/>
+          <p:cNvGrpSpPr/>
+          <p:nvPr/>
+        </p:nvGrpSpPr>
+        <p:grpSpPr>
+          <a:xfrm flipH="1">
+            <a:off x="8171396" y="5838532"/>
+            <a:ext cx="1259680" cy="149071"/>
+            <a:chOff x="8185072" y="5838532"/>
+            <a:chExt cx="1251378" cy="149071"/>
+          </a:xfrm>
+        </p:grpSpPr>
+        <p:cxnSp>
+          <p:nvCxnSpPr>
+            <p:cNvPr id="102" name="직선 화살표 연결선 101"/>
+            <p:cNvCxnSpPr/>
+            <p:nvPr/>
+          </p:nvCxnSpPr>
+          <p:spPr>
+            <a:xfrm flipH="1" flipV="1">
+              <a:off x="8185072" y="5838532"/>
+              <a:ext cx="1251378" cy="1"/>
+            </a:xfrm>
+            <a:prstGeom prst="straightConnector1">
+              <a:avLst/>
+            </a:prstGeom>
+            <a:ln w="31750">
+              <a:solidFill>
+                <a:schemeClr val="tx1"/>
+              </a:solidFill>
+              <a:prstDash val="solid"/>
+              <a:tailEnd type="triangle"/>
+            </a:ln>
+          </p:spPr>
+          <p:style>
+            <a:lnRef idx="1">
+              <a:schemeClr val="accent1"/>
+            </a:lnRef>
+            <a:fillRef idx="0">
+              <a:schemeClr val="accent1"/>
+            </a:fillRef>
+            <a:effectRef idx="0">
+              <a:schemeClr val="accent1"/>
+            </a:effectRef>
+            <a:fontRef idx="minor">
+              <a:schemeClr val="tx1"/>
+            </a:fontRef>
+          </p:style>
+        </p:cxnSp>
+        <p:cxnSp>
+          <p:nvCxnSpPr>
+            <p:cNvPr id="103" name="직선 화살표 연결선 102"/>
+            <p:cNvCxnSpPr/>
+            <p:nvPr/>
+          </p:nvCxnSpPr>
+          <p:spPr>
+            <a:xfrm>
+              <a:off x="8189372" y="5987603"/>
+              <a:ext cx="1243749" cy="0"/>
+            </a:xfrm>
+            <a:prstGeom prst="straightConnector1">
+              <a:avLst/>
+            </a:prstGeom>
+            <a:ln w="31750">
+              <a:solidFill>
+                <a:schemeClr val="tx1"/>
+              </a:solidFill>
+              <a:tailEnd type="triangle"/>
+            </a:ln>
+          </p:spPr>
+          <p:style>
+            <a:lnRef idx="1">
+              <a:schemeClr val="accent1"/>
+            </a:lnRef>
+            <a:fillRef idx="0">
+              <a:schemeClr val="accent1"/>
+            </a:fillRef>
+            <a:effectRef idx="0">
+              <a:schemeClr val="accent1"/>
+            </a:effectRef>
+            <a:fontRef idx="minor">
+              <a:schemeClr val="tx1"/>
+            </a:fontRef>
+          </p:style>
+        </p:cxnSp>
+      </p:grpSp>
+      <p:sp>
+        <p:nvSpPr>
+          <p:cNvPr id="104" name="TextBox 52"/>
+          <p:cNvSpPr txBox="1"/>
+          <p:nvPr/>
+        </p:nvSpPr>
+        <p:spPr>
+          <a:xfrm>
+            <a:off x="8236903" y="5984791"/>
+            <a:ext cx="1110028" cy="215444"/>
+          </a:xfrm>
+          <a:prstGeom prst="rect">
+            <a:avLst/>
+          </a:prstGeom>
+          <a:noFill/>
+        </p:spPr>
+        <p:txBody>
+          <a:bodyPr wrap="square" rtlCol="0">
+            <a:spAutoFit/>
+          </a:bodyPr>
+          <a:lstStyle>
+            <a:defPPr>
+              <a:defRPr lang="ko-KR"/>
+            </a:defPPr>
+            <a:lvl1pPr marL="0" algn="l" defTabSz="914400" rtl="0" eaLnBrk="1" latinLnBrk="1" hangingPunct="1">
+              <a:defRPr sz="1800" kern="1200">
+                <a:solidFill>
+                  <a:schemeClr val="tx1"/>
+                </a:solidFill>
+                <a:latin typeface="+mn-lt"/>
+                <a:ea typeface="+mn-ea"/>
+                <a:cs typeface="+mn-cs"/>
+              </a:defRPr>
+            </a:lvl1pPr>
+            <a:lvl2pPr marL="457200" algn="l" defTabSz="914400" rtl="0" eaLnBrk="1" latinLnBrk="1" hangingPunct="1">
+              <a:defRPr sz="1800" kern="1200">
+                <a:solidFill>
+                  <a:schemeClr val="tx1"/>
+                </a:solidFill>
+                <a:latin typeface="+mn-lt"/>
+                <a:ea typeface="+mn-ea"/>
+                <a:cs typeface="+mn-cs"/>
+              </a:defRPr>
+            </a:lvl2pPr>
+            <a:lvl3pPr marL="914400" algn="l" defTabSz="914400" rtl="0" eaLnBrk="1" latinLnBrk="1" hangingPunct="1">
+              <a:defRPr sz="1800" kern="1200">
+                <a:solidFill>
+                  <a:schemeClr val="tx1"/>
+                </a:solidFill>
+                <a:latin typeface="+mn-lt"/>
+                <a:ea typeface="+mn-ea"/>
+                <a:cs typeface="+mn-cs"/>
+              </a:defRPr>
+            </a:lvl3pPr>
+            <a:lvl4pPr marL="1371600" algn="l" defTabSz="914400" rtl="0" eaLnBrk="1" latinLnBrk="1" hangingPunct="1">
+              <a:defRPr sz="1800" kern="1200">
+                <a:solidFill>
+                  <a:schemeClr val="tx1"/>
+                </a:solidFill>
+                <a:latin typeface="+mn-lt"/>
+                <a:ea typeface="+mn-ea"/>
+                <a:cs typeface="+mn-cs"/>
+              </a:defRPr>
+            </a:lvl4pPr>
+            <a:lvl5pPr marL="1828800" algn="l" defTabSz="914400" rtl="0" eaLnBrk="1" latinLnBrk="1" hangingPunct="1">
+              <a:defRPr sz="1800" kern="1200">
+                <a:solidFill>
+                  <a:schemeClr val="tx1"/>
+                </a:solidFill>
+                <a:latin typeface="+mn-lt"/>
+                <a:ea typeface="+mn-ea"/>
+                <a:cs typeface="+mn-cs"/>
+              </a:defRPr>
+            </a:lvl5pPr>
+            <a:lvl6pPr marL="2286000" algn="l" defTabSz="914400" rtl="0" eaLnBrk="1" latinLnBrk="1" hangingPunct="1">
+              <a:defRPr sz="1800" kern="1200">
+                <a:solidFill>
+                  <a:schemeClr val="tx1"/>
+                </a:solidFill>
+                <a:latin typeface="+mn-lt"/>
+                <a:ea typeface="+mn-ea"/>
+                <a:cs typeface="+mn-cs"/>
+              </a:defRPr>
+            </a:lvl6pPr>
+            <a:lvl7pPr marL="2743200" algn="l" defTabSz="914400" rtl="0" eaLnBrk="1" latinLnBrk="1" hangingPunct="1">
+              <a:defRPr sz="1800" kern="1200">
+                <a:solidFill>
+                  <a:schemeClr val="tx1"/>
+                </a:solidFill>
+                <a:latin typeface="+mn-lt"/>
+                <a:ea typeface="+mn-ea"/>
+                <a:cs typeface="+mn-cs"/>
+              </a:defRPr>
+            </a:lvl7pPr>
+            <a:lvl8pPr marL="3200400" algn="l" defTabSz="914400" rtl="0" eaLnBrk="1" latinLnBrk="1" hangingPunct="1">
+              <a:defRPr sz="1800" kern="1200">
+                <a:solidFill>
+                  <a:schemeClr val="tx1"/>
+                </a:solidFill>
+                <a:latin typeface="+mn-lt"/>
+                <a:ea typeface="+mn-ea"/>
+                <a:cs typeface="+mn-cs"/>
+              </a:defRPr>
+            </a:lvl8pPr>
+            <a:lvl9pPr marL="3657600" algn="l" defTabSz="914400" rtl="0" eaLnBrk="1" latinLnBrk="1" hangingPunct="1">
+              <a:defRPr sz="1800" kern="1200">
+                <a:solidFill>
+                  <a:schemeClr val="tx1"/>
+                </a:solidFill>
+                <a:latin typeface="+mn-lt"/>
+                <a:ea typeface="+mn-ea"/>
+                <a:cs typeface="+mn-cs"/>
+              </a:defRPr>
+            </a:lvl9pPr>
+          </a:lstStyle>
+          <a:p>
+            <a:pPr marL="177800" indent="-177800" algn="ctr">
+              <a:lnSpc>
+                <a:spcPct val="80000"/>
+              </a:lnSpc>
+            </a:pPr>
+            <a:r>
+              <a:rPr lang="en-US" altLang="ko-KR" sz="1000" b="1" spc="-20" dirty="0">
+                <a:latin typeface="나눔고딕" pitchFamily="50" charset="-127"/>
+                <a:ea typeface="나눔고딕" pitchFamily="50" charset="-127"/>
+              </a:rPr>
+              <a:t>+ time</a:t>
+            </a:r>
+            <a:endParaRPr lang="en-US" altLang="ko-KR" sz="1000" spc="-20" dirty="0">
+              <a:latin typeface="나눔고딕" pitchFamily="50" charset="-127"/>
+              <a:ea typeface="나눔고딕" pitchFamily="50" charset="-127"/>
+            </a:endParaRPr>
+          </a:p>
+        </p:txBody>
+      </p:sp>
+    </p:spTree>
+    <p:extLst>
+      <p:ext uri="{BB962C8B-B14F-4D97-AF65-F5344CB8AC3E}">
+        <p14:creationId xmlns:p14="http://schemas.microsoft.com/office/powerpoint/2010/main" val="3153148808"/>
+      </p:ext>
+    </p:extLst>
+  </p:cSld>
+  <p:clrMapOvr>
+    <a:masterClrMapping/>
+  </p:clrMapOvr>
+  <p:timing>
+    <p:tnLst>
+      <p:par>
+        <p:cTn id="1" dur="indefinite" restart="never" nodeType="tmRoot">
+          <p:childTnLst>
+            <p:seq concurrent="1" nextAc="seek">
+              <p:cTn id="2" dur="indefinite" nodeType="mainSeq">
+                <p:childTnLst>
+                  <p:par>
+                    <p:cTn id="3" fill="hold">
+                      <p:stCondLst>
+                        <p:cond delay="indefinite"/>
+                      </p:stCondLst>
+                      <p:childTnLst>
+                        <p:par>
+                          <p:cTn id="4" fill="hold">
+                            <p:stCondLst>
+                              <p:cond delay="0"/>
+                            </p:stCondLst>
+                            <p:childTnLst>
+                              <p:par>
+                                <p:cTn id="5" presetID="1" presetClass="entr" presetSubtype="0" fill="hold" grpId="0" nodeType="clickEffect">
+                                  <p:stCondLst>
+                                    <p:cond delay="0"/>
+                                  </p:stCondLst>
+                                  <p:childTnLst>
+                                    <p:set>
+                                      <p:cBhvr>
+                                        <p:cTn id="6" dur="1" fill="hold">
+                                          <p:stCondLst>
+                                            <p:cond delay="0"/>
+                                          </p:stCondLst>
+                                        </p:cTn>
+                                        <p:tgtEl>
+                                          <p:spTgt spid="125"/>
+                                        </p:tgtEl>
+                                        <p:attrNameLst>
+                                          <p:attrName>style.visibility</p:attrName>
+                                        </p:attrNameLst>
+                                      </p:cBhvr>
+                                      <p:to>
+                                        <p:strVal val="visible"/>
+                                      </p:to>
+                                    </p:set>
+                                  </p:childTnLst>
+                                </p:cTn>
+                              </p:par>
+                            </p:childTnLst>
+                          </p:cTn>
+                        </p:par>
+                      </p:childTnLst>
+                    </p:cTn>
+                  </p:par>
+                  <p:par>
+                    <p:cTn id="7" fill="hold">
+                      <p:stCondLst>
+                        <p:cond delay="indefinite"/>
+                      </p:stCondLst>
+                      <p:childTnLst>
+                        <p:par>
+                          <p:cTn id="8" fill="hold">
+                            <p:stCondLst>
+                              <p:cond delay="0"/>
+                            </p:stCondLst>
+                            <p:childTnLst>
+                              <p:par>
+                                <p:cTn id="9" presetID="1" presetClass="entr" presetSubtype="0" fill="hold" grpId="0" nodeType="clickEffect">
+                                  <p:stCondLst>
+                                    <p:cond delay="0"/>
+                                  </p:stCondLst>
+                                  <p:childTnLst>
+                                    <p:set>
+                                      <p:cBhvr>
+                                        <p:cTn id="10" dur="1" fill="hold">
+                                          <p:stCondLst>
+                                            <p:cond delay="0"/>
+                                          </p:stCondLst>
+                                        </p:cTn>
+                                        <p:tgtEl>
+                                          <p:spTgt spid="126"/>
+                                        </p:tgtEl>
+                                        <p:attrNameLst>
+                                          <p:attrName>style.visibility</p:attrName>
+                                        </p:attrNameLst>
+                                      </p:cBhvr>
+                                      <p:to>
+                                        <p:strVal val="visible"/>
+                                      </p:to>
+                                    </p:set>
+                                  </p:childTnLst>
+                                </p:cTn>
+                              </p:par>
+                            </p:childTnLst>
+                          </p:cTn>
+                        </p:par>
+                      </p:childTnLst>
+                    </p:cTn>
+                  </p:par>
+                </p:childTnLst>
+              </p:cTn>
+              <p:prevCondLst>
+                <p:cond evt="onPrev" delay="0">
+                  <p:tgtEl>
+                    <p:sldTgt/>
+                  </p:tgtEl>
+                </p:cond>
+              </p:prevCondLst>
+              <p:nextCondLst>
+                <p:cond evt="onNext" delay="0">
+                  <p:tgtEl>
+                    <p:sldTgt/>
+                  </p:tgtEl>
+                </p:cond>
+              </p:nextCondLst>
+            </p:seq>
+          </p:childTnLst>
+        </p:cTn>
+      </p:par>
+    </p:tnLst>
+    <p:bldLst>
+      <p:bldP spid="125" grpId="0" animBg="1"/>
+      <p:bldP spid="126" grpId="0" animBg="1"/>
+    </p:bldLst>
+  </p:timing>
+</p:sld>
+</file>
+
 <file path=ppt/theme/theme1.xml><?xml version="1.0" encoding="utf-8"?>
 <a:theme xmlns:a="http://schemas.openxmlformats.org/drawingml/2006/main" name="Office 테마">
   <a:themeElements>

--- a/Carrot AND Stick.pptx
+++ b/Carrot AND Stick.pptx
@@ -260,7 +260,7 @@
           <a:p>
             <a:fld id="{8B9F15C9-92B9-4E75-9419-66BA160F044F}" type="datetimeFigureOut">
               <a:rPr lang="ko-KR" altLang="en-US" smtClean="0"/>
-              <a:t>2016-12-12</a:t>
+              <a:t>2016-12-18</a:t>
             </a:fld>
             <a:endParaRPr lang="ko-KR" altLang="en-US"/>
           </a:p>
@@ -428,7 +428,7 @@
           <a:p>
             <a:fld id="{8B9F15C9-92B9-4E75-9419-66BA160F044F}" type="datetimeFigureOut">
               <a:rPr lang="ko-KR" altLang="en-US" smtClean="0"/>
-              <a:t>2016-12-12</a:t>
+              <a:t>2016-12-18</a:t>
             </a:fld>
             <a:endParaRPr lang="ko-KR" altLang="en-US"/>
           </a:p>
@@ -606,7 +606,7 @@
           <a:p>
             <a:fld id="{8B9F15C9-92B9-4E75-9419-66BA160F044F}" type="datetimeFigureOut">
               <a:rPr lang="ko-KR" altLang="en-US" smtClean="0"/>
-              <a:t>2016-12-12</a:t>
+              <a:t>2016-12-18</a:t>
             </a:fld>
             <a:endParaRPr lang="ko-KR" altLang="en-US"/>
           </a:p>
@@ -774,7 +774,7 @@
           <a:p>
             <a:fld id="{8B9F15C9-92B9-4E75-9419-66BA160F044F}" type="datetimeFigureOut">
               <a:rPr lang="ko-KR" altLang="en-US" smtClean="0"/>
-              <a:t>2016-12-12</a:t>
+              <a:t>2016-12-18</a:t>
             </a:fld>
             <a:endParaRPr lang="ko-KR" altLang="en-US"/>
           </a:p>
@@ -1019,7 +1019,7 @@
           <a:p>
             <a:fld id="{8B9F15C9-92B9-4E75-9419-66BA160F044F}" type="datetimeFigureOut">
               <a:rPr lang="ko-KR" altLang="en-US" smtClean="0"/>
-              <a:t>2016-12-12</a:t>
+              <a:t>2016-12-18</a:t>
             </a:fld>
             <a:endParaRPr lang="ko-KR" altLang="en-US"/>
           </a:p>
@@ -1248,7 +1248,7 @@
           <a:p>
             <a:fld id="{8B9F15C9-92B9-4E75-9419-66BA160F044F}" type="datetimeFigureOut">
               <a:rPr lang="ko-KR" altLang="en-US" smtClean="0"/>
-              <a:t>2016-12-12</a:t>
+              <a:t>2016-12-18</a:t>
             </a:fld>
             <a:endParaRPr lang="ko-KR" altLang="en-US"/>
           </a:p>
@@ -1612,7 +1612,7 @@
           <a:p>
             <a:fld id="{8B9F15C9-92B9-4E75-9419-66BA160F044F}" type="datetimeFigureOut">
               <a:rPr lang="ko-KR" altLang="en-US" smtClean="0"/>
-              <a:t>2016-12-12</a:t>
+              <a:t>2016-12-18</a:t>
             </a:fld>
             <a:endParaRPr lang="ko-KR" altLang="en-US"/>
           </a:p>
@@ -1729,7 +1729,7 @@
           <a:p>
             <a:fld id="{8B9F15C9-92B9-4E75-9419-66BA160F044F}" type="datetimeFigureOut">
               <a:rPr lang="ko-KR" altLang="en-US" smtClean="0"/>
-              <a:t>2016-12-12</a:t>
+              <a:t>2016-12-18</a:t>
             </a:fld>
             <a:endParaRPr lang="ko-KR" altLang="en-US"/>
           </a:p>
@@ -1824,7 +1824,7 @@
           <a:p>
             <a:fld id="{8B9F15C9-92B9-4E75-9419-66BA160F044F}" type="datetimeFigureOut">
               <a:rPr lang="ko-KR" altLang="en-US" smtClean="0"/>
-              <a:t>2016-12-12</a:t>
+              <a:t>2016-12-18</a:t>
             </a:fld>
             <a:endParaRPr lang="ko-KR" altLang="en-US"/>
           </a:p>
@@ -2099,7 +2099,7 @@
           <a:p>
             <a:fld id="{8B9F15C9-92B9-4E75-9419-66BA160F044F}" type="datetimeFigureOut">
               <a:rPr lang="ko-KR" altLang="en-US" smtClean="0"/>
-              <a:t>2016-12-12</a:t>
+              <a:t>2016-12-18</a:t>
             </a:fld>
             <a:endParaRPr lang="ko-KR" altLang="en-US"/>
           </a:p>
@@ -2351,7 +2351,7 @@
           <a:p>
             <a:fld id="{8B9F15C9-92B9-4E75-9419-66BA160F044F}" type="datetimeFigureOut">
               <a:rPr lang="ko-KR" altLang="en-US" smtClean="0"/>
-              <a:t>2016-12-12</a:t>
+              <a:t>2016-12-18</a:t>
             </a:fld>
             <a:endParaRPr lang="ko-KR" altLang="en-US"/>
           </a:p>
@@ -2562,7 +2562,7 @@
           <a:p>
             <a:fld id="{8B9F15C9-92B9-4E75-9419-66BA160F044F}" type="datetimeFigureOut">
               <a:rPr lang="ko-KR" altLang="en-US" smtClean="0"/>
-              <a:t>2016-12-12</a:t>
+              <a:t>2016-12-18</a:t>
             </a:fld>
             <a:endParaRPr lang="ko-KR" altLang="en-US"/>
           </a:p>
@@ -28553,7 +28553,7 @@
         </p:nvSpPr>
         <p:spPr>
           <a:xfrm>
-            <a:off x="3609090" y="487831"/>
+            <a:off x="3609090" y="151401"/>
             <a:ext cx="4973822" cy="1832878"/>
           </a:xfrm>
           <a:prstGeom prst="rect">
@@ -28716,7 +28716,7 @@
         </p:nvSpPr>
         <p:spPr>
           <a:xfrm>
-            <a:off x="4695644" y="612577"/>
+            <a:off x="4695644" y="276147"/>
             <a:ext cx="2800712" cy="338554"/>
           </a:xfrm>
           <a:prstGeom prst="rect">
@@ -28863,7 +28863,7 @@
         </p:nvSpPr>
         <p:spPr>
           <a:xfrm rot="5400000">
-            <a:off x="5757732" y="2526258"/>
+            <a:off x="5757732" y="2189828"/>
             <a:ext cx="676534" cy="410971"/>
           </a:xfrm>
           <a:prstGeom prst="stripedRightArrow">
@@ -28931,8 +28931,8 @@
         </p:nvGrpSpPr>
         <p:grpSpPr>
           <a:xfrm>
-            <a:off x="4011832" y="3141687"/>
-            <a:ext cx="4168337" cy="3227391"/>
+            <a:off x="4011832" y="2805257"/>
+            <a:ext cx="4168337" cy="3897468"/>
             <a:chOff x="4011831" y="2681703"/>
             <a:chExt cx="4168337" cy="3227391"/>
           </a:xfrm>
@@ -29256,8 +29256,8 @@
         </p:nvGrpSpPr>
         <p:grpSpPr>
           <a:xfrm>
-            <a:off x="299050" y="3142778"/>
-            <a:ext cx="2461404" cy="3227391"/>
+            <a:off x="299050" y="2806348"/>
+            <a:ext cx="2461404" cy="3897468"/>
             <a:chOff x="720924" y="2681703"/>
             <a:chExt cx="2461404" cy="3227391"/>
           </a:xfrm>
@@ -29581,8 +29581,8 @@
         </p:nvGrpSpPr>
         <p:grpSpPr>
           <a:xfrm>
-            <a:off x="9431547" y="3142778"/>
-            <a:ext cx="2461404" cy="3227391"/>
+            <a:off x="9431547" y="2806348"/>
+            <a:ext cx="2461404" cy="3897468"/>
             <a:chOff x="8982565" y="2681703"/>
             <a:chExt cx="2461404" cy="3227391"/>
           </a:xfrm>
@@ -29906,7 +29906,7 @@
         </p:nvGrpSpPr>
         <p:grpSpPr>
           <a:xfrm>
-            <a:off x="3677405" y="951131"/>
+            <a:off x="3677405" y="614701"/>
             <a:ext cx="1204345" cy="1296989"/>
             <a:chOff x="3677405" y="951131"/>
             <a:chExt cx="1204345" cy="1296989"/>
@@ -30493,7 +30493,7 @@
         </p:nvGrpSpPr>
         <p:grpSpPr>
           <a:xfrm>
-            <a:off x="6235916" y="1251032"/>
+            <a:off x="6235916" y="914602"/>
             <a:ext cx="1204345" cy="997088"/>
             <a:chOff x="6123876" y="1251032"/>
             <a:chExt cx="1204345" cy="997088"/>
@@ -30937,7 +30937,7 @@
         </p:nvGrpSpPr>
         <p:grpSpPr>
           <a:xfrm>
-            <a:off x="4956661" y="1251032"/>
+            <a:off x="4956661" y="914602"/>
             <a:ext cx="1204345" cy="997088"/>
             <a:chOff x="4891655" y="1251032"/>
             <a:chExt cx="1204345" cy="997088"/>
@@ -31387,7 +31387,7 @@
         </p:nvGrpSpPr>
         <p:grpSpPr>
           <a:xfrm>
-            <a:off x="7438052" y="1585230"/>
+            <a:off x="7438052" y="1248800"/>
             <a:ext cx="1170046" cy="662890"/>
             <a:chOff x="3609883" y="1394315"/>
             <a:chExt cx="1170046" cy="662890"/>
@@ -31673,7 +31673,7 @@
         </p:nvSpPr>
         <p:spPr>
           <a:xfrm>
-            <a:off x="4069429" y="3679844"/>
+            <a:off x="4069429" y="3343414"/>
             <a:ext cx="2232056" cy="215444"/>
           </a:xfrm>
           <a:prstGeom prst="rect">
@@ -31808,7 +31808,7 @@
         </p:nvGrpSpPr>
         <p:grpSpPr>
           <a:xfrm>
-            <a:off x="4081802" y="4008549"/>
+            <a:off x="4081802" y="3672119"/>
             <a:ext cx="2014198" cy="246221"/>
             <a:chOff x="4081802" y="3747405"/>
             <a:chExt cx="2014198" cy="246221"/>
@@ -32094,7 +32094,7 @@
         </p:nvGrpSpPr>
         <p:grpSpPr>
           <a:xfrm>
-            <a:off x="357187" y="3862217"/>
+            <a:off x="357187" y="3525787"/>
             <a:ext cx="2320653" cy="246221"/>
             <a:chOff x="1209970" y="3940204"/>
             <a:chExt cx="2281790" cy="246221"/>
@@ -32380,7 +32380,7 @@
         </p:nvCxnSpPr>
         <p:spPr>
           <a:xfrm flipH="1">
-            <a:off x="2760454" y="3776663"/>
+            <a:off x="2760454" y="3440233"/>
             <a:ext cx="1243749" cy="133177"/>
           </a:xfrm>
           <a:prstGeom prst="straightConnector1">
@@ -32419,7 +32419,7 @@
         </p:nvCxnSpPr>
         <p:spPr>
           <a:xfrm>
-            <a:off x="2760454" y="4057653"/>
+            <a:off x="2760454" y="3721223"/>
             <a:ext cx="1243749" cy="0"/>
           </a:xfrm>
           <a:prstGeom prst="straightConnector1">
@@ -32455,7 +32455,7 @@
         </p:nvCxnSpPr>
         <p:spPr>
           <a:xfrm flipH="1" flipV="1">
-            <a:off x="2760454" y="4207728"/>
+            <a:off x="2760454" y="3871298"/>
             <a:ext cx="1251378" cy="1"/>
           </a:xfrm>
           <a:prstGeom prst="straightConnector1">
@@ -32492,7 +32492,7 @@
         </p:nvGrpSpPr>
         <p:grpSpPr>
           <a:xfrm>
-            <a:off x="4074174" y="5639658"/>
+            <a:off x="4074174" y="6065478"/>
             <a:ext cx="2021826" cy="246221"/>
             <a:chOff x="4081802" y="3747405"/>
             <a:chExt cx="2021826" cy="246221"/>
@@ -32778,7 +32778,7 @@
         </p:nvGrpSpPr>
         <p:grpSpPr>
           <a:xfrm>
-            <a:off x="357187" y="5786986"/>
+            <a:off x="357187" y="6212806"/>
             <a:ext cx="2320653" cy="246221"/>
             <a:chOff x="1209970" y="3940204"/>
             <a:chExt cx="2281790" cy="246221"/>
@@ -33064,7 +33064,7 @@
         </p:nvCxnSpPr>
         <p:spPr>
           <a:xfrm flipH="1" flipV="1">
-            <a:off x="2759021" y="5835720"/>
+            <a:off x="2759021" y="6261540"/>
             <a:ext cx="1251378" cy="1"/>
           </a:xfrm>
           <a:prstGeom prst="straightConnector1">
@@ -33101,7 +33101,7 @@
         </p:nvCxnSpPr>
         <p:spPr>
           <a:xfrm>
-            <a:off x="2763321" y="5984791"/>
+            <a:off x="2763321" y="6410611"/>
             <a:ext cx="1243749" cy="0"/>
           </a:xfrm>
           <a:prstGeom prst="straightConnector1">
@@ -33137,7 +33137,7 @@
         </p:nvGrpSpPr>
         <p:grpSpPr>
           <a:xfrm>
-            <a:off x="5770348" y="4414946"/>
+            <a:off x="5770348" y="4078516"/>
             <a:ext cx="651884" cy="987596"/>
             <a:chOff x="5925020" y="4383822"/>
             <a:chExt cx="794154" cy="694755"/>
@@ -33364,7 +33364,7 @@
         </p:nvSpPr>
         <p:spPr>
           <a:xfrm>
-            <a:off x="2823797" y="4646310"/>
+            <a:off x="2823797" y="4335758"/>
             <a:ext cx="1110028" cy="215444"/>
           </a:xfrm>
           <a:prstGeom prst="rect">
@@ -33499,7 +33499,7 @@
         </p:nvCxnSpPr>
         <p:spPr>
           <a:xfrm flipH="1" flipV="1">
-            <a:off x="2761456" y="4816288"/>
+            <a:off x="2761456" y="4505736"/>
             <a:ext cx="1251378" cy="1"/>
           </a:xfrm>
           <a:prstGeom prst="straightConnector1">
@@ -33536,7 +33536,7 @@
         </p:nvGrpSpPr>
         <p:grpSpPr>
           <a:xfrm>
-            <a:off x="4081802" y="4618508"/>
+            <a:off x="4081802" y="4307956"/>
             <a:ext cx="2014198" cy="246221"/>
             <a:chOff x="4081802" y="3747405"/>
             <a:chExt cx="2014198" cy="246221"/>
@@ -33822,7 +33822,7 @@
         </p:nvSpPr>
         <p:spPr>
           <a:xfrm>
-            <a:off x="2823797" y="5055887"/>
+            <a:off x="2823797" y="4641823"/>
             <a:ext cx="1110028" cy="215444"/>
           </a:xfrm>
           <a:prstGeom prst="rect">
@@ -33957,7 +33957,7 @@
         </p:nvCxnSpPr>
         <p:spPr>
           <a:xfrm flipH="1" flipV="1">
-            <a:off x="2761456" y="5225865"/>
+            <a:off x="2761456" y="4811801"/>
             <a:ext cx="1251378" cy="1"/>
           </a:xfrm>
           <a:prstGeom prst="straightConnector1">
@@ -33994,7 +33994,7 @@
         </p:nvGrpSpPr>
         <p:grpSpPr>
           <a:xfrm>
-            <a:off x="4081802" y="5028085"/>
+            <a:off x="4081802" y="4614021"/>
             <a:ext cx="2014198" cy="246221"/>
             <a:chOff x="4081802" y="3747405"/>
             <a:chExt cx="2014198" cy="246221"/>
@@ -34280,7 +34280,7 @@
         </p:nvSpPr>
         <p:spPr>
           <a:xfrm rot="10800000">
-            <a:off x="5444116" y="4657335"/>
+            <a:off x="5444116" y="4346783"/>
             <a:ext cx="314487" cy="168471"/>
           </a:xfrm>
           <a:prstGeom prst="stripedRightArrow">
@@ -34347,7 +34347,7 @@
         </p:nvSpPr>
         <p:spPr>
           <a:xfrm rot="10800000">
-            <a:off x="5444116" y="5065049"/>
+            <a:off x="5444116" y="4650985"/>
             <a:ext cx="314487" cy="168471"/>
           </a:xfrm>
           <a:prstGeom prst="stripedRightArrow">
@@ -34414,7 +34414,7 @@
         </p:nvSpPr>
         <p:spPr>
           <a:xfrm>
-            <a:off x="4069429" y="5906685"/>
+            <a:off x="4069429" y="6332505"/>
             <a:ext cx="2026571" cy="215444"/>
           </a:xfrm>
           <a:prstGeom prst="rect">
@@ -34549,7 +34549,7 @@
         </p:nvGrpSpPr>
         <p:grpSpPr>
           <a:xfrm>
-            <a:off x="6096000" y="4003730"/>
+            <a:off x="6096000" y="3667300"/>
             <a:ext cx="2000024" cy="246221"/>
             <a:chOff x="6096000" y="3747405"/>
             <a:chExt cx="2000024" cy="246221"/>
@@ -34835,7 +34835,7 @@
         </p:nvSpPr>
         <p:spPr>
           <a:xfrm>
-            <a:off x="6096000" y="3679380"/>
+            <a:off x="6096000" y="3342950"/>
             <a:ext cx="2000024" cy="215444"/>
           </a:xfrm>
           <a:prstGeom prst="rect">
@@ -34970,7 +34970,7 @@
         </p:nvCxnSpPr>
         <p:spPr>
           <a:xfrm>
-            <a:off x="8172967" y="3776663"/>
+            <a:off x="8172967" y="3440233"/>
             <a:ext cx="1258580" cy="135678"/>
           </a:xfrm>
           <a:prstGeom prst="straightConnector1">
@@ -35009,7 +35009,7 @@
         </p:nvCxnSpPr>
         <p:spPr>
           <a:xfrm flipH="1">
-            <a:off x="8180640" y="4060154"/>
+            <a:off x="8180640" y="3723724"/>
             <a:ext cx="1250907" cy="0"/>
           </a:xfrm>
           <a:prstGeom prst="straightConnector1">
@@ -35045,7 +35045,7 @@
         </p:nvCxnSpPr>
         <p:spPr>
           <a:xfrm flipV="1">
-            <a:off x="8172967" y="4210229"/>
+            <a:off x="8172967" y="3873799"/>
             <a:ext cx="1258580" cy="1"/>
           </a:xfrm>
           <a:prstGeom prst="straightConnector1">
@@ -35082,7 +35082,7 @@
         </p:nvGrpSpPr>
         <p:grpSpPr>
           <a:xfrm>
-            <a:off x="9508490" y="3865641"/>
+            <a:off x="9508490" y="3529211"/>
             <a:ext cx="2014198" cy="246221"/>
             <a:chOff x="4081802" y="3747405"/>
             <a:chExt cx="2014198" cy="246221"/>
@@ -35368,7 +35368,7 @@
         </p:nvGrpSpPr>
         <p:grpSpPr>
           <a:xfrm>
-            <a:off x="6096000" y="5633803"/>
+            <a:off x="6096000" y="6059623"/>
             <a:ext cx="2000024" cy="246221"/>
             <a:chOff x="6096000" y="3747405"/>
             <a:chExt cx="2000024" cy="246221"/>
@@ -35654,7 +35654,7 @@
         </p:nvSpPr>
         <p:spPr>
           <a:xfrm>
-            <a:off x="6096000" y="5906685"/>
+            <a:off x="6096000" y="6332505"/>
             <a:ext cx="2000024" cy="215444"/>
           </a:xfrm>
           <a:prstGeom prst="rect">
@@ -35789,7 +35789,7 @@
         </p:nvGrpSpPr>
         <p:grpSpPr>
           <a:xfrm>
-            <a:off x="9508490" y="5783574"/>
+            <a:off x="9508490" y="6209394"/>
             <a:ext cx="2014198" cy="246221"/>
             <a:chOff x="4081802" y="3747405"/>
             <a:chExt cx="2014198" cy="246221"/>
@@ -36075,7 +36075,7 @@
         </p:nvGrpSpPr>
         <p:grpSpPr>
           <a:xfrm flipH="1">
-            <a:off x="8171396" y="5838532"/>
+            <a:off x="8171396" y="6264352"/>
             <a:ext cx="1259680" cy="149071"/>
             <a:chOff x="8185072" y="5838532"/>
             <a:chExt cx="1251378" cy="149071"/>
@@ -36163,7 +36163,7 @@
         </p:nvSpPr>
         <p:spPr>
           <a:xfrm>
-            <a:off x="8236903" y="5984791"/>
+            <a:off x="8236903" y="6410611"/>
             <a:ext cx="1110028" cy="215444"/>
           </a:xfrm>
           <a:prstGeom prst="rect">
@@ -36290,6 +36290,1632 @@
           </a:p>
         </p:txBody>
       </p:sp>
+      <p:sp>
+        <p:nvSpPr>
+          <p:cNvPr id="105" name="TextBox 52"/>
+          <p:cNvSpPr txBox="1"/>
+          <p:nvPr/>
+        </p:nvSpPr>
+        <p:spPr>
+          <a:xfrm>
+            <a:off x="2823797" y="5397971"/>
+            <a:ext cx="1110028" cy="215444"/>
+          </a:xfrm>
+          <a:prstGeom prst="rect">
+            <a:avLst/>
+          </a:prstGeom>
+          <a:noFill/>
+        </p:spPr>
+        <p:txBody>
+          <a:bodyPr wrap="square" rtlCol="0">
+            <a:spAutoFit/>
+          </a:bodyPr>
+          <a:lstStyle>
+            <a:defPPr>
+              <a:defRPr lang="ko-KR"/>
+            </a:defPPr>
+            <a:lvl1pPr marL="0" algn="l" defTabSz="914400" rtl="0" eaLnBrk="1" latinLnBrk="1" hangingPunct="1">
+              <a:defRPr sz="1800" kern="1200">
+                <a:solidFill>
+                  <a:schemeClr val="tx1"/>
+                </a:solidFill>
+                <a:latin typeface="+mn-lt"/>
+                <a:ea typeface="+mn-ea"/>
+                <a:cs typeface="+mn-cs"/>
+              </a:defRPr>
+            </a:lvl1pPr>
+            <a:lvl2pPr marL="457200" algn="l" defTabSz="914400" rtl="0" eaLnBrk="1" latinLnBrk="1" hangingPunct="1">
+              <a:defRPr sz="1800" kern="1200">
+                <a:solidFill>
+                  <a:schemeClr val="tx1"/>
+                </a:solidFill>
+                <a:latin typeface="+mn-lt"/>
+                <a:ea typeface="+mn-ea"/>
+                <a:cs typeface="+mn-cs"/>
+              </a:defRPr>
+            </a:lvl2pPr>
+            <a:lvl3pPr marL="914400" algn="l" defTabSz="914400" rtl="0" eaLnBrk="1" latinLnBrk="1" hangingPunct="1">
+              <a:defRPr sz="1800" kern="1200">
+                <a:solidFill>
+                  <a:schemeClr val="tx1"/>
+                </a:solidFill>
+                <a:latin typeface="+mn-lt"/>
+                <a:ea typeface="+mn-ea"/>
+                <a:cs typeface="+mn-cs"/>
+              </a:defRPr>
+            </a:lvl3pPr>
+            <a:lvl4pPr marL="1371600" algn="l" defTabSz="914400" rtl="0" eaLnBrk="1" latinLnBrk="1" hangingPunct="1">
+              <a:defRPr sz="1800" kern="1200">
+                <a:solidFill>
+                  <a:schemeClr val="tx1"/>
+                </a:solidFill>
+                <a:latin typeface="+mn-lt"/>
+                <a:ea typeface="+mn-ea"/>
+                <a:cs typeface="+mn-cs"/>
+              </a:defRPr>
+            </a:lvl4pPr>
+            <a:lvl5pPr marL="1828800" algn="l" defTabSz="914400" rtl="0" eaLnBrk="1" latinLnBrk="1" hangingPunct="1">
+              <a:defRPr sz="1800" kern="1200">
+                <a:solidFill>
+                  <a:schemeClr val="tx1"/>
+                </a:solidFill>
+                <a:latin typeface="+mn-lt"/>
+                <a:ea typeface="+mn-ea"/>
+                <a:cs typeface="+mn-cs"/>
+              </a:defRPr>
+            </a:lvl5pPr>
+            <a:lvl6pPr marL="2286000" algn="l" defTabSz="914400" rtl="0" eaLnBrk="1" latinLnBrk="1" hangingPunct="1">
+              <a:defRPr sz="1800" kern="1200">
+                <a:solidFill>
+                  <a:schemeClr val="tx1"/>
+                </a:solidFill>
+                <a:latin typeface="+mn-lt"/>
+                <a:ea typeface="+mn-ea"/>
+                <a:cs typeface="+mn-cs"/>
+              </a:defRPr>
+            </a:lvl6pPr>
+            <a:lvl7pPr marL="2743200" algn="l" defTabSz="914400" rtl="0" eaLnBrk="1" latinLnBrk="1" hangingPunct="1">
+              <a:defRPr sz="1800" kern="1200">
+                <a:solidFill>
+                  <a:schemeClr val="tx1"/>
+                </a:solidFill>
+                <a:latin typeface="+mn-lt"/>
+                <a:ea typeface="+mn-ea"/>
+                <a:cs typeface="+mn-cs"/>
+              </a:defRPr>
+            </a:lvl7pPr>
+            <a:lvl8pPr marL="3200400" algn="l" defTabSz="914400" rtl="0" eaLnBrk="1" latinLnBrk="1" hangingPunct="1">
+              <a:defRPr sz="1800" kern="1200">
+                <a:solidFill>
+                  <a:schemeClr val="tx1"/>
+                </a:solidFill>
+                <a:latin typeface="+mn-lt"/>
+                <a:ea typeface="+mn-ea"/>
+                <a:cs typeface="+mn-cs"/>
+              </a:defRPr>
+            </a:lvl8pPr>
+            <a:lvl9pPr marL="3657600" algn="l" defTabSz="914400" rtl="0" eaLnBrk="1" latinLnBrk="1" hangingPunct="1">
+              <a:defRPr sz="1800" kern="1200">
+                <a:solidFill>
+                  <a:schemeClr val="tx1"/>
+                </a:solidFill>
+                <a:latin typeface="+mn-lt"/>
+                <a:ea typeface="+mn-ea"/>
+                <a:cs typeface="+mn-cs"/>
+              </a:defRPr>
+            </a:lvl9pPr>
+          </a:lstStyle>
+          <a:p>
+            <a:pPr marL="177800" indent="-177800" algn="ctr">
+              <a:lnSpc>
+                <a:spcPct val="80000"/>
+              </a:lnSpc>
+            </a:pPr>
+            <a:r>
+              <a:rPr lang="en-US" altLang="ko-KR" sz="1000" b="1" spc="-20" dirty="0">
+                <a:latin typeface="나눔고딕" pitchFamily="50" charset="-127"/>
+                <a:ea typeface="나눔고딕" pitchFamily="50" charset="-127"/>
+              </a:rPr>
+              <a:t>+ </a:t>
+            </a:r>
+            <a:r>
+              <a:rPr lang="en-US" altLang="ko-KR" sz="1000" b="1" dirty="0">
+                <a:latin typeface="나눔고딕" pitchFamily="50" charset="-127"/>
+                <a:ea typeface="나눔고딕" pitchFamily="50" charset="-127"/>
+              </a:rPr>
+              <a:t>call number</a:t>
+            </a:r>
+            <a:endParaRPr lang="en-US" altLang="ko-KR" sz="1000" dirty="0">
+              <a:latin typeface="나눔고딕" pitchFamily="50" charset="-127"/>
+              <a:ea typeface="나눔고딕" pitchFamily="50" charset="-127"/>
+            </a:endParaRPr>
+          </a:p>
+        </p:txBody>
+      </p:sp>
+      <p:cxnSp>
+        <p:nvCxnSpPr>
+          <p:cNvPr id="108" name="직선 화살표 연결선 107"/>
+          <p:cNvCxnSpPr/>
+          <p:nvPr/>
+        </p:nvCxnSpPr>
+        <p:spPr>
+          <a:xfrm flipH="1" flipV="1">
+            <a:off x="2761456" y="5567949"/>
+            <a:ext cx="1251378" cy="1"/>
+          </a:xfrm>
+          <a:prstGeom prst="straightConnector1">
+            <a:avLst/>
+          </a:prstGeom>
+          <a:ln w="31750">
+            <a:solidFill>
+              <a:schemeClr val="tx1"/>
+            </a:solidFill>
+            <a:prstDash val="solid"/>
+            <a:tailEnd type="triangle"/>
+          </a:ln>
+        </p:spPr>
+        <p:style>
+          <a:lnRef idx="1">
+            <a:schemeClr val="accent1"/>
+          </a:lnRef>
+          <a:fillRef idx="0">
+            <a:schemeClr val="accent1"/>
+          </a:fillRef>
+          <a:effectRef idx="0">
+            <a:schemeClr val="accent1"/>
+          </a:effectRef>
+          <a:fontRef idx="minor">
+            <a:schemeClr val="tx1"/>
+          </a:fontRef>
+        </p:style>
+      </p:cxnSp>
+      <p:grpSp>
+        <p:nvGrpSpPr>
+          <p:cNvPr id="118" name="그룹 117"/>
+          <p:cNvGrpSpPr/>
+          <p:nvPr/>
+        </p:nvGrpSpPr>
+        <p:grpSpPr>
+          <a:xfrm>
+            <a:off x="4081802" y="5370169"/>
+            <a:ext cx="2014198" cy="246221"/>
+            <a:chOff x="4081802" y="3747405"/>
+            <a:chExt cx="2014198" cy="246221"/>
+          </a:xfrm>
+        </p:grpSpPr>
+        <p:sp>
+          <p:nvSpPr>
+            <p:cNvPr id="119" name="TextBox 43"/>
+            <p:cNvSpPr txBox="1"/>
+            <p:nvPr/>
+          </p:nvSpPr>
+          <p:spPr>
+            <a:xfrm>
+              <a:off x="4081802" y="3747405"/>
+              <a:ext cx="425423" cy="246221"/>
+            </a:xfrm>
+            <a:prstGeom prst="rect">
+              <a:avLst/>
+            </a:prstGeom>
+            <a:solidFill>
+              <a:schemeClr val="bg2">
+                <a:lumMod val="10000"/>
+                <a:alpha val="36078"/>
+              </a:schemeClr>
+            </a:solidFill>
+          </p:spPr>
+          <p:txBody>
+            <a:bodyPr wrap="square" rtlCol="0">
+              <a:spAutoFit/>
+            </a:bodyPr>
+            <a:lstStyle>
+              <a:defPPr>
+                <a:defRPr lang="ko-KR"/>
+              </a:defPPr>
+              <a:lvl1pPr marL="0" algn="l" defTabSz="914400" rtl="0" eaLnBrk="1" latinLnBrk="1" hangingPunct="1">
+                <a:defRPr sz="1800" kern="1200">
+                  <a:solidFill>
+                    <a:schemeClr val="tx1"/>
+                  </a:solidFill>
+                  <a:latin typeface="+mn-lt"/>
+                  <a:ea typeface="+mn-ea"/>
+                  <a:cs typeface="+mn-cs"/>
+                </a:defRPr>
+              </a:lvl1pPr>
+              <a:lvl2pPr marL="457200" algn="l" defTabSz="914400" rtl="0" eaLnBrk="1" latinLnBrk="1" hangingPunct="1">
+                <a:defRPr sz="1800" kern="1200">
+                  <a:solidFill>
+                    <a:schemeClr val="tx1"/>
+                  </a:solidFill>
+                  <a:latin typeface="+mn-lt"/>
+                  <a:ea typeface="+mn-ea"/>
+                  <a:cs typeface="+mn-cs"/>
+                </a:defRPr>
+              </a:lvl2pPr>
+              <a:lvl3pPr marL="914400" algn="l" defTabSz="914400" rtl="0" eaLnBrk="1" latinLnBrk="1" hangingPunct="1">
+                <a:defRPr sz="1800" kern="1200">
+                  <a:solidFill>
+                    <a:schemeClr val="tx1"/>
+                  </a:solidFill>
+                  <a:latin typeface="+mn-lt"/>
+                  <a:ea typeface="+mn-ea"/>
+                  <a:cs typeface="+mn-cs"/>
+                </a:defRPr>
+              </a:lvl3pPr>
+              <a:lvl4pPr marL="1371600" algn="l" defTabSz="914400" rtl="0" eaLnBrk="1" latinLnBrk="1" hangingPunct="1">
+                <a:defRPr sz="1800" kern="1200">
+                  <a:solidFill>
+                    <a:schemeClr val="tx1"/>
+                  </a:solidFill>
+                  <a:latin typeface="+mn-lt"/>
+                  <a:ea typeface="+mn-ea"/>
+                  <a:cs typeface="+mn-cs"/>
+                </a:defRPr>
+              </a:lvl4pPr>
+              <a:lvl5pPr marL="1828800" algn="l" defTabSz="914400" rtl="0" eaLnBrk="1" latinLnBrk="1" hangingPunct="1">
+                <a:defRPr sz="1800" kern="1200">
+                  <a:solidFill>
+                    <a:schemeClr val="tx1"/>
+                  </a:solidFill>
+                  <a:latin typeface="+mn-lt"/>
+                  <a:ea typeface="+mn-ea"/>
+                  <a:cs typeface="+mn-cs"/>
+                </a:defRPr>
+              </a:lvl5pPr>
+              <a:lvl6pPr marL="2286000" algn="l" defTabSz="914400" rtl="0" eaLnBrk="1" latinLnBrk="1" hangingPunct="1">
+                <a:defRPr sz="1800" kern="1200">
+                  <a:solidFill>
+                    <a:schemeClr val="tx1"/>
+                  </a:solidFill>
+                  <a:latin typeface="+mn-lt"/>
+                  <a:ea typeface="+mn-ea"/>
+                  <a:cs typeface="+mn-cs"/>
+                </a:defRPr>
+              </a:lvl6pPr>
+              <a:lvl7pPr marL="2743200" algn="l" defTabSz="914400" rtl="0" eaLnBrk="1" latinLnBrk="1" hangingPunct="1">
+                <a:defRPr sz="1800" kern="1200">
+                  <a:solidFill>
+                    <a:schemeClr val="tx1"/>
+                  </a:solidFill>
+                  <a:latin typeface="+mn-lt"/>
+                  <a:ea typeface="+mn-ea"/>
+                  <a:cs typeface="+mn-cs"/>
+                </a:defRPr>
+              </a:lvl7pPr>
+              <a:lvl8pPr marL="3200400" algn="l" defTabSz="914400" rtl="0" eaLnBrk="1" latinLnBrk="1" hangingPunct="1">
+                <a:defRPr sz="1800" kern="1200">
+                  <a:solidFill>
+                    <a:schemeClr val="tx1"/>
+                  </a:solidFill>
+                  <a:latin typeface="+mn-lt"/>
+                  <a:ea typeface="+mn-ea"/>
+                  <a:cs typeface="+mn-cs"/>
+                </a:defRPr>
+              </a:lvl8pPr>
+              <a:lvl9pPr marL="3657600" algn="l" defTabSz="914400" rtl="0" eaLnBrk="1" latinLnBrk="1" hangingPunct="1">
+                <a:defRPr sz="1800" kern="1200">
+                  <a:solidFill>
+                    <a:schemeClr val="tx1"/>
+                  </a:solidFill>
+                  <a:latin typeface="+mn-lt"/>
+                  <a:ea typeface="+mn-ea"/>
+                  <a:cs typeface="+mn-cs"/>
+                </a:defRPr>
+              </a:lvl9pPr>
+            </a:lstStyle>
+            <a:p>
+              <a:pPr marL="177800" indent="-177800" algn="ctr"/>
+              <a:r>
+                <a:rPr lang="en-US" altLang="ko-KR" sz="1000" b="1" dirty="0">
+                  <a:latin typeface="나눔고딕" pitchFamily="50" charset="-127"/>
+                  <a:ea typeface="나눔고딕" pitchFamily="50" charset="-127"/>
+                </a:rPr>
+                <a:t>152</a:t>
+              </a:r>
+              <a:endParaRPr lang="en-US" altLang="ko-KR" sz="1000" dirty="0">
+                <a:latin typeface="나눔고딕" pitchFamily="50" charset="-127"/>
+                <a:ea typeface="나눔고딕" pitchFamily="50" charset="-127"/>
+              </a:endParaRPr>
+            </a:p>
+          </p:txBody>
+        </p:sp>
+        <p:sp>
+          <p:nvSpPr>
+            <p:cNvPr id="120" name="TextBox 52"/>
+            <p:cNvSpPr txBox="1"/>
+            <p:nvPr/>
+          </p:nvSpPr>
+          <p:spPr>
+            <a:xfrm>
+              <a:off x="4507225" y="3775104"/>
+              <a:ext cx="1588775" cy="215444"/>
+            </a:xfrm>
+            <a:prstGeom prst="rect">
+              <a:avLst/>
+            </a:prstGeom>
+            <a:noFill/>
+          </p:spPr>
+          <p:txBody>
+            <a:bodyPr wrap="square" rtlCol="0" anchor="b">
+              <a:spAutoFit/>
+            </a:bodyPr>
+            <a:lstStyle>
+              <a:defPPr>
+                <a:defRPr lang="ko-KR"/>
+              </a:defPPr>
+              <a:lvl1pPr marL="0" algn="l" defTabSz="914400" rtl="0" eaLnBrk="1" latinLnBrk="1" hangingPunct="1">
+                <a:defRPr sz="1800" kern="1200">
+                  <a:solidFill>
+                    <a:schemeClr val="tx1"/>
+                  </a:solidFill>
+                  <a:latin typeface="+mn-lt"/>
+                  <a:ea typeface="+mn-ea"/>
+                  <a:cs typeface="+mn-cs"/>
+                </a:defRPr>
+              </a:lvl1pPr>
+              <a:lvl2pPr marL="457200" algn="l" defTabSz="914400" rtl="0" eaLnBrk="1" latinLnBrk="1" hangingPunct="1">
+                <a:defRPr sz="1800" kern="1200">
+                  <a:solidFill>
+                    <a:schemeClr val="tx1"/>
+                  </a:solidFill>
+                  <a:latin typeface="+mn-lt"/>
+                  <a:ea typeface="+mn-ea"/>
+                  <a:cs typeface="+mn-cs"/>
+                </a:defRPr>
+              </a:lvl2pPr>
+              <a:lvl3pPr marL="914400" algn="l" defTabSz="914400" rtl="0" eaLnBrk="1" latinLnBrk="1" hangingPunct="1">
+                <a:defRPr sz="1800" kern="1200">
+                  <a:solidFill>
+                    <a:schemeClr val="tx1"/>
+                  </a:solidFill>
+                  <a:latin typeface="+mn-lt"/>
+                  <a:ea typeface="+mn-ea"/>
+                  <a:cs typeface="+mn-cs"/>
+                </a:defRPr>
+              </a:lvl3pPr>
+              <a:lvl4pPr marL="1371600" algn="l" defTabSz="914400" rtl="0" eaLnBrk="1" latinLnBrk="1" hangingPunct="1">
+                <a:defRPr sz="1800" kern="1200">
+                  <a:solidFill>
+                    <a:schemeClr val="tx1"/>
+                  </a:solidFill>
+                  <a:latin typeface="+mn-lt"/>
+                  <a:ea typeface="+mn-ea"/>
+                  <a:cs typeface="+mn-cs"/>
+                </a:defRPr>
+              </a:lvl4pPr>
+              <a:lvl5pPr marL="1828800" algn="l" defTabSz="914400" rtl="0" eaLnBrk="1" latinLnBrk="1" hangingPunct="1">
+                <a:defRPr sz="1800" kern="1200">
+                  <a:solidFill>
+                    <a:schemeClr val="tx1"/>
+                  </a:solidFill>
+                  <a:latin typeface="+mn-lt"/>
+                  <a:ea typeface="+mn-ea"/>
+                  <a:cs typeface="+mn-cs"/>
+                </a:defRPr>
+              </a:lvl5pPr>
+              <a:lvl6pPr marL="2286000" algn="l" defTabSz="914400" rtl="0" eaLnBrk="1" latinLnBrk="1" hangingPunct="1">
+                <a:defRPr sz="1800" kern="1200">
+                  <a:solidFill>
+                    <a:schemeClr val="tx1"/>
+                  </a:solidFill>
+                  <a:latin typeface="+mn-lt"/>
+                  <a:ea typeface="+mn-ea"/>
+                  <a:cs typeface="+mn-cs"/>
+                </a:defRPr>
+              </a:lvl6pPr>
+              <a:lvl7pPr marL="2743200" algn="l" defTabSz="914400" rtl="0" eaLnBrk="1" latinLnBrk="1" hangingPunct="1">
+                <a:defRPr sz="1800" kern="1200">
+                  <a:solidFill>
+                    <a:schemeClr val="tx1"/>
+                  </a:solidFill>
+                  <a:latin typeface="+mn-lt"/>
+                  <a:ea typeface="+mn-ea"/>
+                  <a:cs typeface="+mn-cs"/>
+                </a:defRPr>
+              </a:lvl7pPr>
+              <a:lvl8pPr marL="3200400" algn="l" defTabSz="914400" rtl="0" eaLnBrk="1" latinLnBrk="1" hangingPunct="1">
+                <a:defRPr sz="1800" kern="1200">
+                  <a:solidFill>
+                    <a:schemeClr val="tx1"/>
+                  </a:solidFill>
+                  <a:latin typeface="+mn-lt"/>
+                  <a:ea typeface="+mn-ea"/>
+                  <a:cs typeface="+mn-cs"/>
+                </a:defRPr>
+              </a:lvl8pPr>
+              <a:lvl9pPr marL="3657600" algn="l" defTabSz="914400" rtl="0" eaLnBrk="1" latinLnBrk="1" hangingPunct="1">
+                <a:defRPr sz="1800" kern="1200">
+                  <a:solidFill>
+                    <a:schemeClr val="tx1"/>
+                  </a:solidFill>
+                  <a:latin typeface="+mn-lt"/>
+                  <a:ea typeface="+mn-ea"/>
+                  <a:cs typeface="+mn-cs"/>
+                </a:defRPr>
+              </a:lvl9pPr>
+            </a:lstStyle>
+            <a:p>
+              <a:pPr marL="177800" indent="-177800">
+                <a:lnSpc>
+                  <a:spcPct val="80000"/>
+                </a:lnSpc>
+              </a:pPr>
+              <a:r>
+                <a:rPr lang="en-US" altLang="ko-KR" sz="1000" b="1" spc="-20" dirty="0">
+                  <a:latin typeface="나눔고딕" pitchFamily="50" charset="-127"/>
+                  <a:ea typeface="나눔고딕" pitchFamily="50" charset="-127"/>
+                </a:rPr>
+                <a:t>alert OUTGOING CALL</a:t>
+              </a:r>
+              <a:endParaRPr lang="en-US" altLang="ko-KR" sz="1000" spc="-20" dirty="0">
+                <a:latin typeface="나눔고딕" pitchFamily="50" charset="-127"/>
+                <a:ea typeface="나눔고딕" pitchFamily="50" charset="-127"/>
+              </a:endParaRPr>
+            </a:p>
+          </p:txBody>
+        </p:sp>
+      </p:grpSp>
+      <p:grpSp>
+        <p:nvGrpSpPr>
+          <p:cNvPr id="132" name="그룹 131"/>
+          <p:cNvGrpSpPr/>
+          <p:nvPr/>
+        </p:nvGrpSpPr>
+        <p:grpSpPr>
+          <a:xfrm>
+            <a:off x="6096000" y="5370169"/>
+            <a:ext cx="2000024" cy="246221"/>
+            <a:chOff x="6096000" y="3747405"/>
+            <a:chExt cx="2000024" cy="246221"/>
+          </a:xfrm>
+        </p:grpSpPr>
+        <p:sp>
+          <p:nvSpPr>
+            <p:cNvPr id="133" name="TextBox 43"/>
+            <p:cNvSpPr txBox="1"/>
+            <p:nvPr/>
+          </p:nvSpPr>
+          <p:spPr>
+            <a:xfrm>
+              <a:off x="7670601" y="3747405"/>
+              <a:ext cx="425423" cy="246221"/>
+            </a:xfrm>
+            <a:prstGeom prst="rect">
+              <a:avLst/>
+            </a:prstGeom>
+            <a:solidFill>
+              <a:schemeClr val="bg2">
+                <a:lumMod val="10000"/>
+                <a:alpha val="36078"/>
+              </a:schemeClr>
+            </a:solidFill>
+          </p:spPr>
+          <p:txBody>
+            <a:bodyPr wrap="square" rtlCol="0">
+              <a:spAutoFit/>
+            </a:bodyPr>
+            <a:lstStyle>
+              <a:defPPr>
+                <a:defRPr lang="ko-KR"/>
+              </a:defPPr>
+              <a:lvl1pPr marL="0" algn="l" defTabSz="914400" rtl="0" eaLnBrk="1" latinLnBrk="1" hangingPunct="1">
+                <a:defRPr sz="1800" kern="1200">
+                  <a:solidFill>
+                    <a:schemeClr val="tx1"/>
+                  </a:solidFill>
+                  <a:latin typeface="+mn-lt"/>
+                  <a:ea typeface="+mn-ea"/>
+                  <a:cs typeface="+mn-cs"/>
+                </a:defRPr>
+              </a:lvl1pPr>
+              <a:lvl2pPr marL="457200" algn="l" defTabSz="914400" rtl="0" eaLnBrk="1" latinLnBrk="1" hangingPunct="1">
+                <a:defRPr sz="1800" kern="1200">
+                  <a:solidFill>
+                    <a:schemeClr val="tx1"/>
+                  </a:solidFill>
+                  <a:latin typeface="+mn-lt"/>
+                  <a:ea typeface="+mn-ea"/>
+                  <a:cs typeface="+mn-cs"/>
+                </a:defRPr>
+              </a:lvl2pPr>
+              <a:lvl3pPr marL="914400" algn="l" defTabSz="914400" rtl="0" eaLnBrk="1" latinLnBrk="1" hangingPunct="1">
+                <a:defRPr sz="1800" kern="1200">
+                  <a:solidFill>
+                    <a:schemeClr val="tx1"/>
+                  </a:solidFill>
+                  <a:latin typeface="+mn-lt"/>
+                  <a:ea typeface="+mn-ea"/>
+                  <a:cs typeface="+mn-cs"/>
+                </a:defRPr>
+              </a:lvl3pPr>
+              <a:lvl4pPr marL="1371600" algn="l" defTabSz="914400" rtl="0" eaLnBrk="1" latinLnBrk="1" hangingPunct="1">
+                <a:defRPr sz="1800" kern="1200">
+                  <a:solidFill>
+                    <a:schemeClr val="tx1"/>
+                  </a:solidFill>
+                  <a:latin typeface="+mn-lt"/>
+                  <a:ea typeface="+mn-ea"/>
+                  <a:cs typeface="+mn-cs"/>
+                </a:defRPr>
+              </a:lvl4pPr>
+              <a:lvl5pPr marL="1828800" algn="l" defTabSz="914400" rtl="0" eaLnBrk="1" latinLnBrk="1" hangingPunct="1">
+                <a:defRPr sz="1800" kern="1200">
+                  <a:solidFill>
+                    <a:schemeClr val="tx1"/>
+                  </a:solidFill>
+                  <a:latin typeface="+mn-lt"/>
+                  <a:ea typeface="+mn-ea"/>
+                  <a:cs typeface="+mn-cs"/>
+                </a:defRPr>
+              </a:lvl5pPr>
+              <a:lvl6pPr marL="2286000" algn="l" defTabSz="914400" rtl="0" eaLnBrk="1" latinLnBrk="1" hangingPunct="1">
+                <a:defRPr sz="1800" kern="1200">
+                  <a:solidFill>
+                    <a:schemeClr val="tx1"/>
+                  </a:solidFill>
+                  <a:latin typeface="+mn-lt"/>
+                  <a:ea typeface="+mn-ea"/>
+                  <a:cs typeface="+mn-cs"/>
+                </a:defRPr>
+              </a:lvl6pPr>
+              <a:lvl7pPr marL="2743200" algn="l" defTabSz="914400" rtl="0" eaLnBrk="1" latinLnBrk="1" hangingPunct="1">
+                <a:defRPr sz="1800" kern="1200">
+                  <a:solidFill>
+                    <a:schemeClr val="tx1"/>
+                  </a:solidFill>
+                  <a:latin typeface="+mn-lt"/>
+                  <a:ea typeface="+mn-ea"/>
+                  <a:cs typeface="+mn-cs"/>
+                </a:defRPr>
+              </a:lvl7pPr>
+              <a:lvl8pPr marL="3200400" algn="l" defTabSz="914400" rtl="0" eaLnBrk="1" latinLnBrk="1" hangingPunct="1">
+                <a:defRPr sz="1800" kern="1200">
+                  <a:solidFill>
+                    <a:schemeClr val="tx1"/>
+                  </a:solidFill>
+                  <a:latin typeface="+mn-lt"/>
+                  <a:ea typeface="+mn-ea"/>
+                  <a:cs typeface="+mn-cs"/>
+                </a:defRPr>
+              </a:lvl8pPr>
+              <a:lvl9pPr marL="3657600" algn="l" defTabSz="914400" rtl="0" eaLnBrk="1" latinLnBrk="1" hangingPunct="1">
+                <a:defRPr sz="1800" kern="1200">
+                  <a:solidFill>
+                    <a:schemeClr val="tx1"/>
+                  </a:solidFill>
+                  <a:latin typeface="+mn-lt"/>
+                  <a:ea typeface="+mn-ea"/>
+                  <a:cs typeface="+mn-cs"/>
+                </a:defRPr>
+              </a:lvl9pPr>
+            </a:lstStyle>
+            <a:p>
+              <a:pPr marL="177800" indent="-177800" algn="ctr"/>
+              <a:r>
+                <a:rPr lang="en-US" altLang="ko-KR" sz="1000" b="1" dirty="0">
+                  <a:latin typeface="나눔고딕" pitchFamily="50" charset="-127"/>
+                  <a:ea typeface="나눔고딕" pitchFamily="50" charset="-127"/>
+                </a:rPr>
+                <a:t>553</a:t>
+              </a:r>
+              <a:endParaRPr lang="en-US" altLang="ko-KR" sz="1000" dirty="0">
+                <a:latin typeface="나눔고딕" pitchFamily="50" charset="-127"/>
+                <a:ea typeface="나눔고딕" pitchFamily="50" charset="-127"/>
+              </a:endParaRPr>
+            </a:p>
+          </p:txBody>
+        </p:sp>
+        <p:sp>
+          <p:nvSpPr>
+            <p:cNvPr id="134" name="TextBox 52"/>
+            <p:cNvSpPr txBox="1"/>
+            <p:nvPr/>
+          </p:nvSpPr>
+          <p:spPr>
+            <a:xfrm>
+              <a:off x="6096000" y="3777485"/>
+              <a:ext cx="1574601" cy="215444"/>
+            </a:xfrm>
+            <a:prstGeom prst="rect">
+              <a:avLst/>
+            </a:prstGeom>
+            <a:noFill/>
+          </p:spPr>
+          <p:txBody>
+            <a:bodyPr wrap="square" rtlCol="0" anchor="b">
+              <a:spAutoFit/>
+            </a:bodyPr>
+            <a:lstStyle>
+              <a:defPPr>
+                <a:defRPr lang="ko-KR"/>
+              </a:defPPr>
+              <a:lvl1pPr marL="0" algn="l" defTabSz="914400" rtl="0" eaLnBrk="1" latinLnBrk="1" hangingPunct="1">
+                <a:defRPr sz="1800" kern="1200">
+                  <a:solidFill>
+                    <a:schemeClr val="tx1"/>
+                  </a:solidFill>
+                  <a:latin typeface="+mn-lt"/>
+                  <a:ea typeface="+mn-ea"/>
+                  <a:cs typeface="+mn-cs"/>
+                </a:defRPr>
+              </a:lvl1pPr>
+              <a:lvl2pPr marL="457200" algn="l" defTabSz="914400" rtl="0" eaLnBrk="1" latinLnBrk="1" hangingPunct="1">
+                <a:defRPr sz="1800" kern="1200">
+                  <a:solidFill>
+                    <a:schemeClr val="tx1"/>
+                  </a:solidFill>
+                  <a:latin typeface="+mn-lt"/>
+                  <a:ea typeface="+mn-ea"/>
+                  <a:cs typeface="+mn-cs"/>
+                </a:defRPr>
+              </a:lvl2pPr>
+              <a:lvl3pPr marL="914400" algn="l" defTabSz="914400" rtl="0" eaLnBrk="1" latinLnBrk="1" hangingPunct="1">
+                <a:defRPr sz="1800" kern="1200">
+                  <a:solidFill>
+                    <a:schemeClr val="tx1"/>
+                  </a:solidFill>
+                  <a:latin typeface="+mn-lt"/>
+                  <a:ea typeface="+mn-ea"/>
+                  <a:cs typeface="+mn-cs"/>
+                </a:defRPr>
+              </a:lvl3pPr>
+              <a:lvl4pPr marL="1371600" algn="l" defTabSz="914400" rtl="0" eaLnBrk="1" latinLnBrk="1" hangingPunct="1">
+                <a:defRPr sz="1800" kern="1200">
+                  <a:solidFill>
+                    <a:schemeClr val="tx1"/>
+                  </a:solidFill>
+                  <a:latin typeface="+mn-lt"/>
+                  <a:ea typeface="+mn-ea"/>
+                  <a:cs typeface="+mn-cs"/>
+                </a:defRPr>
+              </a:lvl4pPr>
+              <a:lvl5pPr marL="1828800" algn="l" defTabSz="914400" rtl="0" eaLnBrk="1" latinLnBrk="1" hangingPunct="1">
+                <a:defRPr sz="1800" kern="1200">
+                  <a:solidFill>
+                    <a:schemeClr val="tx1"/>
+                  </a:solidFill>
+                  <a:latin typeface="+mn-lt"/>
+                  <a:ea typeface="+mn-ea"/>
+                  <a:cs typeface="+mn-cs"/>
+                </a:defRPr>
+              </a:lvl5pPr>
+              <a:lvl6pPr marL="2286000" algn="l" defTabSz="914400" rtl="0" eaLnBrk="1" latinLnBrk="1" hangingPunct="1">
+                <a:defRPr sz="1800" kern="1200">
+                  <a:solidFill>
+                    <a:schemeClr val="tx1"/>
+                  </a:solidFill>
+                  <a:latin typeface="+mn-lt"/>
+                  <a:ea typeface="+mn-ea"/>
+                  <a:cs typeface="+mn-cs"/>
+                </a:defRPr>
+              </a:lvl6pPr>
+              <a:lvl7pPr marL="2743200" algn="l" defTabSz="914400" rtl="0" eaLnBrk="1" latinLnBrk="1" hangingPunct="1">
+                <a:defRPr sz="1800" kern="1200">
+                  <a:solidFill>
+                    <a:schemeClr val="tx1"/>
+                  </a:solidFill>
+                  <a:latin typeface="+mn-lt"/>
+                  <a:ea typeface="+mn-ea"/>
+                  <a:cs typeface="+mn-cs"/>
+                </a:defRPr>
+              </a:lvl7pPr>
+              <a:lvl8pPr marL="3200400" algn="l" defTabSz="914400" rtl="0" eaLnBrk="1" latinLnBrk="1" hangingPunct="1">
+                <a:defRPr sz="1800" kern="1200">
+                  <a:solidFill>
+                    <a:schemeClr val="tx1"/>
+                  </a:solidFill>
+                  <a:latin typeface="+mn-lt"/>
+                  <a:ea typeface="+mn-ea"/>
+                  <a:cs typeface="+mn-cs"/>
+                </a:defRPr>
+              </a:lvl8pPr>
+              <a:lvl9pPr marL="3657600" algn="l" defTabSz="914400" rtl="0" eaLnBrk="1" latinLnBrk="1" hangingPunct="1">
+                <a:defRPr sz="1800" kern="1200">
+                  <a:solidFill>
+                    <a:schemeClr val="tx1"/>
+                  </a:solidFill>
+                  <a:latin typeface="+mn-lt"/>
+                  <a:ea typeface="+mn-ea"/>
+                  <a:cs typeface="+mn-cs"/>
+                </a:defRPr>
+              </a:lvl9pPr>
+            </a:lstStyle>
+            <a:p>
+              <a:pPr marL="177800" indent="-177800" algn="r">
+                <a:lnSpc>
+                  <a:spcPct val="80000"/>
+                </a:lnSpc>
+              </a:pPr>
+              <a:r>
+                <a:rPr lang="en-US" altLang="ko-KR" sz="1000" b="1" spc="-20" dirty="0">
+                  <a:latin typeface="나눔고딕" pitchFamily="50" charset="-127"/>
+                  <a:ea typeface="나눔고딕" pitchFamily="50" charset="-127"/>
+                </a:rPr>
+                <a:t>alert OFF HOOK</a:t>
+              </a:r>
+              <a:endParaRPr lang="en-US" altLang="ko-KR" sz="1000" spc="-20" dirty="0">
+                <a:latin typeface="나눔고딕" pitchFamily="50" charset="-127"/>
+                <a:ea typeface="나눔고딕" pitchFamily="50" charset="-127"/>
+              </a:endParaRPr>
+            </a:p>
+          </p:txBody>
+        </p:sp>
+      </p:grpSp>
+      <p:grpSp>
+        <p:nvGrpSpPr>
+          <p:cNvPr id="5" name="그룹 4"/>
+          <p:cNvGrpSpPr/>
+          <p:nvPr/>
+        </p:nvGrpSpPr>
+        <p:grpSpPr>
+          <a:xfrm flipH="1">
+            <a:off x="8171395" y="5397868"/>
+            <a:ext cx="1255351" cy="215444"/>
+            <a:chOff x="8170557" y="5397868"/>
+            <a:chExt cx="1251378" cy="215444"/>
+          </a:xfrm>
+        </p:grpSpPr>
+        <p:sp>
+          <p:nvSpPr>
+            <p:cNvPr id="135" name="TextBox 52"/>
+            <p:cNvSpPr txBox="1"/>
+            <p:nvPr/>
+          </p:nvSpPr>
+          <p:spPr>
+            <a:xfrm>
+              <a:off x="8232898" y="5397868"/>
+              <a:ext cx="1110028" cy="215444"/>
+            </a:xfrm>
+            <a:prstGeom prst="rect">
+              <a:avLst/>
+            </a:prstGeom>
+            <a:noFill/>
+          </p:spPr>
+          <p:txBody>
+            <a:bodyPr wrap="square" rtlCol="0">
+              <a:spAutoFit/>
+            </a:bodyPr>
+            <a:lstStyle>
+              <a:defPPr>
+                <a:defRPr lang="ko-KR"/>
+              </a:defPPr>
+              <a:lvl1pPr marL="0" algn="l" defTabSz="914400" rtl="0" eaLnBrk="1" latinLnBrk="1" hangingPunct="1">
+                <a:defRPr sz="1800" kern="1200">
+                  <a:solidFill>
+                    <a:schemeClr val="tx1"/>
+                  </a:solidFill>
+                  <a:latin typeface="+mn-lt"/>
+                  <a:ea typeface="+mn-ea"/>
+                  <a:cs typeface="+mn-cs"/>
+                </a:defRPr>
+              </a:lvl1pPr>
+              <a:lvl2pPr marL="457200" algn="l" defTabSz="914400" rtl="0" eaLnBrk="1" latinLnBrk="1" hangingPunct="1">
+                <a:defRPr sz="1800" kern="1200">
+                  <a:solidFill>
+                    <a:schemeClr val="tx1"/>
+                  </a:solidFill>
+                  <a:latin typeface="+mn-lt"/>
+                  <a:ea typeface="+mn-ea"/>
+                  <a:cs typeface="+mn-cs"/>
+                </a:defRPr>
+              </a:lvl2pPr>
+              <a:lvl3pPr marL="914400" algn="l" defTabSz="914400" rtl="0" eaLnBrk="1" latinLnBrk="1" hangingPunct="1">
+                <a:defRPr sz="1800" kern="1200">
+                  <a:solidFill>
+                    <a:schemeClr val="tx1"/>
+                  </a:solidFill>
+                  <a:latin typeface="+mn-lt"/>
+                  <a:ea typeface="+mn-ea"/>
+                  <a:cs typeface="+mn-cs"/>
+                </a:defRPr>
+              </a:lvl3pPr>
+              <a:lvl4pPr marL="1371600" algn="l" defTabSz="914400" rtl="0" eaLnBrk="1" latinLnBrk="1" hangingPunct="1">
+                <a:defRPr sz="1800" kern="1200">
+                  <a:solidFill>
+                    <a:schemeClr val="tx1"/>
+                  </a:solidFill>
+                  <a:latin typeface="+mn-lt"/>
+                  <a:ea typeface="+mn-ea"/>
+                  <a:cs typeface="+mn-cs"/>
+                </a:defRPr>
+              </a:lvl4pPr>
+              <a:lvl5pPr marL="1828800" algn="l" defTabSz="914400" rtl="0" eaLnBrk="1" latinLnBrk="1" hangingPunct="1">
+                <a:defRPr sz="1800" kern="1200">
+                  <a:solidFill>
+                    <a:schemeClr val="tx1"/>
+                  </a:solidFill>
+                  <a:latin typeface="+mn-lt"/>
+                  <a:ea typeface="+mn-ea"/>
+                  <a:cs typeface="+mn-cs"/>
+                </a:defRPr>
+              </a:lvl5pPr>
+              <a:lvl6pPr marL="2286000" algn="l" defTabSz="914400" rtl="0" eaLnBrk="1" latinLnBrk="1" hangingPunct="1">
+                <a:defRPr sz="1800" kern="1200">
+                  <a:solidFill>
+                    <a:schemeClr val="tx1"/>
+                  </a:solidFill>
+                  <a:latin typeface="+mn-lt"/>
+                  <a:ea typeface="+mn-ea"/>
+                  <a:cs typeface="+mn-cs"/>
+                </a:defRPr>
+              </a:lvl6pPr>
+              <a:lvl7pPr marL="2743200" algn="l" defTabSz="914400" rtl="0" eaLnBrk="1" latinLnBrk="1" hangingPunct="1">
+                <a:defRPr sz="1800" kern="1200">
+                  <a:solidFill>
+                    <a:schemeClr val="tx1"/>
+                  </a:solidFill>
+                  <a:latin typeface="+mn-lt"/>
+                  <a:ea typeface="+mn-ea"/>
+                  <a:cs typeface="+mn-cs"/>
+                </a:defRPr>
+              </a:lvl7pPr>
+              <a:lvl8pPr marL="3200400" algn="l" defTabSz="914400" rtl="0" eaLnBrk="1" latinLnBrk="1" hangingPunct="1">
+                <a:defRPr sz="1800" kern="1200">
+                  <a:solidFill>
+                    <a:schemeClr val="tx1"/>
+                  </a:solidFill>
+                  <a:latin typeface="+mn-lt"/>
+                  <a:ea typeface="+mn-ea"/>
+                  <a:cs typeface="+mn-cs"/>
+                </a:defRPr>
+              </a:lvl8pPr>
+              <a:lvl9pPr marL="3657600" algn="l" defTabSz="914400" rtl="0" eaLnBrk="1" latinLnBrk="1" hangingPunct="1">
+                <a:defRPr sz="1800" kern="1200">
+                  <a:solidFill>
+                    <a:schemeClr val="tx1"/>
+                  </a:solidFill>
+                  <a:latin typeface="+mn-lt"/>
+                  <a:ea typeface="+mn-ea"/>
+                  <a:cs typeface="+mn-cs"/>
+                </a:defRPr>
+              </a:lvl9pPr>
+            </a:lstStyle>
+            <a:p>
+              <a:pPr marL="177800" indent="-177800" algn="ctr">
+                <a:lnSpc>
+                  <a:spcPct val="80000"/>
+                </a:lnSpc>
+              </a:pPr>
+              <a:r>
+                <a:rPr lang="en-US" altLang="ko-KR" sz="1000" b="1" spc="-20" dirty="0">
+                  <a:latin typeface="나눔고딕" pitchFamily="50" charset="-127"/>
+                  <a:ea typeface="나눔고딕" pitchFamily="50" charset="-127"/>
+                </a:rPr>
+                <a:t>+ </a:t>
+              </a:r>
+              <a:r>
+                <a:rPr lang="en-US" altLang="ko-KR" sz="1000" b="1" dirty="0">
+                  <a:latin typeface="나눔고딕" pitchFamily="50" charset="-127"/>
+                  <a:ea typeface="나눔고딕" pitchFamily="50" charset="-127"/>
+                </a:rPr>
+                <a:t>call number</a:t>
+              </a:r>
+              <a:endParaRPr lang="en-US" altLang="ko-KR" sz="1000" dirty="0">
+                <a:latin typeface="나눔고딕" pitchFamily="50" charset="-127"/>
+                <a:ea typeface="나눔고딕" pitchFamily="50" charset="-127"/>
+              </a:endParaRPr>
+            </a:p>
+          </p:txBody>
+        </p:sp>
+        <p:cxnSp>
+          <p:nvCxnSpPr>
+            <p:cNvPr id="136" name="직선 화살표 연결선 135"/>
+            <p:cNvCxnSpPr/>
+            <p:nvPr/>
+          </p:nvCxnSpPr>
+          <p:spPr>
+            <a:xfrm flipH="1" flipV="1">
+              <a:off x="8170557" y="5567846"/>
+              <a:ext cx="1251378" cy="1"/>
+            </a:xfrm>
+            <a:prstGeom prst="straightConnector1">
+              <a:avLst/>
+            </a:prstGeom>
+            <a:ln w="31750">
+              <a:solidFill>
+                <a:schemeClr val="tx1"/>
+              </a:solidFill>
+              <a:prstDash val="solid"/>
+              <a:tailEnd type="triangle"/>
+            </a:ln>
+          </p:spPr>
+          <p:style>
+            <a:lnRef idx="1">
+              <a:schemeClr val="accent1"/>
+            </a:lnRef>
+            <a:fillRef idx="0">
+              <a:schemeClr val="accent1"/>
+            </a:fillRef>
+            <a:effectRef idx="0">
+              <a:schemeClr val="accent1"/>
+            </a:effectRef>
+            <a:fontRef idx="minor">
+              <a:schemeClr val="tx1"/>
+            </a:fontRef>
+          </p:style>
+        </p:cxnSp>
+      </p:grpSp>
+      <p:grpSp>
+        <p:nvGrpSpPr>
+          <p:cNvPr id="137" name="그룹 136"/>
+          <p:cNvGrpSpPr/>
+          <p:nvPr/>
+        </p:nvGrpSpPr>
+        <p:grpSpPr>
+          <a:xfrm>
+            <a:off x="357187" y="5917462"/>
+            <a:ext cx="2320653" cy="246221"/>
+            <a:chOff x="1209970" y="3940204"/>
+            <a:chExt cx="2281790" cy="246221"/>
+          </a:xfrm>
+        </p:grpSpPr>
+        <p:sp>
+          <p:nvSpPr>
+            <p:cNvPr id="138" name="TextBox 43"/>
+            <p:cNvSpPr txBox="1"/>
+            <p:nvPr/>
+          </p:nvSpPr>
+          <p:spPr>
+            <a:xfrm>
+              <a:off x="3066337" y="3940204"/>
+              <a:ext cx="425423" cy="246221"/>
+            </a:xfrm>
+            <a:prstGeom prst="rect">
+              <a:avLst/>
+            </a:prstGeom>
+            <a:solidFill>
+              <a:schemeClr val="bg2">
+                <a:lumMod val="10000"/>
+                <a:alpha val="36078"/>
+              </a:schemeClr>
+            </a:solidFill>
+          </p:spPr>
+          <p:txBody>
+            <a:bodyPr wrap="square" rtlCol="0">
+              <a:spAutoFit/>
+            </a:bodyPr>
+            <a:lstStyle>
+              <a:defPPr>
+                <a:defRPr lang="ko-KR"/>
+              </a:defPPr>
+              <a:lvl1pPr marL="0" algn="l" defTabSz="914400" rtl="0" eaLnBrk="1" latinLnBrk="1" hangingPunct="1">
+                <a:defRPr sz="1800" kern="1200">
+                  <a:solidFill>
+                    <a:schemeClr val="tx1"/>
+                  </a:solidFill>
+                  <a:latin typeface="+mn-lt"/>
+                  <a:ea typeface="+mn-ea"/>
+                  <a:cs typeface="+mn-cs"/>
+                </a:defRPr>
+              </a:lvl1pPr>
+              <a:lvl2pPr marL="457200" algn="l" defTabSz="914400" rtl="0" eaLnBrk="1" latinLnBrk="1" hangingPunct="1">
+                <a:defRPr sz="1800" kern="1200">
+                  <a:solidFill>
+                    <a:schemeClr val="tx1"/>
+                  </a:solidFill>
+                  <a:latin typeface="+mn-lt"/>
+                  <a:ea typeface="+mn-ea"/>
+                  <a:cs typeface="+mn-cs"/>
+                </a:defRPr>
+              </a:lvl2pPr>
+              <a:lvl3pPr marL="914400" algn="l" defTabSz="914400" rtl="0" eaLnBrk="1" latinLnBrk="1" hangingPunct="1">
+                <a:defRPr sz="1800" kern="1200">
+                  <a:solidFill>
+                    <a:schemeClr val="tx1"/>
+                  </a:solidFill>
+                  <a:latin typeface="+mn-lt"/>
+                  <a:ea typeface="+mn-ea"/>
+                  <a:cs typeface="+mn-cs"/>
+                </a:defRPr>
+              </a:lvl3pPr>
+              <a:lvl4pPr marL="1371600" algn="l" defTabSz="914400" rtl="0" eaLnBrk="1" latinLnBrk="1" hangingPunct="1">
+                <a:defRPr sz="1800" kern="1200">
+                  <a:solidFill>
+                    <a:schemeClr val="tx1"/>
+                  </a:solidFill>
+                  <a:latin typeface="+mn-lt"/>
+                  <a:ea typeface="+mn-ea"/>
+                  <a:cs typeface="+mn-cs"/>
+                </a:defRPr>
+              </a:lvl4pPr>
+              <a:lvl5pPr marL="1828800" algn="l" defTabSz="914400" rtl="0" eaLnBrk="1" latinLnBrk="1" hangingPunct="1">
+                <a:defRPr sz="1800" kern="1200">
+                  <a:solidFill>
+                    <a:schemeClr val="tx1"/>
+                  </a:solidFill>
+                  <a:latin typeface="+mn-lt"/>
+                  <a:ea typeface="+mn-ea"/>
+                  <a:cs typeface="+mn-cs"/>
+                </a:defRPr>
+              </a:lvl5pPr>
+              <a:lvl6pPr marL="2286000" algn="l" defTabSz="914400" rtl="0" eaLnBrk="1" latinLnBrk="1" hangingPunct="1">
+                <a:defRPr sz="1800" kern="1200">
+                  <a:solidFill>
+                    <a:schemeClr val="tx1"/>
+                  </a:solidFill>
+                  <a:latin typeface="+mn-lt"/>
+                  <a:ea typeface="+mn-ea"/>
+                  <a:cs typeface="+mn-cs"/>
+                </a:defRPr>
+              </a:lvl6pPr>
+              <a:lvl7pPr marL="2743200" algn="l" defTabSz="914400" rtl="0" eaLnBrk="1" latinLnBrk="1" hangingPunct="1">
+                <a:defRPr sz="1800" kern="1200">
+                  <a:solidFill>
+                    <a:schemeClr val="tx1"/>
+                  </a:solidFill>
+                  <a:latin typeface="+mn-lt"/>
+                  <a:ea typeface="+mn-ea"/>
+                  <a:cs typeface="+mn-cs"/>
+                </a:defRPr>
+              </a:lvl7pPr>
+              <a:lvl8pPr marL="3200400" algn="l" defTabSz="914400" rtl="0" eaLnBrk="1" latinLnBrk="1" hangingPunct="1">
+                <a:defRPr sz="1800" kern="1200">
+                  <a:solidFill>
+                    <a:schemeClr val="tx1"/>
+                  </a:solidFill>
+                  <a:latin typeface="+mn-lt"/>
+                  <a:ea typeface="+mn-ea"/>
+                  <a:cs typeface="+mn-cs"/>
+                </a:defRPr>
+              </a:lvl8pPr>
+              <a:lvl9pPr marL="3657600" algn="l" defTabSz="914400" rtl="0" eaLnBrk="1" latinLnBrk="1" hangingPunct="1">
+                <a:defRPr sz="1800" kern="1200">
+                  <a:solidFill>
+                    <a:schemeClr val="tx1"/>
+                  </a:solidFill>
+                  <a:latin typeface="+mn-lt"/>
+                  <a:ea typeface="+mn-ea"/>
+                  <a:cs typeface="+mn-cs"/>
+                </a:defRPr>
+              </a:lvl9pPr>
+            </a:lstStyle>
+            <a:p>
+              <a:pPr marL="177800" indent="-177800" algn="ctr"/>
+              <a:r>
+                <a:rPr lang="en-US" altLang="ko-KR" sz="1000" b="1" dirty="0">
+                  <a:latin typeface="나눔고딕" pitchFamily="50" charset="-127"/>
+                  <a:ea typeface="나눔고딕" pitchFamily="50" charset="-127"/>
+                </a:rPr>
+                <a:t>197</a:t>
+              </a:r>
+              <a:endParaRPr lang="en-US" altLang="ko-KR" sz="1000" dirty="0">
+                <a:latin typeface="나눔고딕" pitchFamily="50" charset="-127"/>
+                <a:ea typeface="나눔고딕" pitchFamily="50" charset="-127"/>
+              </a:endParaRPr>
+            </a:p>
+          </p:txBody>
+        </p:sp>
+        <p:sp>
+          <p:nvSpPr>
+            <p:cNvPr id="139" name="TextBox 52"/>
+            <p:cNvSpPr txBox="1"/>
+            <p:nvPr/>
+          </p:nvSpPr>
+          <p:spPr>
+            <a:xfrm>
+              <a:off x="1209970" y="3970981"/>
+              <a:ext cx="1850318" cy="215444"/>
+            </a:xfrm>
+            <a:prstGeom prst="rect">
+              <a:avLst/>
+            </a:prstGeom>
+            <a:noFill/>
+          </p:spPr>
+          <p:txBody>
+            <a:bodyPr wrap="square" rtlCol="0" anchor="b">
+              <a:spAutoFit/>
+            </a:bodyPr>
+            <a:lstStyle>
+              <a:defPPr>
+                <a:defRPr lang="ko-KR"/>
+              </a:defPPr>
+              <a:lvl1pPr marL="0" algn="l" defTabSz="914400" rtl="0" eaLnBrk="1" latinLnBrk="1" hangingPunct="1">
+                <a:defRPr sz="1800" kern="1200">
+                  <a:solidFill>
+                    <a:schemeClr val="tx1"/>
+                  </a:solidFill>
+                  <a:latin typeface="+mn-lt"/>
+                  <a:ea typeface="+mn-ea"/>
+                  <a:cs typeface="+mn-cs"/>
+                </a:defRPr>
+              </a:lvl1pPr>
+              <a:lvl2pPr marL="457200" algn="l" defTabSz="914400" rtl="0" eaLnBrk="1" latinLnBrk="1" hangingPunct="1">
+                <a:defRPr sz="1800" kern="1200">
+                  <a:solidFill>
+                    <a:schemeClr val="tx1"/>
+                  </a:solidFill>
+                  <a:latin typeface="+mn-lt"/>
+                  <a:ea typeface="+mn-ea"/>
+                  <a:cs typeface="+mn-cs"/>
+                </a:defRPr>
+              </a:lvl2pPr>
+              <a:lvl3pPr marL="914400" algn="l" defTabSz="914400" rtl="0" eaLnBrk="1" latinLnBrk="1" hangingPunct="1">
+                <a:defRPr sz="1800" kern="1200">
+                  <a:solidFill>
+                    <a:schemeClr val="tx1"/>
+                  </a:solidFill>
+                  <a:latin typeface="+mn-lt"/>
+                  <a:ea typeface="+mn-ea"/>
+                  <a:cs typeface="+mn-cs"/>
+                </a:defRPr>
+              </a:lvl3pPr>
+              <a:lvl4pPr marL="1371600" algn="l" defTabSz="914400" rtl="0" eaLnBrk="1" latinLnBrk="1" hangingPunct="1">
+                <a:defRPr sz="1800" kern="1200">
+                  <a:solidFill>
+                    <a:schemeClr val="tx1"/>
+                  </a:solidFill>
+                  <a:latin typeface="+mn-lt"/>
+                  <a:ea typeface="+mn-ea"/>
+                  <a:cs typeface="+mn-cs"/>
+                </a:defRPr>
+              </a:lvl4pPr>
+              <a:lvl5pPr marL="1828800" algn="l" defTabSz="914400" rtl="0" eaLnBrk="1" latinLnBrk="1" hangingPunct="1">
+                <a:defRPr sz="1800" kern="1200">
+                  <a:solidFill>
+                    <a:schemeClr val="tx1"/>
+                  </a:solidFill>
+                  <a:latin typeface="+mn-lt"/>
+                  <a:ea typeface="+mn-ea"/>
+                  <a:cs typeface="+mn-cs"/>
+                </a:defRPr>
+              </a:lvl5pPr>
+              <a:lvl6pPr marL="2286000" algn="l" defTabSz="914400" rtl="0" eaLnBrk="1" latinLnBrk="1" hangingPunct="1">
+                <a:defRPr sz="1800" kern="1200">
+                  <a:solidFill>
+                    <a:schemeClr val="tx1"/>
+                  </a:solidFill>
+                  <a:latin typeface="+mn-lt"/>
+                  <a:ea typeface="+mn-ea"/>
+                  <a:cs typeface="+mn-cs"/>
+                </a:defRPr>
+              </a:lvl6pPr>
+              <a:lvl7pPr marL="2743200" algn="l" defTabSz="914400" rtl="0" eaLnBrk="1" latinLnBrk="1" hangingPunct="1">
+                <a:defRPr sz="1800" kern="1200">
+                  <a:solidFill>
+                    <a:schemeClr val="tx1"/>
+                  </a:solidFill>
+                  <a:latin typeface="+mn-lt"/>
+                  <a:ea typeface="+mn-ea"/>
+                  <a:cs typeface="+mn-cs"/>
+                </a:defRPr>
+              </a:lvl7pPr>
+              <a:lvl8pPr marL="3200400" algn="l" defTabSz="914400" rtl="0" eaLnBrk="1" latinLnBrk="1" hangingPunct="1">
+                <a:defRPr sz="1800" kern="1200">
+                  <a:solidFill>
+                    <a:schemeClr val="tx1"/>
+                  </a:solidFill>
+                  <a:latin typeface="+mn-lt"/>
+                  <a:ea typeface="+mn-ea"/>
+                  <a:cs typeface="+mn-cs"/>
+                </a:defRPr>
+              </a:lvl8pPr>
+              <a:lvl9pPr marL="3657600" algn="l" defTabSz="914400" rtl="0" eaLnBrk="1" latinLnBrk="1" hangingPunct="1">
+                <a:defRPr sz="1800" kern="1200">
+                  <a:solidFill>
+                    <a:schemeClr val="tx1"/>
+                  </a:solidFill>
+                  <a:latin typeface="+mn-lt"/>
+                  <a:ea typeface="+mn-ea"/>
+                  <a:cs typeface="+mn-cs"/>
+                </a:defRPr>
+              </a:lvl9pPr>
+            </a:lstStyle>
+            <a:p>
+              <a:pPr marL="177800" indent="-177800" algn="r">
+                <a:lnSpc>
+                  <a:spcPct val="80000"/>
+                </a:lnSpc>
+              </a:pPr>
+              <a:r>
+                <a:rPr lang="en-US" altLang="ko-KR" sz="1000" b="1" spc="-20" dirty="0">
+                  <a:latin typeface="나눔고딕" pitchFamily="50" charset="-127"/>
+                  <a:ea typeface="나눔고딕" pitchFamily="50" charset="-127"/>
+                </a:rPr>
+                <a:t>(</a:t>
+              </a:r>
+              <a:r>
+                <a:rPr lang="en-US" altLang="ko-KR" sz="1000" b="1" spc="-20" dirty="0">
+                  <a:solidFill>
+                    <a:schemeClr val="bg1"/>
+                  </a:solidFill>
+                  <a:latin typeface="나눔고딕" pitchFamily="50" charset="-127"/>
+                  <a:ea typeface="나눔고딕" pitchFamily="50" charset="-127"/>
+                </a:rPr>
+                <a:t>OPTION</a:t>
+              </a:r>
+              <a:r>
+                <a:rPr lang="en-US" altLang="ko-KR" sz="1000" b="1" spc="-20" dirty="0">
+                  <a:latin typeface="나눔고딕" pitchFamily="50" charset="-127"/>
+                  <a:ea typeface="나눔고딕" pitchFamily="50" charset="-127"/>
+                </a:rPr>
+                <a:t>) request </a:t>
+              </a:r>
+              <a:r>
+                <a:rPr lang="en-US" altLang="ko-KR" sz="1000" b="1" spc="-20" dirty="0">
+                  <a:latin typeface="나눔고딕" pitchFamily="50" charset="-127"/>
+                  <a:ea typeface="나눔고딕" pitchFamily="50" charset="-127"/>
+                </a:rPr>
+                <a:t>disconnect</a:t>
+              </a:r>
+              <a:endParaRPr lang="en-US" altLang="ko-KR" sz="1000" spc="-20" dirty="0">
+                <a:latin typeface="나눔고딕" pitchFamily="50" charset="-127"/>
+                <a:ea typeface="나눔고딕" pitchFamily="50" charset="-127"/>
+              </a:endParaRPr>
+            </a:p>
+          </p:txBody>
+        </p:sp>
+      </p:grpSp>
+      <p:cxnSp>
+        <p:nvCxnSpPr>
+          <p:cNvPr id="140" name="직선 화살표 연결선 139"/>
+          <p:cNvCxnSpPr/>
+          <p:nvPr/>
+        </p:nvCxnSpPr>
+        <p:spPr>
+          <a:xfrm>
+            <a:off x="2760454" y="6112898"/>
+            <a:ext cx="1243749" cy="0"/>
+          </a:xfrm>
+          <a:prstGeom prst="straightConnector1">
+            <a:avLst/>
+          </a:prstGeom>
+          <a:ln w="31750">
+            <a:solidFill>
+              <a:schemeClr val="tx1"/>
+            </a:solidFill>
+            <a:tailEnd type="triangle"/>
+          </a:ln>
+        </p:spPr>
+        <p:style>
+          <a:lnRef idx="1">
+            <a:schemeClr val="accent1"/>
+          </a:lnRef>
+          <a:fillRef idx="0">
+            <a:schemeClr val="accent1"/>
+          </a:fillRef>
+          <a:effectRef idx="0">
+            <a:schemeClr val="accent1"/>
+          </a:effectRef>
+          <a:fontRef idx="minor">
+            <a:schemeClr val="tx1"/>
+          </a:fontRef>
+        </p:style>
+      </p:cxnSp>
+      <p:cxnSp>
+        <p:nvCxnSpPr>
+          <p:cNvPr id="141" name="직선 화살표 연결선 140"/>
+          <p:cNvCxnSpPr/>
+          <p:nvPr/>
+        </p:nvCxnSpPr>
+        <p:spPr>
+          <a:xfrm flipH="1">
+            <a:off x="8180640" y="6116670"/>
+            <a:ext cx="1250907" cy="0"/>
+          </a:xfrm>
+          <a:prstGeom prst="straightConnector1">
+            <a:avLst/>
+          </a:prstGeom>
+          <a:ln w="31750">
+            <a:solidFill>
+              <a:schemeClr val="tx1"/>
+            </a:solidFill>
+            <a:tailEnd type="triangle"/>
+          </a:ln>
+        </p:spPr>
+        <p:style>
+          <a:lnRef idx="1">
+            <a:schemeClr val="accent1"/>
+          </a:lnRef>
+          <a:fillRef idx="0">
+            <a:schemeClr val="accent1"/>
+          </a:fillRef>
+          <a:effectRef idx="0">
+            <a:schemeClr val="accent1"/>
+          </a:effectRef>
+          <a:fontRef idx="minor">
+            <a:schemeClr val="tx1"/>
+          </a:fontRef>
+        </p:style>
+      </p:cxnSp>
+      <p:grpSp>
+        <p:nvGrpSpPr>
+          <p:cNvPr id="142" name="그룹 141"/>
+          <p:cNvGrpSpPr/>
+          <p:nvPr/>
+        </p:nvGrpSpPr>
+        <p:grpSpPr>
+          <a:xfrm>
+            <a:off x="9508490" y="5922157"/>
+            <a:ext cx="2246303" cy="246221"/>
+            <a:chOff x="4081802" y="3747405"/>
+            <a:chExt cx="2246303" cy="246221"/>
+          </a:xfrm>
+        </p:grpSpPr>
+        <p:sp>
+          <p:nvSpPr>
+            <p:cNvPr id="143" name="TextBox 43"/>
+            <p:cNvSpPr txBox="1"/>
+            <p:nvPr/>
+          </p:nvSpPr>
+          <p:spPr>
+            <a:xfrm>
+              <a:off x="4081802" y="3747405"/>
+              <a:ext cx="425423" cy="246221"/>
+            </a:xfrm>
+            <a:prstGeom prst="rect">
+              <a:avLst/>
+            </a:prstGeom>
+            <a:solidFill>
+              <a:schemeClr val="bg2">
+                <a:lumMod val="10000"/>
+                <a:alpha val="36078"/>
+              </a:schemeClr>
+            </a:solidFill>
+          </p:spPr>
+          <p:txBody>
+            <a:bodyPr wrap="square" rtlCol="0">
+              <a:spAutoFit/>
+            </a:bodyPr>
+            <a:lstStyle>
+              <a:defPPr>
+                <a:defRPr lang="ko-KR"/>
+              </a:defPPr>
+              <a:lvl1pPr marL="0" algn="l" defTabSz="914400" rtl="0" eaLnBrk="1" latinLnBrk="1" hangingPunct="1">
+                <a:defRPr sz="1800" kern="1200">
+                  <a:solidFill>
+                    <a:schemeClr val="tx1"/>
+                  </a:solidFill>
+                  <a:latin typeface="+mn-lt"/>
+                  <a:ea typeface="+mn-ea"/>
+                  <a:cs typeface="+mn-cs"/>
+                </a:defRPr>
+              </a:lvl1pPr>
+              <a:lvl2pPr marL="457200" algn="l" defTabSz="914400" rtl="0" eaLnBrk="1" latinLnBrk="1" hangingPunct="1">
+                <a:defRPr sz="1800" kern="1200">
+                  <a:solidFill>
+                    <a:schemeClr val="tx1"/>
+                  </a:solidFill>
+                  <a:latin typeface="+mn-lt"/>
+                  <a:ea typeface="+mn-ea"/>
+                  <a:cs typeface="+mn-cs"/>
+                </a:defRPr>
+              </a:lvl2pPr>
+              <a:lvl3pPr marL="914400" algn="l" defTabSz="914400" rtl="0" eaLnBrk="1" latinLnBrk="1" hangingPunct="1">
+                <a:defRPr sz="1800" kern="1200">
+                  <a:solidFill>
+                    <a:schemeClr val="tx1"/>
+                  </a:solidFill>
+                  <a:latin typeface="+mn-lt"/>
+                  <a:ea typeface="+mn-ea"/>
+                  <a:cs typeface="+mn-cs"/>
+                </a:defRPr>
+              </a:lvl3pPr>
+              <a:lvl4pPr marL="1371600" algn="l" defTabSz="914400" rtl="0" eaLnBrk="1" latinLnBrk="1" hangingPunct="1">
+                <a:defRPr sz="1800" kern="1200">
+                  <a:solidFill>
+                    <a:schemeClr val="tx1"/>
+                  </a:solidFill>
+                  <a:latin typeface="+mn-lt"/>
+                  <a:ea typeface="+mn-ea"/>
+                  <a:cs typeface="+mn-cs"/>
+                </a:defRPr>
+              </a:lvl4pPr>
+              <a:lvl5pPr marL="1828800" algn="l" defTabSz="914400" rtl="0" eaLnBrk="1" latinLnBrk="1" hangingPunct="1">
+                <a:defRPr sz="1800" kern="1200">
+                  <a:solidFill>
+                    <a:schemeClr val="tx1"/>
+                  </a:solidFill>
+                  <a:latin typeface="+mn-lt"/>
+                  <a:ea typeface="+mn-ea"/>
+                  <a:cs typeface="+mn-cs"/>
+                </a:defRPr>
+              </a:lvl5pPr>
+              <a:lvl6pPr marL="2286000" algn="l" defTabSz="914400" rtl="0" eaLnBrk="1" latinLnBrk="1" hangingPunct="1">
+                <a:defRPr sz="1800" kern="1200">
+                  <a:solidFill>
+                    <a:schemeClr val="tx1"/>
+                  </a:solidFill>
+                  <a:latin typeface="+mn-lt"/>
+                  <a:ea typeface="+mn-ea"/>
+                  <a:cs typeface="+mn-cs"/>
+                </a:defRPr>
+              </a:lvl6pPr>
+              <a:lvl7pPr marL="2743200" algn="l" defTabSz="914400" rtl="0" eaLnBrk="1" latinLnBrk="1" hangingPunct="1">
+                <a:defRPr sz="1800" kern="1200">
+                  <a:solidFill>
+                    <a:schemeClr val="tx1"/>
+                  </a:solidFill>
+                  <a:latin typeface="+mn-lt"/>
+                  <a:ea typeface="+mn-ea"/>
+                  <a:cs typeface="+mn-cs"/>
+                </a:defRPr>
+              </a:lvl7pPr>
+              <a:lvl8pPr marL="3200400" algn="l" defTabSz="914400" rtl="0" eaLnBrk="1" latinLnBrk="1" hangingPunct="1">
+                <a:defRPr sz="1800" kern="1200">
+                  <a:solidFill>
+                    <a:schemeClr val="tx1"/>
+                  </a:solidFill>
+                  <a:latin typeface="+mn-lt"/>
+                  <a:ea typeface="+mn-ea"/>
+                  <a:cs typeface="+mn-cs"/>
+                </a:defRPr>
+              </a:lvl8pPr>
+              <a:lvl9pPr marL="3657600" algn="l" defTabSz="914400" rtl="0" eaLnBrk="1" latinLnBrk="1" hangingPunct="1">
+                <a:defRPr sz="1800" kern="1200">
+                  <a:solidFill>
+                    <a:schemeClr val="tx1"/>
+                  </a:solidFill>
+                  <a:latin typeface="+mn-lt"/>
+                  <a:ea typeface="+mn-ea"/>
+                  <a:cs typeface="+mn-cs"/>
+                </a:defRPr>
+              </a:lvl9pPr>
+            </a:lstStyle>
+            <a:p>
+              <a:pPr marL="177800" indent="-177800" algn="ctr"/>
+              <a:r>
+                <a:rPr lang="en-US" altLang="ko-KR" sz="1000" b="1" dirty="0">
+                  <a:latin typeface="나눔고딕" pitchFamily="50" charset="-127"/>
+                  <a:ea typeface="나눔고딕" pitchFamily="50" charset="-127"/>
+                </a:rPr>
+                <a:t>597</a:t>
+              </a:r>
+              <a:endParaRPr lang="en-US" altLang="ko-KR" sz="1000" dirty="0">
+                <a:latin typeface="나눔고딕" pitchFamily="50" charset="-127"/>
+                <a:ea typeface="나눔고딕" pitchFamily="50" charset="-127"/>
+              </a:endParaRPr>
+            </a:p>
+          </p:txBody>
+        </p:sp>
+        <p:sp>
+          <p:nvSpPr>
+            <p:cNvPr id="144" name="TextBox 52"/>
+            <p:cNvSpPr txBox="1"/>
+            <p:nvPr/>
+          </p:nvSpPr>
+          <p:spPr>
+            <a:xfrm>
+              <a:off x="4507225" y="3775104"/>
+              <a:ext cx="1820880" cy="215444"/>
+            </a:xfrm>
+            <a:prstGeom prst="rect">
+              <a:avLst/>
+            </a:prstGeom>
+            <a:noFill/>
+          </p:spPr>
+          <p:txBody>
+            <a:bodyPr wrap="square" rtlCol="0" anchor="b">
+              <a:spAutoFit/>
+            </a:bodyPr>
+            <a:lstStyle>
+              <a:defPPr>
+                <a:defRPr lang="ko-KR"/>
+              </a:defPPr>
+              <a:lvl1pPr marL="0" algn="l" defTabSz="914400" rtl="0" eaLnBrk="1" latinLnBrk="1" hangingPunct="1">
+                <a:defRPr sz="1800" kern="1200">
+                  <a:solidFill>
+                    <a:schemeClr val="tx1"/>
+                  </a:solidFill>
+                  <a:latin typeface="+mn-lt"/>
+                  <a:ea typeface="+mn-ea"/>
+                  <a:cs typeface="+mn-cs"/>
+                </a:defRPr>
+              </a:lvl1pPr>
+              <a:lvl2pPr marL="457200" algn="l" defTabSz="914400" rtl="0" eaLnBrk="1" latinLnBrk="1" hangingPunct="1">
+                <a:defRPr sz="1800" kern="1200">
+                  <a:solidFill>
+                    <a:schemeClr val="tx1"/>
+                  </a:solidFill>
+                  <a:latin typeface="+mn-lt"/>
+                  <a:ea typeface="+mn-ea"/>
+                  <a:cs typeface="+mn-cs"/>
+                </a:defRPr>
+              </a:lvl2pPr>
+              <a:lvl3pPr marL="914400" algn="l" defTabSz="914400" rtl="0" eaLnBrk="1" latinLnBrk="1" hangingPunct="1">
+                <a:defRPr sz="1800" kern="1200">
+                  <a:solidFill>
+                    <a:schemeClr val="tx1"/>
+                  </a:solidFill>
+                  <a:latin typeface="+mn-lt"/>
+                  <a:ea typeface="+mn-ea"/>
+                  <a:cs typeface="+mn-cs"/>
+                </a:defRPr>
+              </a:lvl3pPr>
+              <a:lvl4pPr marL="1371600" algn="l" defTabSz="914400" rtl="0" eaLnBrk="1" latinLnBrk="1" hangingPunct="1">
+                <a:defRPr sz="1800" kern="1200">
+                  <a:solidFill>
+                    <a:schemeClr val="tx1"/>
+                  </a:solidFill>
+                  <a:latin typeface="+mn-lt"/>
+                  <a:ea typeface="+mn-ea"/>
+                  <a:cs typeface="+mn-cs"/>
+                </a:defRPr>
+              </a:lvl4pPr>
+              <a:lvl5pPr marL="1828800" algn="l" defTabSz="914400" rtl="0" eaLnBrk="1" latinLnBrk="1" hangingPunct="1">
+                <a:defRPr sz="1800" kern="1200">
+                  <a:solidFill>
+                    <a:schemeClr val="tx1"/>
+                  </a:solidFill>
+                  <a:latin typeface="+mn-lt"/>
+                  <a:ea typeface="+mn-ea"/>
+                  <a:cs typeface="+mn-cs"/>
+                </a:defRPr>
+              </a:lvl5pPr>
+              <a:lvl6pPr marL="2286000" algn="l" defTabSz="914400" rtl="0" eaLnBrk="1" latinLnBrk="1" hangingPunct="1">
+                <a:defRPr sz="1800" kern="1200">
+                  <a:solidFill>
+                    <a:schemeClr val="tx1"/>
+                  </a:solidFill>
+                  <a:latin typeface="+mn-lt"/>
+                  <a:ea typeface="+mn-ea"/>
+                  <a:cs typeface="+mn-cs"/>
+                </a:defRPr>
+              </a:lvl6pPr>
+              <a:lvl7pPr marL="2743200" algn="l" defTabSz="914400" rtl="0" eaLnBrk="1" latinLnBrk="1" hangingPunct="1">
+                <a:defRPr sz="1800" kern="1200">
+                  <a:solidFill>
+                    <a:schemeClr val="tx1"/>
+                  </a:solidFill>
+                  <a:latin typeface="+mn-lt"/>
+                  <a:ea typeface="+mn-ea"/>
+                  <a:cs typeface="+mn-cs"/>
+                </a:defRPr>
+              </a:lvl7pPr>
+              <a:lvl8pPr marL="3200400" algn="l" defTabSz="914400" rtl="0" eaLnBrk="1" latinLnBrk="1" hangingPunct="1">
+                <a:defRPr sz="1800" kern="1200">
+                  <a:solidFill>
+                    <a:schemeClr val="tx1"/>
+                  </a:solidFill>
+                  <a:latin typeface="+mn-lt"/>
+                  <a:ea typeface="+mn-ea"/>
+                  <a:cs typeface="+mn-cs"/>
+                </a:defRPr>
+              </a:lvl8pPr>
+              <a:lvl9pPr marL="3657600" algn="l" defTabSz="914400" rtl="0" eaLnBrk="1" latinLnBrk="1" hangingPunct="1">
+                <a:defRPr sz="1800" kern="1200">
+                  <a:solidFill>
+                    <a:schemeClr val="tx1"/>
+                  </a:solidFill>
+                  <a:latin typeface="+mn-lt"/>
+                  <a:ea typeface="+mn-ea"/>
+                  <a:cs typeface="+mn-cs"/>
+                </a:defRPr>
+              </a:lvl9pPr>
+            </a:lstStyle>
+            <a:p>
+              <a:pPr marL="177800" indent="-177800">
+                <a:lnSpc>
+                  <a:spcPct val="80000"/>
+                </a:lnSpc>
+              </a:pPr>
+              <a:r>
+                <a:rPr lang="en-US" altLang="ko-KR" sz="1000" b="1" spc="-20" dirty="0">
+                  <a:latin typeface="나눔고딕" pitchFamily="50" charset="-127"/>
+                  <a:ea typeface="나눔고딕" pitchFamily="50" charset="-127"/>
+                </a:rPr>
+                <a:t>(</a:t>
+              </a:r>
+              <a:r>
+                <a:rPr lang="en-US" altLang="ko-KR" sz="1000" b="1" spc="-20" dirty="0">
+                  <a:solidFill>
+                    <a:schemeClr val="bg1"/>
+                  </a:solidFill>
+                  <a:latin typeface="나눔고딕" pitchFamily="50" charset="-127"/>
+                  <a:ea typeface="나눔고딕" pitchFamily="50" charset="-127"/>
+                </a:rPr>
+                <a:t>OPTION</a:t>
+              </a:r>
+              <a:r>
+                <a:rPr lang="en-US" altLang="ko-KR" sz="1000" b="1" spc="-20" dirty="0">
+                  <a:latin typeface="나눔고딕" pitchFamily="50" charset="-127"/>
+                  <a:ea typeface="나눔고딕" pitchFamily="50" charset="-127"/>
+                </a:rPr>
+                <a:t>) request disconnect</a:t>
+              </a:r>
+            </a:p>
+          </p:txBody>
+        </p:sp>
+      </p:grpSp>
     </p:spTree>
     <p:extLst>
       <p:ext uri="{BB962C8B-B14F-4D97-AF65-F5344CB8AC3E}">

--- a/Carrot AND Stick.pptx
+++ b/Carrot AND Stick.pptx
@@ -260,7 +260,7 @@
           <a:p>
             <a:fld id="{8B9F15C9-92B9-4E75-9419-66BA160F044F}" type="datetimeFigureOut">
               <a:rPr lang="ko-KR" altLang="en-US" smtClean="0"/>
-              <a:t>2016-12-18</a:t>
+              <a:t>2016-12-28</a:t>
             </a:fld>
             <a:endParaRPr lang="ko-KR" altLang="en-US"/>
           </a:p>
@@ -428,7 +428,7 @@
           <a:p>
             <a:fld id="{8B9F15C9-92B9-4E75-9419-66BA160F044F}" type="datetimeFigureOut">
               <a:rPr lang="ko-KR" altLang="en-US" smtClean="0"/>
-              <a:t>2016-12-18</a:t>
+              <a:t>2016-12-28</a:t>
             </a:fld>
             <a:endParaRPr lang="ko-KR" altLang="en-US"/>
           </a:p>
@@ -606,7 +606,7 @@
           <a:p>
             <a:fld id="{8B9F15C9-92B9-4E75-9419-66BA160F044F}" type="datetimeFigureOut">
               <a:rPr lang="ko-KR" altLang="en-US" smtClean="0"/>
-              <a:t>2016-12-18</a:t>
+              <a:t>2016-12-28</a:t>
             </a:fld>
             <a:endParaRPr lang="ko-KR" altLang="en-US"/>
           </a:p>
@@ -774,7 +774,7 @@
           <a:p>
             <a:fld id="{8B9F15C9-92B9-4E75-9419-66BA160F044F}" type="datetimeFigureOut">
               <a:rPr lang="ko-KR" altLang="en-US" smtClean="0"/>
-              <a:t>2016-12-18</a:t>
+              <a:t>2016-12-28</a:t>
             </a:fld>
             <a:endParaRPr lang="ko-KR" altLang="en-US"/>
           </a:p>
@@ -1019,7 +1019,7 @@
           <a:p>
             <a:fld id="{8B9F15C9-92B9-4E75-9419-66BA160F044F}" type="datetimeFigureOut">
               <a:rPr lang="ko-KR" altLang="en-US" smtClean="0"/>
-              <a:t>2016-12-18</a:t>
+              <a:t>2016-12-28</a:t>
             </a:fld>
             <a:endParaRPr lang="ko-KR" altLang="en-US"/>
           </a:p>
@@ -1248,7 +1248,7 @@
           <a:p>
             <a:fld id="{8B9F15C9-92B9-4E75-9419-66BA160F044F}" type="datetimeFigureOut">
               <a:rPr lang="ko-KR" altLang="en-US" smtClean="0"/>
-              <a:t>2016-12-18</a:t>
+              <a:t>2016-12-28</a:t>
             </a:fld>
             <a:endParaRPr lang="ko-KR" altLang="en-US"/>
           </a:p>
@@ -1612,7 +1612,7 @@
           <a:p>
             <a:fld id="{8B9F15C9-92B9-4E75-9419-66BA160F044F}" type="datetimeFigureOut">
               <a:rPr lang="ko-KR" altLang="en-US" smtClean="0"/>
-              <a:t>2016-12-18</a:t>
+              <a:t>2016-12-28</a:t>
             </a:fld>
             <a:endParaRPr lang="ko-KR" altLang="en-US"/>
           </a:p>
@@ -1729,7 +1729,7 @@
           <a:p>
             <a:fld id="{8B9F15C9-92B9-4E75-9419-66BA160F044F}" type="datetimeFigureOut">
               <a:rPr lang="ko-KR" altLang="en-US" smtClean="0"/>
-              <a:t>2016-12-18</a:t>
+              <a:t>2016-12-28</a:t>
             </a:fld>
             <a:endParaRPr lang="ko-KR" altLang="en-US"/>
           </a:p>
@@ -1824,7 +1824,7 @@
           <a:p>
             <a:fld id="{8B9F15C9-92B9-4E75-9419-66BA160F044F}" type="datetimeFigureOut">
               <a:rPr lang="ko-KR" altLang="en-US" smtClean="0"/>
-              <a:t>2016-12-18</a:t>
+              <a:t>2016-12-28</a:t>
             </a:fld>
             <a:endParaRPr lang="ko-KR" altLang="en-US"/>
           </a:p>
@@ -2099,7 +2099,7 @@
           <a:p>
             <a:fld id="{8B9F15C9-92B9-4E75-9419-66BA160F044F}" type="datetimeFigureOut">
               <a:rPr lang="ko-KR" altLang="en-US" smtClean="0"/>
-              <a:t>2016-12-18</a:t>
+              <a:t>2016-12-28</a:t>
             </a:fld>
             <a:endParaRPr lang="ko-KR" altLang="en-US"/>
           </a:p>
@@ -2351,7 +2351,7 @@
           <a:p>
             <a:fld id="{8B9F15C9-92B9-4E75-9419-66BA160F044F}" type="datetimeFigureOut">
               <a:rPr lang="ko-KR" altLang="en-US" smtClean="0"/>
-              <a:t>2016-12-18</a:t>
+              <a:t>2016-12-28</a:t>
             </a:fld>
             <a:endParaRPr lang="ko-KR" altLang="en-US"/>
           </a:p>
@@ -2562,7 +2562,7 @@
           <a:p>
             <a:fld id="{8B9F15C9-92B9-4E75-9419-66BA160F044F}" type="datetimeFigureOut">
               <a:rPr lang="ko-KR" altLang="en-US" smtClean="0"/>
-              <a:t>2016-12-18</a:t>
+              <a:t>2016-12-28</a:t>
             </a:fld>
             <a:endParaRPr lang="ko-KR" altLang="en-US"/>
           </a:p>
@@ -37528,14 +37528,7 @@
                   <a:latin typeface="나눔고딕" pitchFamily="50" charset="-127"/>
                   <a:ea typeface="나눔고딕" pitchFamily="50" charset="-127"/>
                 </a:rPr>
-                <a:t>) request </a:t>
-              </a:r>
-              <a:r>
-                <a:rPr lang="en-US" altLang="ko-KR" sz="1000" b="1" spc="-20" dirty="0">
-                  <a:latin typeface="나눔고딕" pitchFamily="50" charset="-127"/>
-                  <a:ea typeface="나눔고딕" pitchFamily="50" charset="-127"/>
-                </a:rPr>
-                <a:t>disconnect</a:t>
+                <a:t>) request disconnect</a:t>
               </a:r>
               <a:endParaRPr lang="en-US" altLang="ko-KR" sz="1000" spc="-20" dirty="0">
                 <a:latin typeface="나눔고딕" pitchFamily="50" charset="-127"/>
@@ -37915,6 +37908,629 @@
             </a:p>
           </p:txBody>
         </p:sp>
+      </p:grpSp>
+      <p:sp>
+        <p:nvSpPr>
+          <p:cNvPr id="121" name="TextBox 52"/>
+          <p:cNvSpPr txBox="1"/>
+          <p:nvPr/>
+        </p:nvSpPr>
+        <p:spPr>
+          <a:xfrm>
+            <a:off x="10394291" y="0"/>
+            <a:ext cx="1789172" cy="523220"/>
+          </a:xfrm>
+          <a:prstGeom prst="rect">
+            <a:avLst/>
+          </a:prstGeom>
+          <a:noFill/>
+        </p:spPr>
+        <p:txBody>
+          <a:bodyPr wrap="square" rtlCol="0">
+            <a:spAutoFit/>
+          </a:bodyPr>
+          <a:lstStyle>
+            <a:defPPr>
+              <a:defRPr lang="ko-KR"/>
+            </a:defPPr>
+            <a:lvl1pPr marL="0" algn="l" defTabSz="914400" rtl="0" eaLnBrk="1" latinLnBrk="1" hangingPunct="1">
+              <a:defRPr sz="1800" kern="1200">
+                <a:solidFill>
+                  <a:schemeClr val="tx1"/>
+                </a:solidFill>
+                <a:latin typeface="+mn-lt"/>
+                <a:ea typeface="+mn-ea"/>
+                <a:cs typeface="+mn-cs"/>
+              </a:defRPr>
+            </a:lvl1pPr>
+            <a:lvl2pPr marL="457200" algn="l" defTabSz="914400" rtl="0" eaLnBrk="1" latinLnBrk="1" hangingPunct="1">
+              <a:defRPr sz="1800" kern="1200">
+                <a:solidFill>
+                  <a:schemeClr val="tx1"/>
+                </a:solidFill>
+                <a:latin typeface="+mn-lt"/>
+                <a:ea typeface="+mn-ea"/>
+                <a:cs typeface="+mn-cs"/>
+              </a:defRPr>
+            </a:lvl2pPr>
+            <a:lvl3pPr marL="914400" algn="l" defTabSz="914400" rtl="0" eaLnBrk="1" latinLnBrk="1" hangingPunct="1">
+              <a:defRPr sz="1800" kern="1200">
+                <a:solidFill>
+                  <a:schemeClr val="tx1"/>
+                </a:solidFill>
+                <a:latin typeface="+mn-lt"/>
+                <a:ea typeface="+mn-ea"/>
+                <a:cs typeface="+mn-cs"/>
+              </a:defRPr>
+            </a:lvl3pPr>
+            <a:lvl4pPr marL="1371600" algn="l" defTabSz="914400" rtl="0" eaLnBrk="1" latinLnBrk="1" hangingPunct="1">
+              <a:defRPr sz="1800" kern="1200">
+                <a:solidFill>
+                  <a:schemeClr val="tx1"/>
+                </a:solidFill>
+                <a:latin typeface="+mn-lt"/>
+                <a:ea typeface="+mn-ea"/>
+                <a:cs typeface="+mn-cs"/>
+              </a:defRPr>
+            </a:lvl4pPr>
+            <a:lvl5pPr marL="1828800" algn="l" defTabSz="914400" rtl="0" eaLnBrk="1" latinLnBrk="1" hangingPunct="1">
+              <a:defRPr sz="1800" kern="1200">
+                <a:solidFill>
+                  <a:schemeClr val="tx1"/>
+                </a:solidFill>
+                <a:latin typeface="+mn-lt"/>
+                <a:ea typeface="+mn-ea"/>
+                <a:cs typeface="+mn-cs"/>
+              </a:defRPr>
+            </a:lvl5pPr>
+            <a:lvl6pPr marL="2286000" algn="l" defTabSz="914400" rtl="0" eaLnBrk="1" latinLnBrk="1" hangingPunct="1">
+              <a:defRPr sz="1800" kern="1200">
+                <a:solidFill>
+                  <a:schemeClr val="tx1"/>
+                </a:solidFill>
+                <a:latin typeface="+mn-lt"/>
+                <a:ea typeface="+mn-ea"/>
+                <a:cs typeface="+mn-cs"/>
+              </a:defRPr>
+            </a:lvl6pPr>
+            <a:lvl7pPr marL="2743200" algn="l" defTabSz="914400" rtl="0" eaLnBrk="1" latinLnBrk="1" hangingPunct="1">
+              <a:defRPr sz="1800" kern="1200">
+                <a:solidFill>
+                  <a:schemeClr val="tx1"/>
+                </a:solidFill>
+                <a:latin typeface="+mn-lt"/>
+                <a:ea typeface="+mn-ea"/>
+                <a:cs typeface="+mn-cs"/>
+              </a:defRPr>
+            </a:lvl7pPr>
+            <a:lvl8pPr marL="3200400" algn="l" defTabSz="914400" rtl="0" eaLnBrk="1" latinLnBrk="1" hangingPunct="1">
+              <a:defRPr sz="1800" kern="1200">
+                <a:solidFill>
+                  <a:schemeClr val="tx1"/>
+                </a:solidFill>
+                <a:latin typeface="+mn-lt"/>
+                <a:ea typeface="+mn-ea"/>
+                <a:cs typeface="+mn-cs"/>
+              </a:defRPr>
+            </a:lvl8pPr>
+            <a:lvl9pPr marL="3657600" algn="l" defTabSz="914400" rtl="0" eaLnBrk="1" latinLnBrk="1" hangingPunct="1">
+              <a:defRPr sz="1800" kern="1200">
+                <a:solidFill>
+                  <a:schemeClr val="tx1"/>
+                </a:solidFill>
+                <a:latin typeface="+mn-lt"/>
+                <a:ea typeface="+mn-ea"/>
+                <a:cs typeface="+mn-cs"/>
+              </a:defRPr>
+            </a:lvl9pPr>
+          </a:lstStyle>
+          <a:p>
+            <a:pPr marL="177800" indent="-177800" algn="r"/>
+            <a:r>
+              <a:rPr lang="en-US" altLang="ko-KR" sz="2800" b="1" spc="-20" dirty="0">
+                <a:solidFill>
+                  <a:schemeClr val="tx1">
+                    <a:lumMod val="65000"/>
+                    <a:lumOff val="35000"/>
+                  </a:schemeClr>
+                </a:solidFill>
+                <a:latin typeface="나눔고딕" pitchFamily="50" charset="-127"/>
+                <a:ea typeface="나눔고딕" pitchFamily="50" charset="-127"/>
+              </a:rPr>
+              <a:t>v.161228</a:t>
+            </a:r>
+            <a:endParaRPr lang="en-US" altLang="ko-KR" sz="2800" spc="-20" dirty="0">
+              <a:solidFill>
+                <a:schemeClr val="tx1">
+                  <a:lumMod val="65000"/>
+                  <a:lumOff val="35000"/>
+                </a:schemeClr>
+              </a:solidFill>
+              <a:latin typeface="나눔고딕" pitchFamily="50" charset="-127"/>
+              <a:ea typeface="나눔고딕" pitchFamily="50" charset="-127"/>
+            </a:endParaRPr>
+          </a:p>
+        </p:txBody>
+      </p:sp>
+      <p:grpSp>
+        <p:nvGrpSpPr>
+          <p:cNvPr id="122" name="그룹 121"/>
+          <p:cNvGrpSpPr/>
+          <p:nvPr/>
+        </p:nvGrpSpPr>
+        <p:grpSpPr>
+          <a:xfrm>
+            <a:off x="6096000" y="4306746"/>
+            <a:ext cx="2000024" cy="246221"/>
+            <a:chOff x="6096000" y="3747405"/>
+            <a:chExt cx="2000024" cy="246221"/>
+          </a:xfrm>
+        </p:grpSpPr>
+        <p:sp>
+          <p:nvSpPr>
+            <p:cNvPr id="123" name="TextBox 43"/>
+            <p:cNvSpPr txBox="1"/>
+            <p:nvPr/>
+          </p:nvSpPr>
+          <p:spPr>
+            <a:xfrm>
+              <a:off x="7670601" y="3747405"/>
+              <a:ext cx="425423" cy="246221"/>
+            </a:xfrm>
+            <a:prstGeom prst="rect">
+              <a:avLst/>
+            </a:prstGeom>
+            <a:solidFill>
+              <a:schemeClr val="bg2">
+                <a:lumMod val="10000"/>
+                <a:alpha val="36078"/>
+              </a:schemeClr>
+            </a:solidFill>
+          </p:spPr>
+          <p:txBody>
+            <a:bodyPr wrap="square" rtlCol="0">
+              <a:spAutoFit/>
+            </a:bodyPr>
+            <a:lstStyle>
+              <a:defPPr>
+                <a:defRPr lang="ko-KR"/>
+              </a:defPPr>
+              <a:lvl1pPr marL="0" algn="l" defTabSz="914400" rtl="0" eaLnBrk="1" latinLnBrk="1" hangingPunct="1">
+                <a:defRPr sz="1800" kern="1200">
+                  <a:solidFill>
+                    <a:schemeClr val="tx1"/>
+                  </a:solidFill>
+                  <a:latin typeface="+mn-lt"/>
+                  <a:ea typeface="+mn-ea"/>
+                  <a:cs typeface="+mn-cs"/>
+                </a:defRPr>
+              </a:lvl1pPr>
+              <a:lvl2pPr marL="457200" algn="l" defTabSz="914400" rtl="0" eaLnBrk="1" latinLnBrk="1" hangingPunct="1">
+                <a:defRPr sz="1800" kern="1200">
+                  <a:solidFill>
+                    <a:schemeClr val="tx1"/>
+                  </a:solidFill>
+                  <a:latin typeface="+mn-lt"/>
+                  <a:ea typeface="+mn-ea"/>
+                  <a:cs typeface="+mn-cs"/>
+                </a:defRPr>
+              </a:lvl2pPr>
+              <a:lvl3pPr marL="914400" algn="l" defTabSz="914400" rtl="0" eaLnBrk="1" latinLnBrk="1" hangingPunct="1">
+                <a:defRPr sz="1800" kern="1200">
+                  <a:solidFill>
+                    <a:schemeClr val="tx1"/>
+                  </a:solidFill>
+                  <a:latin typeface="+mn-lt"/>
+                  <a:ea typeface="+mn-ea"/>
+                  <a:cs typeface="+mn-cs"/>
+                </a:defRPr>
+              </a:lvl3pPr>
+              <a:lvl4pPr marL="1371600" algn="l" defTabSz="914400" rtl="0" eaLnBrk="1" latinLnBrk="1" hangingPunct="1">
+                <a:defRPr sz="1800" kern="1200">
+                  <a:solidFill>
+                    <a:schemeClr val="tx1"/>
+                  </a:solidFill>
+                  <a:latin typeface="+mn-lt"/>
+                  <a:ea typeface="+mn-ea"/>
+                  <a:cs typeface="+mn-cs"/>
+                </a:defRPr>
+              </a:lvl4pPr>
+              <a:lvl5pPr marL="1828800" algn="l" defTabSz="914400" rtl="0" eaLnBrk="1" latinLnBrk="1" hangingPunct="1">
+                <a:defRPr sz="1800" kern="1200">
+                  <a:solidFill>
+                    <a:schemeClr val="tx1"/>
+                  </a:solidFill>
+                  <a:latin typeface="+mn-lt"/>
+                  <a:ea typeface="+mn-ea"/>
+                  <a:cs typeface="+mn-cs"/>
+                </a:defRPr>
+              </a:lvl5pPr>
+              <a:lvl6pPr marL="2286000" algn="l" defTabSz="914400" rtl="0" eaLnBrk="1" latinLnBrk="1" hangingPunct="1">
+                <a:defRPr sz="1800" kern="1200">
+                  <a:solidFill>
+                    <a:schemeClr val="tx1"/>
+                  </a:solidFill>
+                  <a:latin typeface="+mn-lt"/>
+                  <a:ea typeface="+mn-ea"/>
+                  <a:cs typeface="+mn-cs"/>
+                </a:defRPr>
+              </a:lvl6pPr>
+              <a:lvl7pPr marL="2743200" algn="l" defTabSz="914400" rtl="0" eaLnBrk="1" latinLnBrk="1" hangingPunct="1">
+                <a:defRPr sz="1800" kern="1200">
+                  <a:solidFill>
+                    <a:schemeClr val="tx1"/>
+                  </a:solidFill>
+                  <a:latin typeface="+mn-lt"/>
+                  <a:ea typeface="+mn-ea"/>
+                  <a:cs typeface="+mn-cs"/>
+                </a:defRPr>
+              </a:lvl7pPr>
+              <a:lvl8pPr marL="3200400" algn="l" defTabSz="914400" rtl="0" eaLnBrk="1" latinLnBrk="1" hangingPunct="1">
+                <a:defRPr sz="1800" kern="1200">
+                  <a:solidFill>
+                    <a:schemeClr val="tx1"/>
+                  </a:solidFill>
+                  <a:latin typeface="+mn-lt"/>
+                  <a:ea typeface="+mn-ea"/>
+                  <a:cs typeface="+mn-cs"/>
+                </a:defRPr>
+              </a:lvl8pPr>
+              <a:lvl9pPr marL="3657600" algn="l" defTabSz="914400" rtl="0" eaLnBrk="1" latinLnBrk="1" hangingPunct="1">
+                <a:defRPr sz="1800" kern="1200">
+                  <a:solidFill>
+                    <a:schemeClr val="tx1"/>
+                  </a:solidFill>
+                  <a:latin typeface="+mn-lt"/>
+                  <a:ea typeface="+mn-ea"/>
+                  <a:cs typeface="+mn-cs"/>
+                </a:defRPr>
+              </a:lvl9pPr>
+            </a:lstStyle>
+            <a:p>
+              <a:pPr marL="177800" indent="-177800" algn="ctr"/>
+              <a:r>
+                <a:rPr lang="en-US" altLang="ko-KR" sz="1000" b="1">
+                  <a:latin typeface="나눔고딕" pitchFamily="50" charset="-127"/>
+                  <a:ea typeface="나눔고딕" pitchFamily="50" charset="-127"/>
+                </a:rPr>
+                <a:t>502</a:t>
+              </a:r>
+              <a:endParaRPr lang="en-US" altLang="ko-KR" sz="1000" dirty="0">
+                <a:latin typeface="나눔고딕" pitchFamily="50" charset="-127"/>
+                <a:ea typeface="나눔고딕" pitchFamily="50" charset="-127"/>
+              </a:endParaRPr>
+            </a:p>
+          </p:txBody>
+        </p:sp>
+        <p:sp>
+          <p:nvSpPr>
+            <p:cNvPr id="124" name="TextBox 52"/>
+            <p:cNvSpPr txBox="1"/>
+            <p:nvPr/>
+          </p:nvSpPr>
+          <p:spPr>
+            <a:xfrm>
+              <a:off x="6096000" y="3777485"/>
+              <a:ext cx="1574601" cy="215444"/>
+            </a:xfrm>
+            <a:prstGeom prst="rect">
+              <a:avLst/>
+            </a:prstGeom>
+            <a:noFill/>
+          </p:spPr>
+          <p:txBody>
+            <a:bodyPr wrap="square" rtlCol="0" anchor="b">
+              <a:spAutoFit/>
+            </a:bodyPr>
+            <a:lstStyle>
+              <a:defPPr>
+                <a:defRPr lang="ko-KR"/>
+              </a:defPPr>
+              <a:lvl1pPr marL="0" algn="l" defTabSz="914400" rtl="0" eaLnBrk="1" latinLnBrk="1" hangingPunct="1">
+                <a:defRPr sz="1800" kern="1200">
+                  <a:solidFill>
+                    <a:schemeClr val="tx1"/>
+                  </a:solidFill>
+                  <a:latin typeface="+mn-lt"/>
+                  <a:ea typeface="+mn-ea"/>
+                  <a:cs typeface="+mn-cs"/>
+                </a:defRPr>
+              </a:lvl1pPr>
+              <a:lvl2pPr marL="457200" algn="l" defTabSz="914400" rtl="0" eaLnBrk="1" latinLnBrk="1" hangingPunct="1">
+                <a:defRPr sz="1800" kern="1200">
+                  <a:solidFill>
+                    <a:schemeClr val="tx1"/>
+                  </a:solidFill>
+                  <a:latin typeface="+mn-lt"/>
+                  <a:ea typeface="+mn-ea"/>
+                  <a:cs typeface="+mn-cs"/>
+                </a:defRPr>
+              </a:lvl2pPr>
+              <a:lvl3pPr marL="914400" algn="l" defTabSz="914400" rtl="0" eaLnBrk="1" latinLnBrk="1" hangingPunct="1">
+                <a:defRPr sz="1800" kern="1200">
+                  <a:solidFill>
+                    <a:schemeClr val="tx1"/>
+                  </a:solidFill>
+                  <a:latin typeface="+mn-lt"/>
+                  <a:ea typeface="+mn-ea"/>
+                  <a:cs typeface="+mn-cs"/>
+                </a:defRPr>
+              </a:lvl3pPr>
+              <a:lvl4pPr marL="1371600" algn="l" defTabSz="914400" rtl="0" eaLnBrk="1" latinLnBrk="1" hangingPunct="1">
+                <a:defRPr sz="1800" kern="1200">
+                  <a:solidFill>
+                    <a:schemeClr val="tx1"/>
+                  </a:solidFill>
+                  <a:latin typeface="+mn-lt"/>
+                  <a:ea typeface="+mn-ea"/>
+                  <a:cs typeface="+mn-cs"/>
+                </a:defRPr>
+              </a:lvl4pPr>
+              <a:lvl5pPr marL="1828800" algn="l" defTabSz="914400" rtl="0" eaLnBrk="1" latinLnBrk="1" hangingPunct="1">
+                <a:defRPr sz="1800" kern="1200">
+                  <a:solidFill>
+                    <a:schemeClr val="tx1"/>
+                  </a:solidFill>
+                  <a:latin typeface="+mn-lt"/>
+                  <a:ea typeface="+mn-ea"/>
+                  <a:cs typeface="+mn-cs"/>
+                </a:defRPr>
+              </a:lvl5pPr>
+              <a:lvl6pPr marL="2286000" algn="l" defTabSz="914400" rtl="0" eaLnBrk="1" latinLnBrk="1" hangingPunct="1">
+                <a:defRPr sz="1800" kern="1200">
+                  <a:solidFill>
+                    <a:schemeClr val="tx1"/>
+                  </a:solidFill>
+                  <a:latin typeface="+mn-lt"/>
+                  <a:ea typeface="+mn-ea"/>
+                  <a:cs typeface="+mn-cs"/>
+                </a:defRPr>
+              </a:lvl6pPr>
+              <a:lvl7pPr marL="2743200" algn="l" defTabSz="914400" rtl="0" eaLnBrk="1" latinLnBrk="1" hangingPunct="1">
+                <a:defRPr sz="1800" kern="1200">
+                  <a:solidFill>
+                    <a:schemeClr val="tx1"/>
+                  </a:solidFill>
+                  <a:latin typeface="+mn-lt"/>
+                  <a:ea typeface="+mn-ea"/>
+                  <a:cs typeface="+mn-cs"/>
+                </a:defRPr>
+              </a:lvl7pPr>
+              <a:lvl8pPr marL="3200400" algn="l" defTabSz="914400" rtl="0" eaLnBrk="1" latinLnBrk="1" hangingPunct="1">
+                <a:defRPr sz="1800" kern="1200">
+                  <a:solidFill>
+                    <a:schemeClr val="tx1"/>
+                  </a:solidFill>
+                  <a:latin typeface="+mn-lt"/>
+                  <a:ea typeface="+mn-ea"/>
+                  <a:cs typeface="+mn-cs"/>
+                </a:defRPr>
+              </a:lvl8pPr>
+              <a:lvl9pPr marL="3657600" algn="l" defTabSz="914400" rtl="0" eaLnBrk="1" latinLnBrk="1" hangingPunct="1">
+                <a:defRPr sz="1800" kern="1200">
+                  <a:solidFill>
+                    <a:schemeClr val="tx1"/>
+                  </a:solidFill>
+                  <a:latin typeface="+mn-lt"/>
+                  <a:ea typeface="+mn-ea"/>
+                  <a:cs typeface="+mn-cs"/>
+                </a:defRPr>
+              </a:lvl9pPr>
+            </a:lstStyle>
+            <a:p>
+              <a:pPr marL="177800" indent="-177800" algn="r">
+                <a:lnSpc>
+                  <a:spcPct val="80000"/>
+                </a:lnSpc>
+              </a:pPr>
+              <a:r>
+                <a:rPr lang="en-US" altLang="ko-KR" sz="1000" b="1" spc="-20" dirty="0">
+                  <a:latin typeface="나눔고딕" pitchFamily="50" charset="-127"/>
+                  <a:ea typeface="나눔고딕" pitchFamily="50" charset="-127"/>
+                </a:rPr>
+                <a:t>send CREDIT</a:t>
+              </a:r>
+              <a:endParaRPr lang="en-US" altLang="ko-KR" sz="1000" spc="-20" dirty="0">
+                <a:latin typeface="나눔고딕" pitchFamily="50" charset="-127"/>
+                <a:ea typeface="나눔고딕" pitchFamily="50" charset="-127"/>
+              </a:endParaRPr>
+            </a:p>
+          </p:txBody>
+        </p:sp>
+      </p:grpSp>
+      <p:grpSp>
+        <p:nvGrpSpPr>
+          <p:cNvPr id="128" name="그룹 127"/>
+          <p:cNvGrpSpPr/>
+          <p:nvPr/>
+        </p:nvGrpSpPr>
+        <p:grpSpPr>
+          <a:xfrm flipH="1">
+            <a:off x="8171395" y="4334445"/>
+            <a:ext cx="1255351" cy="215444"/>
+            <a:chOff x="8170557" y="5397868"/>
+            <a:chExt cx="1251378" cy="215444"/>
+          </a:xfrm>
+        </p:grpSpPr>
+        <p:sp>
+          <p:nvSpPr>
+            <p:cNvPr id="129" name="TextBox 52"/>
+            <p:cNvSpPr txBox="1"/>
+            <p:nvPr/>
+          </p:nvSpPr>
+          <p:spPr>
+            <a:xfrm>
+              <a:off x="8232898" y="5397868"/>
+              <a:ext cx="1110028" cy="215444"/>
+            </a:xfrm>
+            <a:prstGeom prst="rect">
+              <a:avLst/>
+            </a:prstGeom>
+            <a:noFill/>
+          </p:spPr>
+          <p:txBody>
+            <a:bodyPr wrap="square" rtlCol="0">
+              <a:spAutoFit/>
+            </a:bodyPr>
+            <a:lstStyle>
+              <a:defPPr>
+                <a:defRPr lang="ko-KR"/>
+              </a:defPPr>
+              <a:lvl1pPr marL="0" algn="l" defTabSz="914400" rtl="0" eaLnBrk="1" latinLnBrk="1" hangingPunct="1">
+                <a:defRPr sz="1800" kern="1200">
+                  <a:solidFill>
+                    <a:schemeClr val="tx1"/>
+                  </a:solidFill>
+                  <a:latin typeface="+mn-lt"/>
+                  <a:ea typeface="+mn-ea"/>
+                  <a:cs typeface="+mn-cs"/>
+                </a:defRPr>
+              </a:lvl1pPr>
+              <a:lvl2pPr marL="457200" algn="l" defTabSz="914400" rtl="0" eaLnBrk="1" latinLnBrk="1" hangingPunct="1">
+                <a:defRPr sz="1800" kern="1200">
+                  <a:solidFill>
+                    <a:schemeClr val="tx1"/>
+                  </a:solidFill>
+                  <a:latin typeface="+mn-lt"/>
+                  <a:ea typeface="+mn-ea"/>
+                  <a:cs typeface="+mn-cs"/>
+                </a:defRPr>
+              </a:lvl2pPr>
+              <a:lvl3pPr marL="914400" algn="l" defTabSz="914400" rtl="0" eaLnBrk="1" latinLnBrk="1" hangingPunct="1">
+                <a:defRPr sz="1800" kern="1200">
+                  <a:solidFill>
+                    <a:schemeClr val="tx1"/>
+                  </a:solidFill>
+                  <a:latin typeface="+mn-lt"/>
+                  <a:ea typeface="+mn-ea"/>
+                  <a:cs typeface="+mn-cs"/>
+                </a:defRPr>
+              </a:lvl3pPr>
+              <a:lvl4pPr marL="1371600" algn="l" defTabSz="914400" rtl="0" eaLnBrk="1" latinLnBrk="1" hangingPunct="1">
+                <a:defRPr sz="1800" kern="1200">
+                  <a:solidFill>
+                    <a:schemeClr val="tx1"/>
+                  </a:solidFill>
+                  <a:latin typeface="+mn-lt"/>
+                  <a:ea typeface="+mn-ea"/>
+                  <a:cs typeface="+mn-cs"/>
+                </a:defRPr>
+              </a:lvl4pPr>
+              <a:lvl5pPr marL="1828800" algn="l" defTabSz="914400" rtl="0" eaLnBrk="1" latinLnBrk="1" hangingPunct="1">
+                <a:defRPr sz="1800" kern="1200">
+                  <a:solidFill>
+                    <a:schemeClr val="tx1"/>
+                  </a:solidFill>
+                  <a:latin typeface="+mn-lt"/>
+                  <a:ea typeface="+mn-ea"/>
+                  <a:cs typeface="+mn-cs"/>
+                </a:defRPr>
+              </a:lvl5pPr>
+              <a:lvl6pPr marL="2286000" algn="l" defTabSz="914400" rtl="0" eaLnBrk="1" latinLnBrk="1" hangingPunct="1">
+                <a:defRPr sz="1800" kern="1200">
+                  <a:solidFill>
+                    <a:schemeClr val="tx1"/>
+                  </a:solidFill>
+                  <a:latin typeface="+mn-lt"/>
+                  <a:ea typeface="+mn-ea"/>
+                  <a:cs typeface="+mn-cs"/>
+                </a:defRPr>
+              </a:lvl6pPr>
+              <a:lvl7pPr marL="2743200" algn="l" defTabSz="914400" rtl="0" eaLnBrk="1" latinLnBrk="1" hangingPunct="1">
+                <a:defRPr sz="1800" kern="1200">
+                  <a:solidFill>
+                    <a:schemeClr val="tx1"/>
+                  </a:solidFill>
+                  <a:latin typeface="+mn-lt"/>
+                  <a:ea typeface="+mn-ea"/>
+                  <a:cs typeface="+mn-cs"/>
+                </a:defRPr>
+              </a:lvl7pPr>
+              <a:lvl8pPr marL="3200400" algn="l" defTabSz="914400" rtl="0" eaLnBrk="1" latinLnBrk="1" hangingPunct="1">
+                <a:defRPr sz="1800" kern="1200">
+                  <a:solidFill>
+                    <a:schemeClr val="tx1"/>
+                  </a:solidFill>
+                  <a:latin typeface="+mn-lt"/>
+                  <a:ea typeface="+mn-ea"/>
+                  <a:cs typeface="+mn-cs"/>
+                </a:defRPr>
+              </a:lvl8pPr>
+              <a:lvl9pPr marL="3657600" algn="l" defTabSz="914400" rtl="0" eaLnBrk="1" latinLnBrk="1" hangingPunct="1">
+                <a:defRPr sz="1800" kern="1200">
+                  <a:solidFill>
+                    <a:schemeClr val="tx1"/>
+                  </a:solidFill>
+                  <a:latin typeface="+mn-lt"/>
+                  <a:ea typeface="+mn-ea"/>
+                  <a:cs typeface="+mn-cs"/>
+                </a:defRPr>
+              </a:lvl9pPr>
+            </a:lstStyle>
+            <a:p>
+              <a:pPr marL="177800" indent="-177800" algn="ctr">
+                <a:lnSpc>
+                  <a:spcPct val="80000"/>
+                </a:lnSpc>
+              </a:pPr>
+              <a:r>
+                <a:rPr lang="en-US" altLang="ko-KR" sz="1000" b="1" spc="-20" dirty="0">
+                  <a:latin typeface="나눔고딕" pitchFamily="50" charset="-127"/>
+                  <a:ea typeface="나눔고딕" pitchFamily="50" charset="-127"/>
+                </a:rPr>
+                <a:t>+ </a:t>
+              </a:r>
+              <a:r>
+                <a:rPr lang="en-US" altLang="ko-KR" sz="1000" b="1" dirty="0">
+                  <a:latin typeface="나눔고딕" pitchFamily="50" charset="-127"/>
+                  <a:ea typeface="나눔고딕" pitchFamily="50" charset="-127"/>
+                </a:rPr>
+                <a:t>credit</a:t>
+              </a:r>
+              <a:endParaRPr lang="en-US" altLang="ko-KR" sz="1000" dirty="0">
+                <a:latin typeface="나눔고딕" pitchFamily="50" charset="-127"/>
+                <a:ea typeface="나눔고딕" pitchFamily="50" charset="-127"/>
+              </a:endParaRPr>
+            </a:p>
+          </p:txBody>
+        </p:sp>
+        <p:cxnSp>
+          <p:nvCxnSpPr>
+            <p:cNvPr id="130" name="직선 화살표 연결선 129"/>
+            <p:cNvCxnSpPr/>
+            <p:nvPr/>
+          </p:nvCxnSpPr>
+          <p:spPr>
+            <a:xfrm flipH="1" flipV="1">
+              <a:off x="8170557" y="5567846"/>
+              <a:ext cx="1251378" cy="1"/>
+            </a:xfrm>
+            <a:prstGeom prst="straightConnector1">
+              <a:avLst/>
+            </a:prstGeom>
+            <a:ln w="31750">
+              <a:solidFill>
+                <a:schemeClr val="tx1"/>
+              </a:solidFill>
+              <a:prstDash val="solid"/>
+              <a:tailEnd type="triangle"/>
+            </a:ln>
+          </p:spPr>
+          <p:style>
+            <a:lnRef idx="1">
+              <a:schemeClr val="accent1"/>
+            </a:lnRef>
+            <a:fillRef idx="0">
+              <a:schemeClr val="accent1"/>
+            </a:fillRef>
+            <a:effectRef idx="0">
+              <a:schemeClr val="accent1"/>
+            </a:effectRef>
+            <a:fontRef idx="minor">
+              <a:schemeClr val="tx1"/>
+            </a:fontRef>
+          </p:style>
+        </p:cxnSp>
       </p:grpSp>
     </p:spTree>
     <p:extLst>

--- a/Carrot AND Stick.pptx
+++ b/Carrot AND Stick.pptx
@@ -260,7 +260,7 @@
           <a:p>
             <a:fld id="{8B9F15C9-92B9-4E75-9419-66BA160F044F}" type="datetimeFigureOut">
               <a:rPr lang="ko-KR" altLang="en-US" smtClean="0"/>
-              <a:t>2016-12-28</a:t>
+              <a:t>2017-01-04</a:t>
             </a:fld>
             <a:endParaRPr lang="ko-KR" altLang="en-US"/>
           </a:p>
@@ -428,7 +428,7 @@
           <a:p>
             <a:fld id="{8B9F15C9-92B9-4E75-9419-66BA160F044F}" type="datetimeFigureOut">
               <a:rPr lang="ko-KR" altLang="en-US" smtClean="0"/>
-              <a:t>2016-12-28</a:t>
+              <a:t>2017-01-04</a:t>
             </a:fld>
             <a:endParaRPr lang="ko-KR" altLang="en-US"/>
           </a:p>
@@ -606,7 +606,7 @@
           <a:p>
             <a:fld id="{8B9F15C9-92B9-4E75-9419-66BA160F044F}" type="datetimeFigureOut">
               <a:rPr lang="ko-KR" altLang="en-US" smtClean="0"/>
-              <a:t>2016-12-28</a:t>
+              <a:t>2017-01-04</a:t>
             </a:fld>
             <a:endParaRPr lang="ko-KR" altLang="en-US"/>
           </a:p>
@@ -774,7 +774,7 @@
           <a:p>
             <a:fld id="{8B9F15C9-92B9-4E75-9419-66BA160F044F}" type="datetimeFigureOut">
               <a:rPr lang="ko-KR" altLang="en-US" smtClean="0"/>
-              <a:t>2016-12-28</a:t>
+              <a:t>2017-01-04</a:t>
             </a:fld>
             <a:endParaRPr lang="ko-KR" altLang="en-US"/>
           </a:p>
@@ -1019,7 +1019,7 @@
           <a:p>
             <a:fld id="{8B9F15C9-92B9-4E75-9419-66BA160F044F}" type="datetimeFigureOut">
               <a:rPr lang="ko-KR" altLang="en-US" smtClean="0"/>
-              <a:t>2016-12-28</a:t>
+              <a:t>2017-01-04</a:t>
             </a:fld>
             <a:endParaRPr lang="ko-KR" altLang="en-US"/>
           </a:p>
@@ -1248,7 +1248,7 @@
           <a:p>
             <a:fld id="{8B9F15C9-92B9-4E75-9419-66BA160F044F}" type="datetimeFigureOut">
               <a:rPr lang="ko-KR" altLang="en-US" smtClean="0"/>
-              <a:t>2016-12-28</a:t>
+              <a:t>2017-01-04</a:t>
             </a:fld>
             <a:endParaRPr lang="ko-KR" altLang="en-US"/>
           </a:p>
@@ -1612,7 +1612,7 @@
           <a:p>
             <a:fld id="{8B9F15C9-92B9-4E75-9419-66BA160F044F}" type="datetimeFigureOut">
               <a:rPr lang="ko-KR" altLang="en-US" smtClean="0"/>
-              <a:t>2016-12-28</a:t>
+              <a:t>2017-01-04</a:t>
             </a:fld>
             <a:endParaRPr lang="ko-KR" altLang="en-US"/>
           </a:p>
@@ -1729,7 +1729,7 @@
           <a:p>
             <a:fld id="{8B9F15C9-92B9-4E75-9419-66BA160F044F}" type="datetimeFigureOut">
               <a:rPr lang="ko-KR" altLang="en-US" smtClean="0"/>
-              <a:t>2016-12-28</a:t>
+              <a:t>2017-01-04</a:t>
             </a:fld>
             <a:endParaRPr lang="ko-KR" altLang="en-US"/>
           </a:p>
@@ -1824,7 +1824,7 @@
           <a:p>
             <a:fld id="{8B9F15C9-92B9-4E75-9419-66BA160F044F}" type="datetimeFigureOut">
               <a:rPr lang="ko-KR" altLang="en-US" smtClean="0"/>
-              <a:t>2016-12-28</a:t>
+              <a:t>2017-01-04</a:t>
             </a:fld>
             <a:endParaRPr lang="ko-KR" altLang="en-US"/>
           </a:p>
@@ -2099,7 +2099,7 @@
           <a:p>
             <a:fld id="{8B9F15C9-92B9-4E75-9419-66BA160F044F}" type="datetimeFigureOut">
               <a:rPr lang="ko-KR" altLang="en-US" smtClean="0"/>
-              <a:t>2016-12-28</a:t>
+              <a:t>2017-01-04</a:t>
             </a:fld>
             <a:endParaRPr lang="ko-KR" altLang="en-US"/>
           </a:p>
@@ -2351,7 +2351,7 @@
           <a:p>
             <a:fld id="{8B9F15C9-92B9-4E75-9419-66BA160F044F}" type="datetimeFigureOut">
               <a:rPr lang="ko-KR" altLang="en-US" smtClean="0"/>
-              <a:t>2016-12-28</a:t>
+              <a:t>2017-01-04</a:t>
             </a:fld>
             <a:endParaRPr lang="ko-KR" altLang="en-US"/>
           </a:p>
@@ -2562,7 +2562,7 @@
           <a:p>
             <a:fld id="{8B9F15C9-92B9-4E75-9419-66BA160F044F}" type="datetimeFigureOut">
               <a:rPr lang="ko-KR" altLang="en-US" smtClean="0"/>
-              <a:t>2016-12-28</a:t>
+              <a:t>2017-01-04</a:t>
             </a:fld>
             <a:endParaRPr lang="ko-KR" altLang="en-US"/>
           </a:p>
@@ -34819,7 +34819,7 @@
                   <a:latin typeface="나눔고딕" pitchFamily="50" charset="-127"/>
                   <a:ea typeface="나눔고딕" pitchFamily="50" charset="-127"/>
                 </a:rPr>
-                <a:t>553</a:t>
+                <a:t>552</a:t>
               </a:r>
               <a:endParaRPr lang="en-US" altLang="ko-KR" sz="1000" dirty="0">
                 <a:latin typeface="나눔고딕" pitchFamily="50" charset="-127"/>
@@ -34954,7 +34954,14 @@
                   <a:latin typeface="나눔고딕" pitchFamily="50" charset="-127"/>
                   <a:ea typeface="나눔고딕" pitchFamily="50" charset="-127"/>
                 </a:rPr>
-                <a:t>alert OFF HOOK</a:t>
+                <a:t>alert </a:t>
+              </a:r>
+              <a:r>
+                <a:rPr lang="en-US" altLang="ko-KR" sz="1000" b="1" spc="-20" dirty="0">
+                  <a:latin typeface="나눔고딕" pitchFamily="50" charset="-127"/>
+                  <a:ea typeface="나눔고딕" pitchFamily="50" charset="-127"/>
+                </a:rPr>
+                <a:t>OUTGOING CALL</a:t>
               </a:r>
               <a:endParaRPr lang="en-US" altLang="ko-KR" sz="1000" spc="-20" dirty="0">
                 <a:latin typeface="나눔고딕" pitchFamily="50" charset="-127"/>
@@ -35950,7 +35957,7 @@
           <a:p>
             <a:pPr marL="177800" indent="-177800" algn="r"/>
             <a:r>
-              <a:rPr lang="en-US" altLang="ko-KR" sz="2800" b="1" spc="-20" dirty="0">
+              <a:rPr lang="en-US" altLang="ko-KR" sz="2800" b="1" spc="-20">
                 <a:solidFill>
                   <a:schemeClr val="tx1">
                     <a:lumMod val="65000"/>
@@ -35960,7 +35967,7 @@
                 <a:latin typeface="나눔고딕" pitchFamily="50" charset="-127"/>
                 <a:ea typeface="나눔고딕" pitchFamily="50" charset="-127"/>
               </a:rPr>
-              <a:t>v.161229</a:t>
+              <a:t>v.170104</a:t>
             </a:r>
             <a:endParaRPr lang="en-US" altLang="ko-KR" sz="2800" spc="-20" dirty="0">
               <a:solidFill>
@@ -38661,7 +38668,7 @@
             <a:p>
               <a:pPr marL="177800" indent="-177800" algn="ctr"/>
               <a:r>
-                <a:rPr lang="en-US" altLang="ko-KR" sz="1100" b="1" dirty="0">
+                <a:rPr lang="en-US" altLang="ko-KR" sz="1100" b="1" spc="-150" dirty="0">
                   <a:solidFill>
                     <a:schemeClr val="tx1">
                       <a:lumMod val="65000"/>
@@ -38671,9 +38678,9 @@
                   <a:latin typeface="나눔고딕" pitchFamily="50" charset="-127"/>
                   <a:ea typeface="나눔고딕" pitchFamily="50" charset="-127"/>
                 </a:rPr>
-                <a:t>CALL RECEIVE</a:t>
+                <a:t>OUTGOING_CALL</a:t>
               </a:r>
-              <a:endParaRPr lang="en-US" altLang="ko-KR" sz="1100" dirty="0">
+              <a:endParaRPr lang="en-US" altLang="ko-KR" sz="1100" spc="-150" dirty="0">
                 <a:solidFill>
                   <a:schemeClr val="tx1">
                     <a:lumMod val="65000"/>
@@ -38962,7 +38969,7 @@
                     <a:latin typeface="나눔고딕" pitchFamily="50" charset="-127"/>
                     <a:ea typeface="나눔고딕" pitchFamily="50" charset="-127"/>
                   </a:rPr>
-                  <a:t>CALL RECEIVE</a:t>
+                  <a:t>Outgoing Call</a:t>
                 </a:r>
                 <a:endParaRPr lang="en-US" altLang="ko-KR" sz="1200" spc="-20" dirty="0">
                   <a:latin typeface="나눔고딕" pitchFamily="50" charset="-127"/>

--- a/Carrot AND Stick.pptx
+++ b/Carrot AND Stick.pptx
@@ -260,7 +260,7 @@
           <a:p>
             <a:fld id="{8B9F15C9-92B9-4E75-9419-66BA160F044F}" type="datetimeFigureOut">
               <a:rPr lang="ko-KR" altLang="en-US" smtClean="0"/>
-              <a:t>2017-01-04</a:t>
+              <a:t>2017-01-15</a:t>
             </a:fld>
             <a:endParaRPr lang="ko-KR" altLang="en-US"/>
           </a:p>
@@ -428,7 +428,7 @@
           <a:p>
             <a:fld id="{8B9F15C9-92B9-4E75-9419-66BA160F044F}" type="datetimeFigureOut">
               <a:rPr lang="ko-KR" altLang="en-US" smtClean="0"/>
-              <a:t>2017-01-04</a:t>
+              <a:t>2017-01-15</a:t>
             </a:fld>
             <a:endParaRPr lang="ko-KR" altLang="en-US"/>
           </a:p>
@@ -606,7 +606,7 @@
           <a:p>
             <a:fld id="{8B9F15C9-92B9-4E75-9419-66BA160F044F}" type="datetimeFigureOut">
               <a:rPr lang="ko-KR" altLang="en-US" smtClean="0"/>
-              <a:t>2017-01-04</a:t>
+              <a:t>2017-01-15</a:t>
             </a:fld>
             <a:endParaRPr lang="ko-KR" altLang="en-US"/>
           </a:p>
@@ -774,7 +774,7 @@
           <a:p>
             <a:fld id="{8B9F15C9-92B9-4E75-9419-66BA160F044F}" type="datetimeFigureOut">
               <a:rPr lang="ko-KR" altLang="en-US" smtClean="0"/>
-              <a:t>2017-01-04</a:t>
+              <a:t>2017-01-15</a:t>
             </a:fld>
             <a:endParaRPr lang="ko-KR" altLang="en-US"/>
           </a:p>
@@ -1019,7 +1019,7 @@
           <a:p>
             <a:fld id="{8B9F15C9-92B9-4E75-9419-66BA160F044F}" type="datetimeFigureOut">
               <a:rPr lang="ko-KR" altLang="en-US" smtClean="0"/>
-              <a:t>2017-01-04</a:t>
+              <a:t>2017-01-15</a:t>
             </a:fld>
             <a:endParaRPr lang="ko-KR" altLang="en-US"/>
           </a:p>
@@ -1248,7 +1248,7 @@
           <a:p>
             <a:fld id="{8B9F15C9-92B9-4E75-9419-66BA160F044F}" type="datetimeFigureOut">
               <a:rPr lang="ko-KR" altLang="en-US" smtClean="0"/>
-              <a:t>2017-01-04</a:t>
+              <a:t>2017-01-15</a:t>
             </a:fld>
             <a:endParaRPr lang="ko-KR" altLang="en-US"/>
           </a:p>
@@ -1612,7 +1612,7 @@
           <a:p>
             <a:fld id="{8B9F15C9-92B9-4E75-9419-66BA160F044F}" type="datetimeFigureOut">
               <a:rPr lang="ko-KR" altLang="en-US" smtClean="0"/>
-              <a:t>2017-01-04</a:t>
+              <a:t>2017-01-15</a:t>
             </a:fld>
             <a:endParaRPr lang="ko-KR" altLang="en-US"/>
           </a:p>
@@ -1729,7 +1729,7 @@
           <a:p>
             <a:fld id="{8B9F15C9-92B9-4E75-9419-66BA160F044F}" type="datetimeFigureOut">
               <a:rPr lang="ko-KR" altLang="en-US" smtClean="0"/>
-              <a:t>2017-01-04</a:t>
+              <a:t>2017-01-15</a:t>
             </a:fld>
             <a:endParaRPr lang="ko-KR" altLang="en-US"/>
           </a:p>
@@ -1824,7 +1824,7 @@
           <a:p>
             <a:fld id="{8B9F15C9-92B9-4E75-9419-66BA160F044F}" type="datetimeFigureOut">
               <a:rPr lang="ko-KR" altLang="en-US" smtClean="0"/>
-              <a:t>2017-01-04</a:t>
+              <a:t>2017-01-15</a:t>
             </a:fld>
             <a:endParaRPr lang="ko-KR" altLang="en-US"/>
           </a:p>
@@ -2099,7 +2099,7 @@
           <a:p>
             <a:fld id="{8B9F15C9-92B9-4E75-9419-66BA160F044F}" type="datetimeFigureOut">
               <a:rPr lang="ko-KR" altLang="en-US" smtClean="0"/>
-              <a:t>2017-01-04</a:t>
+              <a:t>2017-01-15</a:t>
             </a:fld>
             <a:endParaRPr lang="ko-KR" altLang="en-US"/>
           </a:p>
@@ -2351,7 +2351,7 @@
           <a:p>
             <a:fld id="{8B9F15C9-92B9-4E75-9419-66BA160F044F}" type="datetimeFigureOut">
               <a:rPr lang="ko-KR" altLang="en-US" smtClean="0"/>
-              <a:t>2017-01-04</a:t>
+              <a:t>2017-01-15</a:t>
             </a:fld>
             <a:endParaRPr lang="ko-KR" altLang="en-US"/>
           </a:p>
@@ -2562,7 +2562,7 @@
           <a:p>
             <a:fld id="{8B9F15C9-92B9-4E75-9419-66BA160F044F}" type="datetimeFigureOut">
               <a:rPr lang="ko-KR" altLang="en-US" smtClean="0"/>
-              <a:t>2017-01-04</a:t>
+              <a:t>2017-01-15</a:t>
             </a:fld>
             <a:endParaRPr lang="ko-KR" altLang="en-US"/>
           </a:p>
@@ -28946,7 +28946,7 @@
         </p:nvGrpSpPr>
         <p:grpSpPr>
           <a:xfrm>
-            <a:off x="299050" y="2492023"/>
+            <a:off x="299819" y="2517253"/>
             <a:ext cx="2461404" cy="4223102"/>
             <a:chOff x="720924" y="2681703"/>
             <a:chExt cx="2461404" cy="3227391"/>
@@ -29999,7 +29999,7 @@
                   <a:latin typeface="나눔고딕" pitchFamily="50" charset="-127"/>
                   <a:ea typeface="나눔고딕" pitchFamily="50" charset="-127"/>
                 </a:rPr>
-                <a:t>connected with AoT</a:t>
+                <a:t>connect with AoT</a:t>
               </a:r>
               <a:endParaRPr lang="en-US" altLang="ko-KR" sz="1000" spc="-20" dirty="0">
                 <a:latin typeface="나눔고딕" pitchFamily="50" charset="-127"/>
@@ -30285,7 +30285,7 @@
                   <a:latin typeface="나눔고딕" pitchFamily="50" charset="-127"/>
                   <a:ea typeface="나눔고딕" pitchFamily="50" charset="-127"/>
                 </a:rPr>
-                <a:t>connected with BG</a:t>
+                <a:t>connect with BG</a:t>
               </a:r>
               <a:endParaRPr lang="en-US" altLang="ko-KR" sz="1000" spc="-20" dirty="0">
                 <a:latin typeface="나눔고딕" pitchFamily="50" charset="-127"/>
@@ -30683,7 +30683,14 @@
                   <a:latin typeface="나눔고딕" pitchFamily="50" charset="-127"/>
                   <a:ea typeface="나눔고딕" pitchFamily="50" charset="-127"/>
                 </a:rPr>
-                <a:t>disconnected with AoT</a:t>
+                <a:t>disconnect </a:t>
+              </a:r>
+              <a:r>
+                <a:rPr lang="en-US" altLang="ko-KR" sz="1000" b="1" spc="-20" dirty="0" err="1">
+                  <a:latin typeface="나눔고딕" pitchFamily="50" charset="-127"/>
+                  <a:ea typeface="나눔고딕" pitchFamily="50" charset="-127"/>
+                </a:rPr>
+                <a:t>AoT</a:t>
               </a:r>
               <a:endParaRPr lang="en-US" altLang="ko-KR" sz="1000" spc="-20" dirty="0">
                 <a:latin typeface="나눔고딕" pitchFamily="50" charset="-127"/>
@@ -31060,7 +31067,7 @@
         </p:nvGrpSpPr>
         <p:grpSpPr>
           <a:xfrm>
-            <a:off x="5770348" y="3897171"/>
+            <a:off x="5770348" y="3721911"/>
             <a:ext cx="651884" cy="1084355"/>
             <a:chOff x="5925020" y="4383822"/>
             <a:chExt cx="794154" cy="694755"/>
@@ -31287,7 +31294,7 @@
         </p:nvSpPr>
         <p:spPr>
           <a:xfrm>
-            <a:off x="2823797" y="4021433"/>
+            <a:off x="2823797" y="3846173"/>
             <a:ext cx="1110028" cy="215444"/>
           </a:xfrm>
           <a:prstGeom prst="rect">
@@ -31422,7 +31429,7 @@
         </p:nvCxnSpPr>
         <p:spPr>
           <a:xfrm flipH="1" flipV="1">
-            <a:off x="2761456" y="4191411"/>
+            <a:off x="2761456" y="4016151"/>
             <a:ext cx="1251378" cy="1"/>
           </a:xfrm>
           <a:prstGeom prst="straightConnector1">
@@ -31459,7 +31466,7 @@
         </p:nvGrpSpPr>
         <p:grpSpPr>
           <a:xfrm>
-            <a:off x="4081802" y="3993631"/>
+            <a:off x="4081802" y="3818371"/>
             <a:ext cx="2014198" cy="246221"/>
             <a:chOff x="4081802" y="3747405"/>
             <a:chExt cx="2014198" cy="246221"/>
@@ -31745,7 +31752,7 @@
         </p:nvSpPr>
         <p:spPr>
           <a:xfrm>
-            <a:off x="2823797" y="4337818"/>
+            <a:off x="2823797" y="4174463"/>
             <a:ext cx="1110028" cy="215444"/>
           </a:xfrm>
           <a:prstGeom prst="rect">
@@ -31880,7 +31887,7 @@
         </p:nvCxnSpPr>
         <p:spPr>
           <a:xfrm flipH="1" flipV="1">
-            <a:off x="2761456" y="4519705"/>
+            <a:off x="2761456" y="4346826"/>
             <a:ext cx="1251378" cy="1"/>
           </a:xfrm>
           <a:prstGeom prst="straightConnector1">
@@ -31917,7 +31924,7 @@
         </p:nvGrpSpPr>
         <p:grpSpPr>
           <a:xfrm>
-            <a:off x="4081802" y="4321921"/>
+            <a:off x="4081802" y="4146661"/>
             <a:ext cx="2014198" cy="246221"/>
             <a:chOff x="4081802" y="3747405"/>
             <a:chExt cx="2014198" cy="246221"/>
@@ -32203,7 +32210,7 @@
         </p:nvSpPr>
         <p:spPr>
           <a:xfrm rot="10800000">
-            <a:off x="5444116" y="4032458"/>
+            <a:off x="5444116" y="3857198"/>
             <a:ext cx="314487" cy="168471"/>
           </a:xfrm>
           <a:prstGeom prst="stripedRightArrow">
@@ -32270,7 +32277,7 @@
         </p:nvSpPr>
         <p:spPr>
           <a:xfrm rot="10800000">
-            <a:off x="5444116" y="4358885"/>
+            <a:off x="5444116" y="4183625"/>
             <a:ext cx="314487" cy="168471"/>
           </a:xfrm>
           <a:prstGeom prst="stripedRightArrow">
@@ -32740,7 +32747,7 @@
                   <a:latin typeface="나눔고딕" pitchFamily="50" charset="-127"/>
                   <a:ea typeface="나눔고딕" pitchFamily="50" charset="-127"/>
                 </a:rPr>
-                <a:t>connected with CT</a:t>
+                <a:t>connect with CT</a:t>
               </a:r>
               <a:endParaRPr lang="en-US" altLang="ko-KR" sz="1000" spc="-20" dirty="0">
                 <a:latin typeface="나눔고딕" pitchFamily="50" charset="-127"/>
@@ -33559,7 +33566,7 @@
                   <a:latin typeface="나눔고딕" pitchFamily="50" charset="-127"/>
                   <a:ea typeface="나눔고딕" pitchFamily="50" charset="-127"/>
                 </a:rPr>
-                <a:t>disconnected with CT</a:t>
+                <a:t>disconnect CT</a:t>
               </a:r>
               <a:endParaRPr lang="en-US" altLang="ko-KR" sz="1000" spc="-20" dirty="0">
                 <a:latin typeface="나눔고딕" pitchFamily="50" charset="-127"/>
@@ -34221,8 +34228,8 @@
         </p:nvSpPr>
         <p:spPr>
           <a:xfrm>
-            <a:off x="2823797" y="5385271"/>
-            <a:ext cx="1110028" cy="215444"/>
+            <a:off x="2793206" y="5143971"/>
+            <a:ext cx="1171210" cy="215444"/>
           </a:xfrm>
           <a:prstGeom prst="rect">
             <a:avLst/>
@@ -34342,11 +34349,18 @@
               <a:t>+ </a:t>
             </a:r>
             <a:r>
+              <a:rPr lang="en-US" altLang="ko-KR" sz="1000" b="1" spc="-150" dirty="0">
+                <a:latin typeface="나눔고딕" pitchFamily="50" charset="-127"/>
+                <a:ea typeface="나눔고딕" pitchFamily="50" charset="-127"/>
+              </a:rPr>
+              <a:t>STATE &amp; </a:t>
+            </a:r>
+            <a:r>
               <a:rPr lang="en-US" altLang="ko-KR" sz="1000" b="1" dirty="0">
                 <a:latin typeface="나눔고딕" pitchFamily="50" charset="-127"/>
                 <a:ea typeface="나눔고딕" pitchFamily="50" charset="-127"/>
               </a:rPr>
-              <a:t>call number</a:t>
+              <a:t>caller ID</a:t>
             </a:r>
             <a:endParaRPr lang="en-US" altLang="ko-KR" sz="1000" dirty="0">
               <a:latin typeface="나눔고딕" pitchFamily="50" charset="-127"/>
@@ -34363,7 +34377,7 @@
         </p:nvCxnSpPr>
         <p:spPr>
           <a:xfrm flipH="1" flipV="1">
-            <a:off x="2761456" y="5555249"/>
+            <a:off x="2761456" y="5313949"/>
             <a:ext cx="1251378" cy="1"/>
           </a:xfrm>
           <a:prstGeom prst="straightConnector1">
@@ -34400,7 +34414,7 @@
         </p:nvGrpSpPr>
         <p:grpSpPr>
           <a:xfrm>
-            <a:off x="4081802" y="5357469"/>
+            <a:off x="4081802" y="5116169"/>
             <a:ext cx="2014198" cy="246221"/>
             <a:chOff x="4081802" y="3747405"/>
             <a:chExt cx="2014198" cy="246221"/>
@@ -34533,7 +34547,7 @@
                   <a:latin typeface="나눔고딕" pitchFamily="50" charset="-127"/>
                   <a:ea typeface="나눔고딕" pitchFamily="50" charset="-127"/>
                 </a:rPr>
-                <a:t>152</a:t>
+                <a:t>151</a:t>
               </a:r>
               <a:endParaRPr lang="en-US" altLang="ko-KR" sz="1000" dirty="0">
                 <a:latin typeface="나눔고딕" pitchFamily="50" charset="-127"/>
@@ -34668,7 +34682,7 @@
                   <a:latin typeface="나눔고딕" pitchFamily="50" charset="-127"/>
                   <a:ea typeface="나눔고딕" pitchFamily="50" charset="-127"/>
                 </a:rPr>
-                <a:t>alert OUTGOING CALL</a:t>
+                <a:t>send PHONESTATE</a:t>
               </a:r>
               <a:endParaRPr lang="en-US" altLang="ko-KR" sz="1000" spc="-20" dirty="0">
                 <a:latin typeface="나눔고딕" pitchFamily="50" charset="-127"/>
@@ -34686,7 +34700,7 @@
         </p:nvGrpSpPr>
         <p:grpSpPr>
           <a:xfrm>
-            <a:off x="6096000" y="5357469"/>
+            <a:off x="6096000" y="5116169"/>
             <a:ext cx="2000024" cy="246221"/>
             <a:chOff x="6096000" y="3747405"/>
             <a:chExt cx="2000024" cy="246221"/>
@@ -34954,14 +34968,7 @@
                   <a:latin typeface="나눔고딕" pitchFamily="50" charset="-127"/>
                   <a:ea typeface="나눔고딕" pitchFamily="50" charset="-127"/>
                 </a:rPr>
-                <a:t>alert </a:t>
-              </a:r>
-              <a:r>
-                <a:rPr lang="en-US" altLang="ko-KR" sz="1000" b="1" spc="-20" dirty="0">
-                  <a:latin typeface="나눔고딕" pitchFamily="50" charset="-127"/>
-                  <a:ea typeface="나눔고딕" pitchFamily="50" charset="-127"/>
-                </a:rPr>
-                <a:t>OUTGOING CALL</a:t>
+                <a:t>alert OUTGOING CALL</a:t>
               </a:r>
               <a:endParaRPr lang="en-US" altLang="ko-KR" sz="1000" spc="-20" dirty="0">
                 <a:latin typeface="나눔고딕" pitchFamily="50" charset="-127"/>
@@ -34979,7 +34986,7 @@
         </p:nvGrpSpPr>
         <p:grpSpPr>
           <a:xfrm flipH="1">
-            <a:off x="8171395" y="5385168"/>
+            <a:off x="8171395" y="5143868"/>
             <a:ext cx="1255351" cy="215444"/>
             <a:chOff x="8170557" y="5397868"/>
             <a:chExt cx="1251378" cy="215444"/>
@@ -35957,7 +35964,7 @@
           <a:p>
             <a:pPr marL="177800" indent="-177800" algn="r"/>
             <a:r>
-              <a:rPr lang="en-US" altLang="ko-KR" sz="2800" b="1" spc="-20">
+              <a:rPr lang="en-US" altLang="ko-KR" sz="2800" b="1" spc="-20" dirty="0">
                 <a:solidFill>
                   <a:schemeClr val="tx1">
                     <a:lumMod val="65000"/>
@@ -35967,7 +35974,7 @@
                 <a:latin typeface="나눔고딕" pitchFamily="50" charset="-127"/>
                 <a:ea typeface="나눔고딕" pitchFamily="50" charset="-127"/>
               </a:rPr>
-              <a:t>v.170104</a:t>
+              <a:t>v.170115</a:t>
             </a:r>
             <a:endParaRPr lang="en-US" altLang="ko-KR" sz="2800" spc="-20" dirty="0">
               <a:solidFill>
@@ -35990,7 +35997,7 @@
         </p:nvGrpSpPr>
         <p:grpSpPr>
           <a:xfrm>
-            <a:off x="6096000" y="3992421"/>
+            <a:off x="6096000" y="3817161"/>
             <a:ext cx="2000024" cy="246221"/>
             <a:chOff x="6096000" y="3747405"/>
             <a:chExt cx="2000024" cy="246221"/>
@@ -36276,7 +36283,7 @@
         </p:nvGrpSpPr>
         <p:grpSpPr>
           <a:xfrm flipH="1">
-            <a:off x="8171395" y="4020120"/>
+            <a:off x="8171395" y="3844860"/>
             <a:ext cx="1255351" cy="215444"/>
             <a:chOff x="8170557" y="5397868"/>
             <a:chExt cx="1251378" cy="215444"/>
@@ -39409,7 +39416,7 @@
         </p:nvSpPr>
         <p:spPr>
           <a:xfrm>
-            <a:off x="2823797" y="4676989"/>
+            <a:off x="2823797" y="4501729"/>
             <a:ext cx="1110028" cy="215444"/>
           </a:xfrm>
           <a:prstGeom prst="rect">
@@ -39544,7 +39551,7 @@
         </p:nvCxnSpPr>
         <p:spPr>
           <a:xfrm flipH="1" flipV="1">
-            <a:off x="2761456" y="4846967"/>
+            <a:off x="2761456" y="4674088"/>
             <a:ext cx="1251378" cy="1"/>
           </a:xfrm>
           <a:prstGeom prst="straightConnector1">
@@ -39581,7 +39588,7 @@
         </p:nvGrpSpPr>
         <p:grpSpPr>
           <a:xfrm>
-            <a:off x="4081802" y="4649187"/>
+            <a:off x="4081802" y="4473927"/>
             <a:ext cx="2014198" cy="246221"/>
             <a:chOff x="4081802" y="3747405"/>
             <a:chExt cx="2014198" cy="246221"/>
@@ -39867,7 +39874,7 @@
         </p:nvSpPr>
         <p:spPr>
           <a:xfrm rot="10800000">
-            <a:off x="5444115" y="4679390"/>
+            <a:off x="5444115" y="4504130"/>
             <a:ext cx="314487" cy="168471"/>
           </a:xfrm>
           <a:prstGeom prst="stripedRightArrow">
@@ -39921,6 +39928,1854 @@
                   <a:lumMod val="40000"/>
                   <a:lumOff val="60000"/>
                 </a:schemeClr>
+              </a:solidFill>
+            </a:endParaRPr>
+          </a:p>
+        </p:txBody>
+      </p:sp>
+      <p:grpSp>
+        <p:nvGrpSpPr>
+          <p:cNvPr id="157" name="그룹 156"/>
+          <p:cNvGrpSpPr/>
+          <p:nvPr/>
+        </p:nvGrpSpPr>
+        <p:grpSpPr>
+          <a:xfrm>
+            <a:off x="357187" y="3812101"/>
+            <a:ext cx="2320653" cy="246221"/>
+            <a:chOff x="1209970" y="3940204"/>
+            <a:chExt cx="2281790" cy="246221"/>
+          </a:xfrm>
+        </p:grpSpPr>
+        <p:sp>
+          <p:nvSpPr>
+            <p:cNvPr id="163" name="TextBox 43"/>
+            <p:cNvSpPr txBox="1"/>
+            <p:nvPr/>
+          </p:nvSpPr>
+          <p:spPr>
+            <a:xfrm>
+              <a:off x="3066337" y="3940204"/>
+              <a:ext cx="425423" cy="246221"/>
+            </a:xfrm>
+            <a:prstGeom prst="rect">
+              <a:avLst/>
+            </a:prstGeom>
+            <a:solidFill>
+              <a:schemeClr val="bg2">
+                <a:lumMod val="10000"/>
+                <a:alpha val="36078"/>
+              </a:schemeClr>
+            </a:solidFill>
+          </p:spPr>
+          <p:txBody>
+            <a:bodyPr wrap="square" rtlCol="0">
+              <a:spAutoFit/>
+            </a:bodyPr>
+            <a:lstStyle>
+              <a:defPPr>
+                <a:defRPr lang="ko-KR"/>
+              </a:defPPr>
+              <a:lvl1pPr marL="0" algn="l" defTabSz="914400" rtl="0" eaLnBrk="1" latinLnBrk="1" hangingPunct="1">
+                <a:defRPr sz="1800" kern="1200">
+                  <a:solidFill>
+                    <a:schemeClr val="tx1"/>
+                  </a:solidFill>
+                  <a:latin typeface="+mn-lt"/>
+                  <a:ea typeface="+mn-ea"/>
+                  <a:cs typeface="+mn-cs"/>
+                </a:defRPr>
+              </a:lvl1pPr>
+              <a:lvl2pPr marL="457200" algn="l" defTabSz="914400" rtl="0" eaLnBrk="1" latinLnBrk="1" hangingPunct="1">
+                <a:defRPr sz="1800" kern="1200">
+                  <a:solidFill>
+                    <a:schemeClr val="tx1"/>
+                  </a:solidFill>
+                  <a:latin typeface="+mn-lt"/>
+                  <a:ea typeface="+mn-ea"/>
+                  <a:cs typeface="+mn-cs"/>
+                </a:defRPr>
+              </a:lvl2pPr>
+              <a:lvl3pPr marL="914400" algn="l" defTabSz="914400" rtl="0" eaLnBrk="1" latinLnBrk="1" hangingPunct="1">
+                <a:defRPr sz="1800" kern="1200">
+                  <a:solidFill>
+                    <a:schemeClr val="tx1"/>
+                  </a:solidFill>
+                  <a:latin typeface="+mn-lt"/>
+                  <a:ea typeface="+mn-ea"/>
+                  <a:cs typeface="+mn-cs"/>
+                </a:defRPr>
+              </a:lvl3pPr>
+              <a:lvl4pPr marL="1371600" algn="l" defTabSz="914400" rtl="0" eaLnBrk="1" latinLnBrk="1" hangingPunct="1">
+                <a:defRPr sz="1800" kern="1200">
+                  <a:solidFill>
+                    <a:schemeClr val="tx1"/>
+                  </a:solidFill>
+                  <a:latin typeface="+mn-lt"/>
+                  <a:ea typeface="+mn-ea"/>
+                  <a:cs typeface="+mn-cs"/>
+                </a:defRPr>
+              </a:lvl4pPr>
+              <a:lvl5pPr marL="1828800" algn="l" defTabSz="914400" rtl="0" eaLnBrk="1" latinLnBrk="1" hangingPunct="1">
+                <a:defRPr sz="1800" kern="1200">
+                  <a:solidFill>
+                    <a:schemeClr val="tx1"/>
+                  </a:solidFill>
+                  <a:latin typeface="+mn-lt"/>
+                  <a:ea typeface="+mn-ea"/>
+                  <a:cs typeface="+mn-cs"/>
+                </a:defRPr>
+              </a:lvl5pPr>
+              <a:lvl6pPr marL="2286000" algn="l" defTabSz="914400" rtl="0" eaLnBrk="1" latinLnBrk="1" hangingPunct="1">
+                <a:defRPr sz="1800" kern="1200">
+                  <a:solidFill>
+                    <a:schemeClr val="tx1"/>
+                  </a:solidFill>
+                  <a:latin typeface="+mn-lt"/>
+                  <a:ea typeface="+mn-ea"/>
+                  <a:cs typeface="+mn-cs"/>
+                </a:defRPr>
+              </a:lvl6pPr>
+              <a:lvl7pPr marL="2743200" algn="l" defTabSz="914400" rtl="0" eaLnBrk="1" latinLnBrk="1" hangingPunct="1">
+                <a:defRPr sz="1800" kern="1200">
+                  <a:solidFill>
+                    <a:schemeClr val="tx1"/>
+                  </a:solidFill>
+                  <a:latin typeface="+mn-lt"/>
+                  <a:ea typeface="+mn-ea"/>
+                  <a:cs typeface="+mn-cs"/>
+                </a:defRPr>
+              </a:lvl7pPr>
+              <a:lvl8pPr marL="3200400" algn="l" defTabSz="914400" rtl="0" eaLnBrk="1" latinLnBrk="1" hangingPunct="1">
+                <a:defRPr sz="1800" kern="1200">
+                  <a:solidFill>
+                    <a:schemeClr val="tx1"/>
+                  </a:solidFill>
+                  <a:latin typeface="+mn-lt"/>
+                  <a:ea typeface="+mn-ea"/>
+                  <a:cs typeface="+mn-cs"/>
+                </a:defRPr>
+              </a:lvl8pPr>
+              <a:lvl9pPr marL="3657600" algn="l" defTabSz="914400" rtl="0" eaLnBrk="1" latinLnBrk="1" hangingPunct="1">
+                <a:defRPr sz="1800" kern="1200">
+                  <a:solidFill>
+                    <a:schemeClr val="tx1"/>
+                  </a:solidFill>
+                  <a:latin typeface="+mn-lt"/>
+                  <a:ea typeface="+mn-ea"/>
+                  <a:cs typeface="+mn-cs"/>
+                </a:defRPr>
+              </a:lvl9pPr>
+            </a:lstStyle>
+            <a:p>
+              <a:pPr marL="177800" indent="-177800" algn="ctr"/>
+              <a:r>
+                <a:rPr lang="en-US" altLang="ko-KR" sz="1000" b="1" dirty="0">
+                  <a:latin typeface="나눔고딕" pitchFamily="50" charset="-127"/>
+                  <a:ea typeface="나눔고딕" pitchFamily="50" charset="-127"/>
+                </a:rPr>
+                <a:t>102</a:t>
+              </a:r>
+              <a:endParaRPr lang="en-US" altLang="ko-KR" sz="1000" dirty="0">
+                <a:latin typeface="나눔고딕" pitchFamily="50" charset="-127"/>
+                <a:ea typeface="나눔고딕" pitchFamily="50" charset="-127"/>
+              </a:endParaRPr>
+            </a:p>
+          </p:txBody>
+        </p:sp>
+        <p:sp>
+          <p:nvSpPr>
+            <p:cNvPr id="164" name="TextBox 52"/>
+            <p:cNvSpPr txBox="1"/>
+            <p:nvPr/>
+          </p:nvSpPr>
+          <p:spPr>
+            <a:xfrm>
+              <a:off x="1209970" y="3970981"/>
+              <a:ext cx="1850318" cy="215444"/>
+            </a:xfrm>
+            <a:prstGeom prst="rect">
+              <a:avLst/>
+            </a:prstGeom>
+            <a:noFill/>
+          </p:spPr>
+          <p:txBody>
+            <a:bodyPr wrap="square" rtlCol="0" anchor="b">
+              <a:spAutoFit/>
+            </a:bodyPr>
+            <a:lstStyle>
+              <a:defPPr>
+                <a:defRPr lang="ko-KR"/>
+              </a:defPPr>
+              <a:lvl1pPr marL="0" algn="l" defTabSz="914400" rtl="0" eaLnBrk="1" latinLnBrk="1" hangingPunct="1">
+                <a:defRPr sz="1800" kern="1200">
+                  <a:solidFill>
+                    <a:schemeClr val="tx1"/>
+                  </a:solidFill>
+                  <a:latin typeface="+mn-lt"/>
+                  <a:ea typeface="+mn-ea"/>
+                  <a:cs typeface="+mn-cs"/>
+                </a:defRPr>
+              </a:lvl1pPr>
+              <a:lvl2pPr marL="457200" algn="l" defTabSz="914400" rtl="0" eaLnBrk="1" latinLnBrk="1" hangingPunct="1">
+                <a:defRPr sz="1800" kern="1200">
+                  <a:solidFill>
+                    <a:schemeClr val="tx1"/>
+                  </a:solidFill>
+                  <a:latin typeface="+mn-lt"/>
+                  <a:ea typeface="+mn-ea"/>
+                  <a:cs typeface="+mn-cs"/>
+                </a:defRPr>
+              </a:lvl2pPr>
+              <a:lvl3pPr marL="914400" algn="l" defTabSz="914400" rtl="0" eaLnBrk="1" latinLnBrk="1" hangingPunct="1">
+                <a:defRPr sz="1800" kern="1200">
+                  <a:solidFill>
+                    <a:schemeClr val="tx1"/>
+                  </a:solidFill>
+                  <a:latin typeface="+mn-lt"/>
+                  <a:ea typeface="+mn-ea"/>
+                  <a:cs typeface="+mn-cs"/>
+                </a:defRPr>
+              </a:lvl3pPr>
+              <a:lvl4pPr marL="1371600" algn="l" defTabSz="914400" rtl="0" eaLnBrk="1" latinLnBrk="1" hangingPunct="1">
+                <a:defRPr sz="1800" kern="1200">
+                  <a:solidFill>
+                    <a:schemeClr val="tx1"/>
+                  </a:solidFill>
+                  <a:latin typeface="+mn-lt"/>
+                  <a:ea typeface="+mn-ea"/>
+                  <a:cs typeface="+mn-cs"/>
+                </a:defRPr>
+              </a:lvl4pPr>
+              <a:lvl5pPr marL="1828800" algn="l" defTabSz="914400" rtl="0" eaLnBrk="1" latinLnBrk="1" hangingPunct="1">
+                <a:defRPr sz="1800" kern="1200">
+                  <a:solidFill>
+                    <a:schemeClr val="tx1"/>
+                  </a:solidFill>
+                  <a:latin typeface="+mn-lt"/>
+                  <a:ea typeface="+mn-ea"/>
+                  <a:cs typeface="+mn-cs"/>
+                </a:defRPr>
+              </a:lvl5pPr>
+              <a:lvl6pPr marL="2286000" algn="l" defTabSz="914400" rtl="0" eaLnBrk="1" latinLnBrk="1" hangingPunct="1">
+                <a:defRPr sz="1800" kern="1200">
+                  <a:solidFill>
+                    <a:schemeClr val="tx1"/>
+                  </a:solidFill>
+                  <a:latin typeface="+mn-lt"/>
+                  <a:ea typeface="+mn-ea"/>
+                  <a:cs typeface="+mn-cs"/>
+                </a:defRPr>
+              </a:lvl6pPr>
+              <a:lvl7pPr marL="2743200" algn="l" defTabSz="914400" rtl="0" eaLnBrk="1" latinLnBrk="1" hangingPunct="1">
+                <a:defRPr sz="1800" kern="1200">
+                  <a:solidFill>
+                    <a:schemeClr val="tx1"/>
+                  </a:solidFill>
+                  <a:latin typeface="+mn-lt"/>
+                  <a:ea typeface="+mn-ea"/>
+                  <a:cs typeface="+mn-cs"/>
+                </a:defRPr>
+              </a:lvl7pPr>
+              <a:lvl8pPr marL="3200400" algn="l" defTabSz="914400" rtl="0" eaLnBrk="1" latinLnBrk="1" hangingPunct="1">
+                <a:defRPr sz="1800" kern="1200">
+                  <a:solidFill>
+                    <a:schemeClr val="tx1"/>
+                  </a:solidFill>
+                  <a:latin typeface="+mn-lt"/>
+                  <a:ea typeface="+mn-ea"/>
+                  <a:cs typeface="+mn-cs"/>
+                </a:defRPr>
+              </a:lvl8pPr>
+              <a:lvl9pPr marL="3657600" algn="l" defTabSz="914400" rtl="0" eaLnBrk="1" latinLnBrk="1" hangingPunct="1">
+                <a:defRPr sz="1800" kern="1200">
+                  <a:solidFill>
+                    <a:schemeClr val="tx1"/>
+                  </a:solidFill>
+                  <a:latin typeface="+mn-lt"/>
+                  <a:ea typeface="+mn-ea"/>
+                  <a:cs typeface="+mn-cs"/>
+                </a:defRPr>
+              </a:lvl9pPr>
+            </a:lstStyle>
+            <a:p>
+              <a:pPr marL="177800" indent="-177800" algn="r">
+                <a:lnSpc>
+                  <a:spcPct val="80000"/>
+                </a:lnSpc>
+              </a:pPr>
+              <a:r>
+                <a:rPr lang="en-US" altLang="ko-KR" sz="1000" b="1" spc="-20" dirty="0">
+                  <a:latin typeface="나눔고딕" pitchFamily="50" charset="-127"/>
+                  <a:ea typeface="나눔고딕" pitchFamily="50" charset="-127"/>
+                </a:rPr>
+                <a:t>request CREDIT info</a:t>
+              </a:r>
+              <a:endParaRPr lang="en-US" altLang="ko-KR" sz="1000" spc="-20" dirty="0">
+                <a:latin typeface="나눔고딕" pitchFamily="50" charset="-127"/>
+                <a:ea typeface="나눔고딕" pitchFamily="50" charset="-127"/>
+              </a:endParaRPr>
+            </a:p>
+          </p:txBody>
+        </p:sp>
+      </p:grpSp>
+      <p:cxnSp>
+        <p:nvCxnSpPr>
+          <p:cNvPr id="165" name="직선 화살표 연결선 164"/>
+          <p:cNvCxnSpPr/>
+          <p:nvPr/>
+        </p:nvCxnSpPr>
+        <p:spPr>
+          <a:xfrm>
+            <a:off x="2760454" y="3848215"/>
+            <a:ext cx="1243749" cy="0"/>
+          </a:xfrm>
+          <a:prstGeom prst="straightConnector1">
+            <a:avLst/>
+          </a:prstGeom>
+          <a:ln w="31750">
+            <a:solidFill>
+              <a:schemeClr val="tx1"/>
+            </a:solidFill>
+            <a:tailEnd type="triangle"/>
+          </a:ln>
+        </p:spPr>
+        <p:style>
+          <a:lnRef idx="1">
+            <a:schemeClr val="accent1"/>
+          </a:lnRef>
+          <a:fillRef idx="0">
+            <a:schemeClr val="accent1"/>
+          </a:fillRef>
+          <a:effectRef idx="0">
+            <a:schemeClr val="accent1"/>
+          </a:effectRef>
+          <a:fontRef idx="minor">
+            <a:schemeClr val="tx1"/>
+          </a:fontRef>
+        </p:style>
+      </p:cxnSp>
+      <p:grpSp>
+        <p:nvGrpSpPr>
+          <p:cNvPr id="171" name="그룹 170"/>
+          <p:cNvGrpSpPr/>
+          <p:nvPr/>
+        </p:nvGrpSpPr>
+        <p:grpSpPr>
+          <a:xfrm>
+            <a:off x="357187" y="4143583"/>
+            <a:ext cx="2320653" cy="246221"/>
+            <a:chOff x="1209970" y="3940204"/>
+            <a:chExt cx="2281790" cy="246221"/>
+          </a:xfrm>
+        </p:grpSpPr>
+        <p:sp>
+          <p:nvSpPr>
+            <p:cNvPr id="172" name="TextBox 43"/>
+            <p:cNvSpPr txBox="1"/>
+            <p:nvPr/>
+          </p:nvSpPr>
+          <p:spPr>
+            <a:xfrm>
+              <a:off x="3066337" y="3940204"/>
+              <a:ext cx="425423" cy="246221"/>
+            </a:xfrm>
+            <a:prstGeom prst="rect">
+              <a:avLst/>
+            </a:prstGeom>
+            <a:solidFill>
+              <a:schemeClr val="bg2">
+                <a:lumMod val="10000"/>
+                <a:alpha val="36078"/>
+              </a:schemeClr>
+            </a:solidFill>
+          </p:spPr>
+          <p:txBody>
+            <a:bodyPr wrap="square" rtlCol="0">
+              <a:spAutoFit/>
+            </a:bodyPr>
+            <a:lstStyle>
+              <a:defPPr>
+                <a:defRPr lang="ko-KR"/>
+              </a:defPPr>
+              <a:lvl1pPr marL="0" algn="l" defTabSz="914400" rtl="0" eaLnBrk="1" latinLnBrk="1" hangingPunct="1">
+                <a:defRPr sz="1800" kern="1200">
+                  <a:solidFill>
+                    <a:schemeClr val="tx1"/>
+                  </a:solidFill>
+                  <a:latin typeface="+mn-lt"/>
+                  <a:ea typeface="+mn-ea"/>
+                  <a:cs typeface="+mn-cs"/>
+                </a:defRPr>
+              </a:lvl1pPr>
+              <a:lvl2pPr marL="457200" algn="l" defTabSz="914400" rtl="0" eaLnBrk="1" latinLnBrk="1" hangingPunct="1">
+                <a:defRPr sz="1800" kern="1200">
+                  <a:solidFill>
+                    <a:schemeClr val="tx1"/>
+                  </a:solidFill>
+                  <a:latin typeface="+mn-lt"/>
+                  <a:ea typeface="+mn-ea"/>
+                  <a:cs typeface="+mn-cs"/>
+                </a:defRPr>
+              </a:lvl2pPr>
+              <a:lvl3pPr marL="914400" algn="l" defTabSz="914400" rtl="0" eaLnBrk="1" latinLnBrk="1" hangingPunct="1">
+                <a:defRPr sz="1800" kern="1200">
+                  <a:solidFill>
+                    <a:schemeClr val="tx1"/>
+                  </a:solidFill>
+                  <a:latin typeface="+mn-lt"/>
+                  <a:ea typeface="+mn-ea"/>
+                  <a:cs typeface="+mn-cs"/>
+                </a:defRPr>
+              </a:lvl3pPr>
+              <a:lvl4pPr marL="1371600" algn="l" defTabSz="914400" rtl="0" eaLnBrk="1" latinLnBrk="1" hangingPunct="1">
+                <a:defRPr sz="1800" kern="1200">
+                  <a:solidFill>
+                    <a:schemeClr val="tx1"/>
+                  </a:solidFill>
+                  <a:latin typeface="+mn-lt"/>
+                  <a:ea typeface="+mn-ea"/>
+                  <a:cs typeface="+mn-cs"/>
+                </a:defRPr>
+              </a:lvl4pPr>
+              <a:lvl5pPr marL="1828800" algn="l" defTabSz="914400" rtl="0" eaLnBrk="1" latinLnBrk="1" hangingPunct="1">
+                <a:defRPr sz="1800" kern="1200">
+                  <a:solidFill>
+                    <a:schemeClr val="tx1"/>
+                  </a:solidFill>
+                  <a:latin typeface="+mn-lt"/>
+                  <a:ea typeface="+mn-ea"/>
+                  <a:cs typeface="+mn-cs"/>
+                </a:defRPr>
+              </a:lvl5pPr>
+              <a:lvl6pPr marL="2286000" algn="l" defTabSz="914400" rtl="0" eaLnBrk="1" latinLnBrk="1" hangingPunct="1">
+                <a:defRPr sz="1800" kern="1200">
+                  <a:solidFill>
+                    <a:schemeClr val="tx1"/>
+                  </a:solidFill>
+                  <a:latin typeface="+mn-lt"/>
+                  <a:ea typeface="+mn-ea"/>
+                  <a:cs typeface="+mn-cs"/>
+                </a:defRPr>
+              </a:lvl6pPr>
+              <a:lvl7pPr marL="2743200" algn="l" defTabSz="914400" rtl="0" eaLnBrk="1" latinLnBrk="1" hangingPunct="1">
+                <a:defRPr sz="1800" kern="1200">
+                  <a:solidFill>
+                    <a:schemeClr val="tx1"/>
+                  </a:solidFill>
+                  <a:latin typeface="+mn-lt"/>
+                  <a:ea typeface="+mn-ea"/>
+                  <a:cs typeface="+mn-cs"/>
+                </a:defRPr>
+              </a:lvl7pPr>
+              <a:lvl8pPr marL="3200400" algn="l" defTabSz="914400" rtl="0" eaLnBrk="1" latinLnBrk="1" hangingPunct="1">
+                <a:defRPr sz="1800" kern="1200">
+                  <a:solidFill>
+                    <a:schemeClr val="tx1"/>
+                  </a:solidFill>
+                  <a:latin typeface="+mn-lt"/>
+                  <a:ea typeface="+mn-ea"/>
+                  <a:cs typeface="+mn-cs"/>
+                </a:defRPr>
+              </a:lvl8pPr>
+              <a:lvl9pPr marL="3657600" algn="l" defTabSz="914400" rtl="0" eaLnBrk="1" latinLnBrk="1" hangingPunct="1">
+                <a:defRPr sz="1800" kern="1200">
+                  <a:solidFill>
+                    <a:schemeClr val="tx1"/>
+                  </a:solidFill>
+                  <a:latin typeface="+mn-lt"/>
+                  <a:ea typeface="+mn-ea"/>
+                  <a:cs typeface="+mn-cs"/>
+                </a:defRPr>
+              </a:lvl9pPr>
+            </a:lstStyle>
+            <a:p>
+              <a:pPr marL="177800" indent="-177800" algn="ctr"/>
+              <a:r>
+                <a:rPr lang="en-US" altLang="ko-KR" sz="1000" b="1" dirty="0">
+                  <a:latin typeface="나눔고딕" pitchFamily="50" charset="-127"/>
+                  <a:ea typeface="나눔고딕" pitchFamily="50" charset="-127"/>
+                </a:rPr>
+                <a:t>103</a:t>
+              </a:r>
+              <a:endParaRPr lang="en-US" altLang="ko-KR" sz="1000" dirty="0">
+                <a:latin typeface="나눔고딕" pitchFamily="50" charset="-127"/>
+                <a:ea typeface="나눔고딕" pitchFamily="50" charset="-127"/>
+              </a:endParaRPr>
+            </a:p>
+          </p:txBody>
+        </p:sp>
+        <p:sp>
+          <p:nvSpPr>
+            <p:cNvPr id="173" name="TextBox 52"/>
+            <p:cNvSpPr txBox="1"/>
+            <p:nvPr/>
+          </p:nvSpPr>
+          <p:spPr>
+            <a:xfrm>
+              <a:off x="1209970" y="3970981"/>
+              <a:ext cx="1850318" cy="215444"/>
+            </a:xfrm>
+            <a:prstGeom prst="rect">
+              <a:avLst/>
+            </a:prstGeom>
+            <a:noFill/>
+          </p:spPr>
+          <p:txBody>
+            <a:bodyPr wrap="square" rtlCol="0" anchor="b">
+              <a:spAutoFit/>
+            </a:bodyPr>
+            <a:lstStyle>
+              <a:defPPr>
+                <a:defRPr lang="ko-KR"/>
+              </a:defPPr>
+              <a:lvl1pPr marL="0" algn="l" defTabSz="914400" rtl="0" eaLnBrk="1" latinLnBrk="1" hangingPunct="1">
+                <a:defRPr sz="1800" kern="1200">
+                  <a:solidFill>
+                    <a:schemeClr val="tx1"/>
+                  </a:solidFill>
+                  <a:latin typeface="+mn-lt"/>
+                  <a:ea typeface="+mn-ea"/>
+                  <a:cs typeface="+mn-cs"/>
+                </a:defRPr>
+              </a:lvl1pPr>
+              <a:lvl2pPr marL="457200" algn="l" defTabSz="914400" rtl="0" eaLnBrk="1" latinLnBrk="1" hangingPunct="1">
+                <a:defRPr sz="1800" kern="1200">
+                  <a:solidFill>
+                    <a:schemeClr val="tx1"/>
+                  </a:solidFill>
+                  <a:latin typeface="+mn-lt"/>
+                  <a:ea typeface="+mn-ea"/>
+                  <a:cs typeface="+mn-cs"/>
+                </a:defRPr>
+              </a:lvl2pPr>
+              <a:lvl3pPr marL="914400" algn="l" defTabSz="914400" rtl="0" eaLnBrk="1" latinLnBrk="1" hangingPunct="1">
+                <a:defRPr sz="1800" kern="1200">
+                  <a:solidFill>
+                    <a:schemeClr val="tx1"/>
+                  </a:solidFill>
+                  <a:latin typeface="+mn-lt"/>
+                  <a:ea typeface="+mn-ea"/>
+                  <a:cs typeface="+mn-cs"/>
+                </a:defRPr>
+              </a:lvl3pPr>
+              <a:lvl4pPr marL="1371600" algn="l" defTabSz="914400" rtl="0" eaLnBrk="1" latinLnBrk="1" hangingPunct="1">
+                <a:defRPr sz="1800" kern="1200">
+                  <a:solidFill>
+                    <a:schemeClr val="tx1"/>
+                  </a:solidFill>
+                  <a:latin typeface="+mn-lt"/>
+                  <a:ea typeface="+mn-ea"/>
+                  <a:cs typeface="+mn-cs"/>
+                </a:defRPr>
+              </a:lvl4pPr>
+              <a:lvl5pPr marL="1828800" algn="l" defTabSz="914400" rtl="0" eaLnBrk="1" latinLnBrk="1" hangingPunct="1">
+                <a:defRPr sz="1800" kern="1200">
+                  <a:solidFill>
+                    <a:schemeClr val="tx1"/>
+                  </a:solidFill>
+                  <a:latin typeface="+mn-lt"/>
+                  <a:ea typeface="+mn-ea"/>
+                  <a:cs typeface="+mn-cs"/>
+                </a:defRPr>
+              </a:lvl5pPr>
+              <a:lvl6pPr marL="2286000" algn="l" defTabSz="914400" rtl="0" eaLnBrk="1" latinLnBrk="1" hangingPunct="1">
+                <a:defRPr sz="1800" kern="1200">
+                  <a:solidFill>
+                    <a:schemeClr val="tx1"/>
+                  </a:solidFill>
+                  <a:latin typeface="+mn-lt"/>
+                  <a:ea typeface="+mn-ea"/>
+                  <a:cs typeface="+mn-cs"/>
+                </a:defRPr>
+              </a:lvl6pPr>
+              <a:lvl7pPr marL="2743200" algn="l" defTabSz="914400" rtl="0" eaLnBrk="1" latinLnBrk="1" hangingPunct="1">
+                <a:defRPr sz="1800" kern="1200">
+                  <a:solidFill>
+                    <a:schemeClr val="tx1"/>
+                  </a:solidFill>
+                  <a:latin typeface="+mn-lt"/>
+                  <a:ea typeface="+mn-ea"/>
+                  <a:cs typeface="+mn-cs"/>
+                </a:defRPr>
+              </a:lvl7pPr>
+              <a:lvl8pPr marL="3200400" algn="l" defTabSz="914400" rtl="0" eaLnBrk="1" latinLnBrk="1" hangingPunct="1">
+                <a:defRPr sz="1800" kern="1200">
+                  <a:solidFill>
+                    <a:schemeClr val="tx1"/>
+                  </a:solidFill>
+                  <a:latin typeface="+mn-lt"/>
+                  <a:ea typeface="+mn-ea"/>
+                  <a:cs typeface="+mn-cs"/>
+                </a:defRPr>
+              </a:lvl8pPr>
+              <a:lvl9pPr marL="3657600" algn="l" defTabSz="914400" rtl="0" eaLnBrk="1" latinLnBrk="1" hangingPunct="1">
+                <a:defRPr sz="1800" kern="1200">
+                  <a:solidFill>
+                    <a:schemeClr val="tx1"/>
+                  </a:solidFill>
+                  <a:latin typeface="+mn-lt"/>
+                  <a:ea typeface="+mn-ea"/>
+                  <a:cs typeface="+mn-cs"/>
+                </a:defRPr>
+              </a:lvl9pPr>
+            </a:lstStyle>
+            <a:p>
+              <a:pPr marL="177800" indent="-177800" algn="r">
+                <a:lnSpc>
+                  <a:spcPct val="80000"/>
+                </a:lnSpc>
+              </a:pPr>
+              <a:r>
+                <a:rPr lang="en-US" altLang="ko-KR" sz="1000" b="1" spc="-20" dirty="0">
+                  <a:latin typeface="나눔고딕" pitchFamily="50" charset="-127"/>
+                  <a:ea typeface="나눔고딕" pitchFamily="50" charset="-127"/>
+                </a:rPr>
+                <a:t>request SETTING info</a:t>
+              </a:r>
+              <a:endParaRPr lang="en-US" altLang="ko-KR" sz="1000" spc="-20" dirty="0">
+                <a:latin typeface="나눔고딕" pitchFamily="50" charset="-127"/>
+                <a:ea typeface="나눔고딕" pitchFamily="50" charset="-127"/>
+              </a:endParaRPr>
+            </a:p>
+          </p:txBody>
+        </p:sp>
+      </p:grpSp>
+      <p:cxnSp>
+        <p:nvCxnSpPr>
+          <p:cNvPr id="174" name="직선 화살표 연결선 173"/>
+          <p:cNvCxnSpPr/>
+          <p:nvPr/>
+        </p:nvCxnSpPr>
+        <p:spPr>
+          <a:xfrm>
+            <a:off x="2760454" y="4178385"/>
+            <a:ext cx="1243749" cy="0"/>
+          </a:xfrm>
+          <a:prstGeom prst="straightConnector1">
+            <a:avLst/>
+          </a:prstGeom>
+          <a:ln w="31750">
+            <a:solidFill>
+              <a:schemeClr val="tx1"/>
+            </a:solidFill>
+            <a:tailEnd type="triangle"/>
+          </a:ln>
+        </p:spPr>
+        <p:style>
+          <a:lnRef idx="1">
+            <a:schemeClr val="accent1"/>
+          </a:lnRef>
+          <a:fillRef idx="0">
+            <a:schemeClr val="accent1"/>
+          </a:fillRef>
+          <a:effectRef idx="0">
+            <a:schemeClr val="accent1"/>
+          </a:effectRef>
+          <a:fontRef idx="minor">
+            <a:schemeClr val="tx1"/>
+          </a:fontRef>
+        </p:style>
+      </p:cxnSp>
+      <p:grpSp>
+        <p:nvGrpSpPr>
+          <p:cNvPr id="175" name="그룹 174"/>
+          <p:cNvGrpSpPr/>
+          <p:nvPr/>
+        </p:nvGrpSpPr>
+        <p:grpSpPr>
+          <a:xfrm>
+            <a:off x="357187" y="4479251"/>
+            <a:ext cx="2320653" cy="246221"/>
+            <a:chOff x="1209970" y="3940204"/>
+            <a:chExt cx="2281790" cy="246221"/>
+          </a:xfrm>
+        </p:grpSpPr>
+        <p:sp>
+          <p:nvSpPr>
+            <p:cNvPr id="176" name="TextBox 43"/>
+            <p:cNvSpPr txBox="1"/>
+            <p:nvPr/>
+          </p:nvSpPr>
+          <p:spPr>
+            <a:xfrm>
+              <a:off x="3066337" y="3940204"/>
+              <a:ext cx="425423" cy="246221"/>
+            </a:xfrm>
+            <a:prstGeom prst="rect">
+              <a:avLst/>
+            </a:prstGeom>
+            <a:solidFill>
+              <a:schemeClr val="bg2">
+                <a:lumMod val="10000"/>
+                <a:alpha val="36078"/>
+              </a:schemeClr>
+            </a:solidFill>
+          </p:spPr>
+          <p:txBody>
+            <a:bodyPr wrap="square" rtlCol="0">
+              <a:spAutoFit/>
+            </a:bodyPr>
+            <a:lstStyle>
+              <a:defPPr>
+                <a:defRPr lang="ko-KR"/>
+              </a:defPPr>
+              <a:lvl1pPr marL="0" algn="l" defTabSz="914400" rtl="0" eaLnBrk="1" latinLnBrk="1" hangingPunct="1">
+                <a:defRPr sz="1800" kern="1200">
+                  <a:solidFill>
+                    <a:schemeClr val="tx1"/>
+                  </a:solidFill>
+                  <a:latin typeface="+mn-lt"/>
+                  <a:ea typeface="+mn-ea"/>
+                  <a:cs typeface="+mn-cs"/>
+                </a:defRPr>
+              </a:lvl1pPr>
+              <a:lvl2pPr marL="457200" algn="l" defTabSz="914400" rtl="0" eaLnBrk="1" latinLnBrk="1" hangingPunct="1">
+                <a:defRPr sz="1800" kern="1200">
+                  <a:solidFill>
+                    <a:schemeClr val="tx1"/>
+                  </a:solidFill>
+                  <a:latin typeface="+mn-lt"/>
+                  <a:ea typeface="+mn-ea"/>
+                  <a:cs typeface="+mn-cs"/>
+                </a:defRPr>
+              </a:lvl2pPr>
+              <a:lvl3pPr marL="914400" algn="l" defTabSz="914400" rtl="0" eaLnBrk="1" latinLnBrk="1" hangingPunct="1">
+                <a:defRPr sz="1800" kern="1200">
+                  <a:solidFill>
+                    <a:schemeClr val="tx1"/>
+                  </a:solidFill>
+                  <a:latin typeface="+mn-lt"/>
+                  <a:ea typeface="+mn-ea"/>
+                  <a:cs typeface="+mn-cs"/>
+                </a:defRPr>
+              </a:lvl3pPr>
+              <a:lvl4pPr marL="1371600" algn="l" defTabSz="914400" rtl="0" eaLnBrk="1" latinLnBrk="1" hangingPunct="1">
+                <a:defRPr sz="1800" kern="1200">
+                  <a:solidFill>
+                    <a:schemeClr val="tx1"/>
+                  </a:solidFill>
+                  <a:latin typeface="+mn-lt"/>
+                  <a:ea typeface="+mn-ea"/>
+                  <a:cs typeface="+mn-cs"/>
+                </a:defRPr>
+              </a:lvl4pPr>
+              <a:lvl5pPr marL="1828800" algn="l" defTabSz="914400" rtl="0" eaLnBrk="1" latinLnBrk="1" hangingPunct="1">
+                <a:defRPr sz="1800" kern="1200">
+                  <a:solidFill>
+                    <a:schemeClr val="tx1"/>
+                  </a:solidFill>
+                  <a:latin typeface="+mn-lt"/>
+                  <a:ea typeface="+mn-ea"/>
+                  <a:cs typeface="+mn-cs"/>
+                </a:defRPr>
+              </a:lvl5pPr>
+              <a:lvl6pPr marL="2286000" algn="l" defTabSz="914400" rtl="0" eaLnBrk="1" latinLnBrk="1" hangingPunct="1">
+                <a:defRPr sz="1800" kern="1200">
+                  <a:solidFill>
+                    <a:schemeClr val="tx1"/>
+                  </a:solidFill>
+                  <a:latin typeface="+mn-lt"/>
+                  <a:ea typeface="+mn-ea"/>
+                  <a:cs typeface="+mn-cs"/>
+                </a:defRPr>
+              </a:lvl6pPr>
+              <a:lvl7pPr marL="2743200" algn="l" defTabSz="914400" rtl="0" eaLnBrk="1" latinLnBrk="1" hangingPunct="1">
+                <a:defRPr sz="1800" kern="1200">
+                  <a:solidFill>
+                    <a:schemeClr val="tx1"/>
+                  </a:solidFill>
+                  <a:latin typeface="+mn-lt"/>
+                  <a:ea typeface="+mn-ea"/>
+                  <a:cs typeface="+mn-cs"/>
+                </a:defRPr>
+              </a:lvl7pPr>
+              <a:lvl8pPr marL="3200400" algn="l" defTabSz="914400" rtl="0" eaLnBrk="1" latinLnBrk="1" hangingPunct="1">
+                <a:defRPr sz="1800" kern="1200">
+                  <a:solidFill>
+                    <a:schemeClr val="tx1"/>
+                  </a:solidFill>
+                  <a:latin typeface="+mn-lt"/>
+                  <a:ea typeface="+mn-ea"/>
+                  <a:cs typeface="+mn-cs"/>
+                </a:defRPr>
+              </a:lvl8pPr>
+              <a:lvl9pPr marL="3657600" algn="l" defTabSz="914400" rtl="0" eaLnBrk="1" latinLnBrk="1" hangingPunct="1">
+                <a:defRPr sz="1800" kern="1200">
+                  <a:solidFill>
+                    <a:schemeClr val="tx1"/>
+                  </a:solidFill>
+                  <a:latin typeface="+mn-lt"/>
+                  <a:ea typeface="+mn-ea"/>
+                  <a:cs typeface="+mn-cs"/>
+                </a:defRPr>
+              </a:lvl9pPr>
+            </a:lstStyle>
+            <a:p>
+              <a:pPr marL="177800" indent="-177800" algn="ctr"/>
+              <a:r>
+                <a:rPr lang="en-US" altLang="ko-KR" sz="1000" b="1" dirty="0">
+                  <a:latin typeface="나눔고딕" pitchFamily="50" charset="-127"/>
+                  <a:ea typeface="나눔고딕" pitchFamily="50" charset="-127"/>
+                </a:rPr>
+                <a:t>104</a:t>
+              </a:r>
+              <a:endParaRPr lang="en-US" altLang="ko-KR" sz="1000" dirty="0">
+                <a:latin typeface="나눔고딕" pitchFamily="50" charset="-127"/>
+                <a:ea typeface="나눔고딕" pitchFamily="50" charset="-127"/>
+              </a:endParaRPr>
+            </a:p>
+          </p:txBody>
+        </p:sp>
+        <p:sp>
+          <p:nvSpPr>
+            <p:cNvPr id="177" name="TextBox 52"/>
+            <p:cNvSpPr txBox="1"/>
+            <p:nvPr/>
+          </p:nvSpPr>
+          <p:spPr>
+            <a:xfrm>
+              <a:off x="1209970" y="3970981"/>
+              <a:ext cx="1850318" cy="215444"/>
+            </a:xfrm>
+            <a:prstGeom prst="rect">
+              <a:avLst/>
+            </a:prstGeom>
+            <a:noFill/>
+          </p:spPr>
+          <p:txBody>
+            <a:bodyPr wrap="square" rtlCol="0" anchor="b">
+              <a:spAutoFit/>
+            </a:bodyPr>
+            <a:lstStyle>
+              <a:defPPr>
+                <a:defRPr lang="ko-KR"/>
+              </a:defPPr>
+              <a:lvl1pPr marL="0" algn="l" defTabSz="914400" rtl="0" eaLnBrk="1" latinLnBrk="1" hangingPunct="1">
+                <a:defRPr sz="1800" kern="1200">
+                  <a:solidFill>
+                    <a:schemeClr val="tx1"/>
+                  </a:solidFill>
+                  <a:latin typeface="+mn-lt"/>
+                  <a:ea typeface="+mn-ea"/>
+                  <a:cs typeface="+mn-cs"/>
+                </a:defRPr>
+              </a:lvl1pPr>
+              <a:lvl2pPr marL="457200" algn="l" defTabSz="914400" rtl="0" eaLnBrk="1" latinLnBrk="1" hangingPunct="1">
+                <a:defRPr sz="1800" kern="1200">
+                  <a:solidFill>
+                    <a:schemeClr val="tx1"/>
+                  </a:solidFill>
+                  <a:latin typeface="+mn-lt"/>
+                  <a:ea typeface="+mn-ea"/>
+                  <a:cs typeface="+mn-cs"/>
+                </a:defRPr>
+              </a:lvl2pPr>
+              <a:lvl3pPr marL="914400" algn="l" defTabSz="914400" rtl="0" eaLnBrk="1" latinLnBrk="1" hangingPunct="1">
+                <a:defRPr sz="1800" kern="1200">
+                  <a:solidFill>
+                    <a:schemeClr val="tx1"/>
+                  </a:solidFill>
+                  <a:latin typeface="+mn-lt"/>
+                  <a:ea typeface="+mn-ea"/>
+                  <a:cs typeface="+mn-cs"/>
+                </a:defRPr>
+              </a:lvl3pPr>
+              <a:lvl4pPr marL="1371600" algn="l" defTabSz="914400" rtl="0" eaLnBrk="1" latinLnBrk="1" hangingPunct="1">
+                <a:defRPr sz="1800" kern="1200">
+                  <a:solidFill>
+                    <a:schemeClr val="tx1"/>
+                  </a:solidFill>
+                  <a:latin typeface="+mn-lt"/>
+                  <a:ea typeface="+mn-ea"/>
+                  <a:cs typeface="+mn-cs"/>
+                </a:defRPr>
+              </a:lvl4pPr>
+              <a:lvl5pPr marL="1828800" algn="l" defTabSz="914400" rtl="0" eaLnBrk="1" latinLnBrk="1" hangingPunct="1">
+                <a:defRPr sz="1800" kern="1200">
+                  <a:solidFill>
+                    <a:schemeClr val="tx1"/>
+                  </a:solidFill>
+                  <a:latin typeface="+mn-lt"/>
+                  <a:ea typeface="+mn-ea"/>
+                  <a:cs typeface="+mn-cs"/>
+                </a:defRPr>
+              </a:lvl5pPr>
+              <a:lvl6pPr marL="2286000" algn="l" defTabSz="914400" rtl="0" eaLnBrk="1" latinLnBrk="1" hangingPunct="1">
+                <a:defRPr sz="1800" kern="1200">
+                  <a:solidFill>
+                    <a:schemeClr val="tx1"/>
+                  </a:solidFill>
+                  <a:latin typeface="+mn-lt"/>
+                  <a:ea typeface="+mn-ea"/>
+                  <a:cs typeface="+mn-cs"/>
+                </a:defRPr>
+              </a:lvl6pPr>
+              <a:lvl7pPr marL="2743200" algn="l" defTabSz="914400" rtl="0" eaLnBrk="1" latinLnBrk="1" hangingPunct="1">
+                <a:defRPr sz="1800" kern="1200">
+                  <a:solidFill>
+                    <a:schemeClr val="tx1"/>
+                  </a:solidFill>
+                  <a:latin typeface="+mn-lt"/>
+                  <a:ea typeface="+mn-ea"/>
+                  <a:cs typeface="+mn-cs"/>
+                </a:defRPr>
+              </a:lvl7pPr>
+              <a:lvl8pPr marL="3200400" algn="l" defTabSz="914400" rtl="0" eaLnBrk="1" latinLnBrk="1" hangingPunct="1">
+                <a:defRPr sz="1800" kern="1200">
+                  <a:solidFill>
+                    <a:schemeClr val="tx1"/>
+                  </a:solidFill>
+                  <a:latin typeface="+mn-lt"/>
+                  <a:ea typeface="+mn-ea"/>
+                  <a:cs typeface="+mn-cs"/>
+                </a:defRPr>
+              </a:lvl8pPr>
+              <a:lvl9pPr marL="3657600" algn="l" defTabSz="914400" rtl="0" eaLnBrk="1" latinLnBrk="1" hangingPunct="1">
+                <a:defRPr sz="1800" kern="1200">
+                  <a:solidFill>
+                    <a:schemeClr val="tx1"/>
+                  </a:solidFill>
+                  <a:latin typeface="+mn-lt"/>
+                  <a:ea typeface="+mn-ea"/>
+                  <a:cs typeface="+mn-cs"/>
+                </a:defRPr>
+              </a:lvl9pPr>
+            </a:lstStyle>
+            <a:p>
+              <a:pPr marL="177800" indent="-177800" algn="r">
+                <a:lnSpc>
+                  <a:spcPct val="80000"/>
+                </a:lnSpc>
+              </a:pPr>
+              <a:r>
+                <a:rPr lang="en-US" altLang="ko-KR" sz="1000" b="1" spc="-20" dirty="0">
+                  <a:latin typeface="나눔고딕" pitchFamily="50" charset="-127"/>
+                  <a:ea typeface="나눔고딕" pitchFamily="50" charset="-127"/>
+                </a:rPr>
+                <a:t>request LOG info</a:t>
+              </a:r>
+              <a:endParaRPr lang="en-US" altLang="ko-KR" sz="1000" spc="-20" dirty="0">
+                <a:latin typeface="나눔고딕" pitchFamily="50" charset="-127"/>
+                <a:ea typeface="나눔고딕" pitchFamily="50" charset="-127"/>
+              </a:endParaRPr>
+            </a:p>
+          </p:txBody>
+        </p:sp>
+      </p:grpSp>
+      <p:cxnSp>
+        <p:nvCxnSpPr>
+          <p:cNvPr id="178" name="직선 화살표 연결선 177"/>
+          <p:cNvCxnSpPr/>
+          <p:nvPr/>
+        </p:nvCxnSpPr>
+        <p:spPr>
+          <a:xfrm>
+            <a:off x="2760454" y="4514053"/>
+            <a:ext cx="1243749" cy="0"/>
+          </a:xfrm>
+          <a:prstGeom prst="straightConnector1">
+            <a:avLst/>
+          </a:prstGeom>
+          <a:ln w="31750">
+            <a:solidFill>
+              <a:schemeClr val="tx1"/>
+            </a:solidFill>
+            <a:tailEnd type="triangle"/>
+          </a:ln>
+        </p:spPr>
+        <p:style>
+          <a:lnRef idx="1">
+            <a:schemeClr val="accent1"/>
+          </a:lnRef>
+          <a:fillRef idx="0">
+            <a:schemeClr val="accent1"/>
+          </a:fillRef>
+          <a:effectRef idx="0">
+            <a:schemeClr val="accent1"/>
+          </a:effectRef>
+          <a:fontRef idx="minor">
+            <a:schemeClr val="tx1"/>
+          </a:fontRef>
+        </p:style>
+      </p:cxnSp>
+      <p:grpSp>
+        <p:nvGrpSpPr>
+          <p:cNvPr id="179" name="그룹 178"/>
+          <p:cNvGrpSpPr/>
+          <p:nvPr/>
+        </p:nvGrpSpPr>
+        <p:grpSpPr>
+          <a:xfrm>
+            <a:off x="357187" y="5111447"/>
+            <a:ext cx="2320653" cy="246221"/>
+            <a:chOff x="1209970" y="3940204"/>
+            <a:chExt cx="2281790" cy="246221"/>
+          </a:xfrm>
+        </p:grpSpPr>
+        <p:sp>
+          <p:nvSpPr>
+            <p:cNvPr id="180" name="TextBox 43"/>
+            <p:cNvSpPr txBox="1"/>
+            <p:nvPr/>
+          </p:nvSpPr>
+          <p:spPr>
+            <a:xfrm>
+              <a:off x="3066337" y="3940204"/>
+              <a:ext cx="425423" cy="246221"/>
+            </a:xfrm>
+            <a:prstGeom prst="rect">
+              <a:avLst/>
+            </a:prstGeom>
+            <a:solidFill>
+              <a:schemeClr val="bg2">
+                <a:lumMod val="10000"/>
+                <a:alpha val="36078"/>
+              </a:schemeClr>
+            </a:solidFill>
+          </p:spPr>
+          <p:txBody>
+            <a:bodyPr wrap="square" rtlCol="0">
+              <a:spAutoFit/>
+            </a:bodyPr>
+            <a:lstStyle>
+              <a:defPPr>
+                <a:defRPr lang="ko-KR"/>
+              </a:defPPr>
+              <a:lvl1pPr marL="0" algn="l" defTabSz="914400" rtl="0" eaLnBrk="1" latinLnBrk="1" hangingPunct="1">
+                <a:defRPr sz="1800" kern="1200">
+                  <a:solidFill>
+                    <a:schemeClr val="tx1"/>
+                  </a:solidFill>
+                  <a:latin typeface="+mn-lt"/>
+                  <a:ea typeface="+mn-ea"/>
+                  <a:cs typeface="+mn-cs"/>
+                </a:defRPr>
+              </a:lvl1pPr>
+              <a:lvl2pPr marL="457200" algn="l" defTabSz="914400" rtl="0" eaLnBrk="1" latinLnBrk="1" hangingPunct="1">
+                <a:defRPr sz="1800" kern="1200">
+                  <a:solidFill>
+                    <a:schemeClr val="tx1"/>
+                  </a:solidFill>
+                  <a:latin typeface="+mn-lt"/>
+                  <a:ea typeface="+mn-ea"/>
+                  <a:cs typeface="+mn-cs"/>
+                </a:defRPr>
+              </a:lvl2pPr>
+              <a:lvl3pPr marL="914400" algn="l" defTabSz="914400" rtl="0" eaLnBrk="1" latinLnBrk="1" hangingPunct="1">
+                <a:defRPr sz="1800" kern="1200">
+                  <a:solidFill>
+                    <a:schemeClr val="tx1"/>
+                  </a:solidFill>
+                  <a:latin typeface="+mn-lt"/>
+                  <a:ea typeface="+mn-ea"/>
+                  <a:cs typeface="+mn-cs"/>
+                </a:defRPr>
+              </a:lvl3pPr>
+              <a:lvl4pPr marL="1371600" algn="l" defTabSz="914400" rtl="0" eaLnBrk="1" latinLnBrk="1" hangingPunct="1">
+                <a:defRPr sz="1800" kern="1200">
+                  <a:solidFill>
+                    <a:schemeClr val="tx1"/>
+                  </a:solidFill>
+                  <a:latin typeface="+mn-lt"/>
+                  <a:ea typeface="+mn-ea"/>
+                  <a:cs typeface="+mn-cs"/>
+                </a:defRPr>
+              </a:lvl4pPr>
+              <a:lvl5pPr marL="1828800" algn="l" defTabSz="914400" rtl="0" eaLnBrk="1" latinLnBrk="1" hangingPunct="1">
+                <a:defRPr sz="1800" kern="1200">
+                  <a:solidFill>
+                    <a:schemeClr val="tx1"/>
+                  </a:solidFill>
+                  <a:latin typeface="+mn-lt"/>
+                  <a:ea typeface="+mn-ea"/>
+                  <a:cs typeface="+mn-cs"/>
+                </a:defRPr>
+              </a:lvl5pPr>
+              <a:lvl6pPr marL="2286000" algn="l" defTabSz="914400" rtl="0" eaLnBrk="1" latinLnBrk="1" hangingPunct="1">
+                <a:defRPr sz="1800" kern="1200">
+                  <a:solidFill>
+                    <a:schemeClr val="tx1"/>
+                  </a:solidFill>
+                  <a:latin typeface="+mn-lt"/>
+                  <a:ea typeface="+mn-ea"/>
+                  <a:cs typeface="+mn-cs"/>
+                </a:defRPr>
+              </a:lvl6pPr>
+              <a:lvl7pPr marL="2743200" algn="l" defTabSz="914400" rtl="0" eaLnBrk="1" latinLnBrk="1" hangingPunct="1">
+                <a:defRPr sz="1800" kern="1200">
+                  <a:solidFill>
+                    <a:schemeClr val="tx1"/>
+                  </a:solidFill>
+                  <a:latin typeface="+mn-lt"/>
+                  <a:ea typeface="+mn-ea"/>
+                  <a:cs typeface="+mn-cs"/>
+                </a:defRPr>
+              </a:lvl7pPr>
+              <a:lvl8pPr marL="3200400" algn="l" defTabSz="914400" rtl="0" eaLnBrk="1" latinLnBrk="1" hangingPunct="1">
+                <a:defRPr sz="1800" kern="1200">
+                  <a:solidFill>
+                    <a:schemeClr val="tx1"/>
+                  </a:solidFill>
+                  <a:latin typeface="+mn-lt"/>
+                  <a:ea typeface="+mn-ea"/>
+                  <a:cs typeface="+mn-cs"/>
+                </a:defRPr>
+              </a:lvl8pPr>
+              <a:lvl9pPr marL="3657600" algn="l" defTabSz="914400" rtl="0" eaLnBrk="1" latinLnBrk="1" hangingPunct="1">
+                <a:defRPr sz="1800" kern="1200">
+                  <a:solidFill>
+                    <a:schemeClr val="tx1"/>
+                  </a:solidFill>
+                  <a:latin typeface="+mn-lt"/>
+                  <a:ea typeface="+mn-ea"/>
+                  <a:cs typeface="+mn-cs"/>
+                </a:defRPr>
+              </a:lvl9pPr>
+            </a:lstStyle>
+            <a:p>
+              <a:pPr marL="177800" indent="-177800" algn="ctr"/>
+              <a:r>
+                <a:rPr lang="en-US" altLang="ko-KR" sz="1000" b="1" dirty="0">
+                  <a:latin typeface="나눔고딕" pitchFamily="50" charset="-127"/>
+                  <a:ea typeface="나눔고딕" pitchFamily="50" charset="-127"/>
+                </a:rPr>
+                <a:t>151</a:t>
+              </a:r>
+              <a:endParaRPr lang="en-US" altLang="ko-KR" sz="1000" dirty="0">
+                <a:latin typeface="나눔고딕" pitchFamily="50" charset="-127"/>
+                <a:ea typeface="나눔고딕" pitchFamily="50" charset="-127"/>
+              </a:endParaRPr>
+            </a:p>
+          </p:txBody>
+        </p:sp>
+        <p:sp>
+          <p:nvSpPr>
+            <p:cNvPr id="181" name="TextBox 52"/>
+            <p:cNvSpPr txBox="1"/>
+            <p:nvPr/>
+          </p:nvSpPr>
+          <p:spPr>
+            <a:xfrm>
+              <a:off x="1209970" y="3970981"/>
+              <a:ext cx="1850318" cy="215444"/>
+            </a:xfrm>
+            <a:prstGeom prst="rect">
+              <a:avLst/>
+            </a:prstGeom>
+            <a:noFill/>
+          </p:spPr>
+          <p:txBody>
+            <a:bodyPr wrap="square" rtlCol="0" anchor="b">
+              <a:spAutoFit/>
+            </a:bodyPr>
+            <a:lstStyle>
+              <a:defPPr>
+                <a:defRPr lang="ko-KR"/>
+              </a:defPPr>
+              <a:lvl1pPr marL="0" algn="l" defTabSz="914400" rtl="0" eaLnBrk="1" latinLnBrk="1" hangingPunct="1">
+                <a:defRPr sz="1800" kern="1200">
+                  <a:solidFill>
+                    <a:schemeClr val="tx1"/>
+                  </a:solidFill>
+                  <a:latin typeface="+mn-lt"/>
+                  <a:ea typeface="+mn-ea"/>
+                  <a:cs typeface="+mn-cs"/>
+                </a:defRPr>
+              </a:lvl1pPr>
+              <a:lvl2pPr marL="457200" algn="l" defTabSz="914400" rtl="0" eaLnBrk="1" latinLnBrk="1" hangingPunct="1">
+                <a:defRPr sz="1800" kern="1200">
+                  <a:solidFill>
+                    <a:schemeClr val="tx1"/>
+                  </a:solidFill>
+                  <a:latin typeface="+mn-lt"/>
+                  <a:ea typeface="+mn-ea"/>
+                  <a:cs typeface="+mn-cs"/>
+                </a:defRPr>
+              </a:lvl2pPr>
+              <a:lvl3pPr marL="914400" algn="l" defTabSz="914400" rtl="0" eaLnBrk="1" latinLnBrk="1" hangingPunct="1">
+                <a:defRPr sz="1800" kern="1200">
+                  <a:solidFill>
+                    <a:schemeClr val="tx1"/>
+                  </a:solidFill>
+                  <a:latin typeface="+mn-lt"/>
+                  <a:ea typeface="+mn-ea"/>
+                  <a:cs typeface="+mn-cs"/>
+                </a:defRPr>
+              </a:lvl3pPr>
+              <a:lvl4pPr marL="1371600" algn="l" defTabSz="914400" rtl="0" eaLnBrk="1" latinLnBrk="1" hangingPunct="1">
+                <a:defRPr sz="1800" kern="1200">
+                  <a:solidFill>
+                    <a:schemeClr val="tx1"/>
+                  </a:solidFill>
+                  <a:latin typeface="+mn-lt"/>
+                  <a:ea typeface="+mn-ea"/>
+                  <a:cs typeface="+mn-cs"/>
+                </a:defRPr>
+              </a:lvl4pPr>
+              <a:lvl5pPr marL="1828800" algn="l" defTabSz="914400" rtl="0" eaLnBrk="1" latinLnBrk="1" hangingPunct="1">
+                <a:defRPr sz="1800" kern="1200">
+                  <a:solidFill>
+                    <a:schemeClr val="tx1"/>
+                  </a:solidFill>
+                  <a:latin typeface="+mn-lt"/>
+                  <a:ea typeface="+mn-ea"/>
+                  <a:cs typeface="+mn-cs"/>
+                </a:defRPr>
+              </a:lvl5pPr>
+              <a:lvl6pPr marL="2286000" algn="l" defTabSz="914400" rtl="0" eaLnBrk="1" latinLnBrk="1" hangingPunct="1">
+                <a:defRPr sz="1800" kern="1200">
+                  <a:solidFill>
+                    <a:schemeClr val="tx1"/>
+                  </a:solidFill>
+                  <a:latin typeface="+mn-lt"/>
+                  <a:ea typeface="+mn-ea"/>
+                  <a:cs typeface="+mn-cs"/>
+                </a:defRPr>
+              </a:lvl6pPr>
+              <a:lvl7pPr marL="2743200" algn="l" defTabSz="914400" rtl="0" eaLnBrk="1" latinLnBrk="1" hangingPunct="1">
+                <a:defRPr sz="1800" kern="1200">
+                  <a:solidFill>
+                    <a:schemeClr val="tx1"/>
+                  </a:solidFill>
+                  <a:latin typeface="+mn-lt"/>
+                  <a:ea typeface="+mn-ea"/>
+                  <a:cs typeface="+mn-cs"/>
+                </a:defRPr>
+              </a:lvl7pPr>
+              <a:lvl8pPr marL="3200400" algn="l" defTabSz="914400" rtl="0" eaLnBrk="1" latinLnBrk="1" hangingPunct="1">
+                <a:defRPr sz="1800" kern="1200">
+                  <a:solidFill>
+                    <a:schemeClr val="tx1"/>
+                  </a:solidFill>
+                  <a:latin typeface="+mn-lt"/>
+                  <a:ea typeface="+mn-ea"/>
+                  <a:cs typeface="+mn-cs"/>
+                </a:defRPr>
+              </a:lvl8pPr>
+              <a:lvl9pPr marL="3657600" algn="l" defTabSz="914400" rtl="0" eaLnBrk="1" latinLnBrk="1" hangingPunct="1">
+                <a:defRPr sz="1800" kern="1200">
+                  <a:solidFill>
+                    <a:schemeClr val="tx1"/>
+                  </a:solidFill>
+                  <a:latin typeface="+mn-lt"/>
+                  <a:ea typeface="+mn-ea"/>
+                  <a:cs typeface="+mn-cs"/>
+                </a:defRPr>
+              </a:lvl9pPr>
+            </a:lstStyle>
+            <a:p>
+              <a:pPr marL="177800" indent="-177800" algn="r">
+                <a:lnSpc>
+                  <a:spcPct val="80000"/>
+                </a:lnSpc>
+              </a:pPr>
+              <a:r>
+                <a:rPr lang="en-US" altLang="ko-KR" sz="1000" b="1" spc="-20" dirty="0">
+                  <a:latin typeface="나눔고딕" pitchFamily="50" charset="-127"/>
+                  <a:ea typeface="나눔고딕" pitchFamily="50" charset="-127"/>
+                </a:rPr>
+                <a:t>request PHONESTATE info</a:t>
+              </a:r>
+              <a:endParaRPr lang="en-US" altLang="ko-KR" sz="1000" spc="-20" dirty="0">
+                <a:latin typeface="나눔고딕" pitchFamily="50" charset="-127"/>
+                <a:ea typeface="나눔고딕" pitchFamily="50" charset="-127"/>
+              </a:endParaRPr>
+            </a:p>
+          </p:txBody>
+        </p:sp>
+      </p:grpSp>
+      <p:cxnSp>
+        <p:nvCxnSpPr>
+          <p:cNvPr id="182" name="직선 화살표 연결선 181"/>
+          <p:cNvCxnSpPr/>
+          <p:nvPr/>
+        </p:nvCxnSpPr>
+        <p:spPr>
+          <a:xfrm>
+            <a:off x="2760454" y="5146249"/>
+            <a:ext cx="1243749" cy="0"/>
+          </a:xfrm>
+          <a:prstGeom prst="straightConnector1">
+            <a:avLst/>
+          </a:prstGeom>
+          <a:ln w="31750">
+            <a:solidFill>
+              <a:schemeClr val="tx1"/>
+            </a:solidFill>
+            <a:tailEnd type="triangle"/>
+          </a:ln>
+        </p:spPr>
+        <p:style>
+          <a:lnRef idx="1">
+            <a:schemeClr val="accent1"/>
+          </a:lnRef>
+          <a:fillRef idx="0">
+            <a:schemeClr val="accent1"/>
+          </a:fillRef>
+          <a:effectRef idx="0">
+            <a:schemeClr val="accent1"/>
+          </a:effectRef>
+          <a:fontRef idx="minor">
+            <a:schemeClr val="tx1"/>
+          </a:fontRef>
+        </p:style>
+      </p:cxnSp>
+      <p:grpSp>
+        <p:nvGrpSpPr>
+          <p:cNvPr id="28" name="그룹 27"/>
+          <p:cNvGrpSpPr/>
+          <p:nvPr/>
+        </p:nvGrpSpPr>
+        <p:grpSpPr>
+          <a:xfrm>
+            <a:off x="5482828" y="5441646"/>
+            <a:ext cx="1226344" cy="677641"/>
+            <a:chOff x="714375" y="1405715"/>
+            <a:chExt cx="1226344" cy="677641"/>
+          </a:xfrm>
+        </p:grpSpPr>
+        <p:sp>
+          <p:nvSpPr>
+            <p:cNvPr id="27" name="직사각형 26"/>
+            <p:cNvSpPr/>
+            <p:nvPr/>
+          </p:nvSpPr>
+          <p:spPr>
+            <a:xfrm>
+              <a:off x="714375" y="1405715"/>
+              <a:ext cx="1226344" cy="676727"/>
+            </a:xfrm>
+            <a:prstGeom prst="rect">
+              <a:avLst/>
+            </a:prstGeom>
+            <a:solidFill>
+              <a:srgbClr val="FF0000"/>
+            </a:solidFill>
+            <a:ln>
+              <a:noFill/>
+            </a:ln>
+          </p:spPr>
+          <p:style>
+            <a:lnRef idx="2">
+              <a:schemeClr val="accent2">
+                <a:shade val="50000"/>
+              </a:schemeClr>
+            </a:lnRef>
+            <a:fillRef idx="1">
+              <a:schemeClr val="accent2"/>
+            </a:fillRef>
+            <a:effectRef idx="0">
+              <a:schemeClr val="accent2"/>
+            </a:effectRef>
+            <a:fontRef idx="minor">
+              <a:schemeClr val="lt1"/>
+            </a:fontRef>
+          </p:style>
+          <p:txBody>
+            <a:bodyPr rtlCol="0" anchor="ctr"/>
+            <a:lstStyle/>
+            <a:p>
+              <a:pPr algn="ctr"/>
+              <a:endParaRPr lang="ko-KR" altLang="en-US"/>
+            </a:p>
+          </p:txBody>
+        </p:sp>
+        <p:grpSp>
+          <p:nvGrpSpPr>
+            <p:cNvPr id="23" name="그룹 22"/>
+            <p:cNvGrpSpPr/>
+            <p:nvPr/>
+          </p:nvGrpSpPr>
+          <p:grpSpPr>
+            <a:xfrm>
+              <a:off x="732347" y="1462683"/>
+              <a:ext cx="1190632" cy="620673"/>
+              <a:chOff x="5600607" y="5658349"/>
+              <a:chExt cx="1190632" cy="620673"/>
+            </a:xfrm>
+          </p:grpSpPr>
+          <p:sp>
+            <p:nvSpPr>
+              <p:cNvPr id="189" name="TextBox 43"/>
+              <p:cNvSpPr txBox="1"/>
+              <p:nvPr/>
+            </p:nvSpPr>
+            <p:spPr>
+              <a:xfrm>
+                <a:off x="5927693" y="5658349"/>
+                <a:ext cx="425423" cy="246221"/>
+              </a:xfrm>
+              <a:prstGeom prst="rect">
+                <a:avLst/>
+              </a:prstGeom>
+              <a:solidFill>
+                <a:schemeClr val="bg2">
+                  <a:lumMod val="10000"/>
+                  <a:alpha val="36078"/>
+                </a:schemeClr>
+              </a:solidFill>
+            </p:spPr>
+            <p:txBody>
+              <a:bodyPr wrap="square" rtlCol="0">
+                <a:spAutoFit/>
+              </a:bodyPr>
+              <a:lstStyle>
+                <a:defPPr>
+                  <a:defRPr lang="ko-KR"/>
+                </a:defPPr>
+                <a:lvl1pPr marL="0" algn="l" defTabSz="914400" rtl="0" eaLnBrk="1" latinLnBrk="1" hangingPunct="1">
+                  <a:defRPr sz="1800" kern="1200">
+                    <a:solidFill>
+                      <a:schemeClr val="tx1"/>
+                    </a:solidFill>
+                    <a:latin typeface="+mn-lt"/>
+                    <a:ea typeface="+mn-ea"/>
+                    <a:cs typeface="+mn-cs"/>
+                  </a:defRPr>
+                </a:lvl1pPr>
+                <a:lvl2pPr marL="457200" algn="l" defTabSz="914400" rtl="0" eaLnBrk="1" latinLnBrk="1" hangingPunct="1">
+                  <a:defRPr sz="1800" kern="1200">
+                    <a:solidFill>
+                      <a:schemeClr val="tx1"/>
+                    </a:solidFill>
+                    <a:latin typeface="+mn-lt"/>
+                    <a:ea typeface="+mn-ea"/>
+                    <a:cs typeface="+mn-cs"/>
+                  </a:defRPr>
+                </a:lvl2pPr>
+                <a:lvl3pPr marL="914400" algn="l" defTabSz="914400" rtl="0" eaLnBrk="1" latinLnBrk="1" hangingPunct="1">
+                  <a:defRPr sz="1800" kern="1200">
+                    <a:solidFill>
+                      <a:schemeClr val="tx1"/>
+                    </a:solidFill>
+                    <a:latin typeface="+mn-lt"/>
+                    <a:ea typeface="+mn-ea"/>
+                    <a:cs typeface="+mn-cs"/>
+                  </a:defRPr>
+                </a:lvl3pPr>
+                <a:lvl4pPr marL="1371600" algn="l" defTabSz="914400" rtl="0" eaLnBrk="1" latinLnBrk="1" hangingPunct="1">
+                  <a:defRPr sz="1800" kern="1200">
+                    <a:solidFill>
+                      <a:schemeClr val="tx1"/>
+                    </a:solidFill>
+                    <a:latin typeface="+mn-lt"/>
+                    <a:ea typeface="+mn-ea"/>
+                    <a:cs typeface="+mn-cs"/>
+                  </a:defRPr>
+                </a:lvl4pPr>
+                <a:lvl5pPr marL="1828800" algn="l" defTabSz="914400" rtl="0" eaLnBrk="1" latinLnBrk="1" hangingPunct="1">
+                  <a:defRPr sz="1800" kern="1200">
+                    <a:solidFill>
+                      <a:schemeClr val="tx1"/>
+                    </a:solidFill>
+                    <a:latin typeface="+mn-lt"/>
+                    <a:ea typeface="+mn-ea"/>
+                    <a:cs typeface="+mn-cs"/>
+                  </a:defRPr>
+                </a:lvl5pPr>
+                <a:lvl6pPr marL="2286000" algn="l" defTabSz="914400" rtl="0" eaLnBrk="1" latinLnBrk="1" hangingPunct="1">
+                  <a:defRPr sz="1800" kern="1200">
+                    <a:solidFill>
+                      <a:schemeClr val="tx1"/>
+                    </a:solidFill>
+                    <a:latin typeface="+mn-lt"/>
+                    <a:ea typeface="+mn-ea"/>
+                    <a:cs typeface="+mn-cs"/>
+                  </a:defRPr>
+                </a:lvl6pPr>
+                <a:lvl7pPr marL="2743200" algn="l" defTabSz="914400" rtl="0" eaLnBrk="1" latinLnBrk="1" hangingPunct="1">
+                  <a:defRPr sz="1800" kern="1200">
+                    <a:solidFill>
+                      <a:schemeClr val="tx1"/>
+                    </a:solidFill>
+                    <a:latin typeface="+mn-lt"/>
+                    <a:ea typeface="+mn-ea"/>
+                    <a:cs typeface="+mn-cs"/>
+                  </a:defRPr>
+                </a:lvl7pPr>
+                <a:lvl8pPr marL="3200400" algn="l" defTabSz="914400" rtl="0" eaLnBrk="1" latinLnBrk="1" hangingPunct="1">
+                  <a:defRPr sz="1800" kern="1200">
+                    <a:solidFill>
+                      <a:schemeClr val="tx1"/>
+                    </a:solidFill>
+                    <a:latin typeface="+mn-lt"/>
+                    <a:ea typeface="+mn-ea"/>
+                    <a:cs typeface="+mn-cs"/>
+                  </a:defRPr>
+                </a:lvl8pPr>
+                <a:lvl9pPr marL="3657600" algn="l" defTabSz="914400" rtl="0" eaLnBrk="1" latinLnBrk="1" hangingPunct="1">
+                  <a:defRPr sz="1800" kern="1200">
+                    <a:solidFill>
+                      <a:schemeClr val="tx1"/>
+                    </a:solidFill>
+                    <a:latin typeface="+mn-lt"/>
+                    <a:ea typeface="+mn-ea"/>
+                    <a:cs typeface="+mn-cs"/>
+                  </a:defRPr>
+                </a:lvl9pPr>
+              </a:lstStyle>
+              <a:p>
+                <a:pPr marL="177800" indent="-177800" algn="ctr"/>
+                <a:r>
+                  <a:rPr lang="en-US" altLang="ko-KR" sz="1000" b="1" dirty="0">
+                    <a:latin typeface="나눔고딕" pitchFamily="50" charset="-127"/>
+                    <a:ea typeface="나눔고딕" pitchFamily="50" charset="-127"/>
+                  </a:rPr>
+                  <a:t>999</a:t>
+                </a:r>
+                <a:endParaRPr lang="en-US" altLang="ko-KR" sz="1000" dirty="0">
+                  <a:latin typeface="나눔고딕" pitchFamily="50" charset="-127"/>
+                  <a:ea typeface="나눔고딕" pitchFamily="50" charset="-127"/>
+                </a:endParaRPr>
+              </a:p>
+            </p:txBody>
+          </p:sp>
+          <p:sp>
+            <p:nvSpPr>
+              <p:cNvPr id="190" name="TextBox 52"/>
+              <p:cNvSpPr txBox="1"/>
+              <p:nvPr/>
+            </p:nvSpPr>
+            <p:spPr>
+              <a:xfrm>
+                <a:off x="5600607" y="5940468"/>
+                <a:ext cx="1079596" cy="338554"/>
+              </a:xfrm>
+              <a:prstGeom prst="rect">
+                <a:avLst/>
+              </a:prstGeom>
+              <a:noFill/>
+            </p:spPr>
+            <p:txBody>
+              <a:bodyPr wrap="square" rtlCol="0" anchor="b">
+                <a:spAutoFit/>
+              </a:bodyPr>
+              <a:lstStyle>
+                <a:defPPr>
+                  <a:defRPr lang="ko-KR"/>
+                </a:defPPr>
+                <a:lvl1pPr marL="0" algn="l" defTabSz="914400" rtl="0" eaLnBrk="1" latinLnBrk="1" hangingPunct="1">
+                  <a:defRPr sz="1800" kern="1200">
+                    <a:solidFill>
+                      <a:schemeClr val="tx1"/>
+                    </a:solidFill>
+                    <a:latin typeface="+mn-lt"/>
+                    <a:ea typeface="+mn-ea"/>
+                    <a:cs typeface="+mn-cs"/>
+                  </a:defRPr>
+                </a:lvl1pPr>
+                <a:lvl2pPr marL="457200" algn="l" defTabSz="914400" rtl="0" eaLnBrk="1" latinLnBrk="1" hangingPunct="1">
+                  <a:defRPr sz="1800" kern="1200">
+                    <a:solidFill>
+                      <a:schemeClr val="tx1"/>
+                    </a:solidFill>
+                    <a:latin typeface="+mn-lt"/>
+                    <a:ea typeface="+mn-ea"/>
+                    <a:cs typeface="+mn-cs"/>
+                  </a:defRPr>
+                </a:lvl2pPr>
+                <a:lvl3pPr marL="914400" algn="l" defTabSz="914400" rtl="0" eaLnBrk="1" latinLnBrk="1" hangingPunct="1">
+                  <a:defRPr sz="1800" kern="1200">
+                    <a:solidFill>
+                      <a:schemeClr val="tx1"/>
+                    </a:solidFill>
+                    <a:latin typeface="+mn-lt"/>
+                    <a:ea typeface="+mn-ea"/>
+                    <a:cs typeface="+mn-cs"/>
+                  </a:defRPr>
+                </a:lvl3pPr>
+                <a:lvl4pPr marL="1371600" algn="l" defTabSz="914400" rtl="0" eaLnBrk="1" latinLnBrk="1" hangingPunct="1">
+                  <a:defRPr sz="1800" kern="1200">
+                    <a:solidFill>
+                      <a:schemeClr val="tx1"/>
+                    </a:solidFill>
+                    <a:latin typeface="+mn-lt"/>
+                    <a:ea typeface="+mn-ea"/>
+                    <a:cs typeface="+mn-cs"/>
+                  </a:defRPr>
+                </a:lvl4pPr>
+                <a:lvl5pPr marL="1828800" algn="l" defTabSz="914400" rtl="0" eaLnBrk="1" latinLnBrk="1" hangingPunct="1">
+                  <a:defRPr sz="1800" kern="1200">
+                    <a:solidFill>
+                      <a:schemeClr val="tx1"/>
+                    </a:solidFill>
+                    <a:latin typeface="+mn-lt"/>
+                    <a:ea typeface="+mn-ea"/>
+                    <a:cs typeface="+mn-cs"/>
+                  </a:defRPr>
+                </a:lvl5pPr>
+                <a:lvl6pPr marL="2286000" algn="l" defTabSz="914400" rtl="0" eaLnBrk="1" latinLnBrk="1" hangingPunct="1">
+                  <a:defRPr sz="1800" kern="1200">
+                    <a:solidFill>
+                      <a:schemeClr val="tx1"/>
+                    </a:solidFill>
+                    <a:latin typeface="+mn-lt"/>
+                    <a:ea typeface="+mn-ea"/>
+                    <a:cs typeface="+mn-cs"/>
+                  </a:defRPr>
+                </a:lvl6pPr>
+                <a:lvl7pPr marL="2743200" algn="l" defTabSz="914400" rtl="0" eaLnBrk="1" latinLnBrk="1" hangingPunct="1">
+                  <a:defRPr sz="1800" kern="1200">
+                    <a:solidFill>
+                      <a:schemeClr val="tx1"/>
+                    </a:solidFill>
+                    <a:latin typeface="+mn-lt"/>
+                    <a:ea typeface="+mn-ea"/>
+                    <a:cs typeface="+mn-cs"/>
+                  </a:defRPr>
+                </a:lvl7pPr>
+                <a:lvl8pPr marL="3200400" algn="l" defTabSz="914400" rtl="0" eaLnBrk="1" latinLnBrk="1" hangingPunct="1">
+                  <a:defRPr sz="1800" kern="1200">
+                    <a:solidFill>
+                      <a:schemeClr val="tx1"/>
+                    </a:solidFill>
+                    <a:latin typeface="+mn-lt"/>
+                    <a:ea typeface="+mn-ea"/>
+                    <a:cs typeface="+mn-cs"/>
+                  </a:defRPr>
+                </a:lvl8pPr>
+                <a:lvl9pPr marL="3657600" algn="l" defTabSz="914400" rtl="0" eaLnBrk="1" latinLnBrk="1" hangingPunct="1">
+                  <a:defRPr sz="1800" kern="1200">
+                    <a:solidFill>
+                      <a:schemeClr val="tx1"/>
+                    </a:solidFill>
+                    <a:latin typeface="+mn-lt"/>
+                    <a:ea typeface="+mn-ea"/>
+                    <a:cs typeface="+mn-cs"/>
+                  </a:defRPr>
+                </a:lvl9pPr>
+              </a:lstStyle>
+              <a:p>
+                <a:pPr marL="177800" indent="-177800" algn="ctr">
+                  <a:lnSpc>
+                    <a:spcPct val="80000"/>
+                  </a:lnSpc>
+                </a:pPr>
+                <a:r>
+                  <a:rPr lang="en-US" altLang="ko-KR" sz="1000" b="1" spc="-20" dirty="0">
+                    <a:latin typeface="나눔고딕" pitchFamily="50" charset="-127"/>
+                    <a:ea typeface="나눔고딕" pitchFamily="50" charset="-127"/>
+                  </a:rPr>
+                  <a:t>failed!!</a:t>
+                </a:r>
+              </a:p>
+              <a:p>
+                <a:pPr marL="177800" indent="-177800" algn="ctr">
+                  <a:lnSpc>
+                    <a:spcPct val="80000"/>
+                  </a:lnSpc>
+                </a:pPr>
+                <a:r>
+                  <a:rPr lang="en-US" altLang="ko-KR" sz="1000" b="1" spc="-20" dirty="0" err="1">
+                    <a:latin typeface="나눔고딕" pitchFamily="50" charset="-127"/>
+                    <a:ea typeface="나눔고딕" pitchFamily="50" charset="-127"/>
+                  </a:rPr>
+                  <a:t>gonna</a:t>
+                </a:r>
+                <a:r>
+                  <a:rPr lang="en-US" altLang="ko-KR" sz="1000" b="1" spc="-20" dirty="0">
+                    <a:latin typeface="나눔고딕" pitchFamily="50" charset="-127"/>
+                    <a:ea typeface="나눔고딕" pitchFamily="50" charset="-127"/>
+                  </a:rPr>
+                  <a:t> resend</a:t>
+                </a:r>
+                <a:endParaRPr lang="en-US" altLang="ko-KR" sz="1000" spc="-20" dirty="0">
+                  <a:latin typeface="나눔고딕" pitchFamily="50" charset="-127"/>
+                  <a:ea typeface="나눔고딕" pitchFamily="50" charset="-127"/>
+                </a:endParaRPr>
+              </a:p>
+            </p:txBody>
+          </p:sp>
+          <p:sp>
+            <p:nvSpPr>
+              <p:cNvPr id="194" name="TextBox 52"/>
+              <p:cNvSpPr txBox="1"/>
+              <p:nvPr/>
+            </p:nvSpPr>
+            <p:spPr>
+              <a:xfrm>
+                <a:off x="6285073" y="5750862"/>
+                <a:ext cx="506166" cy="190821"/>
+              </a:xfrm>
+              <a:prstGeom prst="rect">
+                <a:avLst/>
+              </a:prstGeom>
+              <a:noFill/>
+            </p:spPr>
+            <p:txBody>
+              <a:bodyPr wrap="square" rtlCol="0">
+                <a:spAutoFit/>
+              </a:bodyPr>
+              <a:lstStyle>
+                <a:defPPr>
+                  <a:defRPr lang="ko-KR"/>
+                </a:defPPr>
+                <a:lvl1pPr marL="0" algn="l" defTabSz="914400" rtl="0" eaLnBrk="1" latinLnBrk="1" hangingPunct="1">
+                  <a:defRPr sz="1800" kern="1200">
+                    <a:solidFill>
+                      <a:schemeClr val="tx1"/>
+                    </a:solidFill>
+                    <a:latin typeface="+mn-lt"/>
+                    <a:ea typeface="+mn-ea"/>
+                    <a:cs typeface="+mn-cs"/>
+                  </a:defRPr>
+                </a:lvl1pPr>
+                <a:lvl2pPr marL="457200" algn="l" defTabSz="914400" rtl="0" eaLnBrk="1" latinLnBrk="1" hangingPunct="1">
+                  <a:defRPr sz="1800" kern="1200">
+                    <a:solidFill>
+                      <a:schemeClr val="tx1"/>
+                    </a:solidFill>
+                    <a:latin typeface="+mn-lt"/>
+                    <a:ea typeface="+mn-ea"/>
+                    <a:cs typeface="+mn-cs"/>
+                  </a:defRPr>
+                </a:lvl2pPr>
+                <a:lvl3pPr marL="914400" algn="l" defTabSz="914400" rtl="0" eaLnBrk="1" latinLnBrk="1" hangingPunct="1">
+                  <a:defRPr sz="1800" kern="1200">
+                    <a:solidFill>
+                      <a:schemeClr val="tx1"/>
+                    </a:solidFill>
+                    <a:latin typeface="+mn-lt"/>
+                    <a:ea typeface="+mn-ea"/>
+                    <a:cs typeface="+mn-cs"/>
+                  </a:defRPr>
+                </a:lvl3pPr>
+                <a:lvl4pPr marL="1371600" algn="l" defTabSz="914400" rtl="0" eaLnBrk="1" latinLnBrk="1" hangingPunct="1">
+                  <a:defRPr sz="1800" kern="1200">
+                    <a:solidFill>
+                      <a:schemeClr val="tx1"/>
+                    </a:solidFill>
+                    <a:latin typeface="+mn-lt"/>
+                    <a:ea typeface="+mn-ea"/>
+                    <a:cs typeface="+mn-cs"/>
+                  </a:defRPr>
+                </a:lvl4pPr>
+                <a:lvl5pPr marL="1828800" algn="l" defTabSz="914400" rtl="0" eaLnBrk="1" latinLnBrk="1" hangingPunct="1">
+                  <a:defRPr sz="1800" kern="1200">
+                    <a:solidFill>
+                      <a:schemeClr val="tx1"/>
+                    </a:solidFill>
+                    <a:latin typeface="+mn-lt"/>
+                    <a:ea typeface="+mn-ea"/>
+                    <a:cs typeface="+mn-cs"/>
+                  </a:defRPr>
+                </a:lvl5pPr>
+                <a:lvl6pPr marL="2286000" algn="l" defTabSz="914400" rtl="0" eaLnBrk="1" latinLnBrk="1" hangingPunct="1">
+                  <a:defRPr sz="1800" kern="1200">
+                    <a:solidFill>
+                      <a:schemeClr val="tx1"/>
+                    </a:solidFill>
+                    <a:latin typeface="+mn-lt"/>
+                    <a:ea typeface="+mn-ea"/>
+                    <a:cs typeface="+mn-cs"/>
+                  </a:defRPr>
+                </a:lvl6pPr>
+                <a:lvl7pPr marL="2743200" algn="l" defTabSz="914400" rtl="0" eaLnBrk="1" latinLnBrk="1" hangingPunct="1">
+                  <a:defRPr sz="1800" kern="1200">
+                    <a:solidFill>
+                      <a:schemeClr val="tx1"/>
+                    </a:solidFill>
+                    <a:latin typeface="+mn-lt"/>
+                    <a:ea typeface="+mn-ea"/>
+                    <a:cs typeface="+mn-cs"/>
+                  </a:defRPr>
+                </a:lvl7pPr>
+                <a:lvl8pPr marL="3200400" algn="l" defTabSz="914400" rtl="0" eaLnBrk="1" latinLnBrk="1" hangingPunct="1">
+                  <a:defRPr sz="1800" kern="1200">
+                    <a:solidFill>
+                      <a:schemeClr val="tx1"/>
+                    </a:solidFill>
+                    <a:latin typeface="+mn-lt"/>
+                    <a:ea typeface="+mn-ea"/>
+                    <a:cs typeface="+mn-cs"/>
+                  </a:defRPr>
+                </a:lvl8pPr>
+                <a:lvl9pPr marL="3657600" algn="l" defTabSz="914400" rtl="0" eaLnBrk="1" latinLnBrk="1" hangingPunct="1">
+                  <a:defRPr sz="1800" kern="1200">
+                    <a:solidFill>
+                      <a:schemeClr val="tx1"/>
+                    </a:solidFill>
+                    <a:latin typeface="+mn-lt"/>
+                    <a:ea typeface="+mn-ea"/>
+                    <a:cs typeface="+mn-cs"/>
+                  </a:defRPr>
+                </a:lvl9pPr>
+              </a:lstStyle>
+              <a:p>
+                <a:pPr marL="177800" indent="-177800">
+                  <a:lnSpc>
+                    <a:spcPct val="80000"/>
+                  </a:lnSpc>
+                </a:pPr>
+                <a:r>
+                  <a:rPr lang="en-US" altLang="ko-KR" sz="800" b="1" spc="-20" dirty="0">
+                    <a:latin typeface="나눔고딕" pitchFamily="50" charset="-127"/>
+                    <a:ea typeface="나눔고딕" pitchFamily="50" charset="-127"/>
+                  </a:rPr>
+                  <a:t>+ code</a:t>
+                </a:r>
+                <a:endParaRPr lang="en-US" altLang="ko-KR" sz="800" dirty="0">
+                  <a:latin typeface="나눔고딕" pitchFamily="50" charset="-127"/>
+                  <a:ea typeface="나눔고딕" pitchFamily="50" charset="-127"/>
+                </a:endParaRPr>
+              </a:p>
+            </p:txBody>
+          </p:sp>
+        </p:grpSp>
+      </p:grpSp>
+      <p:sp>
+        <p:nvSpPr>
+          <p:cNvPr id="29" name="화살표: U자형 28"/>
+          <p:cNvSpPr/>
+          <p:nvPr/>
+        </p:nvSpPr>
+        <p:spPr>
+          <a:xfrm rot="5400000" flipV="1">
+            <a:off x="1079173" y="2950860"/>
+            <a:ext cx="1003236" cy="2191420"/>
+          </a:xfrm>
+          <a:prstGeom prst="uturnArrow">
+            <a:avLst>
+              <a:gd name="adj1" fmla="val 3089"/>
+              <a:gd name="adj2" fmla="val 25000"/>
+              <a:gd name="adj3" fmla="val 12419"/>
+              <a:gd name="adj4" fmla="val 30418"/>
+              <a:gd name="adj5" fmla="val 19611"/>
+            </a:avLst>
+          </a:prstGeom>
+          <a:solidFill>
+            <a:srgbClr val="AFABAB"/>
+          </a:solidFill>
+          <a:ln>
+            <a:noFill/>
+            <a:prstDash val="dash"/>
+          </a:ln>
+        </p:spPr>
+        <p:style>
+          <a:lnRef idx="2">
+            <a:schemeClr val="accent1">
+              <a:shade val="50000"/>
+            </a:schemeClr>
+          </a:lnRef>
+          <a:fillRef idx="1">
+            <a:schemeClr val="accent1"/>
+          </a:fillRef>
+          <a:effectRef idx="0">
+            <a:schemeClr val="accent1"/>
+          </a:effectRef>
+          <a:fontRef idx="minor">
+            <a:schemeClr val="lt1"/>
+          </a:fontRef>
+        </p:style>
+        <p:txBody>
+          <a:bodyPr rtlCol="0" anchor="ctr"/>
+          <a:lstStyle/>
+          <a:p>
+            <a:pPr algn="ctr"/>
+            <a:endParaRPr lang="ko-KR" altLang="en-US" dirty="0">
+              <a:solidFill>
+                <a:schemeClr val="tx1"/>
               </a:solidFill>
             </a:endParaRPr>
           </a:p>
